--- a/HTML Basics.pptx
+++ b/HTML Basics.pptx
@@ -5,21 +5,35 @@
     <p:sldMasterId id="2147483660" r:id="rId1"/>
   </p:sldMasterIdLst>
   <p:notesMasterIdLst>
-    <p:notesMasterId r:id="rId14"/>
+    <p:notesMasterId r:id="rId28"/>
   </p:notesMasterIdLst>
   <p:sldIdLst>
     <p:sldId id="257" r:id="rId2"/>
-    <p:sldId id="258" r:id="rId3"/>
-    <p:sldId id="259" r:id="rId4"/>
-    <p:sldId id="260" r:id="rId5"/>
-    <p:sldId id="262" r:id="rId6"/>
-    <p:sldId id="263" r:id="rId7"/>
-    <p:sldId id="264" r:id="rId8"/>
-    <p:sldId id="265" r:id="rId9"/>
-    <p:sldId id="266" r:id="rId10"/>
-    <p:sldId id="268" r:id="rId11"/>
-    <p:sldId id="267" r:id="rId12"/>
-    <p:sldId id="269" r:id="rId13"/>
+    <p:sldId id="287" r:id="rId3"/>
+    <p:sldId id="288" r:id="rId4"/>
+    <p:sldId id="289" r:id="rId5"/>
+    <p:sldId id="290" r:id="rId6"/>
+    <p:sldId id="291" r:id="rId7"/>
+    <p:sldId id="292" r:id="rId8"/>
+    <p:sldId id="293" r:id="rId9"/>
+    <p:sldId id="294" r:id="rId10"/>
+    <p:sldId id="295" r:id="rId11"/>
+    <p:sldId id="262" r:id="rId12"/>
+    <p:sldId id="271" r:id="rId13"/>
+    <p:sldId id="270" r:id="rId14"/>
+    <p:sldId id="272" r:id="rId15"/>
+    <p:sldId id="273" r:id="rId16"/>
+    <p:sldId id="274" r:id="rId17"/>
+    <p:sldId id="275" r:id="rId18"/>
+    <p:sldId id="276" r:id="rId19"/>
+    <p:sldId id="277" r:id="rId20"/>
+    <p:sldId id="282" r:id="rId21"/>
+    <p:sldId id="278" r:id="rId22"/>
+    <p:sldId id="279" r:id="rId23"/>
+    <p:sldId id="280" r:id="rId24"/>
+    <p:sldId id="281" r:id="rId25"/>
+    <p:sldId id="283" r:id="rId26"/>
+    <p:sldId id="264" r:id="rId27"/>
   </p:sldIdLst>
   <p:sldSz cx="9144000" cy="6858000" type="screen4x3"/>
   <p:notesSz cx="6858000" cy="9144000"/>
@@ -203,7 +217,7 @@
           <a:p>
             <a:fld id="{31E264B7-4911-445D-81A6-F820B414B7C4}" type="datetimeFigureOut">
               <a:rPr lang="en-US" smtClean="0"/>
-              <a:t>9/15/2015</a:t>
+              <a:t>9/21/2015</a:t>
             </a:fld>
             <a:endParaRPr lang="en-US"/>
           </a:p>
@@ -544,7 +558,7 @@
           <a:p>
             <a:fld id="{CF465F8E-0458-419C-84CE-2371E0B04974}" type="slidenum">
               <a:rPr lang="en-US" smtClean="0"/>
-              <a:t>2</a:t>
+              <a:t>4</a:t>
             </a:fld>
             <a:endParaRPr lang="en-US"/>
           </a:p>
@@ -554,6 +568,843 @@
     <p:extLst>
       <p:ext uri="{BB962C8B-B14F-4D97-AF65-F5344CB8AC3E}">
         <p14:creationId xmlns:p14="http://schemas.microsoft.com/office/powerpoint/2010/main" val="2033854125"/>
+      </p:ext>
+    </p:extLst>
+  </p:cSld>
+  <p:clrMapOvr>
+    <a:masterClrMapping/>
+  </p:clrMapOvr>
+</p:notes>
+</file>
+
+<file path=ppt/notesSlides/notesSlide10.xml><?xml version="1.0" encoding="utf-8"?>
+<p:notes xmlns:a="http://schemas.openxmlformats.org/drawingml/2006/main" xmlns:r="http://schemas.openxmlformats.org/officeDocument/2006/relationships" xmlns:p="http://schemas.openxmlformats.org/presentationml/2006/main">
+  <p:cSld>
+    <p:spTree>
+      <p:nvGrpSpPr>
+        <p:cNvPr id="1" name=""/>
+        <p:cNvGrpSpPr/>
+        <p:nvPr/>
+      </p:nvGrpSpPr>
+      <p:grpSpPr>
+        <a:xfrm>
+          <a:off x="0" y="0"/>
+          <a:ext cx="0" cy="0"/>
+          <a:chOff x="0" y="0"/>
+          <a:chExt cx="0" cy="0"/>
+        </a:xfrm>
+      </p:grpSpPr>
+      <p:sp>
+        <p:nvSpPr>
+          <p:cNvPr id="2" name="Slide Image Placeholder 1"/>
+          <p:cNvSpPr>
+            <a:spLocks noGrp="1" noRot="1" noChangeAspect="1"/>
+          </p:cNvSpPr>
+          <p:nvPr>
+            <p:ph type="sldImg"/>
+          </p:nvPr>
+        </p:nvSpPr>
+        <p:spPr/>
+      </p:sp>
+      <p:sp>
+        <p:nvSpPr>
+          <p:cNvPr id="3" name="Notes Placeholder 2"/>
+          <p:cNvSpPr>
+            <a:spLocks noGrp="1"/>
+          </p:cNvSpPr>
+          <p:nvPr>
+            <p:ph type="body" idx="1"/>
+          </p:nvPr>
+        </p:nvSpPr>
+        <p:spPr/>
+        <p:txBody>
+          <a:bodyPr/>
+          <a:lstStyle/>
+          <a:p>
+            <a:pPr marL="365760" lvl="1" indent="0">
+              <a:buNone/>
+            </a:pPr>
+            <a:r>
+              <a:rPr lang="en-US" sz="2400" dirty="0" smtClean="0">
+                <a:hlinkClick r:id="rId3"/>
+              </a:rPr>
+              <a:t>http://www.w3.org/TR/html-markup/elements-by-function.html</a:t>
+            </a:r>
+            <a:endParaRPr lang="en-US" sz="2400" dirty="0" smtClean="0"/>
+          </a:p>
+        </p:txBody>
+      </p:sp>
+      <p:sp>
+        <p:nvSpPr>
+          <p:cNvPr id="4" name="Slide Number Placeholder 3"/>
+          <p:cNvSpPr>
+            <a:spLocks noGrp="1"/>
+          </p:cNvSpPr>
+          <p:nvPr>
+            <p:ph type="sldNum" sz="quarter" idx="10"/>
+          </p:nvPr>
+        </p:nvSpPr>
+        <p:spPr/>
+        <p:txBody>
+          <a:bodyPr/>
+          <a:lstStyle/>
+          <a:p>
+            <a:fld id="{CF465F8E-0458-419C-84CE-2371E0B04974}" type="slidenum">
+              <a:rPr lang="en-US" smtClean="0"/>
+              <a:t>17</a:t>
+            </a:fld>
+            <a:endParaRPr lang="en-US"/>
+          </a:p>
+        </p:txBody>
+      </p:sp>
+    </p:spTree>
+    <p:extLst>
+      <p:ext uri="{BB962C8B-B14F-4D97-AF65-F5344CB8AC3E}">
+        <p14:creationId xmlns:p14="http://schemas.microsoft.com/office/powerpoint/2010/main" val="1376130724"/>
+      </p:ext>
+    </p:extLst>
+  </p:cSld>
+  <p:clrMapOvr>
+    <a:masterClrMapping/>
+  </p:clrMapOvr>
+</p:notes>
+</file>
+
+<file path=ppt/notesSlides/notesSlide11.xml><?xml version="1.0" encoding="utf-8"?>
+<p:notes xmlns:a="http://schemas.openxmlformats.org/drawingml/2006/main" xmlns:r="http://schemas.openxmlformats.org/officeDocument/2006/relationships" xmlns:p="http://schemas.openxmlformats.org/presentationml/2006/main">
+  <p:cSld>
+    <p:spTree>
+      <p:nvGrpSpPr>
+        <p:cNvPr id="1" name=""/>
+        <p:cNvGrpSpPr/>
+        <p:nvPr/>
+      </p:nvGrpSpPr>
+      <p:grpSpPr>
+        <a:xfrm>
+          <a:off x="0" y="0"/>
+          <a:ext cx="0" cy="0"/>
+          <a:chOff x="0" y="0"/>
+          <a:chExt cx="0" cy="0"/>
+        </a:xfrm>
+      </p:grpSpPr>
+      <p:sp>
+        <p:nvSpPr>
+          <p:cNvPr id="2" name="Slide Image Placeholder 1"/>
+          <p:cNvSpPr>
+            <a:spLocks noGrp="1" noRot="1" noChangeAspect="1"/>
+          </p:cNvSpPr>
+          <p:nvPr>
+            <p:ph type="sldImg"/>
+          </p:nvPr>
+        </p:nvSpPr>
+        <p:spPr/>
+      </p:sp>
+      <p:sp>
+        <p:nvSpPr>
+          <p:cNvPr id="3" name="Notes Placeholder 2"/>
+          <p:cNvSpPr>
+            <a:spLocks noGrp="1"/>
+          </p:cNvSpPr>
+          <p:nvPr>
+            <p:ph type="body" idx="1"/>
+          </p:nvPr>
+        </p:nvSpPr>
+        <p:spPr/>
+        <p:txBody>
+          <a:bodyPr/>
+          <a:lstStyle/>
+          <a:p>
+            <a:pPr marL="365760" lvl="1" indent="0">
+              <a:buNone/>
+            </a:pPr>
+            <a:r>
+              <a:rPr lang="en-US" sz="2400" dirty="0" smtClean="0">
+                <a:hlinkClick r:id="rId3"/>
+              </a:rPr>
+              <a:t>http://www.w3.org/TR/html-markup/elements-by-function.html</a:t>
+            </a:r>
+            <a:endParaRPr lang="en-US" sz="2400" dirty="0" smtClean="0"/>
+          </a:p>
+        </p:txBody>
+      </p:sp>
+      <p:sp>
+        <p:nvSpPr>
+          <p:cNvPr id="4" name="Slide Number Placeholder 3"/>
+          <p:cNvSpPr>
+            <a:spLocks noGrp="1"/>
+          </p:cNvSpPr>
+          <p:nvPr>
+            <p:ph type="sldNum" sz="quarter" idx="10"/>
+          </p:nvPr>
+        </p:nvSpPr>
+        <p:spPr/>
+        <p:txBody>
+          <a:bodyPr/>
+          <a:lstStyle/>
+          <a:p>
+            <a:fld id="{CF465F8E-0458-419C-84CE-2371E0B04974}" type="slidenum">
+              <a:rPr lang="en-US" smtClean="0"/>
+              <a:t>18</a:t>
+            </a:fld>
+            <a:endParaRPr lang="en-US"/>
+          </a:p>
+        </p:txBody>
+      </p:sp>
+    </p:spTree>
+    <p:extLst>
+      <p:ext uri="{BB962C8B-B14F-4D97-AF65-F5344CB8AC3E}">
+        <p14:creationId xmlns:p14="http://schemas.microsoft.com/office/powerpoint/2010/main" val="1376130724"/>
+      </p:ext>
+    </p:extLst>
+  </p:cSld>
+  <p:clrMapOvr>
+    <a:masterClrMapping/>
+  </p:clrMapOvr>
+</p:notes>
+</file>
+
+<file path=ppt/notesSlides/notesSlide12.xml><?xml version="1.0" encoding="utf-8"?>
+<p:notes xmlns:a="http://schemas.openxmlformats.org/drawingml/2006/main" xmlns:r="http://schemas.openxmlformats.org/officeDocument/2006/relationships" xmlns:p="http://schemas.openxmlformats.org/presentationml/2006/main">
+  <p:cSld>
+    <p:spTree>
+      <p:nvGrpSpPr>
+        <p:cNvPr id="1" name=""/>
+        <p:cNvGrpSpPr/>
+        <p:nvPr/>
+      </p:nvGrpSpPr>
+      <p:grpSpPr>
+        <a:xfrm>
+          <a:off x="0" y="0"/>
+          <a:ext cx="0" cy="0"/>
+          <a:chOff x="0" y="0"/>
+          <a:chExt cx="0" cy="0"/>
+        </a:xfrm>
+      </p:grpSpPr>
+      <p:sp>
+        <p:nvSpPr>
+          <p:cNvPr id="2" name="Slide Image Placeholder 1"/>
+          <p:cNvSpPr>
+            <a:spLocks noGrp="1" noRot="1" noChangeAspect="1"/>
+          </p:cNvSpPr>
+          <p:nvPr>
+            <p:ph type="sldImg"/>
+          </p:nvPr>
+        </p:nvSpPr>
+        <p:spPr/>
+      </p:sp>
+      <p:sp>
+        <p:nvSpPr>
+          <p:cNvPr id="3" name="Notes Placeholder 2"/>
+          <p:cNvSpPr>
+            <a:spLocks noGrp="1"/>
+          </p:cNvSpPr>
+          <p:nvPr>
+            <p:ph type="body" idx="1"/>
+          </p:nvPr>
+        </p:nvSpPr>
+        <p:spPr/>
+        <p:txBody>
+          <a:bodyPr/>
+          <a:lstStyle/>
+          <a:p>
+            <a:pPr marL="365760" lvl="1" indent="0">
+              <a:buNone/>
+            </a:pPr>
+            <a:r>
+              <a:rPr lang="en-US" sz="2400" dirty="0" smtClean="0">
+                <a:hlinkClick r:id="rId3"/>
+              </a:rPr>
+              <a:t>http://www.w3.org/TR/html-markup/elements-by-function.html</a:t>
+            </a:r>
+            <a:endParaRPr lang="en-US" sz="2400" dirty="0" smtClean="0"/>
+          </a:p>
+        </p:txBody>
+      </p:sp>
+      <p:sp>
+        <p:nvSpPr>
+          <p:cNvPr id="4" name="Slide Number Placeholder 3"/>
+          <p:cNvSpPr>
+            <a:spLocks noGrp="1"/>
+          </p:cNvSpPr>
+          <p:nvPr>
+            <p:ph type="sldNum" sz="quarter" idx="10"/>
+          </p:nvPr>
+        </p:nvSpPr>
+        <p:spPr/>
+        <p:txBody>
+          <a:bodyPr/>
+          <a:lstStyle/>
+          <a:p>
+            <a:fld id="{CF465F8E-0458-419C-84CE-2371E0B04974}" type="slidenum">
+              <a:rPr lang="en-US" smtClean="0"/>
+              <a:t>19</a:t>
+            </a:fld>
+            <a:endParaRPr lang="en-US"/>
+          </a:p>
+        </p:txBody>
+      </p:sp>
+    </p:spTree>
+    <p:extLst>
+      <p:ext uri="{BB962C8B-B14F-4D97-AF65-F5344CB8AC3E}">
+        <p14:creationId xmlns:p14="http://schemas.microsoft.com/office/powerpoint/2010/main" val="1376130724"/>
+      </p:ext>
+    </p:extLst>
+  </p:cSld>
+  <p:clrMapOvr>
+    <a:masterClrMapping/>
+  </p:clrMapOvr>
+</p:notes>
+</file>
+
+<file path=ppt/notesSlides/notesSlide13.xml><?xml version="1.0" encoding="utf-8"?>
+<p:notes xmlns:a="http://schemas.openxmlformats.org/drawingml/2006/main" xmlns:r="http://schemas.openxmlformats.org/officeDocument/2006/relationships" xmlns:p="http://schemas.openxmlformats.org/presentationml/2006/main">
+  <p:cSld>
+    <p:spTree>
+      <p:nvGrpSpPr>
+        <p:cNvPr id="1" name=""/>
+        <p:cNvGrpSpPr/>
+        <p:nvPr/>
+      </p:nvGrpSpPr>
+      <p:grpSpPr>
+        <a:xfrm>
+          <a:off x="0" y="0"/>
+          <a:ext cx="0" cy="0"/>
+          <a:chOff x="0" y="0"/>
+          <a:chExt cx="0" cy="0"/>
+        </a:xfrm>
+      </p:grpSpPr>
+      <p:sp>
+        <p:nvSpPr>
+          <p:cNvPr id="2" name="Slide Image Placeholder 1"/>
+          <p:cNvSpPr>
+            <a:spLocks noGrp="1" noRot="1" noChangeAspect="1"/>
+          </p:cNvSpPr>
+          <p:nvPr>
+            <p:ph type="sldImg"/>
+          </p:nvPr>
+        </p:nvSpPr>
+        <p:spPr/>
+      </p:sp>
+      <p:sp>
+        <p:nvSpPr>
+          <p:cNvPr id="3" name="Notes Placeholder 2"/>
+          <p:cNvSpPr>
+            <a:spLocks noGrp="1"/>
+          </p:cNvSpPr>
+          <p:nvPr>
+            <p:ph type="body" idx="1"/>
+          </p:nvPr>
+        </p:nvSpPr>
+        <p:spPr/>
+        <p:txBody>
+          <a:bodyPr/>
+          <a:lstStyle/>
+          <a:p>
+            <a:pPr marL="365760" lvl="1" indent="0">
+              <a:buNone/>
+            </a:pPr>
+            <a:r>
+              <a:rPr lang="en-US" sz="2400" dirty="0" smtClean="0">
+                <a:hlinkClick r:id="rId3"/>
+              </a:rPr>
+              <a:t>http://www.w3.org/TR/html-markup/elements-by-function.html</a:t>
+            </a:r>
+            <a:endParaRPr lang="en-US" sz="2400" dirty="0" smtClean="0"/>
+          </a:p>
+        </p:txBody>
+      </p:sp>
+      <p:sp>
+        <p:nvSpPr>
+          <p:cNvPr id="4" name="Slide Number Placeholder 3"/>
+          <p:cNvSpPr>
+            <a:spLocks noGrp="1"/>
+          </p:cNvSpPr>
+          <p:nvPr>
+            <p:ph type="sldNum" sz="quarter" idx="10"/>
+          </p:nvPr>
+        </p:nvSpPr>
+        <p:spPr/>
+        <p:txBody>
+          <a:bodyPr/>
+          <a:lstStyle/>
+          <a:p>
+            <a:fld id="{CF465F8E-0458-419C-84CE-2371E0B04974}" type="slidenum">
+              <a:rPr lang="en-US" smtClean="0"/>
+              <a:t>20</a:t>
+            </a:fld>
+            <a:endParaRPr lang="en-US"/>
+          </a:p>
+        </p:txBody>
+      </p:sp>
+    </p:spTree>
+    <p:extLst>
+      <p:ext uri="{BB962C8B-B14F-4D97-AF65-F5344CB8AC3E}">
+        <p14:creationId xmlns:p14="http://schemas.microsoft.com/office/powerpoint/2010/main" val="1376130724"/>
+      </p:ext>
+    </p:extLst>
+  </p:cSld>
+  <p:clrMapOvr>
+    <a:masterClrMapping/>
+  </p:clrMapOvr>
+</p:notes>
+</file>
+
+<file path=ppt/notesSlides/notesSlide14.xml><?xml version="1.0" encoding="utf-8"?>
+<p:notes xmlns:a="http://schemas.openxmlformats.org/drawingml/2006/main" xmlns:r="http://schemas.openxmlformats.org/officeDocument/2006/relationships" xmlns:p="http://schemas.openxmlformats.org/presentationml/2006/main">
+  <p:cSld>
+    <p:spTree>
+      <p:nvGrpSpPr>
+        <p:cNvPr id="1" name=""/>
+        <p:cNvGrpSpPr/>
+        <p:nvPr/>
+      </p:nvGrpSpPr>
+      <p:grpSpPr>
+        <a:xfrm>
+          <a:off x="0" y="0"/>
+          <a:ext cx="0" cy="0"/>
+          <a:chOff x="0" y="0"/>
+          <a:chExt cx="0" cy="0"/>
+        </a:xfrm>
+      </p:grpSpPr>
+      <p:sp>
+        <p:nvSpPr>
+          <p:cNvPr id="2" name="Slide Image Placeholder 1"/>
+          <p:cNvSpPr>
+            <a:spLocks noGrp="1" noRot="1" noChangeAspect="1"/>
+          </p:cNvSpPr>
+          <p:nvPr>
+            <p:ph type="sldImg"/>
+          </p:nvPr>
+        </p:nvSpPr>
+        <p:spPr/>
+      </p:sp>
+      <p:sp>
+        <p:nvSpPr>
+          <p:cNvPr id="3" name="Notes Placeholder 2"/>
+          <p:cNvSpPr>
+            <a:spLocks noGrp="1"/>
+          </p:cNvSpPr>
+          <p:nvPr>
+            <p:ph type="body" idx="1"/>
+          </p:nvPr>
+        </p:nvSpPr>
+        <p:spPr/>
+        <p:txBody>
+          <a:bodyPr/>
+          <a:lstStyle/>
+          <a:p>
+            <a:pPr marL="365760" lvl="1" indent="0">
+              <a:buNone/>
+            </a:pPr>
+            <a:r>
+              <a:rPr lang="en-US" sz="2400" dirty="0" smtClean="0">
+                <a:hlinkClick r:id="rId3"/>
+              </a:rPr>
+              <a:t>http://www.w3.org/TR/html-markup/elements-by-function.html</a:t>
+            </a:r>
+            <a:endParaRPr lang="en-US" sz="2400" dirty="0" smtClean="0"/>
+          </a:p>
+        </p:txBody>
+      </p:sp>
+      <p:sp>
+        <p:nvSpPr>
+          <p:cNvPr id="4" name="Slide Number Placeholder 3"/>
+          <p:cNvSpPr>
+            <a:spLocks noGrp="1"/>
+          </p:cNvSpPr>
+          <p:nvPr>
+            <p:ph type="sldNum" sz="quarter" idx="10"/>
+          </p:nvPr>
+        </p:nvSpPr>
+        <p:spPr/>
+        <p:txBody>
+          <a:bodyPr/>
+          <a:lstStyle/>
+          <a:p>
+            <a:fld id="{CF465F8E-0458-419C-84CE-2371E0B04974}" type="slidenum">
+              <a:rPr lang="en-US" smtClean="0"/>
+              <a:t>21</a:t>
+            </a:fld>
+            <a:endParaRPr lang="en-US"/>
+          </a:p>
+        </p:txBody>
+      </p:sp>
+    </p:spTree>
+    <p:extLst>
+      <p:ext uri="{BB962C8B-B14F-4D97-AF65-F5344CB8AC3E}">
+        <p14:creationId xmlns:p14="http://schemas.microsoft.com/office/powerpoint/2010/main" val="1376130724"/>
+      </p:ext>
+    </p:extLst>
+  </p:cSld>
+  <p:clrMapOvr>
+    <a:masterClrMapping/>
+  </p:clrMapOvr>
+</p:notes>
+</file>
+
+<file path=ppt/notesSlides/notesSlide15.xml><?xml version="1.0" encoding="utf-8"?>
+<p:notes xmlns:a="http://schemas.openxmlformats.org/drawingml/2006/main" xmlns:r="http://schemas.openxmlformats.org/officeDocument/2006/relationships" xmlns:p="http://schemas.openxmlformats.org/presentationml/2006/main">
+  <p:cSld>
+    <p:spTree>
+      <p:nvGrpSpPr>
+        <p:cNvPr id="1" name=""/>
+        <p:cNvGrpSpPr/>
+        <p:nvPr/>
+      </p:nvGrpSpPr>
+      <p:grpSpPr>
+        <a:xfrm>
+          <a:off x="0" y="0"/>
+          <a:ext cx="0" cy="0"/>
+          <a:chOff x="0" y="0"/>
+          <a:chExt cx="0" cy="0"/>
+        </a:xfrm>
+      </p:grpSpPr>
+      <p:sp>
+        <p:nvSpPr>
+          <p:cNvPr id="2" name="Slide Image Placeholder 1"/>
+          <p:cNvSpPr>
+            <a:spLocks noGrp="1" noRot="1" noChangeAspect="1"/>
+          </p:cNvSpPr>
+          <p:nvPr>
+            <p:ph type="sldImg"/>
+          </p:nvPr>
+        </p:nvSpPr>
+        <p:spPr/>
+      </p:sp>
+      <p:sp>
+        <p:nvSpPr>
+          <p:cNvPr id="3" name="Notes Placeholder 2"/>
+          <p:cNvSpPr>
+            <a:spLocks noGrp="1"/>
+          </p:cNvSpPr>
+          <p:nvPr>
+            <p:ph type="body" idx="1"/>
+          </p:nvPr>
+        </p:nvSpPr>
+        <p:spPr/>
+        <p:txBody>
+          <a:bodyPr/>
+          <a:lstStyle/>
+          <a:p>
+            <a:pPr marL="365760" lvl="1" indent="0">
+              <a:buNone/>
+            </a:pPr>
+            <a:r>
+              <a:rPr lang="en-US" sz="2400" dirty="0" smtClean="0">
+                <a:hlinkClick r:id="rId3"/>
+              </a:rPr>
+              <a:t>http://www.w3.org/TR/html-markup/elements-by-function.html</a:t>
+            </a:r>
+            <a:endParaRPr lang="en-US" sz="2400" dirty="0" smtClean="0"/>
+          </a:p>
+        </p:txBody>
+      </p:sp>
+      <p:sp>
+        <p:nvSpPr>
+          <p:cNvPr id="4" name="Slide Number Placeholder 3"/>
+          <p:cNvSpPr>
+            <a:spLocks noGrp="1"/>
+          </p:cNvSpPr>
+          <p:nvPr>
+            <p:ph type="sldNum" sz="quarter" idx="10"/>
+          </p:nvPr>
+        </p:nvSpPr>
+        <p:spPr/>
+        <p:txBody>
+          <a:bodyPr/>
+          <a:lstStyle/>
+          <a:p>
+            <a:fld id="{CF465F8E-0458-419C-84CE-2371E0B04974}" type="slidenum">
+              <a:rPr lang="en-US" smtClean="0"/>
+              <a:t>22</a:t>
+            </a:fld>
+            <a:endParaRPr lang="en-US"/>
+          </a:p>
+        </p:txBody>
+      </p:sp>
+    </p:spTree>
+    <p:extLst>
+      <p:ext uri="{BB962C8B-B14F-4D97-AF65-F5344CB8AC3E}">
+        <p14:creationId xmlns:p14="http://schemas.microsoft.com/office/powerpoint/2010/main" val="1376130724"/>
+      </p:ext>
+    </p:extLst>
+  </p:cSld>
+  <p:clrMapOvr>
+    <a:masterClrMapping/>
+  </p:clrMapOvr>
+</p:notes>
+</file>
+
+<file path=ppt/notesSlides/notesSlide16.xml><?xml version="1.0" encoding="utf-8"?>
+<p:notes xmlns:a="http://schemas.openxmlformats.org/drawingml/2006/main" xmlns:r="http://schemas.openxmlformats.org/officeDocument/2006/relationships" xmlns:p="http://schemas.openxmlformats.org/presentationml/2006/main">
+  <p:cSld>
+    <p:spTree>
+      <p:nvGrpSpPr>
+        <p:cNvPr id="1" name=""/>
+        <p:cNvGrpSpPr/>
+        <p:nvPr/>
+      </p:nvGrpSpPr>
+      <p:grpSpPr>
+        <a:xfrm>
+          <a:off x="0" y="0"/>
+          <a:ext cx="0" cy="0"/>
+          <a:chOff x="0" y="0"/>
+          <a:chExt cx="0" cy="0"/>
+        </a:xfrm>
+      </p:grpSpPr>
+      <p:sp>
+        <p:nvSpPr>
+          <p:cNvPr id="2" name="Slide Image Placeholder 1"/>
+          <p:cNvSpPr>
+            <a:spLocks noGrp="1" noRot="1" noChangeAspect="1"/>
+          </p:cNvSpPr>
+          <p:nvPr>
+            <p:ph type="sldImg"/>
+          </p:nvPr>
+        </p:nvSpPr>
+        <p:spPr/>
+      </p:sp>
+      <p:sp>
+        <p:nvSpPr>
+          <p:cNvPr id="3" name="Notes Placeholder 2"/>
+          <p:cNvSpPr>
+            <a:spLocks noGrp="1"/>
+          </p:cNvSpPr>
+          <p:nvPr>
+            <p:ph type="body" idx="1"/>
+          </p:nvPr>
+        </p:nvSpPr>
+        <p:spPr/>
+        <p:txBody>
+          <a:bodyPr/>
+          <a:lstStyle/>
+          <a:p>
+            <a:pPr marL="365760" lvl="1" indent="0">
+              <a:buNone/>
+            </a:pPr>
+            <a:r>
+              <a:rPr lang="en-US" sz="2400" dirty="0" smtClean="0">
+                <a:hlinkClick r:id="rId3"/>
+              </a:rPr>
+              <a:t>http://www.w3.org/TR/html-markup/elements-by-function.html</a:t>
+            </a:r>
+            <a:endParaRPr lang="en-US" sz="2400" dirty="0" smtClean="0"/>
+          </a:p>
+        </p:txBody>
+      </p:sp>
+      <p:sp>
+        <p:nvSpPr>
+          <p:cNvPr id="4" name="Slide Number Placeholder 3"/>
+          <p:cNvSpPr>
+            <a:spLocks noGrp="1"/>
+          </p:cNvSpPr>
+          <p:nvPr>
+            <p:ph type="sldNum" sz="quarter" idx="10"/>
+          </p:nvPr>
+        </p:nvSpPr>
+        <p:spPr/>
+        <p:txBody>
+          <a:bodyPr/>
+          <a:lstStyle/>
+          <a:p>
+            <a:fld id="{CF465F8E-0458-419C-84CE-2371E0B04974}" type="slidenum">
+              <a:rPr lang="en-US" smtClean="0"/>
+              <a:t>23</a:t>
+            </a:fld>
+            <a:endParaRPr lang="en-US"/>
+          </a:p>
+        </p:txBody>
+      </p:sp>
+    </p:spTree>
+    <p:extLst>
+      <p:ext uri="{BB962C8B-B14F-4D97-AF65-F5344CB8AC3E}">
+        <p14:creationId xmlns:p14="http://schemas.microsoft.com/office/powerpoint/2010/main" val="1376130724"/>
+      </p:ext>
+    </p:extLst>
+  </p:cSld>
+  <p:clrMapOvr>
+    <a:masterClrMapping/>
+  </p:clrMapOvr>
+</p:notes>
+</file>
+
+<file path=ppt/notesSlides/notesSlide17.xml><?xml version="1.0" encoding="utf-8"?>
+<p:notes xmlns:a="http://schemas.openxmlformats.org/drawingml/2006/main" xmlns:r="http://schemas.openxmlformats.org/officeDocument/2006/relationships" xmlns:p="http://schemas.openxmlformats.org/presentationml/2006/main">
+  <p:cSld>
+    <p:spTree>
+      <p:nvGrpSpPr>
+        <p:cNvPr id="1" name=""/>
+        <p:cNvGrpSpPr/>
+        <p:nvPr/>
+      </p:nvGrpSpPr>
+      <p:grpSpPr>
+        <a:xfrm>
+          <a:off x="0" y="0"/>
+          <a:ext cx="0" cy="0"/>
+          <a:chOff x="0" y="0"/>
+          <a:chExt cx="0" cy="0"/>
+        </a:xfrm>
+      </p:grpSpPr>
+      <p:sp>
+        <p:nvSpPr>
+          <p:cNvPr id="2" name="Slide Image Placeholder 1"/>
+          <p:cNvSpPr>
+            <a:spLocks noGrp="1" noRot="1" noChangeAspect="1"/>
+          </p:cNvSpPr>
+          <p:nvPr>
+            <p:ph type="sldImg"/>
+          </p:nvPr>
+        </p:nvSpPr>
+        <p:spPr/>
+      </p:sp>
+      <p:sp>
+        <p:nvSpPr>
+          <p:cNvPr id="3" name="Notes Placeholder 2"/>
+          <p:cNvSpPr>
+            <a:spLocks noGrp="1"/>
+          </p:cNvSpPr>
+          <p:nvPr>
+            <p:ph type="body" idx="1"/>
+          </p:nvPr>
+        </p:nvSpPr>
+        <p:spPr/>
+        <p:txBody>
+          <a:bodyPr/>
+          <a:lstStyle/>
+          <a:p>
+            <a:pPr marL="365760" lvl="1" indent="0">
+              <a:buNone/>
+            </a:pPr>
+            <a:r>
+              <a:rPr lang="en-US" sz="2400" dirty="0" smtClean="0">
+                <a:hlinkClick r:id="rId3"/>
+              </a:rPr>
+              <a:t>http://www.w3.org/TR/html-markup/elements-by-function.html</a:t>
+            </a:r>
+            <a:endParaRPr lang="en-US" sz="2400" dirty="0" smtClean="0"/>
+          </a:p>
+        </p:txBody>
+      </p:sp>
+      <p:sp>
+        <p:nvSpPr>
+          <p:cNvPr id="4" name="Slide Number Placeholder 3"/>
+          <p:cNvSpPr>
+            <a:spLocks noGrp="1"/>
+          </p:cNvSpPr>
+          <p:nvPr>
+            <p:ph type="sldNum" sz="quarter" idx="10"/>
+          </p:nvPr>
+        </p:nvSpPr>
+        <p:spPr/>
+        <p:txBody>
+          <a:bodyPr/>
+          <a:lstStyle/>
+          <a:p>
+            <a:fld id="{CF465F8E-0458-419C-84CE-2371E0B04974}" type="slidenum">
+              <a:rPr lang="en-US" smtClean="0"/>
+              <a:t>24</a:t>
+            </a:fld>
+            <a:endParaRPr lang="en-US"/>
+          </a:p>
+        </p:txBody>
+      </p:sp>
+    </p:spTree>
+    <p:extLst>
+      <p:ext uri="{BB962C8B-B14F-4D97-AF65-F5344CB8AC3E}">
+        <p14:creationId xmlns:p14="http://schemas.microsoft.com/office/powerpoint/2010/main" val="1376130724"/>
+      </p:ext>
+    </p:extLst>
+  </p:cSld>
+  <p:clrMapOvr>
+    <a:masterClrMapping/>
+  </p:clrMapOvr>
+</p:notes>
+</file>
+
+<file path=ppt/notesSlides/notesSlide18.xml><?xml version="1.0" encoding="utf-8"?>
+<p:notes xmlns:a="http://schemas.openxmlformats.org/drawingml/2006/main" xmlns:r="http://schemas.openxmlformats.org/officeDocument/2006/relationships" xmlns:p="http://schemas.openxmlformats.org/presentationml/2006/main">
+  <p:cSld>
+    <p:spTree>
+      <p:nvGrpSpPr>
+        <p:cNvPr id="1" name=""/>
+        <p:cNvGrpSpPr/>
+        <p:nvPr/>
+      </p:nvGrpSpPr>
+      <p:grpSpPr>
+        <a:xfrm>
+          <a:off x="0" y="0"/>
+          <a:ext cx="0" cy="0"/>
+          <a:chOff x="0" y="0"/>
+          <a:chExt cx="0" cy="0"/>
+        </a:xfrm>
+      </p:grpSpPr>
+      <p:sp>
+        <p:nvSpPr>
+          <p:cNvPr id="2" name="Slide Image Placeholder 1"/>
+          <p:cNvSpPr>
+            <a:spLocks noGrp="1" noRot="1" noChangeAspect="1"/>
+          </p:cNvSpPr>
+          <p:nvPr>
+            <p:ph type="sldImg"/>
+          </p:nvPr>
+        </p:nvSpPr>
+        <p:spPr/>
+      </p:sp>
+      <p:sp>
+        <p:nvSpPr>
+          <p:cNvPr id="3" name="Notes Placeholder 2"/>
+          <p:cNvSpPr>
+            <a:spLocks noGrp="1"/>
+          </p:cNvSpPr>
+          <p:nvPr>
+            <p:ph type="body" idx="1"/>
+          </p:nvPr>
+        </p:nvSpPr>
+        <p:spPr/>
+        <p:txBody>
+          <a:bodyPr/>
+          <a:lstStyle/>
+          <a:p>
+            <a:pPr marL="365760" lvl="1" indent="0">
+              <a:buNone/>
+            </a:pPr>
+            <a:r>
+              <a:rPr lang="en-US" sz="2400" dirty="0" smtClean="0">
+                <a:hlinkClick r:id="rId3"/>
+              </a:rPr>
+              <a:t>http://www.w3.org/TR/html-markup/elements-by-function.html</a:t>
+            </a:r>
+            <a:endParaRPr lang="en-US" sz="2400" dirty="0" smtClean="0"/>
+          </a:p>
+        </p:txBody>
+      </p:sp>
+      <p:sp>
+        <p:nvSpPr>
+          <p:cNvPr id="4" name="Slide Number Placeholder 3"/>
+          <p:cNvSpPr>
+            <a:spLocks noGrp="1"/>
+          </p:cNvSpPr>
+          <p:nvPr>
+            <p:ph type="sldNum" sz="quarter" idx="10"/>
+          </p:nvPr>
+        </p:nvSpPr>
+        <p:spPr/>
+        <p:txBody>
+          <a:bodyPr/>
+          <a:lstStyle/>
+          <a:p>
+            <a:fld id="{CF465F8E-0458-419C-84CE-2371E0B04974}" type="slidenum">
+              <a:rPr lang="en-US" smtClean="0"/>
+              <a:t>25</a:t>
+            </a:fld>
+            <a:endParaRPr lang="en-US"/>
+          </a:p>
+        </p:txBody>
+      </p:sp>
+    </p:spTree>
+    <p:extLst>
+      <p:ext uri="{BB962C8B-B14F-4D97-AF65-F5344CB8AC3E}">
+        <p14:creationId xmlns:p14="http://schemas.microsoft.com/office/powerpoint/2010/main" val="1376130724"/>
       </p:ext>
     </p:extLst>
   </p:cSld>
@@ -636,7 +1487,7 @@
           <a:p>
             <a:fld id="{CF465F8E-0458-419C-84CE-2371E0B04974}" type="slidenum">
               <a:rPr lang="en-US" smtClean="0"/>
-              <a:t>3</a:t>
+              <a:t>5</a:t>
             </a:fld>
             <a:endParaRPr lang="en-US"/>
           </a:p>
@@ -747,7 +1598,7 @@
           <a:p>
             <a:fld id="{CF465F8E-0458-419C-84CE-2371E0B04974}" type="slidenum">
               <a:rPr lang="en-US" smtClean="0"/>
-              <a:t>4</a:t>
+              <a:t>6</a:t>
             </a:fld>
             <a:endParaRPr lang="en-US"/>
           </a:p>
@@ -853,7 +1704,7 @@
           <a:p>
             <a:fld id="{CF465F8E-0458-419C-84CE-2371E0B04974}" type="slidenum">
               <a:rPr lang="en-US" smtClean="0"/>
-              <a:t>11</a:t>
+              <a:t>9</a:t>
             </a:fld>
             <a:endParaRPr lang="en-US"/>
           </a:p>
@@ -863,6 +1714,496 @@
     <p:extLst>
       <p:ext uri="{BB962C8B-B14F-4D97-AF65-F5344CB8AC3E}">
         <p14:creationId xmlns:p14="http://schemas.microsoft.com/office/powerpoint/2010/main" val="2224893166"/>
+      </p:ext>
+    </p:extLst>
+  </p:cSld>
+  <p:clrMapOvr>
+    <a:masterClrMapping/>
+  </p:clrMapOvr>
+</p:notes>
+</file>
+
+<file path=ppt/notesSlides/notesSlide5.xml><?xml version="1.0" encoding="utf-8"?>
+<p:notes xmlns:a="http://schemas.openxmlformats.org/drawingml/2006/main" xmlns:r="http://schemas.openxmlformats.org/officeDocument/2006/relationships" xmlns:p="http://schemas.openxmlformats.org/presentationml/2006/main">
+  <p:cSld>
+    <p:spTree>
+      <p:nvGrpSpPr>
+        <p:cNvPr id="1" name=""/>
+        <p:cNvGrpSpPr/>
+        <p:nvPr/>
+      </p:nvGrpSpPr>
+      <p:grpSpPr>
+        <a:xfrm>
+          <a:off x="0" y="0"/>
+          <a:ext cx="0" cy="0"/>
+          <a:chOff x="0" y="0"/>
+          <a:chExt cx="0" cy="0"/>
+        </a:xfrm>
+      </p:grpSpPr>
+      <p:sp>
+        <p:nvSpPr>
+          <p:cNvPr id="2" name="Slide Image Placeholder 1"/>
+          <p:cNvSpPr>
+            <a:spLocks noGrp="1" noRot="1" noChangeAspect="1"/>
+          </p:cNvSpPr>
+          <p:nvPr>
+            <p:ph type="sldImg"/>
+          </p:nvPr>
+        </p:nvSpPr>
+        <p:spPr/>
+      </p:sp>
+      <p:sp>
+        <p:nvSpPr>
+          <p:cNvPr id="3" name="Notes Placeholder 2"/>
+          <p:cNvSpPr>
+            <a:spLocks noGrp="1"/>
+          </p:cNvSpPr>
+          <p:nvPr>
+            <p:ph type="body" idx="1"/>
+          </p:nvPr>
+        </p:nvSpPr>
+        <p:spPr/>
+        <p:txBody>
+          <a:bodyPr/>
+          <a:lstStyle/>
+          <a:p>
+            <a:pPr marL="0" marR="0" lvl="1" indent="0" algn="l" defTabSz="914400" rtl="0" eaLnBrk="1" fontAlgn="auto" latinLnBrk="0" hangingPunct="1">
+              <a:lnSpc>
+                <a:spcPct val="100000"/>
+              </a:lnSpc>
+              <a:spcBef>
+                <a:spcPts val="0"/>
+              </a:spcBef>
+              <a:spcAft>
+                <a:spcPts val="0"/>
+              </a:spcAft>
+              <a:buClrTx/>
+              <a:buSzTx/>
+              <a:buFontTx/>
+              <a:buNone/>
+              <a:tabLst/>
+              <a:defRPr/>
+            </a:pPr>
+            <a:r>
+              <a:rPr lang="en-US" dirty="0" smtClean="0"/>
+              <a:t>For</a:t>
+            </a:r>
+            <a:r>
+              <a:rPr lang="en-US" baseline="0" dirty="0" smtClean="0"/>
+              <a:t> additional info:  </a:t>
+            </a:r>
+            <a:r>
+              <a:rPr lang="en-US" sz="2400" dirty="0" smtClean="0">
+                <a:hlinkClick r:id="rId3"/>
+              </a:rPr>
+              <a:t>http://www.w3.org/TR/html-markup/elements-by-function.html</a:t>
+            </a:r>
+            <a:endParaRPr lang="en-US" sz="2400" dirty="0" smtClean="0"/>
+          </a:p>
+          <a:p>
+            <a:endParaRPr lang="en-US" dirty="0"/>
+          </a:p>
+        </p:txBody>
+      </p:sp>
+      <p:sp>
+        <p:nvSpPr>
+          <p:cNvPr id="4" name="Slide Number Placeholder 3"/>
+          <p:cNvSpPr>
+            <a:spLocks noGrp="1"/>
+          </p:cNvSpPr>
+          <p:nvPr>
+            <p:ph type="sldNum" sz="quarter" idx="10"/>
+          </p:nvPr>
+        </p:nvSpPr>
+        <p:spPr/>
+        <p:txBody>
+          <a:bodyPr/>
+          <a:lstStyle/>
+          <a:p>
+            <a:fld id="{CF465F8E-0458-419C-84CE-2371E0B04974}" type="slidenum">
+              <a:rPr lang="en-US" smtClean="0"/>
+              <a:t>12</a:t>
+            </a:fld>
+            <a:endParaRPr lang="en-US"/>
+          </a:p>
+        </p:txBody>
+      </p:sp>
+    </p:spTree>
+    <p:extLst>
+      <p:ext uri="{BB962C8B-B14F-4D97-AF65-F5344CB8AC3E}">
+        <p14:creationId xmlns:p14="http://schemas.microsoft.com/office/powerpoint/2010/main" val="1440130866"/>
+      </p:ext>
+    </p:extLst>
+  </p:cSld>
+  <p:clrMapOvr>
+    <a:masterClrMapping/>
+  </p:clrMapOvr>
+</p:notes>
+</file>
+
+<file path=ppt/notesSlides/notesSlide6.xml><?xml version="1.0" encoding="utf-8"?>
+<p:notes xmlns:a="http://schemas.openxmlformats.org/drawingml/2006/main" xmlns:r="http://schemas.openxmlformats.org/officeDocument/2006/relationships" xmlns:p="http://schemas.openxmlformats.org/presentationml/2006/main">
+  <p:cSld>
+    <p:spTree>
+      <p:nvGrpSpPr>
+        <p:cNvPr id="1" name=""/>
+        <p:cNvGrpSpPr/>
+        <p:nvPr/>
+      </p:nvGrpSpPr>
+      <p:grpSpPr>
+        <a:xfrm>
+          <a:off x="0" y="0"/>
+          <a:ext cx="0" cy="0"/>
+          <a:chOff x="0" y="0"/>
+          <a:chExt cx="0" cy="0"/>
+        </a:xfrm>
+      </p:grpSpPr>
+      <p:sp>
+        <p:nvSpPr>
+          <p:cNvPr id="2" name="Slide Image Placeholder 1"/>
+          <p:cNvSpPr>
+            <a:spLocks noGrp="1" noRot="1" noChangeAspect="1"/>
+          </p:cNvSpPr>
+          <p:nvPr>
+            <p:ph type="sldImg"/>
+          </p:nvPr>
+        </p:nvSpPr>
+        <p:spPr/>
+      </p:sp>
+      <p:sp>
+        <p:nvSpPr>
+          <p:cNvPr id="3" name="Notes Placeholder 2"/>
+          <p:cNvSpPr>
+            <a:spLocks noGrp="1"/>
+          </p:cNvSpPr>
+          <p:nvPr>
+            <p:ph type="body" idx="1"/>
+          </p:nvPr>
+        </p:nvSpPr>
+        <p:spPr/>
+        <p:txBody>
+          <a:bodyPr/>
+          <a:lstStyle/>
+          <a:p>
+            <a:pPr marL="365760" lvl="1" indent="0">
+              <a:buNone/>
+            </a:pPr>
+            <a:r>
+              <a:rPr lang="en-US" sz="2400" dirty="0" smtClean="0">
+                <a:hlinkClick r:id="rId3"/>
+              </a:rPr>
+              <a:t>http://www.w3.org/TR/html-markup/elements-by-function.html</a:t>
+            </a:r>
+            <a:endParaRPr lang="en-US" sz="2400" dirty="0" smtClean="0"/>
+          </a:p>
+        </p:txBody>
+      </p:sp>
+      <p:sp>
+        <p:nvSpPr>
+          <p:cNvPr id="4" name="Slide Number Placeholder 3"/>
+          <p:cNvSpPr>
+            <a:spLocks noGrp="1"/>
+          </p:cNvSpPr>
+          <p:nvPr>
+            <p:ph type="sldNum" sz="quarter" idx="10"/>
+          </p:nvPr>
+        </p:nvSpPr>
+        <p:spPr/>
+        <p:txBody>
+          <a:bodyPr/>
+          <a:lstStyle/>
+          <a:p>
+            <a:fld id="{CF465F8E-0458-419C-84CE-2371E0B04974}" type="slidenum">
+              <a:rPr lang="en-US" smtClean="0"/>
+              <a:t>13</a:t>
+            </a:fld>
+            <a:endParaRPr lang="en-US"/>
+          </a:p>
+        </p:txBody>
+      </p:sp>
+    </p:spTree>
+    <p:extLst>
+      <p:ext uri="{BB962C8B-B14F-4D97-AF65-F5344CB8AC3E}">
+        <p14:creationId xmlns:p14="http://schemas.microsoft.com/office/powerpoint/2010/main" val="4142702113"/>
+      </p:ext>
+    </p:extLst>
+  </p:cSld>
+  <p:clrMapOvr>
+    <a:masterClrMapping/>
+  </p:clrMapOvr>
+</p:notes>
+</file>
+
+<file path=ppt/notesSlides/notesSlide7.xml><?xml version="1.0" encoding="utf-8"?>
+<p:notes xmlns:a="http://schemas.openxmlformats.org/drawingml/2006/main" xmlns:r="http://schemas.openxmlformats.org/officeDocument/2006/relationships" xmlns:p="http://schemas.openxmlformats.org/presentationml/2006/main">
+  <p:cSld>
+    <p:spTree>
+      <p:nvGrpSpPr>
+        <p:cNvPr id="1" name=""/>
+        <p:cNvGrpSpPr/>
+        <p:nvPr/>
+      </p:nvGrpSpPr>
+      <p:grpSpPr>
+        <a:xfrm>
+          <a:off x="0" y="0"/>
+          <a:ext cx="0" cy="0"/>
+          <a:chOff x="0" y="0"/>
+          <a:chExt cx="0" cy="0"/>
+        </a:xfrm>
+      </p:grpSpPr>
+      <p:sp>
+        <p:nvSpPr>
+          <p:cNvPr id="2" name="Slide Image Placeholder 1"/>
+          <p:cNvSpPr>
+            <a:spLocks noGrp="1" noRot="1" noChangeAspect="1"/>
+          </p:cNvSpPr>
+          <p:nvPr>
+            <p:ph type="sldImg"/>
+          </p:nvPr>
+        </p:nvSpPr>
+        <p:spPr/>
+      </p:sp>
+      <p:sp>
+        <p:nvSpPr>
+          <p:cNvPr id="3" name="Notes Placeholder 2"/>
+          <p:cNvSpPr>
+            <a:spLocks noGrp="1"/>
+          </p:cNvSpPr>
+          <p:nvPr>
+            <p:ph type="body" idx="1"/>
+          </p:nvPr>
+        </p:nvSpPr>
+        <p:spPr/>
+        <p:txBody>
+          <a:bodyPr/>
+          <a:lstStyle/>
+          <a:p>
+            <a:pPr marL="365760" lvl="1" indent="0">
+              <a:buNone/>
+            </a:pPr>
+            <a:r>
+              <a:rPr lang="en-US" sz="2400" dirty="0" smtClean="0">
+                <a:hlinkClick r:id="rId3"/>
+              </a:rPr>
+              <a:t>http://www.w3.org/TR/html-markup/elements-by-function.html</a:t>
+            </a:r>
+            <a:endParaRPr lang="en-US" sz="2400" dirty="0" smtClean="0"/>
+          </a:p>
+        </p:txBody>
+      </p:sp>
+      <p:sp>
+        <p:nvSpPr>
+          <p:cNvPr id="4" name="Slide Number Placeholder 3"/>
+          <p:cNvSpPr>
+            <a:spLocks noGrp="1"/>
+          </p:cNvSpPr>
+          <p:nvPr>
+            <p:ph type="sldNum" sz="quarter" idx="10"/>
+          </p:nvPr>
+        </p:nvSpPr>
+        <p:spPr/>
+        <p:txBody>
+          <a:bodyPr/>
+          <a:lstStyle/>
+          <a:p>
+            <a:fld id="{CF465F8E-0458-419C-84CE-2371E0B04974}" type="slidenum">
+              <a:rPr lang="en-US" smtClean="0"/>
+              <a:t>14</a:t>
+            </a:fld>
+            <a:endParaRPr lang="en-US"/>
+          </a:p>
+        </p:txBody>
+      </p:sp>
+    </p:spTree>
+    <p:extLst>
+      <p:ext uri="{BB962C8B-B14F-4D97-AF65-F5344CB8AC3E}">
+        <p14:creationId xmlns:p14="http://schemas.microsoft.com/office/powerpoint/2010/main" val="1376130724"/>
+      </p:ext>
+    </p:extLst>
+  </p:cSld>
+  <p:clrMapOvr>
+    <a:masterClrMapping/>
+  </p:clrMapOvr>
+</p:notes>
+</file>
+
+<file path=ppt/notesSlides/notesSlide8.xml><?xml version="1.0" encoding="utf-8"?>
+<p:notes xmlns:a="http://schemas.openxmlformats.org/drawingml/2006/main" xmlns:r="http://schemas.openxmlformats.org/officeDocument/2006/relationships" xmlns:p="http://schemas.openxmlformats.org/presentationml/2006/main">
+  <p:cSld>
+    <p:spTree>
+      <p:nvGrpSpPr>
+        <p:cNvPr id="1" name=""/>
+        <p:cNvGrpSpPr/>
+        <p:nvPr/>
+      </p:nvGrpSpPr>
+      <p:grpSpPr>
+        <a:xfrm>
+          <a:off x="0" y="0"/>
+          <a:ext cx="0" cy="0"/>
+          <a:chOff x="0" y="0"/>
+          <a:chExt cx="0" cy="0"/>
+        </a:xfrm>
+      </p:grpSpPr>
+      <p:sp>
+        <p:nvSpPr>
+          <p:cNvPr id="2" name="Slide Image Placeholder 1"/>
+          <p:cNvSpPr>
+            <a:spLocks noGrp="1" noRot="1" noChangeAspect="1"/>
+          </p:cNvSpPr>
+          <p:nvPr>
+            <p:ph type="sldImg"/>
+          </p:nvPr>
+        </p:nvSpPr>
+        <p:spPr/>
+      </p:sp>
+      <p:sp>
+        <p:nvSpPr>
+          <p:cNvPr id="3" name="Notes Placeholder 2"/>
+          <p:cNvSpPr>
+            <a:spLocks noGrp="1"/>
+          </p:cNvSpPr>
+          <p:nvPr>
+            <p:ph type="body" idx="1"/>
+          </p:nvPr>
+        </p:nvSpPr>
+        <p:spPr/>
+        <p:txBody>
+          <a:bodyPr/>
+          <a:lstStyle/>
+          <a:p>
+            <a:pPr marL="365760" lvl="1" indent="0">
+              <a:buNone/>
+            </a:pPr>
+            <a:r>
+              <a:rPr lang="en-US" sz="2400" dirty="0" smtClean="0">
+                <a:hlinkClick r:id="rId3"/>
+              </a:rPr>
+              <a:t>http://www.w3.org/TR/html-markup/elements-by-function.html</a:t>
+            </a:r>
+            <a:endParaRPr lang="en-US" sz="2400" dirty="0" smtClean="0"/>
+          </a:p>
+        </p:txBody>
+      </p:sp>
+      <p:sp>
+        <p:nvSpPr>
+          <p:cNvPr id="4" name="Slide Number Placeholder 3"/>
+          <p:cNvSpPr>
+            <a:spLocks noGrp="1"/>
+          </p:cNvSpPr>
+          <p:nvPr>
+            <p:ph type="sldNum" sz="quarter" idx="10"/>
+          </p:nvPr>
+        </p:nvSpPr>
+        <p:spPr/>
+        <p:txBody>
+          <a:bodyPr/>
+          <a:lstStyle/>
+          <a:p>
+            <a:fld id="{CF465F8E-0458-419C-84CE-2371E0B04974}" type="slidenum">
+              <a:rPr lang="en-US" smtClean="0"/>
+              <a:t>15</a:t>
+            </a:fld>
+            <a:endParaRPr lang="en-US"/>
+          </a:p>
+        </p:txBody>
+      </p:sp>
+    </p:spTree>
+    <p:extLst>
+      <p:ext uri="{BB962C8B-B14F-4D97-AF65-F5344CB8AC3E}">
+        <p14:creationId xmlns:p14="http://schemas.microsoft.com/office/powerpoint/2010/main" val="1376130724"/>
+      </p:ext>
+    </p:extLst>
+  </p:cSld>
+  <p:clrMapOvr>
+    <a:masterClrMapping/>
+  </p:clrMapOvr>
+</p:notes>
+</file>
+
+<file path=ppt/notesSlides/notesSlide9.xml><?xml version="1.0" encoding="utf-8"?>
+<p:notes xmlns:a="http://schemas.openxmlformats.org/drawingml/2006/main" xmlns:r="http://schemas.openxmlformats.org/officeDocument/2006/relationships" xmlns:p="http://schemas.openxmlformats.org/presentationml/2006/main">
+  <p:cSld>
+    <p:spTree>
+      <p:nvGrpSpPr>
+        <p:cNvPr id="1" name=""/>
+        <p:cNvGrpSpPr/>
+        <p:nvPr/>
+      </p:nvGrpSpPr>
+      <p:grpSpPr>
+        <a:xfrm>
+          <a:off x="0" y="0"/>
+          <a:ext cx="0" cy="0"/>
+          <a:chOff x="0" y="0"/>
+          <a:chExt cx="0" cy="0"/>
+        </a:xfrm>
+      </p:grpSpPr>
+      <p:sp>
+        <p:nvSpPr>
+          <p:cNvPr id="2" name="Slide Image Placeholder 1"/>
+          <p:cNvSpPr>
+            <a:spLocks noGrp="1" noRot="1" noChangeAspect="1"/>
+          </p:cNvSpPr>
+          <p:nvPr>
+            <p:ph type="sldImg"/>
+          </p:nvPr>
+        </p:nvSpPr>
+        <p:spPr/>
+      </p:sp>
+      <p:sp>
+        <p:nvSpPr>
+          <p:cNvPr id="3" name="Notes Placeholder 2"/>
+          <p:cNvSpPr>
+            <a:spLocks noGrp="1"/>
+          </p:cNvSpPr>
+          <p:nvPr>
+            <p:ph type="body" idx="1"/>
+          </p:nvPr>
+        </p:nvSpPr>
+        <p:spPr/>
+        <p:txBody>
+          <a:bodyPr/>
+          <a:lstStyle/>
+          <a:p>
+            <a:pPr marL="365760" lvl="1" indent="0">
+              <a:buNone/>
+            </a:pPr>
+            <a:r>
+              <a:rPr lang="en-US" sz="2400" dirty="0" smtClean="0">
+                <a:hlinkClick r:id="rId3"/>
+              </a:rPr>
+              <a:t>http://www.w3.org/TR/html-markup/elements-by-function.html</a:t>
+            </a:r>
+            <a:endParaRPr lang="en-US" sz="2400" dirty="0" smtClean="0"/>
+          </a:p>
+        </p:txBody>
+      </p:sp>
+      <p:sp>
+        <p:nvSpPr>
+          <p:cNvPr id="4" name="Slide Number Placeholder 3"/>
+          <p:cNvSpPr>
+            <a:spLocks noGrp="1"/>
+          </p:cNvSpPr>
+          <p:nvPr>
+            <p:ph type="sldNum" sz="quarter" idx="10"/>
+          </p:nvPr>
+        </p:nvSpPr>
+        <p:spPr/>
+        <p:txBody>
+          <a:bodyPr/>
+          <a:lstStyle/>
+          <a:p>
+            <a:fld id="{CF465F8E-0458-419C-84CE-2371E0B04974}" type="slidenum">
+              <a:rPr lang="en-US" smtClean="0"/>
+              <a:t>16</a:t>
+            </a:fld>
+            <a:endParaRPr lang="en-US"/>
+          </a:p>
+        </p:txBody>
+      </p:sp>
+    </p:spTree>
+    <p:extLst>
+      <p:ext uri="{BB962C8B-B14F-4D97-AF65-F5344CB8AC3E}">
+        <p14:creationId xmlns:p14="http://schemas.microsoft.com/office/powerpoint/2010/main" val="1376130724"/>
       </p:ext>
     </p:extLst>
   </p:cSld>
@@ -3977,7 +5318,7 @@
         <p:spPr>
           <a:xfrm>
             <a:off x="838200" y="1904816"/>
-            <a:ext cx="6400800" cy="3429184"/>
+            <a:ext cx="6400800" cy="4572184"/>
           </a:xfrm>
         </p:spPr>
         <p:txBody>
@@ -3988,14 +5329,13 @@
           <a:p>
             <a:pPr>
               <a:spcBef>
-                <a:spcPts val="0"/>
+                <a:spcPts val="1200"/>
               </a:spcBef>
             </a:pPr>
             <a:r>
               <a:rPr lang="en-US" altLang="en-US" sz="2400" dirty="0" smtClean="0"/>
-              <a:t>Parts of an HTML Document</a:t>
-            </a:r>
-            <a:endParaRPr lang="en-US" altLang="en-US" sz="2400" dirty="0"/>
+              <a:t>What is HTML?</a:t>
+            </a:r>
           </a:p>
           <a:p>
             <a:pPr>
@@ -4005,7 +5345,7 @@
             </a:pPr>
             <a:r>
               <a:rPr lang="en-US" altLang="en-US" sz="2400" dirty="0" smtClean="0"/>
-              <a:t>Element categories</a:t>
+              <a:t>Parts of an HTML document</a:t>
             </a:r>
           </a:p>
           <a:p>
@@ -4018,7 +5358,6 @@
               <a:rPr lang="en-US" altLang="en-US" sz="2400" smtClean="0"/>
               <a:t>Character entities</a:t>
             </a:r>
-            <a:endParaRPr lang="en-US" altLang="en-US" sz="2400" dirty="0"/>
           </a:p>
           <a:p>
             <a:pPr>
@@ -4027,9 +5366,10 @@
               </a:spcBef>
             </a:pPr>
             <a:r>
-              <a:rPr lang="en-US" altLang="en-US" sz="2400" dirty="0" smtClean="0"/>
+              <a:rPr lang="en-US" altLang="en-US" sz="2400" smtClean="0"/>
               <a:t>Links</a:t>
             </a:r>
+            <a:endParaRPr lang="en-US" altLang="en-US" sz="2400" dirty="0" smtClean="0"/>
           </a:p>
           <a:p>
             <a:pPr>
@@ -4051,6 +5391,28 @@
             <a:r>
               <a:rPr lang="en-US" altLang="en-US" sz="2400" dirty="0" smtClean="0"/>
               <a:t>Images</a:t>
+            </a:r>
+          </a:p>
+          <a:p>
+            <a:pPr>
+              <a:spcBef>
+                <a:spcPts val="1200"/>
+              </a:spcBef>
+            </a:pPr>
+            <a:r>
+              <a:rPr lang="en-US" altLang="en-US" sz="2400" dirty="0" smtClean="0"/>
+              <a:t>Element categories</a:t>
+            </a:r>
+          </a:p>
+          <a:p>
+            <a:pPr>
+              <a:spcBef>
+                <a:spcPts val="1200"/>
+              </a:spcBef>
+            </a:pPr>
+            <a:r>
+              <a:rPr lang="en-US" altLang="en-US" sz="2400" dirty="0" smtClean="0"/>
+              <a:t>HTML5 elements by type</a:t>
             </a:r>
             <a:endParaRPr lang="en-US" altLang="en-US" sz="2400" dirty="0"/>
           </a:p>
@@ -4149,13 +5511,13 @@
         </p:nvSpPr>
         <p:spPr>
           <a:xfrm>
-            <a:off x="381000" y="1752600"/>
-            <a:ext cx="8407893" cy="4681729"/>
+            <a:off x="380999" y="1719070"/>
+            <a:ext cx="8407893" cy="4910329"/>
           </a:xfrm>
         </p:spPr>
         <p:txBody>
           <a:bodyPr>
-            <a:normAutofit fontScale="92500" lnSpcReduction="20000"/>
+            <a:noAutofit/>
           </a:bodyPr>
           <a:lstStyle/>
           <a:p>
@@ -4164,167 +5526,156 @@
             </a:pPr>
             <a:r>
               <a:rPr lang="en-US" dirty="0" smtClean="0"/>
-              <a:t>&lt;p&gt;Unordered (bulleted) list begins here:&lt;/p&gt;</a:t>
-            </a:r>
+              <a:t>Sizing images for the web:</a:t>
+            </a:r>
+          </a:p>
+          <a:p>
+            <a:pPr marL="320040" lvl="1" indent="0">
+              <a:buNone/>
+            </a:pPr>
+            <a:r>
+              <a:rPr lang="en-US" sz="2000" dirty="0">
+                <a:hlinkClick r:id="rId2"/>
+              </a:rPr>
+              <a:t>http://</a:t>
+            </a:r>
+            <a:r>
+              <a:rPr lang="en-US" sz="2000" dirty="0" smtClean="0">
+                <a:hlinkClick r:id="rId2"/>
+              </a:rPr>
+              <a:t>www.insquaremedia.com/blog/15-web-design-stuff/23-image-sizes-for-websites</a:t>
+            </a:r>
+            <a:endParaRPr lang="en-US" sz="2000" dirty="0" smtClean="0"/>
+          </a:p>
+          <a:p>
+            <a:pPr marL="320040" lvl="1" indent="0">
+              <a:spcBef>
+                <a:spcPts val="1200"/>
+              </a:spcBef>
+              <a:buNone/>
+            </a:pPr>
+            <a:r>
+              <a:rPr lang="en-US" sz="2000" dirty="0">
+                <a:hlinkClick r:id="rId3"/>
+              </a:rPr>
+              <a:t>https://</a:t>
+            </a:r>
+            <a:r>
+              <a:rPr lang="en-US" sz="2000" dirty="0" smtClean="0">
+                <a:hlinkClick r:id="rId3"/>
+              </a:rPr>
+              <a:t>techdocs.blogs.brynmawr.edu/3704</a:t>
+            </a:r>
+            <a:endParaRPr lang="en-US" sz="2000" dirty="0" smtClean="0"/>
           </a:p>
           <a:p>
             <a:pPr marL="45720" indent="0">
               <a:buNone/>
             </a:pPr>
-            <a:r>
-              <a:rPr lang="en-US" dirty="0" smtClean="0"/>
+            <a:endParaRPr lang="en-US" dirty="0" smtClean="0"/>
+          </a:p>
+          <a:p>
+            <a:pPr marL="45720" indent="0">
+              <a:buNone/>
+            </a:pPr>
+            <a:r>
+              <a:rPr lang="en-US" dirty="0" smtClean="0"/>
+              <a:t>Tools for resizing:</a:t>
+            </a:r>
+          </a:p>
+          <a:p>
+            <a:pPr marL="320040" lvl="1" indent="0">
+              <a:buNone/>
+            </a:pPr>
+            <a:r>
+              <a:rPr lang="en-US" sz="2000" dirty="0">
+                <a:hlinkClick r:id="rId4"/>
+              </a:rPr>
+              <a:t>https://</a:t>
+            </a:r>
+            <a:r>
+              <a:rPr lang="en-US" sz="2000" dirty="0" smtClean="0">
+                <a:hlinkClick r:id="rId4"/>
+              </a:rPr>
+              <a:t>computing.artsci.wustl.edu/resize-images-web</a:t>
+            </a:r>
+            <a:endParaRPr lang="en-US" sz="2000" dirty="0" smtClean="0"/>
+          </a:p>
+          <a:p>
+            <a:pPr marL="320040" lvl="1" indent="0">
+              <a:spcBef>
+                <a:spcPts val="1200"/>
+              </a:spcBef>
+              <a:buNone/>
+            </a:pPr>
+            <a:r>
+              <a:rPr lang="en-US" sz="2000" dirty="0">
+                <a:hlinkClick r:id="rId5"/>
+              </a:rPr>
+              <a:t>https://www.google.com/?</a:t>
+            </a:r>
+            <a:r>
+              <a:rPr lang="en-US" sz="2000" dirty="0" smtClean="0">
+                <a:hlinkClick r:id="rId5"/>
+              </a:rPr>
+              <a:t>gws_rd=ssl#q=tools+for+resizing+images</a:t>
+            </a:r>
+            <a:endParaRPr lang="en-US" sz="2000" dirty="0" smtClean="0"/>
+          </a:p>
+          <a:p>
+            <a:pPr marL="320040" lvl="1" indent="0">
+              <a:spcBef>
+                <a:spcPts val="1200"/>
+              </a:spcBef>
+              <a:buNone/>
+            </a:pPr>
+            <a:endParaRPr lang="en-US" sz="2000" dirty="0" smtClean="0"/>
+          </a:p>
+          <a:p>
+            <a:pPr marL="45720" indent="0">
+              <a:buNone/>
+            </a:pPr>
+            <a:r>
+              <a:rPr lang="en-US" dirty="0" smtClean="0"/>
+              <a:t>Generate random images: </a:t>
+            </a:r>
+            <a:r>
+              <a:rPr lang="en-US" dirty="0" smtClean="0">
+                <a:hlinkClick r:id="rId6" action="ppaction://hlinkfile"/>
+              </a:rPr>
+              <a:t>lorempixel.com</a:t>
+            </a:r>
+            <a:endParaRPr lang="en-US" dirty="0" smtClean="0"/>
+          </a:p>
+          <a:p>
+            <a:pPr marL="45720" indent="0">
+              <a:buNone/>
+            </a:pPr>
+            <a:r>
+              <a:rPr lang="en-US" dirty="0" smtClean="0"/>
+              <a:t>Example:  </a:t>
+            </a:r>
+            <a:r>
+              <a:rPr lang="en-US" sz="2000" dirty="0" smtClean="0"/>
               <a:t>&lt;</a:t>
             </a:r>
             <a:r>
-              <a:rPr lang="en-US" dirty="0" err="1" smtClean="0"/>
-              <a:t>ul</a:t>
-            </a:r>
-            <a:r>
-              <a:rPr lang="en-US" dirty="0" smtClean="0"/>
-              <a:t>&gt;</a:t>
-            </a:r>
-          </a:p>
-          <a:p>
-            <a:pPr marL="320040" lvl="1" indent="0">
-              <a:buNone/>
-            </a:pPr>
-            <a:r>
-              <a:rPr lang="en-US" sz="2000" dirty="0" smtClean="0"/>
-              <a:t>&lt;li&gt;Item 1&lt;/li&gt;</a:t>
-            </a:r>
-          </a:p>
-          <a:p>
-            <a:pPr marL="320040" lvl="1" indent="0">
-              <a:buNone/>
-            </a:pPr>
-            <a:r>
-              <a:rPr lang="en-US" sz="2000" dirty="0" smtClean="0"/>
-              <a:t>&lt;li&gt;Item 2&lt;/li&gt;</a:t>
-            </a:r>
-          </a:p>
-          <a:p>
-            <a:pPr marL="320040" lvl="1" indent="0">
-              <a:buNone/>
-            </a:pPr>
-            <a:r>
-              <a:rPr lang="en-US" sz="2000" dirty="0" smtClean="0"/>
-              <a:t>&lt;li&gt;Item 3&lt;/li&gt;</a:t>
-            </a:r>
-          </a:p>
-          <a:p>
-            <a:pPr marL="45720" indent="0">
-              <a:buNone/>
-            </a:pPr>
-            <a:r>
-              <a:rPr lang="en-US" dirty="0" smtClean="0"/>
-              <a:t>&lt;/</a:t>
-            </a:r>
-            <a:r>
-              <a:rPr lang="en-US" dirty="0" err="1" smtClean="0"/>
-              <a:t>ul</a:t>
-            </a:r>
-            <a:r>
-              <a:rPr lang="en-US" dirty="0" smtClean="0"/>
-              <a:t>&gt;</a:t>
-            </a:r>
-          </a:p>
-          <a:p>
-            <a:pPr marL="45720" indent="0">
-              <a:buNone/>
-            </a:pPr>
-            <a:endParaRPr lang="en-US" dirty="0"/>
-          </a:p>
-          <a:p>
-            <a:pPr marL="45720" indent="0">
-              <a:buNone/>
-            </a:pPr>
-            <a:r>
-              <a:rPr lang="en-US" dirty="0" smtClean="0"/>
-              <a:t>&lt;p&gt;Ordered (numbered) list begins here:&lt;/p&gt;</a:t>
-            </a:r>
-          </a:p>
-          <a:p>
-            <a:pPr marL="45720" indent="0">
-              <a:buNone/>
-            </a:pPr>
-            <a:r>
-              <a:rPr lang="en-US" dirty="0" smtClean="0"/>
-              <a:t>&lt;</a:t>
-            </a:r>
-            <a:r>
-              <a:rPr lang="en-US" dirty="0" err="1" smtClean="0"/>
-              <a:t>ol</a:t>
-            </a:r>
-            <a:r>
-              <a:rPr lang="en-US" dirty="0"/>
-              <a:t>&gt;</a:t>
-            </a:r>
-          </a:p>
-          <a:p>
-            <a:pPr marL="320040" lvl="1" indent="0">
-              <a:buNone/>
-            </a:pPr>
+              <a:rPr lang="en-US" sz="2000" dirty="0" err="1"/>
+              <a:t>img</a:t>
+            </a:r>
             <a:r>
               <a:rPr lang="en-US" sz="2000" dirty="0"/>
-              <a:t>&lt;li&gt;Item 1&lt;/li&gt;</a:t>
-            </a:r>
-          </a:p>
-          <a:p>
-            <a:pPr marL="320040" lvl="1" indent="0">
-              <a:buNone/>
-            </a:pPr>
+              <a:t> </a:t>
+            </a:r>
+            <a:r>
+              <a:rPr lang="en-US" sz="2000" dirty="0" err="1"/>
+              <a:t>src</a:t>
+            </a:r>
             <a:r>
               <a:rPr lang="en-US" sz="2000" dirty="0"/>
-              <a:t>&lt;li&gt;Item 2&lt;/li&gt;</a:t>
-            </a:r>
-          </a:p>
-          <a:p>
-            <a:pPr marL="320040" lvl="1" indent="0">
-              <a:buNone/>
-            </a:pPr>
-            <a:r>
-              <a:rPr lang="en-US" sz="2000" dirty="0"/>
-              <a:t>&lt;li&gt;Item 3&lt;/li&gt;</a:t>
-            </a:r>
-          </a:p>
-          <a:p>
-            <a:pPr marL="45720" indent="0">
-              <a:buNone/>
-            </a:pPr>
-            <a:r>
-              <a:rPr lang="en-US" dirty="0" smtClean="0"/>
-              <a:t>&lt;/</a:t>
-            </a:r>
-            <a:r>
-              <a:rPr lang="en-US" dirty="0" err="1" smtClean="0"/>
-              <a:t>ol</a:t>
-            </a:r>
-            <a:r>
-              <a:rPr lang="en-US" dirty="0" smtClean="0"/>
-              <a:t>&gt;</a:t>
-            </a:r>
-          </a:p>
-          <a:p>
-            <a:pPr marL="45720" indent="0">
-              <a:buNone/>
-            </a:pPr>
-            <a:endParaRPr lang="en-US" dirty="0"/>
-          </a:p>
-          <a:p>
-            <a:pPr marL="45720" indent="0">
-              <a:buNone/>
-            </a:pPr>
-            <a:r>
-              <a:rPr lang="en-US" dirty="0" smtClean="0"/>
-              <a:t>Lists can be nested; see Design page on CS2800 web site</a:t>
-            </a:r>
-            <a:endParaRPr lang="en-US" dirty="0"/>
-          </a:p>
-          <a:p>
-            <a:endParaRPr lang="en-US" dirty="0" smtClean="0"/>
-          </a:p>
-          <a:p>
-            <a:endParaRPr lang="en-US" dirty="0"/>
+              <a:t>="http://lorempixel.com/1024/768"&gt;     </a:t>
+            </a:r>
+            <a:endParaRPr lang="en-US" sz="2000" dirty="0" smtClean="0"/>
           </a:p>
         </p:txBody>
       </p:sp>
@@ -4345,7 +5696,7 @@
           <a:p>
             <a:r>
               <a:rPr lang="en-US" dirty="0" smtClean="0"/>
-              <a:t>Creating a list</a:t>
+              <a:t>Image references</a:t>
             </a:r>
             <a:endParaRPr lang="en-US" dirty="0"/>
           </a:p>
@@ -4354,7 +5705,7 @@
     </p:spTree>
     <p:extLst>
       <p:ext uri="{BB962C8B-B14F-4D97-AF65-F5344CB8AC3E}">
-        <p14:creationId xmlns:p14="http://schemas.microsoft.com/office/powerpoint/2010/main" val="295687469"/>
+        <p14:creationId xmlns:p14="http://schemas.microsoft.com/office/powerpoint/2010/main" val="3932042406"/>
       </p:ext>
     </p:extLst>
   </p:cSld>
@@ -4400,237 +5751,214 @@
         </p:nvSpPr>
         <p:spPr>
           <a:xfrm>
-            <a:off x="304801" y="1719070"/>
-            <a:ext cx="8686800" cy="4757929"/>
+            <a:off x="228600" y="1676400"/>
+            <a:ext cx="8610600" cy="5029200"/>
           </a:xfrm>
         </p:spPr>
         <p:txBody>
           <a:bodyPr>
-            <a:normAutofit/>
+            <a:normAutofit fontScale="55000" lnSpcReduction="20000"/>
           </a:bodyPr>
           <a:lstStyle/>
           <a:p>
             <a:pPr marL="45720" indent="0">
-              <a:buNone/>
-            </a:pPr>
-            <a:r>
-              <a:rPr lang="en-US" sz="1800" dirty="0"/>
-              <a:t>&lt;</a:t>
-            </a:r>
-            <a:r>
-              <a:rPr lang="en-US" sz="1800" dirty="0" err="1"/>
+              <a:spcBef>
+                <a:spcPts val="1200"/>
+              </a:spcBef>
+              <a:buNone/>
+            </a:pPr>
+            <a:r>
+              <a:rPr lang="en-US" sz="2800" dirty="0" smtClean="0"/>
+              <a:t>HTML5 has replaced the two element categories, block and in-line, with the following content categories:</a:t>
+            </a:r>
+          </a:p>
+          <a:p>
+            <a:pPr>
+              <a:spcBef>
+                <a:spcPts val="1200"/>
+              </a:spcBef>
+            </a:pPr>
+            <a:r>
+              <a:rPr lang="en-US" sz="4000" dirty="0" smtClean="0"/>
+              <a:t>Flow</a:t>
+            </a:r>
+            <a:r>
+              <a:rPr lang="en-US" sz="3100" dirty="0" smtClean="0"/>
+              <a:t>   (for text or embedded content elements)</a:t>
+            </a:r>
+            <a:endParaRPr lang="en-US" sz="3100" dirty="0" smtClean="0"/>
+          </a:p>
+          <a:p>
+            <a:pPr>
+              <a:spcBef>
+                <a:spcPts val="1800"/>
+              </a:spcBef>
+            </a:pPr>
+            <a:r>
+              <a:rPr lang="en-US" sz="4000" dirty="0" smtClean="0"/>
+              <a:t>Sectionin</a:t>
+            </a:r>
+            <a:r>
+              <a:rPr lang="en-US" sz="3100" dirty="0" smtClean="0"/>
+              <a:t>g  (sections include &lt;article&gt;, &lt;aside&gt;, &lt;</a:t>
+            </a:r>
+            <a:r>
+              <a:rPr lang="en-US" sz="3100" dirty="0" err="1" smtClean="0"/>
+              <a:t>nav</a:t>
+            </a:r>
+            <a:r>
+              <a:rPr lang="en-US" sz="3100" dirty="0" smtClean="0"/>
+              <a:t>&gt;) </a:t>
+            </a:r>
+            <a:endParaRPr lang="en-US" sz="3100" dirty="0" smtClean="0"/>
+          </a:p>
+          <a:p>
+            <a:pPr>
+              <a:spcBef>
+                <a:spcPts val="1800"/>
+              </a:spcBef>
+            </a:pPr>
+            <a:r>
+              <a:rPr lang="en-US" sz="4000" dirty="0" smtClean="0"/>
+              <a:t>Heading</a:t>
+            </a:r>
+            <a:r>
+              <a:rPr lang="en-US" sz="3100" dirty="0" smtClean="0"/>
+              <a:t>  (for the title of a section; &lt;h1&gt; through &lt;h6&gt;, &lt;</a:t>
+            </a:r>
+            <a:r>
+              <a:rPr lang="en-US" sz="3100" dirty="0" err="1" smtClean="0"/>
+              <a:t>hgroup</a:t>
+            </a:r>
+            <a:r>
+              <a:rPr lang="en-US" sz="3100" dirty="0" smtClean="0"/>
+              <a:t>&gt;)</a:t>
+            </a:r>
+            <a:endParaRPr lang="en-US" sz="3100" dirty="0" smtClean="0"/>
+          </a:p>
+          <a:p>
+            <a:pPr>
+              <a:spcBef>
+                <a:spcPts val="1800"/>
+              </a:spcBef>
+            </a:pPr>
+            <a:r>
+              <a:rPr lang="en-US" sz="4000" dirty="0" smtClean="0"/>
+              <a:t>Phrasing</a:t>
+            </a:r>
+            <a:r>
+              <a:rPr lang="en-US" sz="3100" dirty="0" smtClean="0"/>
+              <a:t>  (for text with markup; i.e., &lt;</a:t>
+            </a:r>
+            <a:r>
+              <a:rPr lang="en-US" sz="3100" dirty="0" err="1" smtClean="0"/>
               <a:t>img</a:t>
             </a:r>
             <a:r>
-              <a:rPr lang="en-US" sz="1800" dirty="0"/>
-              <a:t> </a:t>
-            </a:r>
-            <a:r>
-              <a:rPr lang="en-US" sz="1800" dirty="0" err="1"/>
-              <a:t>src</a:t>
-            </a:r>
-            <a:r>
-              <a:rPr lang="en-US" sz="1800" dirty="0"/>
-              <a:t>="../basics/images/static_process_400x200.jpg" </a:t>
-            </a:r>
-            <a:r>
-              <a:rPr lang="en-US" sz="1800" dirty="0" smtClean="0"/>
-              <a:t> alt</a:t>
-            </a:r>
-            <a:r>
-              <a:rPr lang="en-US" sz="1800" dirty="0"/>
-              <a:t>="static processing" </a:t>
-            </a:r>
-            <a:r>
-              <a:rPr lang="en-US" sz="1800" dirty="0" smtClean="0"/>
-              <a:t> width</a:t>
-            </a:r>
-            <a:r>
-              <a:rPr lang="en-US" sz="1800" dirty="0"/>
-              <a:t>="400</a:t>
-            </a:r>
-            <a:r>
-              <a:rPr lang="en-US" sz="1800" dirty="0" smtClean="0"/>
-              <a:t>"&gt;</a:t>
-            </a:r>
-          </a:p>
-          <a:p>
-            <a:pPr marL="45720" indent="0">
-              <a:buNone/>
-            </a:pPr>
-            <a:endParaRPr lang="en-US" sz="2400" dirty="0" smtClean="0"/>
-          </a:p>
-          <a:p>
-            <a:pPr marL="45720" indent="0">
-              <a:buNone/>
-            </a:pPr>
-            <a:r>
-              <a:rPr lang="en-US" sz="2400" dirty="0" smtClean="0"/>
-              <a:t>Tag name:  </a:t>
-            </a:r>
-            <a:r>
-              <a:rPr lang="en-US" sz="2400" dirty="0" err="1" smtClean="0">
-                <a:solidFill>
-                  <a:srgbClr val="0070C0"/>
-                </a:solidFill>
+              <a:rPr lang="en-US" sz="3100" dirty="0" smtClean="0"/>
+              <a:t>&gt;, &lt;b&gt;, &lt;code&gt;)</a:t>
+            </a:r>
+            <a:endParaRPr lang="en-US" sz="3100" dirty="0" smtClean="0"/>
+          </a:p>
+          <a:p>
+            <a:pPr>
+              <a:spcBef>
+                <a:spcPts val="1800"/>
+              </a:spcBef>
+            </a:pPr>
+            <a:r>
+              <a:rPr lang="en-US" sz="4000" dirty="0" smtClean="0"/>
+              <a:t>Embedded</a:t>
+            </a:r>
+            <a:r>
+              <a:rPr lang="en-US" sz="3100" dirty="0" smtClean="0"/>
+              <a:t>  (to embed other resources, such as &lt;</a:t>
+            </a:r>
+            <a:r>
+              <a:rPr lang="en-US" sz="3100" dirty="0" err="1" smtClean="0"/>
+              <a:t>img</a:t>
+            </a:r>
+            <a:r>
+              <a:rPr lang="en-US" sz="3100" dirty="0" smtClean="0"/>
+              <a:t>&gt;, &lt;iframe&gt;, &lt;audio&gt;)</a:t>
+            </a:r>
+            <a:endParaRPr lang="en-US" sz="3100" dirty="0" smtClean="0"/>
+          </a:p>
+          <a:p>
+            <a:pPr>
+              <a:spcBef>
+                <a:spcPts val="1800"/>
+              </a:spcBef>
+            </a:pPr>
+            <a:r>
+              <a:rPr lang="en-US" sz="4000" dirty="0" smtClean="0"/>
+              <a:t>Interactive</a:t>
+            </a:r>
+            <a:r>
+              <a:rPr lang="en-US" sz="3100" dirty="0" smtClean="0"/>
+              <a:t>   (elements designed for user interaction, such as &lt;audio&gt;, &lt;video&gt;)</a:t>
+            </a:r>
+            <a:endParaRPr lang="en-US" sz="3100" dirty="0" smtClean="0"/>
+          </a:p>
+          <a:p>
+            <a:pPr>
+              <a:spcBef>
+                <a:spcPts val="1800"/>
+              </a:spcBef>
+            </a:pPr>
+            <a:r>
+              <a:rPr lang="en-US" sz="4000" dirty="0" smtClean="0"/>
+              <a:t>Form-associated</a:t>
+            </a:r>
+            <a:r>
+              <a:rPr lang="en-US" sz="3100" dirty="0" smtClean="0"/>
+              <a:t> (parts of a form, such as &lt;</a:t>
+            </a:r>
+            <a:r>
+              <a:rPr lang="en-US" sz="3100" dirty="0" err="1" smtClean="0"/>
+              <a:t>fieldset</a:t>
+            </a:r>
+            <a:r>
+              <a:rPr lang="en-US" sz="3100" dirty="0" smtClean="0"/>
+              <a:t>&gt;, &lt;</a:t>
+            </a:r>
+            <a:r>
+              <a:rPr lang="en-US" sz="3100" dirty="0" err="1" smtClean="0"/>
+              <a:t>textarea</a:t>
+            </a:r>
+            <a:r>
+              <a:rPr lang="en-US" sz="3100" dirty="0" smtClean="0"/>
+              <a:t>&gt;, &lt;select&gt;)</a:t>
+            </a:r>
+            <a:endParaRPr lang="en-US" sz="3100" dirty="0" smtClean="0"/>
+          </a:p>
+          <a:p>
+            <a:endParaRPr lang="en-US" dirty="0"/>
+          </a:p>
+          <a:p>
+            <a:r>
+              <a:rPr lang="en-US" dirty="0" smtClean="0"/>
+              <a:t>Reference:</a:t>
+            </a:r>
+          </a:p>
+          <a:p>
+            <a:pPr lvl="1"/>
+            <a:r>
+              <a:rPr lang="en-US" dirty="0">
+                <a:hlinkClick r:id="rId2"/>
               </a:rPr>
-              <a:t>img</a:t>
-            </a:r>
-            <a:endParaRPr lang="en-US" sz="2400" dirty="0" smtClean="0">
-              <a:solidFill>
-                <a:srgbClr val="0070C0"/>
-              </a:solidFill>
-            </a:endParaRPr>
-          </a:p>
-          <a:p>
-            <a:pPr marL="45720" indent="0">
-              <a:spcBef>
-                <a:spcPts val="1200"/>
-              </a:spcBef>
-              <a:buNone/>
-            </a:pPr>
-            <a:r>
-              <a:rPr lang="en-US" sz="2400" dirty="0" smtClean="0"/>
-              <a:t>Attribute:   </a:t>
-            </a:r>
-            <a:r>
-              <a:rPr lang="en-US" sz="2400" dirty="0" err="1" smtClean="0">
-                <a:solidFill>
-                  <a:srgbClr val="0070C0"/>
-                </a:solidFill>
+              <a:t>https://</a:t>
+            </a:r>
+            <a:r>
+              <a:rPr lang="en-US" dirty="0" smtClean="0">
+                <a:hlinkClick r:id="rId2"/>
               </a:rPr>
-              <a:t>src</a:t>
-            </a:r>
-            <a:endParaRPr lang="en-US" sz="2400" dirty="0" smtClean="0">
-              <a:solidFill>
-                <a:srgbClr val="0070C0"/>
-              </a:solidFill>
-            </a:endParaRPr>
-          </a:p>
-          <a:p>
-            <a:pPr marL="45720" indent="0">
-              <a:buNone/>
-            </a:pPr>
-            <a:r>
-              <a:rPr lang="en-US" sz="2400" dirty="0" smtClean="0"/>
-              <a:t>Attribute value</a:t>
-            </a:r>
-            <a:r>
-              <a:rPr lang="en-US" sz="1800" dirty="0" smtClean="0">
-                <a:solidFill>
-                  <a:srgbClr val="0070C0"/>
-                </a:solidFill>
-              </a:rPr>
-              <a:t>: </a:t>
-            </a:r>
-            <a:r>
-              <a:rPr lang="en-US" sz="1800" dirty="0"/>
-              <a:t>="../basics/images/static_process_400x200.jpg</a:t>
-            </a:r>
-            <a:r>
-              <a:rPr lang="en-US" sz="1800" dirty="0" smtClean="0"/>
-              <a:t>“</a:t>
-            </a:r>
-          </a:p>
-          <a:p>
-            <a:pPr marL="45720" indent="0">
-              <a:spcBef>
-                <a:spcPts val="1200"/>
-              </a:spcBef>
-              <a:buNone/>
-            </a:pPr>
-            <a:r>
-              <a:rPr lang="en-US" sz="2400" dirty="0"/>
-              <a:t>Attribute:   </a:t>
-            </a:r>
-            <a:r>
-              <a:rPr lang="en-US" sz="2400" dirty="0" smtClean="0">
-                <a:solidFill>
-                  <a:srgbClr val="0070C0"/>
-                </a:solidFill>
-              </a:rPr>
-              <a:t>alt</a:t>
-            </a:r>
-            <a:endParaRPr lang="en-US" sz="2400" dirty="0">
-              <a:solidFill>
-                <a:srgbClr val="0070C0"/>
-              </a:solidFill>
-            </a:endParaRPr>
-          </a:p>
-          <a:p>
-            <a:pPr marL="45720" indent="0">
-              <a:buNone/>
-            </a:pPr>
-            <a:r>
-              <a:rPr lang="en-US" sz="2400" dirty="0"/>
-              <a:t>Attribute value</a:t>
-            </a:r>
-            <a:r>
-              <a:rPr lang="en-US" sz="1800" dirty="0">
-                <a:solidFill>
-                  <a:srgbClr val="0070C0"/>
-                </a:solidFill>
-              </a:rPr>
-              <a:t>: </a:t>
-            </a:r>
-            <a:r>
-              <a:rPr lang="en-US" sz="1800" dirty="0" smtClean="0">
-                <a:solidFill>
-                  <a:srgbClr val="0070C0"/>
-                </a:solidFill>
-              </a:rPr>
-              <a:t> </a:t>
-            </a:r>
-            <a:r>
-              <a:rPr lang="en-US" sz="1800" dirty="0" smtClean="0"/>
-              <a:t>“static processing“</a:t>
-            </a:r>
-          </a:p>
-          <a:p>
-            <a:pPr marL="45720" indent="0">
-              <a:spcBef>
-                <a:spcPts val="1200"/>
-              </a:spcBef>
-              <a:buNone/>
-            </a:pPr>
-            <a:r>
-              <a:rPr lang="en-US" sz="2400" dirty="0"/>
-              <a:t>Attribute:   </a:t>
-            </a:r>
-            <a:r>
-              <a:rPr lang="en-US" sz="2400" dirty="0" smtClean="0">
-                <a:solidFill>
-                  <a:srgbClr val="0070C0"/>
-                </a:solidFill>
-              </a:rPr>
-              <a:t>width</a:t>
-            </a:r>
-            <a:endParaRPr lang="en-US" sz="2400" dirty="0">
-              <a:solidFill>
-                <a:srgbClr val="0070C0"/>
-              </a:solidFill>
-            </a:endParaRPr>
-          </a:p>
-          <a:p>
-            <a:pPr marL="45720" indent="0">
-              <a:buNone/>
-            </a:pPr>
-            <a:r>
-              <a:rPr lang="en-US" sz="2400" dirty="0"/>
-              <a:t>Attribute </a:t>
-            </a:r>
-            <a:r>
-              <a:rPr lang="en-US" sz="2400" dirty="0" smtClean="0"/>
-              <a:t>value</a:t>
-            </a:r>
-            <a:r>
-              <a:rPr lang="en-US" sz="2400" dirty="0" smtClean="0">
-                <a:solidFill>
-                  <a:srgbClr val="0070C0"/>
-                </a:solidFill>
-              </a:rPr>
-              <a:t>:  400</a:t>
-            </a:r>
+              <a:t>developer.mozilla.org/en-US/docs/Web/Guide/HTML/Content_categories</a:t>
+            </a:r>
+            <a:endParaRPr lang="en-US" dirty="0" smtClean="0"/>
+          </a:p>
+          <a:p>
+            <a:endParaRPr lang="en-US" dirty="0" smtClean="0"/>
           </a:p>
         </p:txBody>
       </p:sp>
@@ -4651,7 +5979,7 @@
           <a:p>
             <a:r>
               <a:rPr lang="en-US" dirty="0" smtClean="0"/>
-              <a:t>Specifying an image (example)</a:t>
+              <a:t>Element categories</a:t>
             </a:r>
             <a:endParaRPr lang="en-US" dirty="0"/>
           </a:p>
@@ -4660,7 +5988,7 @@
     </p:spTree>
     <p:extLst>
       <p:ext uri="{BB962C8B-B14F-4D97-AF65-F5344CB8AC3E}">
-        <p14:creationId xmlns:p14="http://schemas.microsoft.com/office/powerpoint/2010/main" val="488291817"/>
+        <p14:creationId xmlns:p14="http://schemas.microsoft.com/office/powerpoint/2010/main" val="3296590249"/>
       </p:ext>
     </p:extLst>
   </p:cSld>
@@ -4712,195 +6040,2319 @@
         </p:spPr>
         <p:txBody>
           <a:bodyPr>
-            <a:noAutofit/>
+            <a:normAutofit fontScale="92500" lnSpcReduction="20000"/>
           </a:bodyPr>
           <a:lstStyle/>
           <a:p>
+            <a:pPr marL="45720" indent="-457200">
+              <a:buNone/>
+            </a:pPr>
+            <a:r>
+              <a:rPr lang="en-US" dirty="0" smtClean="0"/>
+              <a:t>&lt;html&gt; - root element for the document, in which all other elements must be contained</a:t>
+            </a:r>
+          </a:p>
+          <a:p>
             <a:pPr marL="45720" indent="0">
               <a:buNone/>
             </a:pPr>
-            <a:r>
-              <a:rPr lang="en-US" dirty="0" smtClean="0"/>
-              <a:t>Sizing images for the web:</a:t>
-            </a:r>
-          </a:p>
-          <a:p>
-            <a:pPr marL="320040" lvl="1" indent="0">
-              <a:buNone/>
-            </a:pPr>
-            <a:r>
-              <a:rPr lang="en-US" sz="2000" dirty="0">
-                <a:hlinkClick r:id="rId2"/>
-              </a:rPr>
-              <a:t>http://</a:t>
-            </a:r>
-            <a:r>
-              <a:rPr lang="en-US" sz="2000" dirty="0" smtClean="0">
-                <a:hlinkClick r:id="rId2"/>
-              </a:rPr>
-              <a:t>www.insquaremedia.com/blog/15-web-design-stuff/23-image-sizes-for-websites</a:t>
-            </a:r>
-            <a:endParaRPr lang="en-US" sz="2000" dirty="0" smtClean="0"/>
-          </a:p>
-          <a:p>
-            <a:pPr marL="320040" lvl="1" indent="0">
+            <a:endParaRPr lang="en-US" dirty="0" smtClean="0"/>
+          </a:p>
+          <a:p>
+            <a:pPr marL="45720" indent="0">
               <a:spcBef>
-                <a:spcPts val="1200"/>
+                <a:spcPts val="0"/>
               </a:spcBef>
-              <a:buNone/>
-            </a:pPr>
-            <a:r>
-              <a:rPr lang="en-US" sz="2000" dirty="0">
+              <a:spcAft>
+                <a:spcPts val="600"/>
+              </a:spcAft>
+              <a:buNone/>
+            </a:pPr>
+            <a:r>
+              <a:rPr lang="en-US" sz="2200" b="1" dirty="0"/>
+              <a:t>m</a:t>
+            </a:r>
+            <a:r>
+              <a:rPr lang="en-US" sz="2200" b="1" dirty="0" smtClean="0"/>
+              <a:t>etadata:  </a:t>
+            </a:r>
+          </a:p>
+          <a:p>
+            <a:pPr marL="1097280" indent="-1097280">
+              <a:spcBef>
+                <a:spcPts val="600"/>
+              </a:spcBef>
+              <a:spcAft>
+                <a:spcPts val="1200"/>
+              </a:spcAft>
+              <a:buNone/>
+            </a:pPr>
+            <a:r>
+              <a:rPr lang="en-US" dirty="0" smtClean="0"/>
+              <a:t>&lt;base&gt; - specifies the base URL to use for all relative URLS          contained within a document</a:t>
+            </a:r>
+          </a:p>
+          <a:p>
+            <a:pPr marL="1097280" indent="-1097280">
+              <a:spcBef>
+                <a:spcPts val="600"/>
+              </a:spcBef>
+              <a:spcAft>
+                <a:spcPts val="1200"/>
+              </a:spcAft>
+              <a:buNone/>
+            </a:pPr>
+            <a:r>
+              <a:rPr lang="en-US" dirty="0" smtClean="0"/>
+              <a:t>&lt;head&gt; - provides general information about the document</a:t>
+            </a:r>
+          </a:p>
+          <a:p>
+            <a:pPr marL="1097280" indent="-1097280">
+              <a:spcBef>
+                <a:spcPts val="600"/>
+              </a:spcBef>
+              <a:spcAft>
+                <a:spcPts val="1200"/>
+              </a:spcAft>
+              <a:buNone/>
+            </a:pPr>
+            <a:r>
+              <a:rPr lang="en-US" dirty="0" smtClean="0"/>
+              <a:t>&lt;link&gt; - specifies relationships between the current document and an external resource, such as style sheets</a:t>
+            </a:r>
+          </a:p>
+          <a:p>
+            <a:pPr marL="1097280" indent="-1097280">
+              <a:spcBef>
+                <a:spcPts val="600"/>
+              </a:spcBef>
+              <a:spcAft>
+                <a:spcPts val="1200"/>
+              </a:spcAft>
+              <a:buNone/>
+            </a:pPr>
+            <a:r>
+              <a:rPr lang="en-US" dirty="0" smtClean="0"/>
+              <a:t>&lt;meta&gt; - represents metadata information</a:t>
+            </a:r>
+          </a:p>
+          <a:p>
+            <a:pPr marL="1097280" indent="-1097280">
+              <a:spcBef>
+                <a:spcPts val="600"/>
+              </a:spcBef>
+              <a:spcAft>
+                <a:spcPts val="1200"/>
+              </a:spcAft>
+              <a:buNone/>
+            </a:pPr>
+            <a:r>
+              <a:rPr lang="en-US" dirty="0" smtClean="0"/>
+              <a:t>&lt;style&gt; - contains style information for the document; expected to be </a:t>
+            </a:r>
+            <a:r>
+              <a:rPr lang="en-US" dirty="0" err="1" smtClean="0"/>
+              <a:t>css</a:t>
+            </a:r>
+            <a:r>
+              <a:rPr lang="en-US" dirty="0" smtClean="0"/>
+              <a:t> </a:t>
+            </a:r>
+          </a:p>
+          <a:p>
+            <a:pPr marL="1097280" indent="-1097280">
+              <a:spcBef>
+                <a:spcPts val="600"/>
+              </a:spcBef>
+              <a:spcAft>
+                <a:spcPts val="1200"/>
+              </a:spcAft>
+              <a:buNone/>
+            </a:pPr>
+            <a:r>
+              <a:rPr lang="en-US" dirty="0" smtClean="0"/>
+              <a:t>&lt;title&gt; - defines the title for the document for the </a:t>
+            </a:r>
+            <a:r>
+              <a:rPr lang="en-US" dirty="0" err="1" smtClean="0"/>
+              <a:t>brower’s</a:t>
+            </a:r>
+            <a:r>
+              <a:rPr lang="en-US" dirty="0" smtClean="0"/>
+              <a:t> title bar or page tab</a:t>
+            </a:r>
+          </a:p>
+        </p:txBody>
+      </p:sp>
+      <p:sp>
+        <p:nvSpPr>
+          <p:cNvPr id="3" name="Title 2"/>
+          <p:cNvSpPr>
+            <a:spLocks noGrp="1"/>
+          </p:cNvSpPr>
+          <p:nvPr>
+            <p:ph type="title"/>
+          </p:nvPr>
+        </p:nvSpPr>
+        <p:spPr/>
+        <p:txBody>
+          <a:bodyPr/>
+          <a:lstStyle/>
+          <a:p>
+            <a:r>
+              <a:rPr lang="en-US" dirty="0" smtClean="0"/>
+              <a:t>HTML elements </a:t>
+            </a:r>
+            <a:r>
+              <a:rPr lang="en-US" dirty="0"/>
+              <a:t>by </a:t>
+            </a:r>
+            <a:r>
+              <a:rPr lang="en-US" dirty="0" smtClean="0"/>
+              <a:t>Function</a:t>
+            </a:r>
+            <a:r>
+              <a:rPr lang="en-US" dirty="0"/>
+              <a:t/>
+            </a:r>
+            <a:br>
+              <a:rPr lang="en-US" dirty="0"/>
+            </a:br>
+            <a:r>
+              <a:rPr lang="en-US" sz="1400" dirty="0"/>
+              <a:t>(from </a:t>
+            </a:r>
+            <a:r>
+              <a:rPr lang="en-US" sz="1400" dirty="0">
                 <a:hlinkClick r:id="rId3"/>
               </a:rPr>
               <a:t>https://</a:t>
             </a:r>
             <a:r>
-              <a:rPr lang="en-US" sz="2000" dirty="0" smtClean="0">
+              <a:rPr lang="en-US" sz="1400" dirty="0" smtClean="0">
                 <a:hlinkClick r:id="rId3"/>
               </a:rPr>
-              <a:t>techdocs.blogs.brynmawr.edu/3704</a:t>
-            </a:r>
-            <a:endParaRPr lang="en-US" sz="2000" dirty="0" smtClean="0"/>
-          </a:p>
-          <a:p>
-            <a:pPr marL="45720" indent="0">
-              <a:buNone/>
-            </a:pPr>
-            <a:endParaRPr lang="en-US" dirty="0" smtClean="0"/>
-          </a:p>
-          <a:p>
-            <a:pPr marL="45720" indent="0">
-              <a:buNone/>
-            </a:pPr>
-            <a:r>
-              <a:rPr lang="en-US" dirty="0" smtClean="0"/>
-              <a:t>Tools for resizing:</a:t>
-            </a:r>
-          </a:p>
-          <a:p>
-            <a:pPr marL="320040" lvl="1" indent="0">
-              <a:buNone/>
-            </a:pPr>
-            <a:r>
-              <a:rPr lang="en-US" sz="2000" dirty="0">
-                <a:hlinkClick r:id="rId4"/>
-              </a:rPr>
-              <a:t>https://</a:t>
-            </a:r>
-            <a:r>
-              <a:rPr lang="en-US" sz="2000" dirty="0" smtClean="0">
-                <a:hlinkClick r:id="rId4"/>
-              </a:rPr>
-              <a:t>computing.artsci.wustl.edu/resize-images-web</a:t>
-            </a:r>
-            <a:endParaRPr lang="en-US" sz="2000" dirty="0" smtClean="0"/>
-          </a:p>
-          <a:p>
-            <a:pPr marL="320040" lvl="1" indent="0">
-              <a:spcBef>
-                <a:spcPts val="1200"/>
-              </a:spcBef>
-              <a:buNone/>
-            </a:pPr>
-            <a:r>
-              <a:rPr lang="en-US" sz="2000" dirty="0">
-                <a:hlinkClick r:id="rId5"/>
-              </a:rPr>
-              <a:t>https://www.google.com/?</a:t>
-            </a:r>
-            <a:r>
-              <a:rPr lang="en-US" sz="2000" dirty="0" smtClean="0">
-                <a:hlinkClick r:id="rId5"/>
-              </a:rPr>
-              <a:t>gws_rd=ssl#q=tools+for+resizing+images</a:t>
-            </a:r>
-            <a:endParaRPr lang="en-US" sz="2000" dirty="0" smtClean="0"/>
-          </a:p>
-          <a:p>
-            <a:pPr marL="320040" lvl="1" indent="0">
-              <a:spcBef>
-                <a:spcPts val="1200"/>
-              </a:spcBef>
-              <a:buNone/>
-            </a:pPr>
-            <a:endParaRPr lang="en-US" sz="2000" dirty="0" smtClean="0"/>
-          </a:p>
-          <a:p>
-            <a:pPr marL="45720" indent="0">
-              <a:buNone/>
-            </a:pPr>
-            <a:r>
-              <a:rPr lang="en-US" dirty="0" smtClean="0"/>
-              <a:t>Generate random images: </a:t>
-            </a:r>
-            <a:r>
-              <a:rPr lang="en-US" dirty="0" smtClean="0">
-                <a:hlinkClick r:id="rId6" action="ppaction://hlinkfile"/>
-              </a:rPr>
-              <a:t>lorempixel.com</a:t>
-            </a:r>
-            <a:endParaRPr lang="en-US" dirty="0" smtClean="0"/>
-          </a:p>
-          <a:p>
-            <a:pPr marL="45720" indent="0">
-              <a:buNone/>
-            </a:pPr>
-            <a:r>
-              <a:rPr lang="en-US" dirty="0" smtClean="0"/>
-              <a:t>Example:  </a:t>
-            </a:r>
-            <a:r>
-              <a:rPr lang="en-US" sz="2000" dirty="0" smtClean="0"/>
-              <a:t>&lt;</a:t>
-            </a:r>
-            <a:r>
-              <a:rPr lang="en-US" sz="2000" dirty="0" err="1"/>
-              <a:t>img</a:t>
-            </a:r>
-            <a:r>
-              <a:rPr lang="en-US" sz="2000" dirty="0"/>
-              <a:t> </a:t>
-            </a:r>
-            <a:r>
-              <a:rPr lang="en-US" sz="2000" dirty="0" err="1"/>
-              <a:t>src</a:t>
-            </a:r>
-            <a:r>
-              <a:rPr lang="en-US" sz="2000" dirty="0"/>
-              <a:t>="http://lorempixel.com/1024/768"&gt;     </a:t>
-            </a:r>
-            <a:endParaRPr lang="en-US" sz="2000" dirty="0" smtClean="0"/>
-          </a:p>
-        </p:txBody>
-      </p:sp>
-      <p:sp>
-        <p:nvSpPr>
-          <p:cNvPr id="3" name="Title 2"/>
-          <p:cNvSpPr>
-            <a:spLocks noGrp="1"/>
-          </p:cNvSpPr>
-          <p:nvPr>
-            <p:ph type="title"/>
-          </p:nvPr>
-        </p:nvSpPr>
-        <p:spPr/>
-        <p:txBody>
-          <a:bodyPr/>
-          <a:lstStyle/>
-          <a:p>
-            <a:r>
-              <a:rPr lang="en-US" dirty="0" smtClean="0"/>
-              <a:t>Image references</a:t>
-            </a:r>
-            <a:endParaRPr lang="en-US" dirty="0"/>
+              <a:t>developer.mozilla.org/en-US/docs/Web/HTML/Element</a:t>
+            </a:r>
+            <a:r>
+              <a:rPr lang="en-US" sz="1400" dirty="0" smtClean="0"/>
+              <a:t>)</a:t>
+            </a:r>
+            <a:endParaRPr lang="en-US" sz="1400" dirty="0"/>
           </a:p>
         </p:txBody>
       </p:sp>
     </p:spTree>
     <p:extLst>
       <p:ext uri="{BB962C8B-B14F-4D97-AF65-F5344CB8AC3E}">
-        <p14:creationId xmlns:p14="http://schemas.microsoft.com/office/powerpoint/2010/main" val="1427544962"/>
+        <p14:creationId xmlns:p14="http://schemas.microsoft.com/office/powerpoint/2010/main" val="2866520946"/>
+      </p:ext>
+    </p:extLst>
+  </p:cSld>
+  <p:clrMapOvr>
+    <a:masterClrMapping/>
+  </p:clrMapOvr>
+  <p:timing>
+    <p:tnLst>
+      <p:par>
+        <p:cTn id="1" dur="indefinite" restart="never" nodeType="tmRoot"/>
+      </p:par>
+    </p:tnLst>
+  </p:timing>
+</p:sld>
+</file>
+
+<file path=ppt/slides/slide13.xml><?xml version="1.0" encoding="utf-8"?>
+<p:sld xmlns:a="http://schemas.openxmlformats.org/drawingml/2006/main" xmlns:r="http://schemas.openxmlformats.org/officeDocument/2006/relationships" xmlns:p="http://schemas.openxmlformats.org/presentationml/2006/main">
+  <p:cSld>
+    <p:spTree>
+      <p:nvGrpSpPr>
+        <p:cNvPr id="1" name=""/>
+        <p:cNvGrpSpPr/>
+        <p:nvPr/>
+      </p:nvGrpSpPr>
+      <p:grpSpPr>
+        <a:xfrm>
+          <a:off x="0" y="0"/>
+          <a:ext cx="0" cy="0"/>
+          <a:chOff x="0" y="0"/>
+          <a:chExt cx="0" cy="0"/>
+        </a:xfrm>
+      </p:grpSpPr>
+      <p:sp>
+        <p:nvSpPr>
+          <p:cNvPr id="2" name="Content Placeholder 1"/>
+          <p:cNvSpPr>
+            <a:spLocks noGrp="1"/>
+          </p:cNvSpPr>
+          <p:nvPr>
+            <p:ph idx="1"/>
+          </p:nvPr>
+        </p:nvSpPr>
+        <p:spPr>
+          <a:xfrm>
+            <a:off x="381000" y="1649681"/>
+            <a:ext cx="8686801" cy="5181600"/>
+          </a:xfrm>
+        </p:spPr>
+        <p:txBody>
+          <a:bodyPr>
+            <a:normAutofit fontScale="92500" lnSpcReduction="20000"/>
+          </a:bodyPr>
+          <a:lstStyle/>
+          <a:p>
+            <a:pPr marL="0" indent="0">
+              <a:buNone/>
+            </a:pPr>
+            <a:r>
+              <a:rPr lang="en-US" b="1" dirty="0" smtClean="0"/>
+              <a:t>Content sectioning:</a:t>
+            </a:r>
+          </a:p>
+          <a:p>
+            <a:pPr marL="914400" indent="-914400">
+              <a:spcBef>
+                <a:spcPts val="1200"/>
+              </a:spcBef>
+              <a:buNone/>
+            </a:pPr>
+            <a:r>
+              <a:rPr lang="en-US" dirty="0" smtClean="0"/>
+              <a:t>&lt;address&gt; - contact information</a:t>
+            </a:r>
+          </a:p>
+          <a:p>
+            <a:pPr marL="914400" indent="-914400">
+              <a:spcBef>
+                <a:spcPts val="1200"/>
+              </a:spcBef>
+              <a:buNone/>
+            </a:pPr>
+            <a:r>
+              <a:rPr lang="en-US" dirty="0" smtClean="0"/>
+              <a:t>&lt;article&gt; - a self-contained composition within a document</a:t>
+            </a:r>
+          </a:p>
+          <a:p>
+            <a:pPr marL="914400" indent="-914400">
+              <a:spcBef>
+                <a:spcPts val="1200"/>
+              </a:spcBef>
+              <a:buNone/>
+            </a:pPr>
+            <a:r>
+              <a:rPr lang="en-US" dirty="0" smtClean="0"/>
+              <a:t>&lt;aside&gt; - related content</a:t>
+            </a:r>
+          </a:p>
+          <a:p>
+            <a:pPr marL="914400" indent="-914400">
+              <a:spcBef>
+                <a:spcPts val="1200"/>
+              </a:spcBef>
+              <a:buNone/>
+            </a:pPr>
+            <a:r>
+              <a:rPr lang="en-US" dirty="0" smtClean="0"/>
+              <a:t>&lt;body&gt; - the content of the HTML document</a:t>
+            </a:r>
+          </a:p>
+          <a:p>
+            <a:pPr marL="914400" indent="-914400">
+              <a:spcBef>
+                <a:spcPts val="1200"/>
+              </a:spcBef>
+              <a:buNone/>
+            </a:pPr>
+            <a:r>
+              <a:rPr lang="en-US" dirty="0" smtClean="0"/>
+              <a:t>&lt;div&gt; - a generic container; use only if no other element applies</a:t>
+            </a:r>
+          </a:p>
+          <a:p>
+            <a:pPr marL="914400" indent="-914400">
+              <a:spcBef>
+                <a:spcPts val="1200"/>
+              </a:spcBef>
+              <a:buNone/>
+            </a:pPr>
+            <a:r>
+              <a:rPr lang="en-US" dirty="0" smtClean="0"/>
+              <a:t>&lt;footer&gt; - info about the author, copyright, info to related documents</a:t>
+            </a:r>
+          </a:p>
+          <a:p>
+            <a:pPr marL="914400" indent="-914400">
+              <a:spcBef>
+                <a:spcPts val="1200"/>
+              </a:spcBef>
+              <a:buNone/>
+            </a:pPr>
+            <a:r>
+              <a:rPr lang="en-US" dirty="0" smtClean="0"/>
+              <a:t>&lt;header&gt; - heading elements, logo, navigation</a:t>
+            </a:r>
+          </a:p>
+          <a:p>
+            <a:pPr marL="914400" indent="-914400">
+              <a:spcBef>
+                <a:spcPts val="1200"/>
+              </a:spcBef>
+              <a:buNone/>
+            </a:pPr>
+            <a:r>
+              <a:rPr lang="en-US" dirty="0" smtClean="0"/>
+              <a:t>&lt;h1&gt;, &lt;h2&gt;, &lt;h3&gt;, &lt;h4&gt;, &lt;h5&gt;, &lt;h6&gt; - document headings</a:t>
+            </a:r>
+          </a:p>
+          <a:p>
+            <a:pPr marL="914400" indent="-914400">
+              <a:spcBef>
+                <a:spcPts val="1200"/>
+              </a:spcBef>
+              <a:buNone/>
+            </a:pPr>
+            <a:r>
+              <a:rPr lang="en-US" dirty="0" smtClean="0"/>
+              <a:t>&lt;</a:t>
+            </a:r>
+            <a:r>
+              <a:rPr lang="en-US" dirty="0" err="1" smtClean="0"/>
+              <a:t>hgroup</a:t>
+            </a:r>
+            <a:r>
+              <a:rPr lang="en-US" dirty="0" smtClean="0"/>
+              <a:t>&gt; - the heading of a section</a:t>
+            </a:r>
+          </a:p>
+          <a:p>
+            <a:pPr marL="914400" indent="-914400">
+              <a:spcBef>
+                <a:spcPts val="1200"/>
+              </a:spcBef>
+              <a:buNone/>
+            </a:pPr>
+            <a:r>
+              <a:rPr lang="en-US" dirty="0" smtClean="0"/>
+              <a:t>&lt;main&gt; - the main content of the page, should be unique to the page</a:t>
+            </a:r>
+          </a:p>
+          <a:p>
+            <a:pPr marL="914400" indent="-914400">
+              <a:spcBef>
+                <a:spcPts val="1200"/>
+              </a:spcBef>
+              <a:buNone/>
+            </a:pPr>
+            <a:r>
+              <a:rPr lang="en-US" dirty="0" smtClean="0"/>
+              <a:t>&lt;</a:t>
+            </a:r>
+            <a:r>
+              <a:rPr lang="en-US" dirty="0" err="1" smtClean="0"/>
+              <a:t>nav</a:t>
+            </a:r>
+            <a:r>
+              <a:rPr lang="en-US" dirty="0" smtClean="0"/>
+              <a:t>&gt; - a section of the page that links to other pages</a:t>
+            </a:r>
+          </a:p>
+          <a:p>
+            <a:pPr marL="914400" indent="-914400">
+              <a:spcBef>
+                <a:spcPts val="1200"/>
+              </a:spcBef>
+              <a:buNone/>
+            </a:pPr>
+            <a:r>
+              <a:rPr lang="en-US" dirty="0" smtClean="0"/>
+              <a:t>&lt;section&gt; - a thematic grouping of content</a:t>
+            </a:r>
+            <a:endParaRPr lang="en-US" dirty="0"/>
+          </a:p>
+        </p:txBody>
+      </p:sp>
+      <p:sp>
+        <p:nvSpPr>
+          <p:cNvPr id="3" name="Title 2"/>
+          <p:cNvSpPr>
+            <a:spLocks noGrp="1"/>
+          </p:cNvSpPr>
+          <p:nvPr>
+            <p:ph type="title"/>
+          </p:nvPr>
+        </p:nvSpPr>
+        <p:spPr/>
+        <p:txBody>
+          <a:bodyPr/>
+          <a:lstStyle/>
+          <a:p>
+            <a:r>
+              <a:rPr lang="en-US" dirty="0" smtClean="0"/>
+              <a:t>HTML elements </a:t>
+            </a:r>
+            <a:r>
+              <a:rPr lang="en-US" dirty="0"/>
+              <a:t>by </a:t>
+            </a:r>
+            <a:r>
+              <a:rPr lang="en-US" dirty="0" smtClean="0"/>
+              <a:t>Function</a:t>
+            </a:r>
+            <a:r>
+              <a:rPr lang="en-US" dirty="0"/>
+              <a:t/>
+            </a:r>
+            <a:br>
+              <a:rPr lang="en-US" dirty="0"/>
+            </a:br>
+            <a:r>
+              <a:rPr lang="en-US" sz="1400" dirty="0"/>
+              <a:t>(from </a:t>
+            </a:r>
+            <a:r>
+              <a:rPr lang="en-US" sz="1400" dirty="0">
+                <a:hlinkClick r:id="rId3"/>
+              </a:rPr>
+              <a:t>https://</a:t>
+            </a:r>
+            <a:r>
+              <a:rPr lang="en-US" sz="1400" dirty="0" smtClean="0">
+                <a:hlinkClick r:id="rId3"/>
+              </a:rPr>
+              <a:t>developer.mozilla.org/en-US/docs/Web/HTML/Element</a:t>
+            </a:r>
+            <a:r>
+              <a:rPr lang="en-US" sz="1400" dirty="0" smtClean="0"/>
+              <a:t>)</a:t>
+            </a:r>
+            <a:endParaRPr lang="en-US" sz="1400" dirty="0"/>
+          </a:p>
+        </p:txBody>
+      </p:sp>
+    </p:spTree>
+    <p:extLst>
+      <p:ext uri="{BB962C8B-B14F-4D97-AF65-F5344CB8AC3E}">
+        <p14:creationId xmlns:p14="http://schemas.microsoft.com/office/powerpoint/2010/main" val="1782037849"/>
+      </p:ext>
+    </p:extLst>
+  </p:cSld>
+  <p:clrMapOvr>
+    <a:masterClrMapping/>
+  </p:clrMapOvr>
+  <p:timing>
+    <p:tnLst>
+      <p:par>
+        <p:cTn id="1" dur="indefinite" restart="never" nodeType="tmRoot"/>
+      </p:par>
+    </p:tnLst>
+  </p:timing>
+</p:sld>
+</file>
+
+<file path=ppt/slides/slide14.xml><?xml version="1.0" encoding="utf-8"?>
+<p:sld xmlns:a="http://schemas.openxmlformats.org/drawingml/2006/main" xmlns:r="http://schemas.openxmlformats.org/officeDocument/2006/relationships" xmlns:p="http://schemas.openxmlformats.org/presentationml/2006/main">
+  <p:cSld>
+    <p:spTree>
+      <p:nvGrpSpPr>
+        <p:cNvPr id="1" name=""/>
+        <p:cNvGrpSpPr/>
+        <p:nvPr/>
+      </p:nvGrpSpPr>
+      <p:grpSpPr>
+        <a:xfrm>
+          <a:off x="0" y="0"/>
+          <a:ext cx="0" cy="0"/>
+          <a:chOff x="0" y="0"/>
+          <a:chExt cx="0" cy="0"/>
+        </a:xfrm>
+      </p:grpSpPr>
+      <p:sp>
+        <p:nvSpPr>
+          <p:cNvPr id="2" name="Content Placeholder 1"/>
+          <p:cNvSpPr>
+            <a:spLocks noGrp="1"/>
+          </p:cNvSpPr>
+          <p:nvPr>
+            <p:ph idx="1"/>
+          </p:nvPr>
+        </p:nvSpPr>
+        <p:spPr>
+          <a:xfrm>
+            <a:off x="380999" y="1719070"/>
+            <a:ext cx="8686801" cy="4986530"/>
+          </a:xfrm>
+        </p:spPr>
+        <p:txBody>
+          <a:bodyPr>
+            <a:normAutofit/>
+          </a:bodyPr>
+          <a:lstStyle/>
+          <a:p>
+            <a:pPr marL="0" indent="0">
+              <a:spcAft>
+                <a:spcPts val="1200"/>
+              </a:spcAft>
+              <a:buNone/>
+            </a:pPr>
+            <a:r>
+              <a:rPr lang="en-US" b="1" dirty="0" smtClean="0"/>
+              <a:t>Text Content:</a:t>
+            </a:r>
+          </a:p>
+          <a:p>
+            <a:pPr marL="914400" indent="-914400">
+              <a:spcBef>
+                <a:spcPts val="1200"/>
+              </a:spcBef>
+              <a:buNone/>
+            </a:pPr>
+            <a:r>
+              <a:rPr lang="en-US" dirty="0" smtClean="0"/>
+              <a:t>Description elements:  &lt;dl&gt;  (begin definition list)</a:t>
+            </a:r>
+          </a:p>
+          <a:p>
+            <a:pPr marL="914400" indent="-914400">
+              <a:spcBef>
+                <a:spcPts val="0"/>
+              </a:spcBef>
+              <a:buNone/>
+            </a:pPr>
+            <a:r>
+              <a:rPr lang="en-US" dirty="0"/>
+              <a:t>	</a:t>
+            </a:r>
+            <a:r>
+              <a:rPr lang="en-US" dirty="0" smtClean="0"/>
+              <a:t>		   &lt;</a:t>
+            </a:r>
+            <a:r>
+              <a:rPr lang="en-US" dirty="0" err="1" smtClean="0"/>
+              <a:t>dt</a:t>
+            </a:r>
+            <a:r>
+              <a:rPr lang="en-US" dirty="0" smtClean="0"/>
+              <a:t>&gt; (a term in the definition list)</a:t>
+            </a:r>
+          </a:p>
+          <a:p>
+            <a:pPr marL="914400" indent="-914400">
+              <a:spcBef>
+                <a:spcPts val="0"/>
+              </a:spcBef>
+              <a:buNone/>
+            </a:pPr>
+            <a:r>
+              <a:rPr lang="en-US" dirty="0" smtClean="0"/>
+              <a:t> 			   &lt;</a:t>
+            </a:r>
+            <a:r>
+              <a:rPr lang="en-US" dirty="0" err="1" smtClean="0"/>
+              <a:t>dt</a:t>
+            </a:r>
+            <a:r>
+              <a:rPr lang="en-US" dirty="0" smtClean="0"/>
+              <a:t>&gt;  (a description of a term)</a:t>
+            </a:r>
+          </a:p>
+          <a:p>
+            <a:pPr marL="914400" indent="-914400">
+              <a:spcBef>
+                <a:spcPts val="1800"/>
+              </a:spcBef>
+              <a:buNone/>
+            </a:pPr>
+            <a:r>
+              <a:rPr lang="en-US" dirty="0" smtClean="0"/>
+              <a:t>Figure elements:  &lt;figure&gt;  &lt;</a:t>
+            </a:r>
+            <a:r>
+              <a:rPr lang="en-US" dirty="0" err="1" smtClean="0"/>
+              <a:t>figcaption</a:t>
+            </a:r>
+            <a:r>
+              <a:rPr lang="en-US" dirty="0" smtClean="0"/>
+              <a:t>&gt;</a:t>
+            </a:r>
+          </a:p>
+          <a:p>
+            <a:pPr marL="914400" indent="-914400">
+              <a:spcBef>
+                <a:spcPts val="1800"/>
+              </a:spcBef>
+              <a:buNone/>
+            </a:pPr>
+            <a:r>
+              <a:rPr lang="en-US" dirty="0" smtClean="0"/>
+              <a:t>Horizontal rule:  &lt;</a:t>
+            </a:r>
+            <a:r>
+              <a:rPr lang="en-US" dirty="0" err="1" smtClean="0"/>
+              <a:t>hr</a:t>
+            </a:r>
+            <a:r>
+              <a:rPr lang="en-US" dirty="0" smtClean="0"/>
+              <a:t>&gt; </a:t>
+            </a:r>
+          </a:p>
+          <a:p>
+            <a:pPr marL="914400" indent="-914400">
+              <a:spcBef>
+                <a:spcPts val="1800"/>
+              </a:spcBef>
+              <a:buNone/>
+            </a:pPr>
+            <a:r>
+              <a:rPr lang="en-US" dirty="0" smtClean="0"/>
+              <a:t>List elements:   &lt;</a:t>
+            </a:r>
+            <a:r>
+              <a:rPr lang="en-US" dirty="0" err="1" smtClean="0"/>
+              <a:t>ol</a:t>
+            </a:r>
+            <a:r>
+              <a:rPr lang="en-US" dirty="0" smtClean="0"/>
+              <a:t>&gt; (begin ordered list</a:t>
+            </a:r>
+          </a:p>
+          <a:p>
+            <a:pPr marL="914400" indent="-914400">
+              <a:spcBef>
+                <a:spcPts val="0"/>
+              </a:spcBef>
+              <a:buNone/>
+            </a:pPr>
+            <a:r>
+              <a:rPr lang="en-US" dirty="0"/>
+              <a:t>	</a:t>
+            </a:r>
+            <a:r>
+              <a:rPr lang="en-US" dirty="0" smtClean="0"/>
+              <a:t>	   &lt;</a:t>
+            </a:r>
+            <a:r>
+              <a:rPr lang="en-US" dirty="0" err="1" smtClean="0"/>
+              <a:t>ul</a:t>
+            </a:r>
+            <a:r>
+              <a:rPr lang="en-US" dirty="0" smtClean="0"/>
+              <a:t>&gt;  (begin unordered list)</a:t>
+            </a:r>
+          </a:p>
+          <a:p>
+            <a:pPr marL="914400" indent="-914400">
+              <a:spcBef>
+                <a:spcPts val="0"/>
+              </a:spcBef>
+              <a:buNone/>
+            </a:pPr>
+            <a:r>
+              <a:rPr lang="en-US" dirty="0" smtClean="0"/>
+              <a:t>   		   &lt;li&gt;  &lt;list element&gt;</a:t>
+            </a:r>
+          </a:p>
+          <a:p>
+            <a:pPr marL="914400" indent="-914400">
+              <a:spcBef>
+                <a:spcPts val="1800"/>
+              </a:spcBef>
+              <a:buNone/>
+            </a:pPr>
+            <a:r>
+              <a:rPr lang="en-US" dirty="0" smtClean="0"/>
+              <a:t>Paragraph:  &lt;p&gt;</a:t>
+            </a:r>
+          </a:p>
+          <a:p>
+            <a:pPr marL="914400" indent="-914400">
+              <a:spcBef>
+                <a:spcPts val="1800"/>
+              </a:spcBef>
+              <a:buNone/>
+            </a:pPr>
+            <a:r>
+              <a:rPr lang="en-US" dirty="0" smtClean="0"/>
+              <a:t>Preformatted text:  &lt;pre&gt;</a:t>
+            </a:r>
+            <a:endParaRPr lang="en-US" dirty="0"/>
+          </a:p>
+        </p:txBody>
+      </p:sp>
+      <p:sp>
+        <p:nvSpPr>
+          <p:cNvPr id="3" name="Title 2"/>
+          <p:cNvSpPr>
+            <a:spLocks noGrp="1"/>
+          </p:cNvSpPr>
+          <p:nvPr>
+            <p:ph type="title"/>
+          </p:nvPr>
+        </p:nvSpPr>
+        <p:spPr/>
+        <p:txBody>
+          <a:bodyPr/>
+          <a:lstStyle/>
+          <a:p>
+            <a:r>
+              <a:rPr lang="en-US" dirty="0" smtClean="0"/>
+              <a:t>HTML elements </a:t>
+            </a:r>
+            <a:r>
+              <a:rPr lang="en-US" dirty="0"/>
+              <a:t>by </a:t>
+            </a:r>
+            <a:r>
+              <a:rPr lang="en-US" dirty="0" smtClean="0"/>
+              <a:t>Function</a:t>
+            </a:r>
+            <a:r>
+              <a:rPr lang="en-US" dirty="0"/>
+              <a:t/>
+            </a:r>
+            <a:br>
+              <a:rPr lang="en-US" dirty="0"/>
+            </a:br>
+            <a:r>
+              <a:rPr lang="en-US" sz="1400" dirty="0"/>
+              <a:t>(from </a:t>
+            </a:r>
+            <a:r>
+              <a:rPr lang="en-US" sz="1400" dirty="0">
+                <a:hlinkClick r:id="rId3"/>
+              </a:rPr>
+              <a:t>https://</a:t>
+            </a:r>
+            <a:r>
+              <a:rPr lang="en-US" sz="1400" dirty="0" smtClean="0">
+                <a:hlinkClick r:id="rId3"/>
+              </a:rPr>
+              <a:t>developer.mozilla.org/en-US/docs/Web/HTML/Element</a:t>
+            </a:r>
+            <a:r>
+              <a:rPr lang="en-US" sz="1400" dirty="0" smtClean="0"/>
+              <a:t>)</a:t>
+            </a:r>
+            <a:endParaRPr lang="en-US" sz="1400" dirty="0"/>
+          </a:p>
+        </p:txBody>
+      </p:sp>
+    </p:spTree>
+    <p:extLst>
+      <p:ext uri="{BB962C8B-B14F-4D97-AF65-F5344CB8AC3E}">
+        <p14:creationId xmlns:p14="http://schemas.microsoft.com/office/powerpoint/2010/main" val="1763711198"/>
+      </p:ext>
+    </p:extLst>
+  </p:cSld>
+  <p:clrMapOvr>
+    <a:masterClrMapping/>
+  </p:clrMapOvr>
+  <p:timing>
+    <p:tnLst>
+      <p:par>
+        <p:cTn id="1" dur="indefinite" restart="never" nodeType="tmRoot"/>
+      </p:par>
+    </p:tnLst>
+  </p:timing>
+</p:sld>
+</file>
+
+<file path=ppt/slides/slide15.xml><?xml version="1.0" encoding="utf-8"?>
+<p:sld xmlns:a="http://schemas.openxmlformats.org/drawingml/2006/main" xmlns:r="http://schemas.openxmlformats.org/officeDocument/2006/relationships" xmlns:p="http://schemas.openxmlformats.org/presentationml/2006/main">
+  <p:cSld>
+    <p:spTree>
+      <p:nvGrpSpPr>
+        <p:cNvPr id="1" name=""/>
+        <p:cNvGrpSpPr/>
+        <p:nvPr/>
+      </p:nvGrpSpPr>
+      <p:grpSpPr>
+        <a:xfrm>
+          <a:off x="0" y="0"/>
+          <a:ext cx="0" cy="0"/>
+          <a:chOff x="0" y="0"/>
+          <a:chExt cx="0" cy="0"/>
+        </a:xfrm>
+      </p:grpSpPr>
+      <p:sp>
+        <p:nvSpPr>
+          <p:cNvPr id="2" name="Content Placeholder 1"/>
+          <p:cNvSpPr>
+            <a:spLocks noGrp="1"/>
+          </p:cNvSpPr>
+          <p:nvPr>
+            <p:ph idx="1"/>
+          </p:nvPr>
+        </p:nvSpPr>
+        <p:spPr>
+          <a:xfrm>
+            <a:off x="380999" y="1719070"/>
+            <a:ext cx="8686801" cy="4986530"/>
+          </a:xfrm>
+        </p:spPr>
+        <p:txBody>
+          <a:bodyPr>
+            <a:normAutofit fontScale="92500" lnSpcReduction="20000"/>
+          </a:bodyPr>
+          <a:lstStyle/>
+          <a:p>
+            <a:pPr marL="0" indent="0">
+              <a:spcAft>
+                <a:spcPts val="1200"/>
+              </a:spcAft>
+              <a:buNone/>
+            </a:pPr>
+            <a:r>
+              <a:rPr lang="en-US" b="1" dirty="0" smtClean="0"/>
+              <a:t>Inline text semantics:</a:t>
+            </a:r>
+          </a:p>
+          <a:p>
+            <a:pPr marL="0" indent="0">
+              <a:spcAft>
+                <a:spcPts val="1200"/>
+              </a:spcAft>
+              <a:buNone/>
+            </a:pPr>
+            <a:r>
+              <a:rPr lang="en-US" b="1" dirty="0" smtClean="0"/>
+              <a:t>&lt;a&gt; </a:t>
+            </a:r>
+            <a:r>
+              <a:rPr lang="en-US" dirty="0" smtClean="0"/>
+              <a:t>- anchor element; defines a hyperlink</a:t>
+            </a:r>
+          </a:p>
+          <a:p>
+            <a:pPr marL="0" indent="0">
+              <a:spcAft>
+                <a:spcPts val="1200"/>
+              </a:spcAft>
+              <a:buNone/>
+            </a:pPr>
+            <a:r>
+              <a:rPr lang="en-US" b="1" dirty="0" smtClean="0"/>
+              <a:t>&lt;</a:t>
+            </a:r>
+            <a:r>
+              <a:rPr lang="en-US" b="1" dirty="0" err="1" smtClean="0"/>
+              <a:t>abbr</a:t>
+            </a:r>
+            <a:r>
+              <a:rPr lang="en-US" b="1" dirty="0" smtClean="0"/>
+              <a:t>&gt; </a:t>
+            </a:r>
+            <a:r>
+              <a:rPr lang="en-US" dirty="0" smtClean="0"/>
+              <a:t>- represents an abbreviation</a:t>
+            </a:r>
+          </a:p>
+          <a:p>
+            <a:pPr marL="0" indent="0">
+              <a:spcAft>
+                <a:spcPts val="1200"/>
+              </a:spcAft>
+              <a:buNone/>
+            </a:pPr>
+            <a:r>
+              <a:rPr lang="en-US" b="1" dirty="0" smtClean="0"/>
+              <a:t>&lt;b&gt; </a:t>
+            </a:r>
+            <a:r>
+              <a:rPr lang="en-US" dirty="0" smtClean="0"/>
+              <a:t>- bold</a:t>
+            </a:r>
+          </a:p>
+          <a:p>
+            <a:pPr marL="0" indent="0">
+              <a:spcAft>
+                <a:spcPts val="1200"/>
+              </a:spcAft>
+              <a:buNone/>
+            </a:pPr>
+            <a:r>
+              <a:rPr lang="en-US" b="1" dirty="0" smtClean="0"/>
+              <a:t>&lt;</a:t>
+            </a:r>
+            <a:r>
+              <a:rPr lang="en-US" b="1" dirty="0" err="1" smtClean="0"/>
+              <a:t>bdi</a:t>
+            </a:r>
+            <a:r>
+              <a:rPr lang="en-US" b="1" dirty="0" smtClean="0"/>
+              <a:t>&gt; </a:t>
+            </a:r>
+            <a:r>
+              <a:rPr lang="en-US" dirty="0" smtClean="0"/>
+              <a:t>- format text in a different direction</a:t>
+            </a:r>
+          </a:p>
+          <a:p>
+            <a:pPr marL="0" indent="0">
+              <a:spcAft>
+                <a:spcPts val="1200"/>
+              </a:spcAft>
+              <a:buNone/>
+            </a:pPr>
+            <a:r>
+              <a:rPr lang="en-US" b="1" dirty="0" smtClean="0"/>
+              <a:t>&lt;</a:t>
+            </a:r>
+            <a:r>
+              <a:rPr lang="en-US" b="1" dirty="0" err="1" smtClean="0"/>
+              <a:t>bdo</a:t>
+            </a:r>
+            <a:r>
+              <a:rPr lang="en-US" b="1" dirty="0" smtClean="0"/>
+              <a:t>&gt; </a:t>
+            </a:r>
+            <a:r>
+              <a:rPr lang="en-US" dirty="0" smtClean="0"/>
+              <a:t>- override current directionality of text</a:t>
+            </a:r>
+          </a:p>
+          <a:p>
+            <a:pPr marL="0" indent="0">
+              <a:spcAft>
+                <a:spcPts val="1200"/>
+              </a:spcAft>
+              <a:buNone/>
+            </a:pPr>
+            <a:r>
+              <a:rPr lang="en-US" b="1" dirty="0" smtClean="0"/>
+              <a:t>&lt;</a:t>
+            </a:r>
+            <a:r>
+              <a:rPr lang="en-US" b="1" dirty="0" err="1" smtClean="0"/>
+              <a:t>br</a:t>
+            </a:r>
+            <a:r>
+              <a:rPr lang="en-US" b="1" dirty="0" smtClean="0"/>
+              <a:t>&gt; </a:t>
+            </a:r>
+            <a:r>
+              <a:rPr lang="en-US" dirty="0" smtClean="0"/>
+              <a:t>- line break</a:t>
+            </a:r>
+          </a:p>
+          <a:p>
+            <a:pPr marL="0" indent="0">
+              <a:spcAft>
+                <a:spcPts val="1200"/>
+              </a:spcAft>
+              <a:buNone/>
+            </a:pPr>
+            <a:r>
+              <a:rPr lang="en-US" b="1" dirty="0" smtClean="0"/>
+              <a:t>&lt;cite&gt; </a:t>
+            </a:r>
+            <a:r>
+              <a:rPr lang="en-US" dirty="0" smtClean="0"/>
+              <a:t>- reference to a work</a:t>
+            </a:r>
+          </a:p>
+          <a:p>
+            <a:pPr marL="0" indent="0">
+              <a:spcAft>
+                <a:spcPts val="1200"/>
+              </a:spcAft>
+              <a:buNone/>
+            </a:pPr>
+            <a:r>
+              <a:rPr lang="en-US" b="1" dirty="0" smtClean="0"/>
+              <a:t>&lt;code&gt; </a:t>
+            </a:r>
+            <a:r>
+              <a:rPr lang="en-US" dirty="0" smtClean="0"/>
+              <a:t>- displays computer code in monospace font</a:t>
+            </a:r>
+          </a:p>
+          <a:p>
+            <a:pPr marL="0" indent="0">
+              <a:spcAft>
+                <a:spcPts val="1200"/>
+              </a:spcAft>
+              <a:buNone/>
+            </a:pPr>
+            <a:r>
+              <a:rPr lang="en-US" b="1" dirty="0"/>
+              <a:t>&lt;</a:t>
+            </a:r>
+            <a:r>
+              <a:rPr lang="en-US" b="1" dirty="0" smtClean="0"/>
+              <a:t>data&gt; </a:t>
+            </a:r>
+            <a:r>
+              <a:rPr lang="en-US" dirty="0" smtClean="0"/>
+              <a:t>- links content with machine-readable translation</a:t>
+            </a:r>
+          </a:p>
+          <a:p>
+            <a:pPr marL="0" indent="0">
+              <a:spcAft>
+                <a:spcPts val="1200"/>
+              </a:spcAft>
+              <a:buNone/>
+            </a:pPr>
+            <a:r>
+              <a:rPr lang="en-US" b="1" dirty="0" smtClean="0"/>
+              <a:t>&lt;</a:t>
+            </a:r>
+            <a:r>
+              <a:rPr lang="en-US" b="1" dirty="0" err="1" smtClean="0"/>
+              <a:t>dfn</a:t>
+            </a:r>
+            <a:r>
+              <a:rPr lang="en-US" b="1" dirty="0" smtClean="0"/>
+              <a:t>&gt; </a:t>
+            </a:r>
+            <a:r>
+              <a:rPr lang="en-US" dirty="0" smtClean="0"/>
+              <a:t>- the defining instance of a term</a:t>
+            </a:r>
+          </a:p>
+          <a:p>
+            <a:pPr marL="0" indent="0">
+              <a:spcAft>
+                <a:spcPts val="1200"/>
+              </a:spcAft>
+              <a:buNone/>
+            </a:pPr>
+            <a:endParaRPr lang="en-US" b="1" dirty="0" smtClean="0"/>
+          </a:p>
+        </p:txBody>
+      </p:sp>
+      <p:sp>
+        <p:nvSpPr>
+          <p:cNvPr id="3" name="Title 2"/>
+          <p:cNvSpPr>
+            <a:spLocks noGrp="1"/>
+          </p:cNvSpPr>
+          <p:nvPr>
+            <p:ph type="title"/>
+          </p:nvPr>
+        </p:nvSpPr>
+        <p:spPr/>
+        <p:txBody>
+          <a:bodyPr/>
+          <a:lstStyle/>
+          <a:p>
+            <a:r>
+              <a:rPr lang="en-US" dirty="0" smtClean="0"/>
+              <a:t>HTML elements </a:t>
+            </a:r>
+            <a:r>
+              <a:rPr lang="en-US" dirty="0"/>
+              <a:t>by </a:t>
+            </a:r>
+            <a:r>
+              <a:rPr lang="en-US" dirty="0" smtClean="0"/>
+              <a:t>Function</a:t>
+            </a:r>
+            <a:r>
+              <a:rPr lang="en-US" dirty="0"/>
+              <a:t/>
+            </a:r>
+            <a:br>
+              <a:rPr lang="en-US" dirty="0"/>
+            </a:br>
+            <a:r>
+              <a:rPr lang="en-US" sz="1400" dirty="0"/>
+              <a:t>(from </a:t>
+            </a:r>
+            <a:r>
+              <a:rPr lang="en-US" sz="1400" dirty="0">
+                <a:hlinkClick r:id="rId3"/>
+              </a:rPr>
+              <a:t>https://</a:t>
+            </a:r>
+            <a:r>
+              <a:rPr lang="en-US" sz="1400" dirty="0" smtClean="0">
+                <a:hlinkClick r:id="rId3"/>
+              </a:rPr>
+              <a:t>developer.mozilla.org/en-US/docs/Web/HTML/Element</a:t>
+            </a:r>
+            <a:r>
+              <a:rPr lang="en-US" sz="1400" dirty="0" smtClean="0"/>
+              <a:t>)</a:t>
+            </a:r>
+            <a:endParaRPr lang="en-US" sz="1400" dirty="0"/>
+          </a:p>
+        </p:txBody>
+      </p:sp>
+    </p:spTree>
+    <p:extLst>
+      <p:ext uri="{BB962C8B-B14F-4D97-AF65-F5344CB8AC3E}">
+        <p14:creationId xmlns:p14="http://schemas.microsoft.com/office/powerpoint/2010/main" val="1678488580"/>
+      </p:ext>
+    </p:extLst>
+  </p:cSld>
+  <p:clrMapOvr>
+    <a:masterClrMapping/>
+  </p:clrMapOvr>
+  <p:timing>
+    <p:tnLst>
+      <p:par>
+        <p:cTn id="1" dur="indefinite" restart="never" nodeType="tmRoot"/>
+      </p:par>
+    </p:tnLst>
+  </p:timing>
+</p:sld>
+</file>
+
+<file path=ppt/slides/slide16.xml><?xml version="1.0" encoding="utf-8"?>
+<p:sld xmlns:a="http://schemas.openxmlformats.org/drawingml/2006/main" xmlns:r="http://schemas.openxmlformats.org/officeDocument/2006/relationships" xmlns:p="http://schemas.openxmlformats.org/presentationml/2006/main">
+  <p:cSld>
+    <p:spTree>
+      <p:nvGrpSpPr>
+        <p:cNvPr id="1" name=""/>
+        <p:cNvGrpSpPr/>
+        <p:nvPr/>
+      </p:nvGrpSpPr>
+      <p:grpSpPr>
+        <a:xfrm>
+          <a:off x="0" y="0"/>
+          <a:ext cx="0" cy="0"/>
+          <a:chOff x="0" y="0"/>
+          <a:chExt cx="0" cy="0"/>
+        </a:xfrm>
+      </p:grpSpPr>
+      <p:sp>
+        <p:nvSpPr>
+          <p:cNvPr id="2" name="Content Placeholder 1"/>
+          <p:cNvSpPr>
+            <a:spLocks noGrp="1"/>
+          </p:cNvSpPr>
+          <p:nvPr>
+            <p:ph idx="1"/>
+          </p:nvPr>
+        </p:nvSpPr>
+        <p:spPr>
+          <a:xfrm>
+            <a:off x="380999" y="1719070"/>
+            <a:ext cx="8686801" cy="4986530"/>
+          </a:xfrm>
+        </p:spPr>
+        <p:txBody>
+          <a:bodyPr>
+            <a:normAutofit fontScale="92500" lnSpcReduction="20000"/>
+          </a:bodyPr>
+          <a:lstStyle/>
+          <a:p>
+            <a:pPr marL="0" indent="0">
+              <a:spcAft>
+                <a:spcPts val="1200"/>
+              </a:spcAft>
+              <a:buNone/>
+            </a:pPr>
+            <a:r>
+              <a:rPr lang="en-US" b="1" dirty="0" smtClean="0"/>
+              <a:t>Inline text semantics: (continued)</a:t>
+            </a:r>
+          </a:p>
+          <a:p>
+            <a:pPr marL="0" indent="0">
+              <a:spcAft>
+                <a:spcPts val="1200"/>
+              </a:spcAft>
+              <a:buNone/>
+            </a:pPr>
+            <a:r>
+              <a:rPr lang="en-US" b="1" dirty="0"/>
+              <a:t>&lt;</a:t>
+            </a:r>
+            <a:r>
+              <a:rPr lang="en-US" b="1" dirty="0" err="1"/>
+              <a:t>em</a:t>
+            </a:r>
+            <a:r>
+              <a:rPr lang="en-US" b="1" dirty="0"/>
+              <a:t>&gt; </a:t>
+            </a:r>
+            <a:r>
+              <a:rPr lang="en-US" dirty="0"/>
+              <a:t>- emphasis; usually in italic; can be nested</a:t>
+            </a:r>
+          </a:p>
+          <a:p>
+            <a:pPr marL="0" indent="0">
+              <a:spcAft>
+                <a:spcPts val="1200"/>
+              </a:spcAft>
+              <a:buNone/>
+            </a:pPr>
+            <a:r>
+              <a:rPr lang="en-US" b="1" dirty="0" smtClean="0"/>
+              <a:t>&lt;</a:t>
+            </a:r>
+            <a:r>
+              <a:rPr lang="en-US" b="1" dirty="0" err="1" smtClean="0"/>
+              <a:t>i</a:t>
+            </a:r>
+            <a:r>
+              <a:rPr lang="en-US" b="1" dirty="0" smtClean="0"/>
+              <a:t>&gt; </a:t>
+            </a:r>
+            <a:r>
+              <a:rPr lang="en-US" dirty="0" smtClean="0"/>
+              <a:t>- italic</a:t>
+            </a:r>
+          </a:p>
+          <a:p>
+            <a:pPr marL="0" indent="0">
+              <a:spcAft>
+                <a:spcPts val="1200"/>
+              </a:spcAft>
+              <a:buNone/>
+            </a:pPr>
+            <a:r>
+              <a:rPr lang="en-US" b="1" dirty="0" smtClean="0"/>
+              <a:t>&lt;</a:t>
+            </a:r>
+            <a:r>
+              <a:rPr lang="en-US" b="1" dirty="0" err="1" smtClean="0"/>
+              <a:t>kbd</a:t>
+            </a:r>
+            <a:r>
+              <a:rPr lang="en-US" b="1" dirty="0" smtClean="0"/>
+              <a:t>&gt; </a:t>
+            </a:r>
+            <a:r>
+              <a:rPr lang="en-US" dirty="0" smtClean="0"/>
+              <a:t>- keyboard input element</a:t>
+            </a:r>
+          </a:p>
+          <a:p>
+            <a:pPr marL="0" indent="0">
+              <a:spcAft>
+                <a:spcPts val="1200"/>
+              </a:spcAft>
+              <a:buNone/>
+            </a:pPr>
+            <a:r>
+              <a:rPr lang="en-US" b="1" dirty="0" smtClean="0"/>
+              <a:t>&lt;mark&gt; </a:t>
+            </a:r>
+            <a:r>
+              <a:rPr lang="en-US" dirty="0" smtClean="0"/>
+              <a:t>- highlighted text</a:t>
+            </a:r>
+          </a:p>
+          <a:p>
+            <a:pPr marL="0" indent="0">
+              <a:spcAft>
+                <a:spcPts val="1200"/>
+              </a:spcAft>
+              <a:buNone/>
+            </a:pPr>
+            <a:r>
+              <a:rPr lang="en-US" b="1" dirty="0" smtClean="0"/>
+              <a:t>&lt;q&gt; </a:t>
+            </a:r>
+            <a:r>
+              <a:rPr lang="en-US" dirty="0" smtClean="0"/>
+              <a:t>- a short inline quotation</a:t>
+            </a:r>
+          </a:p>
+          <a:p>
+            <a:pPr marL="0" indent="0">
+              <a:spcAft>
+                <a:spcPts val="1200"/>
+              </a:spcAft>
+              <a:buNone/>
+            </a:pPr>
+            <a:r>
+              <a:rPr lang="en-US" b="1" dirty="0" smtClean="0"/>
+              <a:t>&lt;</a:t>
+            </a:r>
+            <a:r>
+              <a:rPr lang="en-US" b="1" dirty="0" err="1" smtClean="0"/>
+              <a:t>rp</a:t>
+            </a:r>
+            <a:r>
+              <a:rPr lang="en-US" b="1" dirty="0" smtClean="0"/>
+              <a:t>&gt; </a:t>
+            </a:r>
+            <a:r>
+              <a:rPr lang="en-US" dirty="0" smtClean="0"/>
+              <a:t>- </a:t>
+            </a:r>
+            <a:r>
+              <a:rPr lang="en-US" dirty="0" err="1" smtClean="0"/>
+              <a:t>fall-back</a:t>
+            </a:r>
+            <a:r>
+              <a:rPr lang="en-US" dirty="0" smtClean="0"/>
+              <a:t> parentheses for Ruby annotations</a:t>
+            </a:r>
+          </a:p>
+          <a:p>
+            <a:pPr marL="0" indent="0">
+              <a:spcAft>
+                <a:spcPts val="1200"/>
+              </a:spcAft>
+              <a:buNone/>
+            </a:pPr>
+            <a:r>
+              <a:rPr lang="en-US" b="1" dirty="0" smtClean="0"/>
+              <a:t>&lt;</a:t>
+            </a:r>
+            <a:r>
+              <a:rPr lang="en-US" b="1" dirty="0" err="1" smtClean="0"/>
+              <a:t>rt</a:t>
+            </a:r>
+            <a:r>
+              <a:rPr lang="en-US" b="1" dirty="0" smtClean="0"/>
+              <a:t>&gt; </a:t>
+            </a:r>
+            <a:r>
+              <a:rPr lang="en-US" dirty="0" smtClean="0"/>
+              <a:t>- embraces pronunciation of characters in ruby annotations</a:t>
+            </a:r>
+          </a:p>
+          <a:p>
+            <a:pPr marL="0" indent="0">
+              <a:spcAft>
+                <a:spcPts val="1200"/>
+              </a:spcAft>
+              <a:buNone/>
+            </a:pPr>
+            <a:r>
+              <a:rPr lang="en-US" b="1" dirty="0" smtClean="0"/>
+              <a:t>&lt;</a:t>
+            </a:r>
+            <a:r>
+              <a:rPr lang="en-US" b="1" dirty="0" err="1" smtClean="0"/>
+              <a:t>rtc</a:t>
+            </a:r>
+            <a:r>
+              <a:rPr lang="en-US" b="1" dirty="0" smtClean="0"/>
+              <a:t>&gt; </a:t>
+            </a:r>
+            <a:r>
+              <a:rPr lang="en-US" dirty="0" smtClean="0"/>
+              <a:t>- semantic annotations of characters in ruby elements</a:t>
+            </a:r>
+          </a:p>
+          <a:p>
+            <a:pPr marL="0" indent="0">
+              <a:spcAft>
+                <a:spcPts val="1200"/>
+              </a:spcAft>
+              <a:buNone/>
+            </a:pPr>
+            <a:r>
+              <a:rPr lang="en-US" b="1" dirty="0" smtClean="0"/>
+              <a:t>&lt;ruby&gt; </a:t>
+            </a:r>
+            <a:r>
+              <a:rPr lang="en-US" dirty="0" smtClean="0"/>
+              <a:t>- </a:t>
+            </a:r>
+            <a:r>
+              <a:rPr lang="en-US" dirty="0"/>
+              <a:t>describes pronunciation of East Asian characters</a:t>
+            </a:r>
+            <a:endParaRPr lang="en-US" dirty="0" smtClean="0"/>
+          </a:p>
+          <a:p>
+            <a:pPr marL="0" indent="0">
+              <a:spcAft>
+                <a:spcPts val="1200"/>
+              </a:spcAft>
+              <a:buNone/>
+            </a:pPr>
+            <a:r>
+              <a:rPr lang="en-US" b="1" dirty="0" smtClean="0"/>
+              <a:t>&lt;s&gt; </a:t>
+            </a:r>
+            <a:r>
+              <a:rPr lang="en-US" dirty="0" smtClean="0"/>
+              <a:t>- strikethrough</a:t>
+            </a:r>
+          </a:p>
+          <a:p>
+            <a:pPr marL="0" indent="0">
+              <a:spcAft>
+                <a:spcPts val="1200"/>
+              </a:spcAft>
+              <a:buNone/>
+            </a:pPr>
+            <a:endParaRPr lang="en-US" b="1" dirty="0" smtClean="0"/>
+          </a:p>
+        </p:txBody>
+      </p:sp>
+      <p:sp>
+        <p:nvSpPr>
+          <p:cNvPr id="3" name="Title 2"/>
+          <p:cNvSpPr>
+            <a:spLocks noGrp="1"/>
+          </p:cNvSpPr>
+          <p:nvPr>
+            <p:ph type="title"/>
+          </p:nvPr>
+        </p:nvSpPr>
+        <p:spPr/>
+        <p:txBody>
+          <a:bodyPr/>
+          <a:lstStyle/>
+          <a:p>
+            <a:r>
+              <a:rPr lang="en-US" dirty="0" smtClean="0"/>
+              <a:t>HTML elements </a:t>
+            </a:r>
+            <a:r>
+              <a:rPr lang="en-US" dirty="0"/>
+              <a:t>by </a:t>
+            </a:r>
+            <a:r>
+              <a:rPr lang="en-US" dirty="0" smtClean="0"/>
+              <a:t>Function</a:t>
+            </a:r>
+            <a:r>
+              <a:rPr lang="en-US" dirty="0"/>
+              <a:t/>
+            </a:r>
+            <a:br>
+              <a:rPr lang="en-US" dirty="0"/>
+            </a:br>
+            <a:r>
+              <a:rPr lang="en-US" sz="1400" dirty="0"/>
+              <a:t>(from </a:t>
+            </a:r>
+            <a:r>
+              <a:rPr lang="en-US" sz="1400" dirty="0">
+                <a:hlinkClick r:id="rId3"/>
+              </a:rPr>
+              <a:t>https://</a:t>
+            </a:r>
+            <a:r>
+              <a:rPr lang="en-US" sz="1400" dirty="0" smtClean="0">
+                <a:hlinkClick r:id="rId3"/>
+              </a:rPr>
+              <a:t>developer.mozilla.org/en-US/docs/Web/HTML/Element</a:t>
+            </a:r>
+            <a:r>
+              <a:rPr lang="en-US" sz="1400" dirty="0" smtClean="0"/>
+              <a:t>)</a:t>
+            </a:r>
+            <a:endParaRPr lang="en-US" sz="1400" dirty="0"/>
+          </a:p>
+        </p:txBody>
+      </p:sp>
+    </p:spTree>
+    <p:extLst>
+      <p:ext uri="{BB962C8B-B14F-4D97-AF65-F5344CB8AC3E}">
+        <p14:creationId xmlns:p14="http://schemas.microsoft.com/office/powerpoint/2010/main" val="1730291854"/>
+      </p:ext>
+    </p:extLst>
+  </p:cSld>
+  <p:clrMapOvr>
+    <a:masterClrMapping/>
+  </p:clrMapOvr>
+  <p:timing>
+    <p:tnLst>
+      <p:par>
+        <p:cTn id="1" dur="indefinite" restart="never" nodeType="tmRoot"/>
+      </p:par>
+    </p:tnLst>
+  </p:timing>
+</p:sld>
+</file>
+
+<file path=ppt/slides/slide17.xml><?xml version="1.0" encoding="utf-8"?>
+<p:sld xmlns:a="http://schemas.openxmlformats.org/drawingml/2006/main" xmlns:r="http://schemas.openxmlformats.org/officeDocument/2006/relationships" xmlns:p="http://schemas.openxmlformats.org/presentationml/2006/main">
+  <p:cSld>
+    <p:spTree>
+      <p:nvGrpSpPr>
+        <p:cNvPr id="1" name=""/>
+        <p:cNvGrpSpPr/>
+        <p:nvPr/>
+      </p:nvGrpSpPr>
+      <p:grpSpPr>
+        <a:xfrm>
+          <a:off x="0" y="0"/>
+          <a:ext cx="0" cy="0"/>
+          <a:chOff x="0" y="0"/>
+          <a:chExt cx="0" cy="0"/>
+        </a:xfrm>
+      </p:grpSpPr>
+      <p:sp>
+        <p:nvSpPr>
+          <p:cNvPr id="2" name="Content Placeholder 1"/>
+          <p:cNvSpPr>
+            <a:spLocks noGrp="1"/>
+          </p:cNvSpPr>
+          <p:nvPr>
+            <p:ph idx="1"/>
+          </p:nvPr>
+        </p:nvSpPr>
+        <p:spPr>
+          <a:xfrm>
+            <a:off x="380999" y="1719070"/>
+            <a:ext cx="8686801" cy="4986530"/>
+          </a:xfrm>
+        </p:spPr>
+        <p:txBody>
+          <a:bodyPr>
+            <a:normAutofit lnSpcReduction="10000"/>
+          </a:bodyPr>
+          <a:lstStyle/>
+          <a:p>
+            <a:pPr marL="0" indent="0">
+              <a:spcAft>
+                <a:spcPts val="1200"/>
+              </a:spcAft>
+              <a:buNone/>
+            </a:pPr>
+            <a:r>
+              <a:rPr lang="en-US" b="1" dirty="0" smtClean="0"/>
+              <a:t>Inline text semantics: (continued)</a:t>
+            </a:r>
+          </a:p>
+          <a:p>
+            <a:pPr marL="0" indent="0">
+              <a:spcAft>
+                <a:spcPts val="1200"/>
+              </a:spcAft>
+              <a:buNone/>
+            </a:pPr>
+            <a:r>
+              <a:rPr lang="en-US" b="1" dirty="0"/>
+              <a:t>&lt;</a:t>
+            </a:r>
+            <a:r>
+              <a:rPr lang="en-US" b="1" dirty="0" err="1"/>
+              <a:t>samp</a:t>
+            </a:r>
+            <a:r>
+              <a:rPr lang="en-US" b="1" dirty="0"/>
+              <a:t>&gt; </a:t>
+            </a:r>
+            <a:r>
+              <a:rPr lang="en-US" dirty="0"/>
+              <a:t>- for sample output; uses monospace font</a:t>
+            </a:r>
+          </a:p>
+          <a:p>
+            <a:pPr marL="0" indent="0">
+              <a:spcAft>
+                <a:spcPts val="1200"/>
+              </a:spcAft>
+              <a:buNone/>
+            </a:pPr>
+            <a:r>
+              <a:rPr lang="en-US" b="1" dirty="0"/>
+              <a:t>&lt;small&gt; </a:t>
+            </a:r>
+            <a:r>
+              <a:rPr lang="en-US" dirty="0"/>
+              <a:t>- makes font size one size smaller than normal</a:t>
+            </a:r>
+          </a:p>
+          <a:p>
+            <a:pPr marL="0" indent="0">
+              <a:spcAft>
+                <a:spcPts val="1200"/>
+              </a:spcAft>
+              <a:buNone/>
+            </a:pPr>
+            <a:r>
+              <a:rPr lang="en-US" b="1" dirty="0" smtClean="0"/>
+              <a:t>&lt;span&gt; </a:t>
+            </a:r>
+            <a:r>
+              <a:rPr lang="en-US" dirty="0" smtClean="0"/>
+              <a:t>- generic inline container for styling purposes</a:t>
+            </a:r>
+          </a:p>
+          <a:p>
+            <a:pPr marL="0" indent="0">
+              <a:spcAft>
+                <a:spcPts val="1200"/>
+              </a:spcAft>
+              <a:buNone/>
+            </a:pPr>
+            <a:r>
+              <a:rPr lang="en-US" b="1" dirty="0" smtClean="0"/>
+              <a:t>&lt;sub&gt; - </a:t>
+            </a:r>
+            <a:r>
+              <a:rPr lang="en-US" dirty="0" smtClean="0"/>
+              <a:t>subscript</a:t>
+            </a:r>
+          </a:p>
+          <a:p>
+            <a:pPr marL="0" indent="0">
+              <a:spcAft>
+                <a:spcPts val="1200"/>
+              </a:spcAft>
+              <a:buNone/>
+            </a:pPr>
+            <a:r>
+              <a:rPr lang="en-US" b="1" dirty="0" smtClean="0"/>
+              <a:t>&lt;sup&gt; </a:t>
+            </a:r>
+            <a:r>
+              <a:rPr lang="en-US" dirty="0" smtClean="0"/>
+              <a:t>- superscript</a:t>
+            </a:r>
+          </a:p>
+          <a:p>
+            <a:pPr marL="0" indent="0">
+              <a:spcAft>
+                <a:spcPts val="1200"/>
+              </a:spcAft>
+              <a:buNone/>
+            </a:pPr>
+            <a:r>
+              <a:rPr lang="en-US" b="1" dirty="0" smtClean="0"/>
+              <a:t>&lt;time&gt; </a:t>
+            </a:r>
+            <a:r>
+              <a:rPr lang="en-US" dirty="0" smtClean="0"/>
+              <a:t>- 24-hour clock time or precise date</a:t>
+            </a:r>
+          </a:p>
+          <a:p>
+            <a:pPr marL="0" indent="0">
+              <a:spcAft>
+                <a:spcPts val="1200"/>
+              </a:spcAft>
+              <a:buNone/>
+            </a:pPr>
+            <a:r>
+              <a:rPr lang="en-US" b="1" dirty="0" smtClean="0"/>
+              <a:t>&lt;u&gt; </a:t>
+            </a:r>
+            <a:r>
+              <a:rPr lang="en-US" dirty="0" smtClean="0"/>
+              <a:t>- underline</a:t>
+            </a:r>
+          </a:p>
+          <a:p>
+            <a:pPr marL="0" indent="0">
+              <a:spcAft>
+                <a:spcPts val="1200"/>
+              </a:spcAft>
+              <a:buNone/>
+            </a:pPr>
+            <a:r>
+              <a:rPr lang="en-US" b="1" dirty="0" smtClean="0"/>
+              <a:t>&lt;</a:t>
+            </a:r>
+            <a:r>
+              <a:rPr lang="en-US" b="1" dirty="0" err="1" smtClean="0"/>
+              <a:t>var</a:t>
+            </a:r>
+            <a:r>
+              <a:rPr lang="en-US" b="1" dirty="0" smtClean="0"/>
+              <a:t>&gt; </a:t>
+            </a:r>
+            <a:r>
+              <a:rPr lang="en-US" dirty="0" smtClean="0"/>
+              <a:t>- represents a math or programming variable</a:t>
+            </a:r>
+          </a:p>
+          <a:p>
+            <a:pPr marL="0" indent="0">
+              <a:spcAft>
+                <a:spcPts val="1200"/>
+              </a:spcAft>
+              <a:buNone/>
+            </a:pPr>
+            <a:r>
+              <a:rPr lang="en-US" b="1" dirty="0" smtClean="0"/>
+              <a:t>&lt;</a:t>
+            </a:r>
+            <a:r>
+              <a:rPr lang="en-US" b="1" dirty="0" err="1" smtClean="0"/>
+              <a:t>wbr</a:t>
+            </a:r>
+            <a:r>
+              <a:rPr lang="en-US" b="1" dirty="0" smtClean="0"/>
+              <a:t>&gt; </a:t>
+            </a:r>
+            <a:r>
+              <a:rPr lang="en-US" dirty="0" smtClean="0"/>
+              <a:t>- position where a word break may occur</a:t>
+            </a:r>
+          </a:p>
+        </p:txBody>
+      </p:sp>
+      <p:sp>
+        <p:nvSpPr>
+          <p:cNvPr id="3" name="Title 2"/>
+          <p:cNvSpPr>
+            <a:spLocks noGrp="1"/>
+          </p:cNvSpPr>
+          <p:nvPr>
+            <p:ph type="title"/>
+          </p:nvPr>
+        </p:nvSpPr>
+        <p:spPr/>
+        <p:txBody>
+          <a:bodyPr/>
+          <a:lstStyle/>
+          <a:p>
+            <a:r>
+              <a:rPr lang="en-US" dirty="0" smtClean="0"/>
+              <a:t>HTML elements </a:t>
+            </a:r>
+            <a:r>
+              <a:rPr lang="en-US" dirty="0"/>
+              <a:t>by </a:t>
+            </a:r>
+            <a:r>
+              <a:rPr lang="en-US" dirty="0" smtClean="0"/>
+              <a:t>Function</a:t>
+            </a:r>
+            <a:r>
+              <a:rPr lang="en-US" dirty="0"/>
+              <a:t/>
+            </a:r>
+            <a:br>
+              <a:rPr lang="en-US" dirty="0"/>
+            </a:br>
+            <a:r>
+              <a:rPr lang="en-US" sz="1400" dirty="0"/>
+              <a:t>(from </a:t>
+            </a:r>
+            <a:r>
+              <a:rPr lang="en-US" sz="1400" dirty="0">
+                <a:hlinkClick r:id="rId3"/>
+              </a:rPr>
+              <a:t>https://</a:t>
+            </a:r>
+            <a:r>
+              <a:rPr lang="en-US" sz="1400" dirty="0" smtClean="0">
+                <a:hlinkClick r:id="rId3"/>
+              </a:rPr>
+              <a:t>developer.mozilla.org/en-US/docs/Web/HTML/Element</a:t>
+            </a:r>
+            <a:r>
+              <a:rPr lang="en-US" sz="1400" dirty="0" smtClean="0"/>
+              <a:t>)</a:t>
+            </a:r>
+            <a:endParaRPr lang="en-US" sz="1400" dirty="0"/>
+          </a:p>
+        </p:txBody>
+      </p:sp>
+    </p:spTree>
+    <p:extLst>
+      <p:ext uri="{BB962C8B-B14F-4D97-AF65-F5344CB8AC3E}">
+        <p14:creationId xmlns:p14="http://schemas.microsoft.com/office/powerpoint/2010/main" val="2071125514"/>
+      </p:ext>
+    </p:extLst>
+  </p:cSld>
+  <p:clrMapOvr>
+    <a:masterClrMapping/>
+  </p:clrMapOvr>
+  <p:timing>
+    <p:tnLst>
+      <p:par>
+        <p:cTn id="1" dur="indefinite" restart="never" nodeType="tmRoot"/>
+      </p:par>
+    </p:tnLst>
+  </p:timing>
+</p:sld>
+</file>
+
+<file path=ppt/slides/slide18.xml><?xml version="1.0" encoding="utf-8"?>
+<p:sld xmlns:a="http://schemas.openxmlformats.org/drawingml/2006/main" xmlns:r="http://schemas.openxmlformats.org/officeDocument/2006/relationships" xmlns:p="http://schemas.openxmlformats.org/presentationml/2006/main">
+  <p:cSld>
+    <p:spTree>
+      <p:nvGrpSpPr>
+        <p:cNvPr id="1" name=""/>
+        <p:cNvGrpSpPr/>
+        <p:nvPr/>
+      </p:nvGrpSpPr>
+      <p:grpSpPr>
+        <a:xfrm>
+          <a:off x="0" y="0"/>
+          <a:ext cx="0" cy="0"/>
+          <a:chOff x="0" y="0"/>
+          <a:chExt cx="0" cy="0"/>
+        </a:xfrm>
+      </p:grpSpPr>
+      <p:sp>
+        <p:nvSpPr>
+          <p:cNvPr id="2" name="Content Placeholder 1"/>
+          <p:cNvSpPr>
+            <a:spLocks noGrp="1"/>
+          </p:cNvSpPr>
+          <p:nvPr>
+            <p:ph idx="1"/>
+          </p:nvPr>
+        </p:nvSpPr>
+        <p:spPr>
+          <a:xfrm>
+            <a:off x="380999" y="1719070"/>
+            <a:ext cx="8686801" cy="4986530"/>
+          </a:xfrm>
+        </p:spPr>
+        <p:txBody>
+          <a:bodyPr>
+            <a:normAutofit/>
+          </a:bodyPr>
+          <a:lstStyle/>
+          <a:p>
+            <a:pPr marL="0" indent="0">
+              <a:spcAft>
+                <a:spcPts val="1200"/>
+              </a:spcAft>
+              <a:buNone/>
+            </a:pPr>
+            <a:r>
+              <a:rPr lang="en-US" b="1" dirty="0" smtClean="0"/>
+              <a:t>Image and Multimedia:</a:t>
+            </a:r>
+          </a:p>
+          <a:p>
+            <a:pPr marL="0" indent="0">
+              <a:spcBef>
+                <a:spcPts val="1200"/>
+              </a:spcBef>
+              <a:spcAft>
+                <a:spcPts val="1200"/>
+              </a:spcAft>
+              <a:buNone/>
+            </a:pPr>
+            <a:r>
+              <a:rPr lang="en-US" b="1" dirty="0" smtClean="0"/>
+              <a:t>&lt;area&gt; </a:t>
+            </a:r>
+            <a:r>
+              <a:rPr lang="en-US" dirty="0"/>
+              <a:t>- </a:t>
+            </a:r>
+            <a:r>
+              <a:rPr lang="en-US" dirty="0" smtClean="0"/>
+              <a:t>used with the map element to define a hot-spot area within an image and optionally associate it with a link</a:t>
+            </a:r>
+            <a:endParaRPr lang="en-US" dirty="0"/>
+          </a:p>
+          <a:p>
+            <a:pPr marL="0" indent="0">
+              <a:spcBef>
+                <a:spcPts val="1200"/>
+              </a:spcBef>
+              <a:spcAft>
+                <a:spcPts val="1200"/>
+              </a:spcAft>
+              <a:buNone/>
+            </a:pPr>
+            <a:r>
+              <a:rPr lang="en-US" b="1" dirty="0" smtClean="0"/>
+              <a:t>&lt;audio&gt; </a:t>
+            </a:r>
+            <a:r>
+              <a:rPr lang="en-US" dirty="0"/>
+              <a:t>- </a:t>
+            </a:r>
+            <a:r>
+              <a:rPr lang="en-US" dirty="0" smtClean="0"/>
+              <a:t>used to embed sound content</a:t>
+            </a:r>
+            <a:endParaRPr lang="en-US" dirty="0"/>
+          </a:p>
+          <a:p>
+            <a:pPr marL="0" indent="0">
+              <a:spcBef>
+                <a:spcPts val="1200"/>
+              </a:spcBef>
+              <a:spcAft>
+                <a:spcPts val="1200"/>
+              </a:spcAft>
+              <a:buNone/>
+            </a:pPr>
+            <a:r>
+              <a:rPr lang="en-US" b="1" dirty="0" smtClean="0"/>
+              <a:t>&lt;</a:t>
+            </a:r>
+            <a:r>
+              <a:rPr lang="en-US" b="1" dirty="0" err="1" smtClean="0"/>
+              <a:t>img</a:t>
+            </a:r>
+            <a:r>
+              <a:rPr lang="en-US" b="1" dirty="0" smtClean="0"/>
+              <a:t>&gt; </a:t>
+            </a:r>
+            <a:r>
+              <a:rPr lang="en-US" dirty="0" smtClean="0"/>
+              <a:t>- represents an image</a:t>
+            </a:r>
+          </a:p>
+          <a:p>
+            <a:pPr marL="0" indent="0">
+              <a:spcBef>
+                <a:spcPts val="1200"/>
+              </a:spcBef>
+              <a:spcAft>
+                <a:spcPts val="1200"/>
+              </a:spcAft>
+              <a:buNone/>
+            </a:pPr>
+            <a:r>
+              <a:rPr lang="en-US" b="1" dirty="0" smtClean="0"/>
+              <a:t>&lt;map&gt; - </a:t>
+            </a:r>
+            <a:r>
+              <a:rPr lang="en-US" dirty="0" smtClean="0"/>
+              <a:t>used with &lt;area&gt; element to define an image map</a:t>
+            </a:r>
+          </a:p>
+          <a:p>
+            <a:pPr marL="0" indent="0">
+              <a:spcBef>
+                <a:spcPts val="1200"/>
+              </a:spcBef>
+              <a:spcAft>
+                <a:spcPts val="1200"/>
+              </a:spcAft>
+              <a:buNone/>
+            </a:pPr>
+            <a:r>
+              <a:rPr lang="en-US" b="1" dirty="0" smtClean="0"/>
+              <a:t>&lt;track&gt; </a:t>
+            </a:r>
+            <a:r>
+              <a:rPr lang="en-US" dirty="0" smtClean="0"/>
+              <a:t>- used as a child of the &lt;audio&gt; and &lt;video&gt; elements</a:t>
+            </a:r>
+          </a:p>
+          <a:p>
+            <a:pPr marL="0" indent="0">
+              <a:spcBef>
+                <a:spcPts val="1200"/>
+              </a:spcBef>
+              <a:spcAft>
+                <a:spcPts val="1200"/>
+              </a:spcAft>
+              <a:buNone/>
+            </a:pPr>
+            <a:r>
+              <a:rPr lang="en-US" b="1" dirty="0" smtClean="0"/>
+              <a:t>&lt;video&gt; </a:t>
+            </a:r>
+            <a:r>
+              <a:rPr lang="en-US" dirty="0" smtClean="0"/>
+              <a:t>- used to embed video content</a:t>
+            </a:r>
+          </a:p>
+        </p:txBody>
+      </p:sp>
+      <p:sp>
+        <p:nvSpPr>
+          <p:cNvPr id="3" name="Title 2"/>
+          <p:cNvSpPr>
+            <a:spLocks noGrp="1"/>
+          </p:cNvSpPr>
+          <p:nvPr>
+            <p:ph type="title"/>
+          </p:nvPr>
+        </p:nvSpPr>
+        <p:spPr/>
+        <p:txBody>
+          <a:bodyPr/>
+          <a:lstStyle/>
+          <a:p>
+            <a:r>
+              <a:rPr lang="en-US" dirty="0" smtClean="0"/>
+              <a:t>HTML elements </a:t>
+            </a:r>
+            <a:r>
+              <a:rPr lang="en-US" dirty="0"/>
+              <a:t>by </a:t>
+            </a:r>
+            <a:r>
+              <a:rPr lang="en-US" dirty="0" smtClean="0"/>
+              <a:t>Function</a:t>
+            </a:r>
+            <a:r>
+              <a:rPr lang="en-US" dirty="0"/>
+              <a:t/>
+            </a:r>
+            <a:br>
+              <a:rPr lang="en-US" dirty="0"/>
+            </a:br>
+            <a:r>
+              <a:rPr lang="en-US" sz="1400" dirty="0"/>
+              <a:t>(from </a:t>
+            </a:r>
+            <a:r>
+              <a:rPr lang="en-US" sz="1400" dirty="0">
+                <a:hlinkClick r:id="rId3"/>
+              </a:rPr>
+              <a:t>https://</a:t>
+            </a:r>
+            <a:r>
+              <a:rPr lang="en-US" sz="1400" dirty="0" smtClean="0">
+                <a:hlinkClick r:id="rId3"/>
+              </a:rPr>
+              <a:t>developer.mozilla.org/en-US/docs/Web/HTML/Element</a:t>
+            </a:r>
+            <a:r>
+              <a:rPr lang="en-US" sz="1400" dirty="0" smtClean="0"/>
+              <a:t>)</a:t>
+            </a:r>
+            <a:endParaRPr lang="en-US" sz="1400" dirty="0"/>
+          </a:p>
+        </p:txBody>
+      </p:sp>
+    </p:spTree>
+    <p:extLst>
+      <p:ext uri="{BB962C8B-B14F-4D97-AF65-F5344CB8AC3E}">
+        <p14:creationId xmlns:p14="http://schemas.microsoft.com/office/powerpoint/2010/main" val="4111348868"/>
+      </p:ext>
+    </p:extLst>
+  </p:cSld>
+  <p:clrMapOvr>
+    <a:masterClrMapping/>
+  </p:clrMapOvr>
+  <p:timing>
+    <p:tnLst>
+      <p:par>
+        <p:cTn id="1" dur="indefinite" restart="never" nodeType="tmRoot"/>
+      </p:par>
+    </p:tnLst>
+  </p:timing>
+</p:sld>
+</file>
+
+<file path=ppt/slides/slide19.xml><?xml version="1.0" encoding="utf-8"?>
+<p:sld xmlns:a="http://schemas.openxmlformats.org/drawingml/2006/main" xmlns:r="http://schemas.openxmlformats.org/officeDocument/2006/relationships" xmlns:p="http://schemas.openxmlformats.org/presentationml/2006/main">
+  <p:cSld>
+    <p:spTree>
+      <p:nvGrpSpPr>
+        <p:cNvPr id="1" name=""/>
+        <p:cNvGrpSpPr/>
+        <p:nvPr/>
+      </p:nvGrpSpPr>
+      <p:grpSpPr>
+        <a:xfrm>
+          <a:off x="0" y="0"/>
+          <a:ext cx="0" cy="0"/>
+          <a:chOff x="0" y="0"/>
+          <a:chExt cx="0" cy="0"/>
+        </a:xfrm>
+      </p:grpSpPr>
+      <p:sp>
+        <p:nvSpPr>
+          <p:cNvPr id="2" name="Content Placeholder 1"/>
+          <p:cNvSpPr>
+            <a:spLocks noGrp="1"/>
+          </p:cNvSpPr>
+          <p:nvPr>
+            <p:ph idx="1"/>
+          </p:nvPr>
+        </p:nvSpPr>
+        <p:spPr>
+          <a:xfrm>
+            <a:off x="380999" y="1719070"/>
+            <a:ext cx="8686801" cy="4986530"/>
+          </a:xfrm>
+        </p:spPr>
+        <p:txBody>
+          <a:bodyPr>
+            <a:normAutofit/>
+          </a:bodyPr>
+          <a:lstStyle/>
+          <a:p>
+            <a:pPr marL="0" indent="0">
+              <a:spcAft>
+                <a:spcPts val="1200"/>
+              </a:spcAft>
+              <a:buNone/>
+            </a:pPr>
+            <a:r>
+              <a:rPr lang="en-US" b="1" dirty="0" smtClean="0"/>
+              <a:t>Embedded content:</a:t>
+            </a:r>
+          </a:p>
+          <a:p>
+            <a:pPr marL="0" indent="0">
+              <a:spcBef>
+                <a:spcPts val="1200"/>
+              </a:spcBef>
+              <a:spcAft>
+                <a:spcPts val="1200"/>
+              </a:spcAft>
+              <a:buNone/>
+            </a:pPr>
+            <a:r>
+              <a:rPr lang="en-US" b="1" dirty="0" smtClean="0"/>
+              <a:t>&lt;embed&gt; </a:t>
+            </a:r>
+            <a:r>
+              <a:rPr lang="en-US" dirty="0"/>
+              <a:t>- </a:t>
+            </a:r>
+            <a:r>
+              <a:rPr lang="en-US" dirty="0" smtClean="0"/>
+              <a:t>an integration point for an external application or interactive content (a plug-in)</a:t>
+            </a:r>
+            <a:endParaRPr lang="en-US" dirty="0"/>
+          </a:p>
+          <a:p>
+            <a:pPr marL="0" indent="0">
+              <a:spcBef>
+                <a:spcPts val="1200"/>
+              </a:spcBef>
+              <a:spcAft>
+                <a:spcPts val="1200"/>
+              </a:spcAft>
+              <a:buNone/>
+            </a:pPr>
+            <a:r>
+              <a:rPr lang="en-US" b="1" dirty="0" smtClean="0"/>
+              <a:t>&lt;iframe&gt; </a:t>
+            </a:r>
+            <a:r>
+              <a:rPr lang="en-US" dirty="0"/>
+              <a:t>- </a:t>
+            </a:r>
+            <a:r>
+              <a:rPr lang="en-US" dirty="0" smtClean="0"/>
+              <a:t>a container for an embedded page</a:t>
+            </a:r>
+            <a:endParaRPr lang="en-US" dirty="0"/>
+          </a:p>
+          <a:p>
+            <a:pPr marL="0" indent="0">
+              <a:spcBef>
+                <a:spcPts val="1200"/>
+              </a:spcBef>
+              <a:spcAft>
+                <a:spcPts val="1200"/>
+              </a:spcAft>
+              <a:buNone/>
+            </a:pPr>
+            <a:r>
+              <a:rPr lang="en-US" b="1" dirty="0" smtClean="0"/>
+              <a:t>&lt;object&gt; </a:t>
+            </a:r>
+            <a:r>
+              <a:rPr lang="en-US" dirty="0" smtClean="0"/>
+              <a:t>- an external resource, such as an image or page, to be handled by a plug-in</a:t>
+            </a:r>
+          </a:p>
+          <a:p>
+            <a:pPr marL="0" indent="0">
+              <a:spcBef>
+                <a:spcPts val="1200"/>
+              </a:spcBef>
+              <a:spcAft>
+                <a:spcPts val="1200"/>
+              </a:spcAft>
+              <a:buNone/>
+            </a:pPr>
+            <a:r>
+              <a:rPr lang="en-US" b="1" dirty="0" smtClean="0"/>
+              <a:t>&lt;</a:t>
+            </a:r>
+            <a:r>
+              <a:rPr lang="en-US" b="1" dirty="0" err="1" smtClean="0"/>
+              <a:t>param</a:t>
+            </a:r>
+            <a:r>
+              <a:rPr lang="en-US" b="1" dirty="0" smtClean="0"/>
+              <a:t>&gt; </a:t>
+            </a:r>
+            <a:r>
+              <a:rPr lang="en-US" dirty="0"/>
+              <a:t>- </a:t>
+            </a:r>
+            <a:r>
+              <a:rPr lang="en-US" dirty="0" smtClean="0"/>
+              <a:t>defines parameters for &lt;object&gt;</a:t>
+            </a:r>
+            <a:endParaRPr lang="en-US" dirty="0"/>
+          </a:p>
+          <a:p>
+            <a:pPr marL="0" indent="0">
+              <a:spcBef>
+                <a:spcPts val="1200"/>
+              </a:spcBef>
+              <a:spcAft>
+                <a:spcPts val="1200"/>
+              </a:spcAft>
+              <a:buNone/>
+            </a:pPr>
+            <a:r>
+              <a:rPr lang="en-US" b="1" dirty="0" smtClean="0"/>
+              <a:t>&lt;source&gt; - </a:t>
+            </a:r>
+            <a:r>
+              <a:rPr lang="en-US" dirty="0" smtClean="0"/>
+              <a:t>used to specify multiple media resources for &lt;picture&gt;, &lt;audio&gt;, and &lt;video&gt; elements</a:t>
+            </a:r>
+          </a:p>
+        </p:txBody>
+      </p:sp>
+      <p:sp>
+        <p:nvSpPr>
+          <p:cNvPr id="3" name="Title 2"/>
+          <p:cNvSpPr>
+            <a:spLocks noGrp="1"/>
+          </p:cNvSpPr>
+          <p:nvPr>
+            <p:ph type="title"/>
+          </p:nvPr>
+        </p:nvSpPr>
+        <p:spPr/>
+        <p:txBody>
+          <a:bodyPr/>
+          <a:lstStyle/>
+          <a:p>
+            <a:r>
+              <a:rPr lang="en-US" dirty="0" smtClean="0"/>
+              <a:t>HTML elements </a:t>
+            </a:r>
+            <a:r>
+              <a:rPr lang="en-US" dirty="0"/>
+              <a:t>by </a:t>
+            </a:r>
+            <a:r>
+              <a:rPr lang="en-US" dirty="0" smtClean="0"/>
+              <a:t>Function</a:t>
+            </a:r>
+            <a:r>
+              <a:rPr lang="en-US" dirty="0"/>
+              <a:t/>
+            </a:r>
+            <a:br>
+              <a:rPr lang="en-US" dirty="0"/>
+            </a:br>
+            <a:r>
+              <a:rPr lang="en-US" sz="1400" dirty="0"/>
+              <a:t>(from </a:t>
+            </a:r>
+            <a:r>
+              <a:rPr lang="en-US" sz="1400" dirty="0">
+                <a:hlinkClick r:id="rId3"/>
+              </a:rPr>
+              <a:t>https://</a:t>
+            </a:r>
+            <a:r>
+              <a:rPr lang="en-US" sz="1400" dirty="0" smtClean="0">
+                <a:hlinkClick r:id="rId3"/>
+              </a:rPr>
+              <a:t>developer.mozilla.org/en-US/docs/Web/HTML/Element</a:t>
+            </a:r>
+            <a:r>
+              <a:rPr lang="en-US" sz="1400" dirty="0" smtClean="0"/>
+              <a:t>)</a:t>
+            </a:r>
+            <a:endParaRPr lang="en-US" sz="1400" dirty="0"/>
+          </a:p>
+        </p:txBody>
+      </p:sp>
+    </p:spTree>
+    <p:extLst>
+      <p:ext uri="{BB962C8B-B14F-4D97-AF65-F5344CB8AC3E}">
+        <p14:creationId xmlns:p14="http://schemas.microsoft.com/office/powerpoint/2010/main" val="2552664041"/>
       </p:ext>
     </p:extLst>
   </p:cSld>
@@ -4936,7 +8388,83 @@
       </p:grpSpPr>
       <p:sp>
         <p:nvSpPr>
-          <p:cNvPr id="3074" name="Title 1"/>
+          <p:cNvPr id="2" name="Content Placeholder 1"/>
+          <p:cNvSpPr>
+            <a:spLocks noGrp="1"/>
+          </p:cNvSpPr>
+          <p:nvPr>
+            <p:ph idx="1"/>
+          </p:nvPr>
+        </p:nvSpPr>
+        <p:spPr>
+          <a:xfrm>
+            <a:off x="380999" y="1719070"/>
+            <a:ext cx="8407893" cy="4834130"/>
+          </a:xfrm>
+        </p:spPr>
+        <p:txBody>
+          <a:bodyPr>
+            <a:normAutofit fontScale="85000" lnSpcReduction="10000"/>
+          </a:bodyPr>
+          <a:lstStyle/>
+          <a:p>
+            <a:pPr marL="45720" indent="0">
+              <a:buNone/>
+            </a:pPr>
+            <a:r>
+              <a:rPr lang="en-US" sz="2800" dirty="0" smtClean="0"/>
+              <a:t>Hypertext Markup language (HTML) is a standardized system for marking text files to create web pages.  </a:t>
+            </a:r>
+          </a:p>
+          <a:p>
+            <a:pPr marL="45720" indent="0">
+              <a:buNone/>
+            </a:pPr>
+            <a:endParaRPr lang="en-US" sz="2800" dirty="0" smtClean="0"/>
+          </a:p>
+          <a:p>
+            <a:pPr marL="45720" indent="0">
+              <a:buNone/>
+            </a:pPr>
+            <a:r>
+              <a:rPr lang="en-US" sz="2800" dirty="0" smtClean="0"/>
+              <a:t>The World Wide Web Consortium (W3C) sets the standards for HTML, and all browsers are required to meet these standards.  The current standard is HTML5.</a:t>
+            </a:r>
+          </a:p>
+          <a:p>
+            <a:pPr marL="45720" indent="0">
+              <a:buNone/>
+            </a:pPr>
+            <a:endParaRPr lang="en-US" sz="2800" dirty="0" smtClean="0"/>
+          </a:p>
+          <a:p>
+            <a:pPr marL="45720" indent="0">
+              <a:buNone/>
+            </a:pPr>
+            <a:r>
+              <a:rPr lang="en-US" sz="2800" dirty="0" smtClean="0"/>
+              <a:t>HTML defines the content and semantic structure of the page</a:t>
+            </a:r>
+            <a:br>
+              <a:rPr lang="en-US" sz="2800" dirty="0" smtClean="0"/>
+            </a:br>
+            <a:endParaRPr lang="en-US" sz="2800" dirty="0" smtClean="0"/>
+          </a:p>
+          <a:p>
+            <a:pPr marL="45720" indent="0">
+              <a:buNone/>
+            </a:pPr>
+            <a:r>
+              <a:rPr lang="en-US" sz="2800" dirty="0" smtClean="0"/>
+              <a:t>HTML elements are the building blocks of a web page, and are composed of tags and attributes.</a:t>
+            </a:r>
+            <a:endParaRPr lang="en-US" sz="2800" dirty="0"/>
+          </a:p>
+        </p:txBody>
+      </p:sp>
+      <p:sp>
+        <p:nvSpPr>
+          <p:cNvPr id="3" name="Title 2"/>
           <p:cNvSpPr>
             <a:spLocks noGrp="1"/>
           </p:cNvSpPr>
@@ -4949,163 +8477,1978 @@
           <a:bodyPr/>
           <a:lstStyle/>
           <a:p>
-            <a:pPr eaLnBrk="1" hangingPunct="1"/>
-            <a:r>
-              <a:rPr lang="en-US" altLang="en-US" dirty="0" smtClean="0"/>
-              <a:t>Parts of an html5 document</a:t>
-            </a:r>
-          </a:p>
-        </p:txBody>
-      </p:sp>
-      <p:sp>
-        <p:nvSpPr>
-          <p:cNvPr id="3075" name="Content Placeholder 2"/>
-          <p:cNvSpPr>
-            <a:spLocks noGrp="1"/>
-          </p:cNvSpPr>
-          <p:nvPr>
-            <p:ph idx="1"/>
-          </p:nvPr>
-        </p:nvSpPr>
-        <p:spPr>
-          <a:xfrm>
-            <a:off x="457200" y="1905000"/>
-            <a:ext cx="8382000" cy="4724400"/>
-          </a:xfrm>
-        </p:spPr>
-        <p:txBody>
-          <a:bodyPr>
-            <a:noAutofit/>
-          </a:bodyPr>
-          <a:lstStyle/>
-          <a:p>
-            <a:pPr marL="0" indent="0" eaLnBrk="1" hangingPunct="1">
-              <a:buFont typeface="Arial" charset="0"/>
-              <a:buNone/>
-            </a:pPr>
-            <a:r>
-              <a:rPr lang="en-US" altLang="en-US" sz="2800" dirty="0" smtClean="0"/>
-              <a:t>&lt;!DOCTYPE html&gt;		</a:t>
-            </a:r>
-          </a:p>
-          <a:p>
-            <a:pPr marL="0" indent="0" eaLnBrk="1" hangingPunct="1">
-              <a:buFont typeface="Arial" charset="0"/>
-              <a:buNone/>
-            </a:pPr>
-            <a:r>
-              <a:rPr lang="en-US" altLang="en-US" sz="2800" dirty="0" smtClean="0"/>
-              <a:t>&lt;html </a:t>
-            </a:r>
-            <a:r>
-              <a:rPr lang="en-US" altLang="en-US" sz="2800" dirty="0" err="1" smtClean="0"/>
-              <a:t>lang</a:t>
-            </a:r>
-            <a:r>
-              <a:rPr lang="en-US" altLang="en-US" sz="2800" dirty="0" smtClean="0"/>
-              <a:t>=“</a:t>
-            </a:r>
-            <a:r>
-              <a:rPr lang="en-US" altLang="en-US" sz="2800" dirty="0" err="1" smtClean="0"/>
-              <a:t>en</a:t>
-            </a:r>
-            <a:r>
-              <a:rPr lang="en-US" altLang="en-US" sz="2800" dirty="0" smtClean="0"/>
-              <a:t>”&gt;</a:t>
-            </a:r>
-          </a:p>
-          <a:p>
-            <a:pPr marL="0" indent="0" eaLnBrk="1" hangingPunct="1">
-              <a:buFont typeface="Arial" charset="0"/>
-              <a:buNone/>
-            </a:pPr>
-            <a:r>
-              <a:rPr lang="en-US" altLang="en-US" sz="2800" dirty="0"/>
-              <a:t>	</a:t>
-            </a:r>
-            <a:r>
-              <a:rPr lang="en-US" altLang="en-US" sz="2800" dirty="0" smtClean="0"/>
-              <a:t>&lt;head&gt;</a:t>
-            </a:r>
-          </a:p>
-          <a:p>
-            <a:pPr marL="0" indent="0" eaLnBrk="1" hangingPunct="1">
-              <a:buFont typeface="Arial" charset="0"/>
-              <a:buNone/>
-            </a:pPr>
-            <a:r>
-              <a:rPr lang="en-US" altLang="en-US" sz="2800" dirty="0"/>
-              <a:t>	</a:t>
-            </a:r>
-            <a:r>
-              <a:rPr lang="en-US" altLang="en-US" sz="2800" dirty="0" smtClean="0"/>
-              <a:t>	&lt;meta charset=“utf-8”&gt;</a:t>
-            </a:r>
-          </a:p>
-          <a:p>
-            <a:pPr marL="0" indent="0" eaLnBrk="1" hangingPunct="1">
-              <a:buFont typeface="Arial" charset="0"/>
-              <a:buNone/>
-            </a:pPr>
-            <a:r>
-              <a:rPr lang="en-US" altLang="en-US" sz="2800" dirty="0"/>
-              <a:t>	</a:t>
-            </a:r>
-            <a:r>
-              <a:rPr lang="en-US" altLang="en-US" sz="2800" dirty="0" smtClean="0"/>
-              <a:t>	&lt;title&gt;Web Basics&lt;/title&gt;</a:t>
-            </a:r>
-          </a:p>
-          <a:p>
-            <a:pPr marL="0" indent="0" eaLnBrk="1" hangingPunct="1">
-              <a:buFont typeface="Arial" charset="0"/>
-              <a:buNone/>
-            </a:pPr>
-            <a:r>
-              <a:rPr lang="en-US" altLang="en-US" sz="2800" dirty="0"/>
-              <a:t>	</a:t>
-            </a:r>
-            <a:r>
-              <a:rPr lang="en-US" altLang="en-US" sz="2800" dirty="0" smtClean="0"/>
-              <a:t>&lt;/head&gt;</a:t>
-            </a:r>
-          </a:p>
-          <a:p>
-            <a:pPr marL="0" indent="0" eaLnBrk="1" hangingPunct="1">
-              <a:buFont typeface="Arial" charset="0"/>
-              <a:buNone/>
-            </a:pPr>
-            <a:r>
-              <a:rPr lang="en-US" altLang="en-US" sz="2800" dirty="0" smtClean="0"/>
-              <a:t>	&lt;body&gt;</a:t>
-            </a:r>
-          </a:p>
-          <a:p>
-            <a:pPr marL="0" indent="0" eaLnBrk="1" hangingPunct="1">
-              <a:buFont typeface="Arial" charset="0"/>
-              <a:buNone/>
-            </a:pPr>
-            <a:r>
-              <a:rPr lang="en-US" altLang="en-US" sz="2800" dirty="0" smtClean="0"/>
-              <a:t>	&lt;/body&gt;</a:t>
-            </a:r>
-          </a:p>
-          <a:p>
-            <a:pPr marL="0" indent="0" eaLnBrk="1" hangingPunct="1">
-              <a:buFont typeface="Arial" charset="0"/>
-              <a:buNone/>
-            </a:pPr>
-            <a:r>
-              <a:rPr lang="en-US" altLang="en-US" sz="2800" dirty="0" smtClean="0"/>
-              <a:t>&lt;/html&gt;</a:t>
-            </a:r>
+            <a:r>
+              <a:rPr lang="en-US" dirty="0" smtClean="0"/>
+              <a:t>What is html?</a:t>
+            </a:r>
+            <a:endParaRPr lang="en-US" dirty="0"/>
           </a:p>
         </p:txBody>
       </p:sp>
     </p:spTree>
     <p:extLst>
       <p:ext uri="{BB962C8B-B14F-4D97-AF65-F5344CB8AC3E}">
-        <p14:creationId xmlns:p14="http://schemas.microsoft.com/office/powerpoint/2010/main" val="2724419313"/>
+        <p14:creationId xmlns:p14="http://schemas.microsoft.com/office/powerpoint/2010/main" val="2807904247"/>
+      </p:ext>
+    </p:extLst>
+  </p:cSld>
+  <p:clrMapOvr>
+    <a:masterClrMapping/>
+  </p:clrMapOvr>
+  <p:timing>
+    <p:tnLst>
+      <p:par>
+        <p:cTn id="1" dur="indefinite" restart="never" nodeType="tmRoot"/>
+      </p:par>
+    </p:tnLst>
+  </p:timing>
+</p:sld>
+</file>
+
+<file path=ppt/slides/slide20.xml><?xml version="1.0" encoding="utf-8"?>
+<p:sld xmlns:a="http://schemas.openxmlformats.org/drawingml/2006/main" xmlns:r="http://schemas.openxmlformats.org/officeDocument/2006/relationships" xmlns:p="http://schemas.openxmlformats.org/presentationml/2006/main">
+  <p:cSld>
+    <p:spTree>
+      <p:nvGrpSpPr>
+        <p:cNvPr id="1" name=""/>
+        <p:cNvGrpSpPr/>
+        <p:nvPr/>
+      </p:nvGrpSpPr>
+      <p:grpSpPr>
+        <a:xfrm>
+          <a:off x="0" y="0"/>
+          <a:ext cx="0" cy="0"/>
+          <a:chOff x="0" y="0"/>
+          <a:chExt cx="0" cy="0"/>
+        </a:xfrm>
+      </p:grpSpPr>
+      <p:sp>
+        <p:nvSpPr>
+          <p:cNvPr id="2" name="Content Placeholder 1"/>
+          <p:cNvSpPr>
+            <a:spLocks noGrp="1"/>
+          </p:cNvSpPr>
+          <p:nvPr>
+            <p:ph idx="1"/>
+          </p:nvPr>
+        </p:nvSpPr>
+        <p:spPr>
+          <a:xfrm>
+            <a:off x="380999" y="1719070"/>
+            <a:ext cx="8686801" cy="4986530"/>
+          </a:xfrm>
+        </p:spPr>
+        <p:txBody>
+          <a:bodyPr>
+            <a:normAutofit/>
+          </a:bodyPr>
+          <a:lstStyle/>
+          <a:p>
+            <a:pPr marL="0" indent="0">
+              <a:spcAft>
+                <a:spcPts val="1200"/>
+              </a:spcAft>
+              <a:buNone/>
+            </a:pPr>
+            <a:r>
+              <a:rPr lang="en-US" b="1" dirty="0" smtClean="0"/>
+              <a:t>Interactive elements:</a:t>
+            </a:r>
+          </a:p>
+          <a:p>
+            <a:pPr marL="0" indent="0">
+              <a:spcBef>
+                <a:spcPts val="1200"/>
+              </a:spcBef>
+              <a:spcAft>
+                <a:spcPts val="1200"/>
+              </a:spcAft>
+              <a:buNone/>
+            </a:pPr>
+            <a:r>
+              <a:rPr lang="en-US" b="1" dirty="0" smtClean="0"/>
+              <a:t>&lt;details&gt; </a:t>
+            </a:r>
+            <a:r>
+              <a:rPr lang="en-US" dirty="0"/>
+              <a:t>- </a:t>
+            </a:r>
+            <a:r>
+              <a:rPr lang="en-US" dirty="0" smtClean="0"/>
+              <a:t>used as a disclosure widget from which the user can retrieve additional information</a:t>
+            </a:r>
+            <a:endParaRPr lang="en-US" dirty="0"/>
+          </a:p>
+          <a:p>
+            <a:pPr marL="0" indent="0">
+              <a:spcBef>
+                <a:spcPts val="1200"/>
+              </a:spcBef>
+              <a:spcAft>
+                <a:spcPts val="1200"/>
+              </a:spcAft>
+              <a:buNone/>
+            </a:pPr>
+            <a:r>
+              <a:rPr lang="en-US" b="1" dirty="0" smtClean="0"/>
+              <a:t>&lt;dialog&gt; </a:t>
+            </a:r>
+            <a:r>
+              <a:rPr lang="en-US" dirty="0"/>
+              <a:t>- </a:t>
+            </a:r>
+            <a:r>
+              <a:rPr lang="en-US" dirty="0" smtClean="0"/>
+              <a:t>represents a dialog box or other interactive component</a:t>
+            </a:r>
+            <a:endParaRPr lang="en-US" dirty="0"/>
+          </a:p>
+          <a:p>
+            <a:pPr marL="0" indent="0">
+              <a:spcBef>
+                <a:spcPts val="1200"/>
+              </a:spcBef>
+              <a:spcAft>
+                <a:spcPts val="1200"/>
+              </a:spcAft>
+              <a:buNone/>
+            </a:pPr>
+            <a:r>
+              <a:rPr lang="en-US" b="1" dirty="0" smtClean="0"/>
+              <a:t>&lt;menu&gt; </a:t>
+            </a:r>
+            <a:r>
+              <a:rPr lang="en-US" dirty="0" smtClean="0"/>
+              <a:t>- represents a group of commands that a users can perform or activate</a:t>
+            </a:r>
+          </a:p>
+          <a:p>
+            <a:pPr marL="0" indent="0">
+              <a:spcBef>
+                <a:spcPts val="1200"/>
+              </a:spcBef>
+              <a:spcAft>
+                <a:spcPts val="1200"/>
+              </a:spcAft>
+              <a:buNone/>
+            </a:pPr>
+            <a:r>
+              <a:rPr lang="en-US" b="1" dirty="0" smtClean="0"/>
+              <a:t>&lt;</a:t>
+            </a:r>
+            <a:r>
+              <a:rPr lang="en-US" b="1" dirty="0" err="1" smtClean="0"/>
+              <a:t>menuItem</a:t>
+            </a:r>
+            <a:r>
+              <a:rPr lang="en-US" b="1" dirty="0" smtClean="0"/>
+              <a:t>&gt; </a:t>
+            </a:r>
+            <a:r>
+              <a:rPr lang="en-US" dirty="0"/>
+              <a:t>- </a:t>
+            </a:r>
+            <a:r>
+              <a:rPr lang="en-US" dirty="0" smtClean="0"/>
+              <a:t>represents a command that the user may invoke through a popup menu</a:t>
+            </a:r>
+            <a:endParaRPr lang="en-US" dirty="0"/>
+          </a:p>
+          <a:p>
+            <a:pPr marL="0" indent="0">
+              <a:spcBef>
+                <a:spcPts val="1200"/>
+              </a:spcBef>
+              <a:spcAft>
+                <a:spcPts val="1200"/>
+              </a:spcAft>
+              <a:buNone/>
+            </a:pPr>
+            <a:r>
+              <a:rPr lang="en-US" b="1" dirty="0" smtClean="0"/>
+              <a:t>&lt;summary&gt; - </a:t>
+            </a:r>
+            <a:r>
+              <a:rPr lang="en-US" dirty="0" smtClean="0"/>
+              <a:t>used as a summary, caption, or legend for the content of a &lt;details&gt; element</a:t>
+            </a:r>
+          </a:p>
+        </p:txBody>
+      </p:sp>
+      <p:sp>
+        <p:nvSpPr>
+          <p:cNvPr id="3" name="Title 2"/>
+          <p:cNvSpPr>
+            <a:spLocks noGrp="1"/>
+          </p:cNvSpPr>
+          <p:nvPr>
+            <p:ph type="title"/>
+          </p:nvPr>
+        </p:nvSpPr>
+        <p:spPr/>
+        <p:txBody>
+          <a:bodyPr/>
+          <a:lstStyle/>
+          <a:p>
+            <a:r>
+              <a:rPr lang="en-US" dirty="0" smtClean="0"/>
+              <a:t>HTML elements </a:t>
+            </a:r>
+            <a:r>
+              <a:rPr lang="en-US" dirty="0"/>
+              <a:t>by </a:t>
+            </a:r>
+            <a:r>
+              <a:rPr lang="en-US" dirty="0" smtClean="0"/>
+              <a:t>Function</a:t>
+            </a:r>
+            <a:r>
+              <a:rPr lang="en-US" dirty="0"/>
+              <a:t/>
+            </a:r>
+            <a:br>
+              <a:rPr lang="en-US" dirty="0"/>
+            </a:br>
+            <a:r>
+              <a:rPr lang="en-US" sz="1400" dirty="0"/>
+              <a:t>(from </a:t>
+            </a:r>
+            <a:r>
+              <a:rPr lang="en-US" sz="1400" dirty="0">
+                <a:hlinkClick r:id="rId3"/>
+              </a:rPr>
+              <a:t>https://</a:t>
+            </a:r>
+            <a:r>
+              <a:rPr lang="en-US" sz="1400" dirty="0" smtClean="0">
+                <a:hlinkClick r:id="rId3"/>
+              </a:rPr>
+              <a:t>developer.mozilla.org/en-US/docs/Web/HTML/Element</a:t>
+            </a:r>
+            <a:r>
+              <a:rPr lang="en-US" sz="1400" dirty="0" smtClean="0"/>
+              <a:t>)</a:t>
+            </a:r>
+            <a:endParaRPr lang="en-US" sz="1400" dirty="0"/>
+          </a:p>
+        </p:txBody>
+      </p:sp>
+    </p:spTree>
+    <p:extLst>
+      <p:ext uri="{BB962C8B-B14F-4D97-AF65-F5344CB8AC3E}">
+        <p14:creationId xmlns:p14="http://schemas.microsoft.com/office/powerpoint/2010/main" val="3547597553"/>
+      </p:ext>
+    </p:extLst>
+  </p:cSld>
+  <p:clrMapOvr>
+    <a:masterClrMapping/>
+  </p:clrMapOvr>
+  <p:timing>
+    <p:tnLst>
+      <p:par>
+        <p:cTn id="1" dur="indefinite" restart="never" nodeType="tmRoot"/>
+      </p:par>
+    </p:tnLst>
+  </p:timing>
+</p:sld>
+</file>
+
+<file path=ppt/slides/slide21.xml><?xml version="1.0" encoding="utf-8"?>
+<p:sld xmlns:a="http://schemas.openxmlformats.org/drawingml/2006/main" xmlns:r="http://schemas.openxmlformats.org/officeDocument/2006/relationships" xmlns:p="http://schemas.openxmlformats.org/presentationml/2006/main">
+  <p:cSld>
+    <p:spTree>
+      <p:nvGrpSpPr>
+        <p:cNvPr id="1" name=""/>
+        <p:cNvGrpSpPr/>
+        <p:nvPr/>
+      </p:nvGrpSpPr>
+      <p:grpSpPr>
+        <a:xfrm>
+          <a:off x="0" y="0"/>
+          <a:ext cx="0" cy="0"/>
+          <a:chOff x="0" y="0"/>
+          <a:chExt cx="0" cy="0"/>
+        </a:xfrm>
+      </p:grpSpPr>
+      <p:sp>
+        <p:nvSpPr>
+          <p:cNvPr id="2" name="Content Placeholder 1"/>
+          <p:cNvSpPr>
+            <a:spLocks noGrp="1"/>
+          </p:cNvSpPr>
+          <p:nvPr>
+            <p:ph idx="1"/>
+          </p:nvPr>
+        </p:nvSpPr>
+        <p:spPr>
+          <a:xfrm>
+            <a:off x="380999" y="1719070"/>
+            <a:ext cx="8686801" cy="4986530"/>
+          </a:xfrm>
+        </p:spPr>
+        <p:txBody>
+          <a:bodyPr>
+            <a:normAutofit/>
+          </a:bodyPr>
+          <a:lstStyle/>
+          <a:p>
+            <a:pPr marL="0" indent="0">
+              <a:spcAft>
+                <a:spcPts val="1200"/>
+              </a:spcAft>
+              <a:buNone/>
+            </a:pPr>
+            <a:r>
+              <a:rPr lang="en-US" b="1" dirty="0" smtClean="0"/>
+              <a:t>Scripting:</a:t>
+            </a:r>
+          </a:p>
+          <a:p>
+            <a:pPr marL="0" indent="0">
+              <a:spcBef>
+                <a:spcPts val="1200"/>
+              </a:spcBef>
+              <a:spcAft>
+                <a:spcPts val="1200"/>
+              </a:spcAft>
+              <a:buNone/>
+            </a:pPr>
+            <a:r>
+              <a:rPr lang="en-US" b="1" dirty="0" smtClean="0"/>
+              <a:t>&lt;canvas&gt; </a:t>
+            </a:r>
+            <a:r>
+              <a:rPr lang="en-US" dirty="0"/>
+              <a:t>- </a:t>
+            </a:r>
+            <a:r>
+              <a:rPr lang="en-US" dirty="0" smtClean="0"/>
+              <a:t>used to draw graphics via scripting (usually JavaScript)</a:t>
+            </a:r>
+            <a:endParaRPr lang="en-US" dirty="0"/>
+          </a:p>
+          <a:p>
+            <a:pPr marL="0" indent="0">
+              <a:spcBef>
+                <a:spcPts val="1800"/>
+              </a:spcBef>
+              <a:spcAft>
+                <a:spcPts val="1200"/>
+              </a:spcAft>
+              <a:buNone/>
+            </a:pPr>
+            <a:r>
+              <a:rPr lang="en-US" b="1" dirty="0" smtClean="0"/>
+              <a:t>&lt;</a:t>
+            </a:r>
+            <a:r>
+              <a:rPr lang="en-US" b="1" dirty="0" err="1" smtClean="0"/>
+              <a:t>noscript</a:t>
+            </a:r>
+            <a:r>
+              <a:rPr lang="en-US" b="1" dirty="0" smtClean="0"/>
+              <a:t>&gt; </a:t>
+            </a:r>
+            <a:r>
+              <a:rPr lang="en-US" dirty="0"/>
+              <a:t>- </a:t>
+            </a:r>
+            <a:r>
+              <a:rPr lang="en-US" dirty="0" smtClean="0"/>
+              <a:t>defines a section of html to be inserted if scripting is not supported or turned off</a:t>
+            </a:r>
+            <a:endParaRPr lang="en-US" dirty="0"/>
+          </a:p>
+          <a:p>
+            <a:pPr marL="0" indent="0">
+              <a:spcBef>
+                <a:spcPts val="1800"/>
+              </a:spcBef>
+              <a:spcAft>
+                <a:spcPts val="1200"/>
+              </a:spcAft>
+              <a:buNone/>
+            </a:pPr>
+            <a:r>
+              <a:rPr lang="en-US" b="1" dirty="0" smtClean="0"/>
+              <a:t>&lt;script&gt; </a:t>
+            </a:r>
+            <a:r>
+              <a:rPr lang="en-US" dirty="0" smtClean="0"/>
+              <a:t>- used to embed or reference an executable script</a:t>
+            </a:r>
+          </a:p>
+        </p:txBody>
+      </p:sp>
+      <p:sp>
+        <p:nvSpPr>
+          <p:cNvPr id="3" name="Title 2"/>
+          <p:cNvSpPr>
+            <a:spLocks noGrp="1"/>
+          </p:cNvSpPr>
+          <p:nvPr>
+            <p:ph type="title"/>
+          </p:nvPr>
+        </p:nvSpPr>
+        <p:spPr/>
+        <p:txBody>
+          <a:bodyPr/>
+          <a:lstStyle/>
+          <a:p>
+            <a:r>
+              <a:rPr lang="en-US" dirty="0" smtClean="0"/>
+              <a:t>HTML elements </a:t>
+            </a:r>
+            <a:r>
+              <a:rPr lang="en-US" dirty="0"/>
+              <a:t>by </a:t>
+            </a:r>
+            <a:r>
+              <a:rPr lang="en-US" dirty="0" smtClean="0"/>
+              <a:t>Function</a:t>
+            </a:r>
+            <a:r>
+              <a:rPr lang="en-US" dirty="0"/>
+              <a:t/>
+            </a:r>
+            <a:br>
+              <a:rPr lang="en-US" dirty="0"/>
+            </a:br>
+            <a:r>
+              <a:rPr lang="en-US" sz="1400" dirty="0"/>
+              <a:t>(from </a:t>
+            </a:r>
+            <a:r>
+              <a:rPr lang="en-US" sz="1400" dirty="0">
+                <a:hlinkClick r:id="rId3"/>
+              </a:rPr>
+              <a:t>https://</a:t>
+            </a:r>
+            <a:r>
+              <a:rPr lang="en-US" sz="1400" dirty="0" smtClean="0">
+                <a:hlinkClick r:id="rId3"/>
+              </a:rPr>
+              <a:t>developer.mozilla.org/en-US/docs/Web/HTML/Element</a:t>
+            </a:r>
+            <a:r>
+              <a:rPr lang="en-US" sz="1400" dirty="0" smtClean="0"/>
+              <a:t>)</a:t>
+            </a:r>
+            <a:endParaRPr lang="en-US" sz="1400" dirty="0"/>
+          </a:p>
+        </p:txBody>
+      </p:sp>
+    </p:spTree>
+    <p:extLst>
+      <p:ext uri="{BB962C8B-B14F-4D97-AF65-F5344CB8AC3E}">
+        <p14:creationId xmlns:p14="http://schemas.microsoft.com/office/powerpoint/2010/main" val="3186133189"/>
+      </p:ext>
+    </p:extLst>
+  </p:cSld>
+  <p:clrMapOvr>
+    <a:masterClrMapping/>
+  </p:clrMapOvr>
+  <p:timing>
+    <p:tnLst>
+      <p:par>
+        <p:cTn id="1" dur="indefinite" restart="never" nodeType="tmRoot"/>
+      </p:par>
+    </p:tnLst>
+  </p:timing>
+</p:sld>
+</file>
+
+<file path=ppt/slides/slide22.xml><?xml version="1.0" encoding="utf-8"?>
+<p:sld xmlns:a="http://schemas.openxmlformats.org/drawingml/2006/main" xmlns:r="http://schemas.openxmlformats.org/officeDocument/2006/relationships" xmlns:p="http://schemas.openxmlformats.org/presentationml/2006/main">
+  <p:cSld>
+    <p:spTree>
+      <p:nvGrpSpPr>
+        <p:cNvPr id="1" name=""/>
+        <p:cNvGrpSpPr/>
+        <p:nvPr/>
+      </p:nvGrpSpPr>
+      <p:grpSpPr>
+        <a:xfrm>
+          <a:off x="0" y="0"/>
+          <a:ext cx="0" cy="0"/>
+          <a:chOff x="0" y="0"/>
+          <a:chExt cx="0" cy="0"/>
+        </a:xfrm>
+      </p:grpSpPr>
+      <p:sp>
+        <p:nvSpPr>
+          <p:cNvPr id="2" name="Content Placeholder 1"/>
+          <p:cNvSpPr>
+            <a:spLocks noGrp="1"/>
+          </p:cNvSpPr>
+          <p:nvPr>
+            <p:ph idx="1"/>
+          </p:nvPr>
+        </p:nvSpPr>
+        <p:spPr>
+          <a:xfrm>
+            <a:off x="380999" y="1719070"/>
+            <a:ext cx="8686801" cy="4986530"/>
+          </a:xfrm>
+        </p:spPr>
+        <p:txBody>
+          <a:bodyPr>
+            <a:normAutofit/>
+          </a:bodyPr>
+          <a:lstStyle/>
+          <a:p>
+            <a:pPr marL="0" indent="0">
+              <a:spcAft>
+                <a:spcPts val="1200"/>
+              </a:spcAft>
+              <a:buNone/>
+            </a:pPr>
+            <a:r>
+              <a:rPr lang="en-US" b="1" dirty="0" smtClean="0"/>
+              <a:t>Demarcating edits:</a:t>
+            </a:r>
+          </a:p>
+          <a:p>
+            <a:pPr marL="0" indent="0">
+              <a:spcBef>
+                <a:spcPts val="1200"/>
+              </a:spcBef>
+              <a:spcAft>
+                <a:spcPts val="1200"/>
+              </a:spcAft>
+              <a:buNone/>
+            </a:pPr>
+            <a:r>
+              <a:rPr lang="en-US" b="1" dirty="0" smtClean="0"/>
+              <a:t>&lt;del&gt; </a:t>
+            </a:r>
+            <a:r>
+              <a:rPr lang="en-US" dirty="0"/>
+              <a:t>- </a:t>
+            </a:r>
+            <a:r>
+              <a:rPr lang="en-US" dirty="0" smtClean="0"/>
+              <a:t>represents a range of text that has been deleted. Usually rendered with strike-through text</a:t>
+            </a:r>
+            <a:endParaRPr lang="en-US" dirty="0"/>
+          </a:p>
+          <a:p>
+            <a:pPr marL="0" indent="0">
+              <a:spcBef>
+                <a:spcPts val="1800"/>
+              </a:spcBef>
+              <a:spcAft>
+                <a:spcPts val="1200"/>
+              </a:spcAft>
+              <a:buNone/>
+            </a:pPr>
+            <a:r>
+              <a:rPr lang="en-US" b="1" dirty="0" smtClean="0"/>
+              <a:t>&lt;ins&gt; </a:t>
+            </a:r>
+            <a:r>
+              <a:rPr lang="en-US" dirty="0"/>
+              <a:t>- </a:t>
+            </a:r>
+            <a:r>
+              <a:rPr lang="en-US" dirty="0" smtClean="0"/>
+              <a:t>represents a range of text that has been added to a document</a:t>
+            </a:r>
+          </a:p>
+        </p:txBody>
+      </p:sp>
+      <p:sp>
+        <p:nvSpPr>
+          <p:cNvPr id="3" name="Title 2"/>
+          <p:cNvSpPr>
+            <a:spLocks noGrp="1"/>
+          </p:cNvSpPr>
+          <p:nvPr>
+            <p:ph type="title"/>
+          </p:nvPr>
+        </p:nvSpPr>
+        <p:spPr/>
+        <p:txBody>
+          <a:bodyPr/>
+          <a:lstStyle/>
+          <a:p>
+            <a:r>
+              <a:rPr lang="en-US" dirty="0" smtClean="0"/>
+              <a:t>HTML elements </a:t>
+            </a:r>
+            <a:r>
+              <a:rPr lang="en-US" dirty="0"/>
+              <a:t>by </a:t>
+            </a:r>
+            <a:r>
+              <a:rPr lang="en-US" dirty="0" smtClean="0"/>
+              <a:t>Function</a:t>
+            </a:r>
+            <a:r>
+              <a:rPr lang="en-US" dirty="0"/>
+              <a:t/>
+            </a:r>
+            <a:br>
+              <a:rPr lang="en-US" dirty="0"/>
+            </a:br>
+            <a:r>
+              <a:rPr lang="en-US" sz="1400" dirty="0"/>
+              <a:t>(from </a:t>
+            </a:r>
+            <a:r>
+              <a:rPr lang="en-US" sz="1400" dirty="0">
+                <a:hlinkClick r:id="rId3"/>
+              </a:rPr>
+              <a:t>https://</a:t>
+            </a:r>
+            <a:r>
+              <a:rPr lang="en-US" sz="1400" dirty="0" smtClean="0">
+                <a:hlinkClick r:id="rId3"/>
+              </a:rPr>
+              <a:t>developer.mozilla.org/en-US/docs/Web/HTML/Element</a:t>
+            </a:r>
+            <a:r>
+              <a:rPr lang="en-US" sz="1400" dirty="0" smtClean="0"/>
+              <a:t>)</a:t>
+            </a:r>
+            <a:endParaRPr lang="en-US" sz="1400" dirty="0"/>
+          </a:p>
+        </p:txBody>
+      </p:sp>
+    </p:spTree>
+    <p:extLst>
+      <p:ext uri="{BB962C8B-B14F-4D97-AF65-F5344CB8AC3E}">
+        <p14:creationId xmlns:p14="http://schemas.microsoft.com/office/powerpoint/2010/main" val="30822354"/>
+      </p:ext>
+    </p:extLst>
+  </p:cSld>
+  <p:clrMapOvr>
+    <a:masterClrMapping/>
+  </p:clrMapOvr>
+  <p:timing>
+    <p:tnLst>
+      <p:par>
+        <p:cTn id="1" dur="indefinite" restart="never" nodeType="tmRoot"/>
+      </p:par>
+    </p:tnLst>
+  </p:timing>
+</p:sld>
+</file>
+
+<file path=ppt/slides/slide23.xml><?xml version="1.0" encoding="utf-8"?>
+<p:sld xmlns:a="http://schemas.openxmlformats.org/drawingml/2006/main" xmlns:r="http://schemas.openxmlformats.org/officeDocument/2006/relationships" xmlns:p="http://schemas.openxmlformats.org/presentationml/2006/main">
+  <p:cSld>
+    <p:spTree>
+      <p:nvGrpSpPr>
+        <p:cNvPr id="1" name=""/>
+        <p:cNvGrpSpPr/>
+        <p:nvPr/>
+      </p:nvGrpSpPr>
+      <p:grpSpPr>
+        <a:xfrm>
+          <a:off x="0" y="0"/>
+          <a:ext cx="0" cy="0"/>
+          <a:chOff x="0" y="0"/>
+          <a:chExt cx="0" cy="0"/>
+        </a:xfrm>
+      </p:grpSpPr>
+      <p:sp>
+        <p:nvSpPr>
+          <p:cNvPr id="2" name="Content Placeholder 1"/>
+          <p:cNvSpPr>
+            <a:spLocks noGrp="1"/>
+          </p:cNvSpPr>
+          <p:nvPr>
+            <p:ph idx="1"/>
+          </p:nvPr>
+        </p:nvSpPr>
+        <p:spPr>
+          <a:xfrm>
+            <a:off x="380999" y="1719070"/>
+            <a:ext cx="8686801" cy="4986530"/>
+          </a:xfrm>
+        </p:spPr>
+        <p:txBody>
+          <a:bodyPr>
+            <a:normAutofit fontScale="92500" lnSpcReduction="20000"/>
+          </a:bodyPr>
+          <a:lstStyle/>
+          <a:p>
+            <a:pPr marL="0" indent="0">
+              <a:spcAft>
+                <a:spcPts val="1200"/>
+              </a:spcAft>
+              <a:buNone/>
+            </a:pPr>
+            <a:r>
+              <a:rPr lang="en-US" b="1" dirty="0" smtClean="0"/>
+              <a:t>Table Content:</a:t>
+            </a:r>
+          </a:p>
+          <a:p>
+            <a:pPr marL="0" indent="0">
+              <a:spcAft>
+                <a:spcPts val="1200"/>
+              </a:spcAft>
+              <a:buNone/>
+            </a:pPr>
+            <a:r>
+              <a:rPr lang="en-US" b="1" dirty="0" smtClean="0"/>
+              <a:t>&lt;caption&gt; </a:t>
+            </a:r>
+            <a:r>
+              <a:rPr lang="en-US" dirty="0"/>
+              <a:t>- </a:t>
+            </a:r>
+            <a:r>
+              <a:rPr lang="en-US" dirty="0" smtClean="0"/>
+              <a:t>the title of </a:t>
+            </a:r>
+            <a:r>
+              <a:rPr lang="en-US" dirty="0"/>
+              <a:t>a</a:t>
+            </a:r>
+            <a:r>
+              <a:rPr lang="en-US" dirty="0" smtClean="0"/>
+              <a:t> table</a:t>
+            </a:r>
+            <a:endParaRPr lang="en-US" dirty="0"/>
+          </a:p>
+          <a:p>
+            <a:pPr marL="0" indent="0">
+              <a:spcAft>
+                <a:spcPts val="1200"/>
+              </a:spcAft>
+              <a:buNone/>
+            </a:pPr>
+            <a:r>
+              <a:rPr lang="en-US" b="1" dirty="0" smtClean="0"/>
+              <a:t>&lt;col&gt; </a:t>
+            </a:r>
+            <a:r>
+              <a:rPr lang="en-US" dirty="0"/>
+              <a:t>- </a:t>
+            </a:r>
+            <a:r>
+              <a:rPr lang="en-US" dirty="0" smtClean="0"/>
+              <a:t>defines a column within a table</a:t>
+            </a:r>
+            <a:endParaRPr lang="en-US" dirty="0"/>
+          </a:p>
+          <a:p>
+            <a:pPr marL="0" indent="0">
+              <a:spcAft>
+                <a:spcPts val="1200"/>
+              </a:spcAft>
+              <a:buNone/>
+            </a:pPr>
+            <a:r>
+              <a:rPr lang="en-US" b="1" dirty="0" smtClean="0"/>
+              <a:t>&lt;</a:t>
+            </a:r>
+            <a:r>
+              <a:rPr lang="en-US" b="1" dirty="0" err="1" smtClean="0"/>
+              <a:t>colgroup</a:t>
+            </a:r>
+            <a:r>
+              <a:rPr lang="en-US" b="1" dirty="0" smtClean="0"/>
+              <a:t>&gt; </a:t>
+            </a:r>
+            <a:r>
+              <a:rPr lang="en-US" dirty="0" smtClean="0"/>
+              <a:t>- defines a group of columns within a table</a:t>
+            </a:r>
+          </a:p>
+          <a:p>
+            <a:pPr marL="0" indent="0">
+              <a:spcAft>
+                <a:spcPts val="1200"/>
+              </a:spcAft>
+              <a:buNone/>
+            </a:pPr>
+            <a:r>
+              <a:rPr lang="en-US" b="1" dirty="0" smtClean="0"/>
+              <a:t>&lt;table&gt; - </a:t>
+            </a:r>
+            <a:r>
+              <a:rPr lang="en-US" dirty="0" smtClean="0"/>
+              <a:t>represents data in two or more dimensions</a:t>
+            </a:r>
+          </a:p>
+          <a:p>
+            <a:pPr marL="0" indent="0">
+              <a:spcAft>
+                <a:spcPts val="1200"/>
+              </a:spcAft>
+              <a:buNone/>
+            </a:pPr>
+            <a:r>
+              <a:rPr lang="en-US" b="1" dirty="0" smtClean="0"/>
+              <a:t>&lt;</a:t>
+            </a:r>
+            <a:r>
+              <a:rPr lang="en-US" b="1" dirty="0" err="1" smtClean="0"/>
+              <a:t>tbody</a:t>
+            </a:r>
+            <a:r>
+              <a:rPr lang="en-US" b="1" dirty="0" smtClean="0"/>
+              <a:t>&gt; </a:t>
+            </a:r>
+            <a:r>
+              <a:rPr lang="en-US" dirty="0" smtClean="0"/>
+              <a:t>- groups the body of a table</a:t>
+            </a:r>
+          </a:p>
+          <a:p>
+            <a:pPr marL="0" indent="0">
+              <a:spcAft>
+                <a:spcPts val="1200"/>
+              </a:spcAft>
+              <a:buNone/>
+            </a:pPr>
+            <a:r>
+              <a:rPr lang="en-US" b="1" dirty="0" smtClean="0"/>
+              <a:t>&lt;td&gt; </a:t>
+            </a:r>
+            <a:r>
+              <a:rPr lang="en-US" dirty="0" smtClean="0"/>
+              <a:t>- defines a cell of a table</a:t>
+            </a:r>
+          </a:p>
+          <a:p>
+            <a:pPr marL="0" indent="0">
+              <a:spcAft>
+                <a:spcPts val="1200"/>
+              </a:spcAft>
+              <a:buNone/>
+            </a:pPr>
+            <a:r>
+              <a:rPr lang="en-US" b="1" dirty="0" smtClean="0"/>
+              <a:t>&lt;</a:t>
+            </a:r>
+            <a:r>
+              <a:rPr lang="en-US" b="1" dirty="0" err="1" smtClean="0"/>
+              <a:t>tfoot</a:t>
+            </a:r>
+            <a:r>
+              <a:rPr lang="en-US" b="1" dirty="0" smtClean="0"/>
+              <a:t>&gt; </a:t>
+            </a:r>
+            <a:r>
+              <a:rPr lang="en-US" dirty="0" smtClean="0"/>
+              <a:t>- defines a set of rows summarizing the columns of the table</a:t>
+            </a:r>
+          </a:p>
+          <a:p>
+            <a:pPr marL="0" indent="0">
+              <a:spcAft>
+                <a:spcPts val="1200"/>
+              </a:spcAft>
+              <a:buNone/>
+            </a:pPr>
+            <a:r>
+              <a:rPr lang="en-US" b="1" dirty="0" smtClean="0"/>
+              <a:t>&lt;</a:t>
+            </a:r>
+            <a:r>
+              <a:rPr lang="en-US" b="1" dirty="0" err="1" smtClean="0"/>
+              <a:t>th</a:t>
+            </a:r>
+            <a:r>
+              <a:rPr lang="en-US" b="1" dirty="0" smtClean="0"/>
+              <a:t>&gt; </a:t>
+            </a:r>
+            <a:r>
+              <a:rPr lang="en-US" dirty="0" smtClean="0"/>
+              <a:t>- defines a cell that is a header for a group of cells</a:t>
+            </a:r>
+          </a:p>
+          <a:p>
+            <a:pPr marL="0" indent="0">
+              <a:spcAft>
+                <a:spcPts val="1200"/>
+              </a:spcAft>
+              <a:buNone/>
+            </a:pPr>
+            <a:r>
+              <a:rPr lang="en-US" b="1" dirty="0" smtClean="0"/>
+              <a:t>&lt;</a:t>
+            </a:r>
+            <a:r>
+              <a:rPr lang="en-US" b="1" dirty="0" err="1" smtClean="0"/>
+              <a:t>thead</a:t>
+            </a:r>
+            <a:r>
+              <a:rPr lang="en-US" b="1" dirty="0" smtClean="0"/>
+              <a:t>&gt; </a:t>
+            </a:r>
+            <a:r>
+              <a:rPr lang="en-US" dirty="0" smtClean="0"/>
+              <a:t>- defines a set of rows defining the head of the columns of the table</a:t>
+            </a:r>
+          </a:p>
+          <a:p>
+            <a:pPr marL="0" indent="0">
+              <a:spcAft>
+                <a:spcPts val="1200"/>
+              </a:spcAft>
+              <a:buNone/>
+            </a:pPr>
+            <a:r>
+              <a:rPr lang="en-US" b="1" dirty="0" smtClean="0"/>
+              <a:t>&lt;</a:t>
+            </a:r>
+            <a:r>
+              <a:rPr lang="en-US" b="1" dirty="0" err="1" smtClean="0"/>
+              <a:t>tr</a:t>
+            </a:r>
+            <a:r>
+              <a:rPr lang="en-US" b="1" dirty="0" smtClean="0"/>
+              <a:t>&gt; </a:t>
+            </a:r>
+            <a:r>
+              <a:rPr lang="en-US" dirty="0" smtClean="0"/>
+              <a:t>- defines a row of cells in a table</a:t>
+            </a:r>
+          </a:p>
+        </p:txBody>
+      </p:sp>
+      <p:sp>
+        <p:nvSpPr>
+          <p:cNvPr id="3" name="Title 2"/>
+          <p:cNvSpPr>
+            <a:spLocks noGrp="1"/>
+          </p:cNvSpPr>
+          <p:nvPr>
+            <p:ph type="title"/>
+          </p:nvPr>
+        </p:nvSpPr>
+        <p:spPr/>
+        <p:txBody>
+          <a:bodyPr/>
+          <a:lstStyle/>
+          <a:p>
+            <a:r>
+              <a:rPr lang="en-US" dirty="0" smtClean="0"/>
+              <a:t>HTML elements </a:t>
+            </a:r>
+            <a:r>
+              <a:rPr lang="en-US" dirty="0"/>
+              <a:t>by </a:t>
+            </a:r>
+            <a:r>
+              <a:rPr lang="en-US" dirty="0" smtClean="0"/>
+              <a:t>Function</a:t>
+            </a:r>
+            <a:r>
+              <a:rPr lang="en-US" dirty="0"/>
+              <a:t/>
+            </a:r>
+            <a:br>
+              <a:rPr lang="en-US" dirty="0"/>
+            </a:br>
+            <a:r>
+              <a:rPr lang="en-US" sz="1400" dirty="0"/>
+              <a:t>(from </a:t>
+            </a:r>
+            <a:r>
+              <a:rPr lang="en-US" sz="1400" dirty="0">
+                <a:hlinkClick r:id="rId3"/>
+              </a:rPr>
+              <a:t>https://</a:t>
+            </a:r>
+            <a:r>
+              <a:rPr lang="en-US" sz="1400" dirty="0" smtClean="0">
+                <a:hlinkClick r:id="rId3"/>
+              </a:rPr>
+              <a:t>developer.mozilla.org/en-US/docs/Web/HTML/Element</a:t>
+            </a:r>
+            <a:r>
+              <a:rPr lang="en-US" sz="1400" dirty="0" smtClean="0"/>
+              <a:t>)</a:t>
+            </a:r>
+            <a:endParaRPr lang="en-US" sz="1400" dirty="0"/>
+          </a:p>
+        </p:txBody>
+      </p:sp>
+    </p:spTree>
+    <p:extLst>
+      <p:ext uri="{BB962C8B-B14F-4D97-AF65-F5344CB8AC3E}">
+        <p14:creationId xmlns:p14="http://schemas.microsoft.com/office/powerpoint/2010/main" val="186837205"/>
+      </p:ext>
+    </p:extLst>
+  </p:cSld>
+  <p:clrMapOvr>
+    <a:masterClrMapping/>
+  </p:clrMapOvr>
+  <p:timing>
+    <p:tnLst>
+      <p:par>
+        <p:cTn id="1" dur="indefinite" restart="never" nodeType="tmRoot"/>
+      </p:par>
+    </p:tnLst>
+  </p:timing>
+</p:sld>
+</file>
+
+<file path=ppt/slides/slide24.xml><?xml version="1.0" encoding="utf-8"?>
+<p:sld xmlns:a="http://schemas.openxmlformats.org/drawingml/2006/main" xmlns:r="http://schemas.openxmlformats.org/officeDocument/2006/relationships" xmlns:p="http://schemas.openxmlformats.org/presentationml/2006/main">
+  <p:cSld>
+    <p:spTree>
+      <p:nvGrpSpPr>
+        <p:cNvPr id="1" name=""/>
+        <p:cNvGrpSpPr/>
+        <p:nvPr/>
+      </p:nvGrpSpPr>
+      <p:grpSpPr>
+        <a:xfrm>
+          <a:off x="0" y="0"/>
+          <a:ext cx="0" cy="0"/>
+          <a:chOff x="0" y="0"/>
+          <a:chExt cx="0" cy="0"/>
+        </a:xfrm>
+      </p:grpSpPr>
+      <p:sp>
+        <p:nvSpPr>
+          <p:cNvPr id="2" name="Content Placeholder 1"/>
+          <p:cNvSpPr>
+            <a:spLocks noGrp="1"/>
+          </p:cNvSpPr>
+          <p:nvPr>
+            <p:ph idx="1"/>
+          </p:nvPr>
+        </p:nvSpPr>
+        <p:spPr>
+          <a:xfrm>
+            <a:off x="380999" y="1719070"/>
+            <a:ext cx="8686801" cy="4986530"/>
+          </a:xfrm>
+        </p:spPr>
+        <p:txBody>
+          <a:bodyPr>
+            <a:normAutofit lnSpcReduction="10000"/>
+          </a:bodyPr>
+          <a:lstStyle/>
+          <a:p>
+            <a:pPr marL="0" indent="0">
+              <a:spcAft>
+                <a:spcPts val="1200"/>
+              </a:spcAft>
+              <a:buNone/>
+            </a:pPr>
+            <a:r>
+              <a:rPr lang="en-US" b="1" dirty="0" smtClean="0"/>
+              <a:t>Form Content:</a:t>
+            </a:r>
+          </a:p>
+          <a:p>
+            <a:pPr marL="0" indent="0">
+              <a:spcAft>
+                <a:spcPts val="1200"/>
+              </a:spcAft>
+              <a:buNone/>
+            </a:pPr>
+            <a:r>
+              <a:rPr lang="en-US" b="1" dirty="0" smtClean="0"/>
+              <a:t>&lt;button&gt; </a:t>
+            </a:r>
+            <a:r>
+              <a:rPr lang="en-US" dirty="0"/>
+              <a:t>- </a:t>
+            </a:r>
+            <a:r>
+              <a:rPr lang="en-US" dirty="0" smtClean="0"/>
+              <a:t>a clickable button</a:t>
+            </a:r>
+            <a:endParaRPr lang="en-US" dirty="0"/>
+          </a:p>
+          <a:p>
+            <a:pPr marL="0" indent="0">
+              <a:spcAft>
+                <a:spcPts val="1200"/>
+              </a:spcAft>
+              <a:buNone/>
+            </a:pPr>
+            <a:r>
+              <a:rPr lang="en-US" b="1" dirty="0" smtClean="0"/>
+              <a:t>&lt;</a:t>
+            </a:r>
+            <a:r>
+              <a:rPr lang="en-US" b="1" dirty="0" err="1" smtClean="0"/>
+              <a:t>datalist</a:t>
+            </a:r>
+            <a:r>
+              <a:rPr lang="en-US" b="1" dirty="0" smtClean="0"/>
+              <a:t>&gt; </a:t>
+            </a:r>
+            <a:r>
+              <a:rPr lang="en-US" dirty="0"/>
+              <a:t>- </a:t>
+            </a:r>
+            <a:r>
+              <a:rPr lang="en-US" dirty="0" smtClean="0"/>
+              <a:t>contains &lt;option&gt; elements</a:t>
+            </a:r>
+            <a:endParaRPr lang="en-US" dirty="0"/>
+          </a:p>
+          <a:p>
+            <a:pPr marL="0" indent="0">
+              <a:spcAft>
+                <a:spcPts val="1200"/>
+              </a:spcAft>
+              <a:buNone/>
+            </a:pPr>
+            <a:r>
+              <a:rPr lang="en-US" b="1" dirty="0" smtClean="0"/>
+              <a:t>&lt;</a:t>
+            </a:r>
+            <a:r>
+              <a:rPr lang="en-US" b="1" dirty="0" err="1" smtClean="0"/>
+              <a:t>fieldset</a:t>
+            </a:r>
+            <a:r>
+              <a:rPr lang="en-US" b="1" dirty="0" smtClean="0"/>
+              <a:t>&gt; </a:t>
+            </a:r>
+            <a:r>
+              <a:rPr lang="en-US" dirty="0" smtClean="0"/>
+              <a:t>- groups several controls </a:t>
+            </a:r>
+            <a:r>
+              <a:rPr lang="en-US" dirty="0" err="1" smtClean="0"/>
+              <a:t>ans</a:t>
+            </a:r>
+            <a:r>
+              <a:rPr lang="en-US" dirty="0" smtClean="0"/>
+              <a:t> labels within a form</a:t>
+            </a:r>
+          </a:p>
+          <a:p>
+            <a:pPr marL="0" indent="0">
+              <a:spcAft>
+                <a:spcPts val="1200"/>
+              </a:spcAft>
+              <a:buNone/>
+            </a:pPr>
+            <a:r>
+              <a:rPr lang="en-US" b="1" dirty="0" smtClean="0"/>
+              <a:t>&lt;form&gt; - </a:t>
+            </a:r>
+            <a:r>
+              <a:rPr lang="en-US" dirty="0" smtClean="0"/>
+              <a:t>a document section with interactive controls to submit information to the web server</a:t>
+            </a:r>
+          </a:p>
+          <a:p>
+            <a:pPr marL="0" indent="0">
+              <a:spcAft>
+                <a:spcPts val="1200"/>
+              </a:spcAft>
+              <a:buNone/>
+            </a:pPr>
+            <a:r>
+              <a:rPr lang="en-US" b="1" dirty="0" smtClean="0"/>
+              <a:t>&lt;input&gt; </a:t>
+            </a:r>
+            <a:r>
+              <a:rPr lang="en-US" dirty="0"/>
+              <a:t>- </a:t>
+            </a:r>
+            <a:r>
+              <a:rPr lang="en-US" dirty="0" smtClean="0"/>
+              <a:t>used to create interactive controls for web-based forms</a:t>
+            </a:r>
+            <a:endParaRPr lang="en-US" dirty="0"/>
+          </a:p>
+          <a:p>
+            <a:pPr marL="0" indent="0">
+              <a:spcAft>
+                <a:spcPts val="1200"/>
+              </a:spcAft>
+              <a:buNone/>
+            </a:pPr>
+            <a:r>
+              <a:rPr lang="en-US" b="1" dirty="0" smtClean="0"/>
+              <a:t>&lt;</a:t>
+            </a:r>
+            <a:r>
+              <a:rPr lang="en-US" b="1" dirty="0" err="1" smtClean="0"/>
+              <a:t>keygen</a:t>
+            </a:r>
+            <a:r>
+              <a:rPr lang="en-US" b="1" dirty="0" smtClean="0"/>
+              <a:t>&gt; </a:t>
+            </a:r>
+            <a:r>
+              <a:rPr lang="en-US" dirty="0"/>
+              <a:t>- </a:t>
+            </a:r>
+            <a:r>
+              <a:rPr lang="en-US" dirty="0" smtClean="0"/>
+              <a:t>for use with certificate management systems</a:t>
+            </a:r>
+            <a:endParaRPr lang="en-US" dirty="0"/>
+          </a:p>
+          <a:p>
+            <a:pPr marL="0" indent="0">
+              <a:spcAft>
+                <a:spcPts val="1200"/>
+              </a:spcAft>
+              <a:buNone/>
+            </a:pPr>
+            <a:r>
+              <a:rPr lang="en-US" b="1" dirty="0" smtClean="0"/>
+              <a:t>&lt;label&gt; </a:t>
+            </a:r>
+            <a:r>
+              <a:rPr lang="en-US" dirty="0"/>
+              <a:t>- </a:t>
+            </a:r>
+            <a:r>
+              <a:rPr lang="en-US" dirty="0" smtClean="0"/>
+              <a:t>represents a caption for an item in a user interface</a:t>
+            </a:r>
+            <a:endParaRPr lang="en-US" dirty="0"/>
+          </a:p>
+          <a:p>
+            <a:pPr marL="0" indent="0">
+              <a:spcAft>
+                <a:spcPts val="1200"/>
+              </a:spcAft>
+              <a:buNone/>
+            </a:pPr>
+            <a:r>
+              <a:rPr lang="en-US" b="1" dirty="0" smtClean="0"/>
+              <a:t>&lt;legend&gt; </a:t>
+            </a:r>
+            <a:r>
+              <a:rPr lang="en-US" b="1" dirty="0"/>
+              <a:t>- </a:t>
+            </a:r>
+            <a:r>
+              <a:rPr lang="en-US" dirty="0" smtClean="0"/>
+              <a:t>represents a caption for the content of its parent &lt;</a:t>
+            </a:r>
+            <a:r>
+              <a:rPr lang="en-US" dirty="0" err="1" smtClean="0"/>
+              <a:t>fieldset</a:t>
+            </a:r>
+            <a:r>
+              <a:rPr lang="en-US" dirty="0" smtClean="0"/>
+              <a:t>&gt;</a:t>
+            </a:r>
+            <a:endParaRPr lang="en-US" dirty="0"/>
+          </a:p>
+        </p:txBody>
+      </p:sp>
+      <p:sp>
+        <p:nvSpPr>
+          <p:cNvPr id="3" name="Title 2"/>
+          <p:cNvSpPr>
+            <a:spLocks noGrp="1"/>
+          </p:cNvSpPr>
+          <p:nvPr>
+            <p:ph type="title"/>
+          </p:nvPr>
+        </p:nvSpPr>
+        <p:spPr/>
+        <p:txBody>
+          <a:bodyPr/>
+          <a:lstStyle/>
+          <a:p>
+            <a:r>
+              <a:rPr lang="en-US" dirty="0" smtClean="0"/>
+              <a:t>HTML elements </a:t>
+            </a:r>
+            <a:r>
+              <a:rPr lang="en-US" dirty="0"/>
+              <a:t>by </a:t>
+            </a:r>
+            <a:r>
+              <a:rPr lang="en-US" dirty="0" smtClean="0"/>
+              <a:t>Function</a:t>
+            </a:r>
+            <a:r>
+              <a:rPr lang="en-US" dirty="0"/>
+              <a:t/>
+            </a:r>
+            <a:br>
+              <a:rPr lang="en-US" dirty="0"/>
+            </a:br>
+            <a:r>
+              <a:rPr lang="en-US" sz="1400" dirty="0"/>
+              <a:t>(from </a:t>
+            </a:r>
+            <a:r>
+              <a:rPr lang="en-US" sz="1400" dirty="0">
+                <a:hlinkClick r:id="rId3"/>
+              </a:rPr>
+              <a:t>https://</a:t>
+            </a:r>
+            <a:r>
+              <a:rPr lang="en-US" sz="1400" dirty="0" smtClean="0">
+                <a:hlinkClick r:id="rId3"/>
+              </a:rPr>
+              <a:t>developer.mozilla.org/en-US/docs/Web/HTML/Element</a:t>
+            </a:r>
+            <a:r>
+              <a:rPr lang="en-US" sz="1400" dirty="0" smtClean="0"/>
+              <a:t>)</a:t>
+            </a:r>
+            <a:endParaRPr lang="en-US" sz="1400" dirty="0"/>
+          </a:p>
+        </p:txBody>
+      </p:sp>
+    </p:spTree>
+    <p:extLst>
+      <p:ext uri="{BB962C8B-B14F-4D97-AF65-F5344CB8AC3E}">
+        <p14:creationId xmlns:p14="http://schemas.microsoft.com/office/powerpoint/2010/main" val="2950705203"/>
+      </p:ext>
+    </p:extLst>
+  </p:cSld>
+  <p:clrMapOvr>
+    <a:masterClrMapping/>
+  </p:clrMapOvr>
+  <p:timing>
+    <p:tnLst>
+      <p:par>
+        <p:cTn id="1" dur="indefinite" restart="never" nodeType="tmRoot"/>
+      </p:par>
+    </p:tnLst>
+  </p:timing>
+</p:sld>
+</file>
+
+<file path=ppt/slides/slide25.xml><?xml version="1.0" encoding="utf-8"?>
+<p:sld xmlns:a="http://schemas.openxmlformats.org/drawingml/2006/main" xmlns:r="http://schemas.openxmlformats.org/officeDocument/2006/relationships" xmlns:p="http://schemas.openxmlformats.org/presentationml/2006/main">
+  <p:cSld>
+    <p:spTree>
+      <p:nvGrpSpPr>
+        <p:cNvPr id="1" name=""/>
+        <p:cNvGrpSpPr/>
+        <p:nvPr/>
+      </p:nvGrpSpPr>
+      <p:grpSpPr>
+        <a:xfrm>
+          <a:off x="0" y="0"/>
+          <a:ext cx="0" cy="0"/>
+          <a:chOff x="0" y="0"/>
+          <a:chExt cx="0" cy="0"/>
+        </a:xfrm>
+      </p:grpSpPr>
+      <p:sp>
+        <p:nvSpPr>
+          <p:cNvPr id="2" name="Content Placeholder 1"/>
+          <p:cNvSpPr>
+            <a:spLocks noGrp="1"/>
+          </p:cNvSpPr>
+          <p:nvPr>
+            <p:ph idx="1"/>
+          </p:nvPr>
+        </p:nvSpPr>
+        <p:spPr>
+          <a:xfrm>
+            <a:off x="380999" y="1719070"/>
+            <a:ext cx="8686801" cy="4986530"/>
+          </a:xfrm>
+        </p:spPr>
+        <p:txBody>
+          <a:bodyPr>
+            <a:normAutofit/>
+          </a:bodyPr>
+          <a:lstStyle/>
+          <a:p>
+            <a:pPr marL="0" indent="0">
+              <a:spcAft>
+                <a:spcPts val="1200"/>
+              </a:spcAft>
+              <a:buNone/>
+            </a:pPr>
+            <a:r>
+              <a:rPr lang="en-US" b="1" dirty="0" smtClean="0"/>
+              <a:t>Form Content (continued):</a:t>
+            </a:r>
+          </a:p>
+          <a:p>
+            <a:pPr marL="0" indent="0">
+              <a:spcAft>
+                <a:spcPts val="1200"/>
+              </a:spcAft>
+              <a:buNone/>
+            </a:pPr>
+            <a:r>
+              <a:rPr lang="en-US" b="1" dirty="0" smtClean="0"/>
+              <a:t>&lt;meter&gt; </a:t>
+            </a:r>
+            <a:r>
+              <a:rPr lang="en-US" dirty="0"/>
+              <a:t>- </a:t>
+            </a:r>
+            <a:r>
+              <a:rPr lang="en-US" dirty="0" smtClean="0"/>
+              <a:t>represents a scalar value within a known range or fractional value</a:t>
+            </a:r>
+            <a:endParaRPr lang="en-US" dirty="0"/>
+          </a:p>
+          <a:p>
+            <a:pPr marL="0" indent="0">
+              <a:spcAft>
+                <a:spcPts val="1200"/>
+              </a:spcAft>
+              <a:buNone/>
+            </a:pPr>
+            <a:r>
+              <a:rPr lang="en-US" b="1" dirty="0" smtClean="0"/>
+              <a:t>&lt;</a:t>
+            </a:r>
+            <a:r>
+              <a:rPr lang="en-US" b="1" dirty="0" err="1" smtClean="0"/>
+              <a:t>optgroup</a:t>
+            </a:r>
+            <a:r>
+              <a:rPr lang="en-US" b="1" dirty="0" smtClean="0"/>
+              <a:t>&gt; </a:t>
+            </a:r>
+            <a:r>
+              <a:rPr lang="en-US" dirty="0"/>
+              <a:t>- </a:t>
+            </a:r>
+            <a:r>
+              <a:rPr lang="en-US" dirty="0" smtClean="0"/>
+              <a:t>used to create a grouping of objects within a &lt;select&gt; element</a:t>
+            </a:r>
+            <a:endParaRPr lang="en-US" dirty="0"/>
+          </a:p>
+          <a:p>
+            <a:pPr marL="0" indent="0">
+              <a:spcAft>
+                <a:spcPts val="1200"/>
+              </a:spcAft>
+              <a:buNone/>
+            </a:pPr>
+            <a:r>
+              <a:rPr lang="en-US" b="1" dirty="0" smtClean="0"/>
+              <a:t>&lt;option&gt; </a:t>
+            </a:r>
+            <a:r>
+              <a:rPr lang="en-US" dirty="0" smtClean="0"/>
+              <a:t>- used to create a control </a:t>
+            </a:r>
+            <a:r>
+              <a:rPr lang="en-US" dirty="0"/>
+              <a:t>representing an item within a &lt;select&gt;, &lt;</a:t>
+            </a:r>
+            <a:r>
+              <a:rPr lang="en-US" dirty="0" err="1"/>
+              <a:t>optgroup</a:t>
+            </a:r>
+            <a:r>
+              <a:rPr lang="en-US" dirty="0"/>
+              <a:t>&gt;, or &lt;</a:t>
+            </a:r>
+            <a:r>
+              <a:rPr lang="en-US" dirty="0" err="1"/>
+              <a:t>datalist</a:t>
+            </a:r>
+            <a:r>
+              <a:rPr lang="en-US" dirty="0"/>
+              <a:t>&gt; element</a:t>
+            </a:r>
+            <a:endParaRPr lang="en-US" dirty="0" smtClean="0"/>
+          </a:p>
+          <a:p>
+            <a:pPr marL="0" indent="0">
+              <a:spcAft>
+                <a:spcPts val="1200"/>
+              </a:spcAft>
+              <a:buNone/>
+            </a:pPr>
+            <a:r>
+              <a:rPr lang="en-US" b="1" dirty="0" smtClean="0"/>
+              <a:t>&lt;output&gt; - </a:t>
+            </a:r>
+            <a:r>
+              <a:rPr lang="en-US" dirty="0" smtClean="0"/>
+              <a:t>represents the result of a calculation or user action</a:t>
+            </a:r>
+          </a:p>
+          <a:p>
+            <a:pPr marL="0" indent="0">
+              <a:spcAft>
+                <a:spcPts val="1200"/>
+              </a:spcAft>
+              <a:buNone/>
+            </a:pPr>
+            <a:r>
+              <a:rPr lang="en-US" b="1" dirty="0" smtClean="0"/>
+              <a:t>&lt;progress&gt; </a:t>
+            </a:r>
+            <a:r>
+              <a:rPr lang="en-US" dirty="0"/>
+              <a:t>- </a:t>
+            </a:r>
+            <a:r>
+              <a:rPr lang="en-US" dirty="0" smtClean="0"/>
+              <a:t>used to view the completion progress of a task</a:t>
+            </a:r>
+            <a:endParaRPr lang="en-US" dirty="0"/>
+          </a:p>
+          <a:p>
+            <a:pPr marL="0" indent="0">
+              <a:spcAft>
+                <a:spcPts val="1200"/>
+              </a:spcAft>
+              <a:buNone/>
+            </a:pPr>
+            <a:r>
+              <a:rPr lang="en-US" b="1" dirty="0" smtClean="0"/>
+              <a:t>&lt;select&gt; </a:t>
+            </a:r>
+            <a:r>
+              <a:rPr lang="en-US" dirty="0"/>
+              <a:t>- </a:t>
+            </a:r>
+            <a:r>
+              <a:rPr lang="en-US" dirty="0" smtClean="0"/>
+              <a:t>represents a control that presents a menu of options</a:t>
+            </a:r>
+            <a:endParaRPr lang="en-US" dirty="0"/>
+          </a:p>
+          <a:p>
+            <a:pPr marL="0" indent="0">
+              <a:spcAft>
+                <a:spcPts val="1200"/>
+              </a:spcAft>
+              <a:buNone/>
+            </a:pPr>
+            <a:r>
+              <a:rPr lang="en-US" b="1" dirty="0" smtClean="0"/>
+              <a:t>&lt;</a:t>
+            </a:r>
+            <a:r>
+              <a:rPr lang="en-US" b="1" dirty="0" err="1" smtClean="0"/>
+              <a:t>textarea</a:t>
+            </a:r>
+            <a:r>
+              <a:rPr lang="en-US" b="1" dirty="0" smtClean="0"/>
+              <a:t>&gt; </a:t>
+            </a:r>
+            <a:r>
+              <a:rPr lang="en-US" dirty="0"/>
+              <a:t>- </a:t>
+            </a:r>
+            <a:r>
+              <a:rPr lang="en-US" dirty="0" smtClean="0"/>
+              <a:t>represents a multi-line plain-text editing control</a:t>
+            </a:r>
+            <a:endParaRPr lang="en-US" dirty="0"/>
+          </a:p>
+        </p:txBody>
+      </p:sp>
+      <p:sp>
+        <p:nvSpPr>
+          <p:cNvPr id="3" name="Title 2"/>
+          <p:cNvSpPr>
+            <a:spLocks noGrp="1"/>
+          </p:cNvSpPr>
+          <p:nvPr>
+            <p:ph type="title"/>
+          </p:nvPr>
+        </p:nvSpPr>
+        <p:spPr/>
+        <p:txBody>
+          <a:bodyPr/>
+          <a:lstStyle/>
+          <a:p>
+            <a:r>
+              <a:rPr lang="en-US" dirty="0" smtClean="0"/>
+              <a:t>HTML elements </a:t>
+            </a:r>
+            <a:r>
+              <a:rPr lang="en-US" dirty="0"/>
+              <a:t>by </a:t>
+            </a:r>
+            <a:r>
+              <a:rPr lang="en-US" dirty="0" smtClean="0"/>
+              <a:t>Function</a:t>
+            </a:r>
+            <a:r>
+              <a:rPr lang="en-US" dirty="0"/>
+              <a:t/>
+            </a:r>
+            <a:br>
+              <a:rPr lang="en-US" dirty="0"/>
+            </a:br>
+            <a:r>
+              <a:rPr lang="en-US" sz="1400" dirty="0"/>
+              <a:t>(from </a:t>
+            </a:r>
+            <a:r>
+              <a:rPr lang="en-US" sz="1400" dirty="0">
+                <a:hlinkClick r:id="rId3"/>
+              </a:rPr>
+              <a:t>https://</a:t>
+            </a:r>
+            <a:r>
+              <a:rPr lang="en-US" sz="1400" dirty="0" smtClean="0">
+                <a:hlinkClick r:id="rId3"/>
+              </a:rPr>
+              <a:t>developer.mozilla.org/en-US/docs/Web/HTML/Element</a:t>
+            </a:r>
+            <a:r>
+              <a:rPr lang="en-US" sz="1400" dirty="0" smtClean="0"/>
+              <a:t>)</a:t>
+            </a:r>
+            <a:endParaRPr lang="en-US" sz="1400" dirty="0"/>
+          </a:p>
+        </p:txBody>
+      </p:sp>
+    </p:spTree>
+    <p:extLst>
+      <p:ext uri="{BB962C8B-B14F-4D97-AF65-F5344CB8AC3E}">
+        <p14:creationId xmlns:p14="http://schemas.microsoft.com/office/powerpoint/2010/main" val="3682473212"/>
+      </p:ext>
+    </p:extLst>
+  </p:cSld>
+  <p:clrMapOvr>
+    <a:masterClrMapping/>
+  </p:clrMapOvr>
+  <p:timing>
+    <p:tnLst>
+      <p:par>
+        <p:cTn id="1" dur="indefinite" restart="never" nodeType="tmRoot"/>
+      </p:par>
+    </p:tnLst>
+  </p:timing>
+</p:sld>
+</file>
+
+<file path=ppt/slides/slide26.xml><?xml version="1.0" encoding="utf-8"?>
+<p:sld xmlns:a="http://schemas.openxmlformats.org/drawingml/2006/main" xmlns:r="http://schemas.openxmlformats.org/officeDocument/2006/relationships" xmlns:p="http://schemas.openxmlformats.org/presentationml/2006/main">
+  <p:cSld>
+    <p:spTree>
+      <p:nvGrpSpPr>
+        <p:cNvPr id="1" name=""/>
+        <p:cNvGrpSpPr/>
+        <p:nvPr/>
+      </p:nvGrpSpPr>
+      <p:grpSpPr>
+        <a:xfrm>
+          <a:off x="0" y="0"/>
+          <a:ext cx="0" cy="0"/>
+          <a:chOff x="0" y="0"/>
+          <a:chExt cx="0" cy="0"/>
+        </a:xfrm>
+      </p:grpSpPr>
+      <p:sp>
+        <p:nvSpPr>
+          <p:cNvPr id="2" name="Content Placeholder 1"/>
+          <p:cNvSpPr>
+            <a:spLocks noGrp="1"/>
+          </p:cNvSpPr>
+          <p:nvPr>
+            <p:ph idx="1"/>
+          </p:nvPr>
+        </p:nvSpPr>
+        <p:spPr>
+          <a:xfrm>
+            <a:off x="380999" y="1676401"/>
+            <a:ext cx="8534401" cy="4876800"/>
+          </a:xfrm>
+        </p:spPr>
+        <p:txBody>
+          <a:bodyPr>
+            <a:normAutofit fontScale="77500" lnSpcReduction="20000"/>
+          </a:bodyPr>
+          <a:lstStyle/>
+          <a:p>
+            <a:pPr marL="45720" indent="0">
+              <a:buNone/>
+            </a:pPr>
+            <a:r>
+              <a:rPr lang="en-US" sz="2400" dirty="0" smtClean="0"/>
+              <a:t>Character entities are used to display special characters. These may be characters that are not found on a keyboard, or key characters, such as &lt; and </a:t>
+            </a:r>
+            <a:r>
+              <a:rPr lang="en-US" sz="2400" dirty="0" smtClean="0"/>
+              <a:t>/.  </a:t>
+            </a:r>
+          </a:p>
+          <a:p>
+            <a:pPr marL="45720" indent="0">
+              <a:spcBef>
+                <a:spcPts val="1800"/>
+              </a:spcBef>
+              <a:spcAft>
+                <a:spcPts val="1200"/>
+              </a:spcAft>
+              <a:buNone/>
+            </a:pPr>
+            <a:r>
+              <a:rPr lang="en-US" sz="2200" b="1" dirty="0" smtClean="0"/>
+              <a:t>Commonly-used entities</a:t>
+            </a:r>
+            <a:r>
+              <a:rPr lang="en-US" sz="2200" dirty="0" smtClean="0"/>
+              <a:t>:</a:t>
+            </a:r>
+            <a:endParaRPr lang="en-US" sz="2600" dirty="0" smtClean="0"/>
+          </a:p>
+          <a:p>
+            <a:pPr marL="45720" indent="0">
+              <a:buNone/>
+            </a:pPr>
+            <a:r>
+              <a:rPr lang="en-US" sz="2600" dirty="0" smtClean="0"/>
+              <a:t>&amp;amp;  (&amp;)		&amp;</a:t>
+            </a:r>
+            <a:r>
+              <a:rPr lang="en-US" sz="2600" dirty="0" err="1" smtClean="0"/>
+              <a:t>deg</a:t>
+            </a:r>
+            <a:r>
+              <a:rPr lang="en-US" sz="2600" dirty="0" smtClean="0"/>
+              <a:t>;  (º)</a:t>
+            </a:r>
+          </a:p>
+          <a:p>
+            <a:pPr marL="45720" indent="0">
+              <a:buNone/>
+            </a:pPr>
+            <a:r>
+              <a:rPr lang="en-US" sz="2600" dirty="0" smtClean="0"/>
+              <a:t>&amp;</a:t>
+            </a:r>
+            <a:r>
+              <a:rPr lang="en-US" sz="2600" dirty="0" err="1" smtClean="0"/>
+              <a:t>lt</a:t>
+            </a:r>
+            <a:r>
+              <a:rPr lang="en-US" sz="2600" dirty="0" smtClean="0"/>
+              <a:t>;  (&lt;)		&amp;</a:t>
+            </a:r>
+            <a:r>
+              <a:rPr lang="en-US" sz="2600" dirty="0" err="1" smtClean="0"/>
+              <a:t>plusmn</a:t>
+            </a:r>
+            <a:r>
+              <a:rPr lang="en-US" sz="2600" dirty="0" smtClean="0"/>
+              <a:t>;  (±)</a:t>
+            </a:r>
+          </a:p>
+          <a:p>
+            <a:pPr marL="45720" indent="0">
+              <a:buNone/>
+            </a:pPr>
+            <a:r>
+              <a:rPr lang="en-US" sz="2600" dirty="0" smtClean="0"/>
+              <a:t>&amp;</a:t>
+            </a:r>
+            <a:r>
+              <a:rPr lang="en-US" sz="2600" dirty="0" err="1" smtClean="0"/>
+              <a:t>gt</a:t>
+            </a:r>
+            <a:r>
+              <a:rPr lang="en-US" sz="2600" dirty="0" smtClean="0"/>
+              <a:t>;  (&gt;)		&amp;</a:t>
+            </a:r>
+            <a:r>
+              <a:rPr lang="en-US" sz="2600" dirty="0" err="1" smtClean="0"/>
+              <a:t>lsquo</a:t>
+            </a:r>
+            <a:r>
+              <a:rPr lang="en-US" sz="2600" dirty="0" smtClean="0"/>
+              <a:t>;  (opening single quote)</a:t>
+            </a:r>
+          </a:p>
+          <a:p>
+            <a:pPr marL="45720" indent="0">
+              <a:buNone/>
+            </a:pPr>
+            <a:r>
+              <a:rPr lang="en-US" sz="2600" dirty="0" smtClean="0"/>
+              <a:t>&amp;copy;  (©)		&amp;</a:t>
+            </a:r>
+            <a:r>
+              <a:rPr lang="en-US" sz="2600" dirty="0" err="1" smtClean="0"/>
+              <a:t>rsquo</a:t>
+            </a:r>
+            <a:r>
+              <a:rPr lang="en-US" sz="2600" dirty="0" smtClean="0"/>
+              <a:t>;  </a:t>
+            </a:r>
+            <a:r>
+              <a:rPr lang="en-US" sz="2500" dirty="0" smtClean="0"/>
+              <a:t>(closing single quote or apostrophe</a:t>
+            </a:r>
+            <a:r>
+              <a:rPr lang="en-US" sz="2500" dirty="0"/>
+              <a:t>)</a:t>
+            </a:r>
+            <a:endParaRPr lang="en-US" sz="2500" dirty="0" smtClean="0"/>
+          </a:p>
+          <a:p>
+            <a:pPr marL="45720" indent="0">
+              <a:buNone/>
+            </a:pPr>
+            <a:r>
+              <a:rPr lang="en-US" sz="2600" dirty="0" smtClean="0"/>
+              <a:t>&amp;</a:t>
+            </a:r>
+            <a:r>
+              <a:rPr lang="en-US" sz="2600" dirty="0" err="1" smtClean="0"/>
+              <a:t>reg</a:t>
+            </a:r>
+            <a:r>
+              <a:rPr lang="en-US" sz="2600" dirty="0" smtClean="0"/>
+              <a:t>;  (®)		&amp;</a:t>
+            </a:r>
+            <a:r>
+              <a:rPr lang="en-US" sz="2600" dirty="0" err="1" smtClean="0"/>
+              <a:t>ldquo</a:t>
+            </a:r>
+            <a:r>
+              <a:rPr lang="en-US" sz="2600" dirty="0" smtClean="0"/>
+              <a:t>;  (opening double quote)</a:t>
+            </a:r>
+          </a:p>
+          <a:p>
+            <a:pPr marL="45720" indent="0">
+              <a:buNone/>
+            </a:pPr>
+            <a:r>
+              <a:rPr lang="en-US" sz="2600" dirty="0" smtClean="0"/>
+              <a:t>&amp;trade;  (™)		&amp;</a:t>
+            </a:r>
+            <a:r>
+              <a:rPr lang="en-US" sz="2600" dirty="0" err="1" smtClean="0"/>
+              <a:t>rdquo</a:t>
+            </a:r>
+            <a:r>
+              <a:rPr lang="en-US" sz="2600" dirty="0" smtClean="0"/>
+              <a:t>;  (closing double quote)</a:t>
+            </a:r>
+          </a:p>
+          <a:p>
+            <a:pPr marL="45720" indent="0">
+              <a:buNone/>
+            </a:pPr>
+            <a:r>
+              <a:rPr lang="en-US" sz="2600" dirty="0" smtClean="0"/>
+              <a:t>&amp;cent;  (¢)		&amp;</a:t>
+            </a:r>
+            <a:r>
+              <a:rPr lang="en-US" sz="2600" dirty="0" err="1" smtClean="0"/>
+              <a:t>nbsp</a:t>
+            </a:r>
+            <a:r>
+              <a:rPr lang="en-US" sz="2600" dirty="0" smtClean="0"/>
+              <a:t>;	   (non-breaking space)</a:t>
+            </a:r>
+            <a:endParaRPr lang="en-US" sz="2600" dirty="0" smtClean="0"/>
+          </a:p>
+          <a:p>
+            <a:pPr marL="45720" indent="0">
+              <a:buNone/>
+            </a:pPr>
+            <a:endParaRPr lang="en-US" sz="1800" dirty="0" smtClean="0"/>
+          </a:p>
+          <a:p>
+            <a:pPr marL="45720" indent="0">
+              <a:buNone/>
+            </a:pPr>
+            <a:endParaRPr lang="en-US" sz="1800" dirty="0"/>
+          </a:p>
+          <a:p>
+            <a:pPr marL="45720" indent="0">
+              <a:buNone/>
+            </a:pPr>
+            <a:r>
+              <a:rPr lang="en-US" sz="1800" dirty="0" smtClean="0"/>
+              <a:t>A </a:t>
+            </a:r>
+            <a:r>
+              <a:rPr lang="en-US" sz="1800" dirty="0" smtClean="0"/>
+              <a:t>complete list of character entities may be found at</a:t>
+            </a:r>
+          </a:p>
+          <a:p>
+            <a:pPr marL="320040" lvl="1" indent="0">
+              <a:spcBef>
+                <a:spcPts val="600"/>
+              </a:spcBef>
+              <a:buNone/>
+            </a:pPr>
+            <a:r>
+              <a:rPr lang="en-US" dirty="0" smtClean="0">
+                <a:hlinkClick r:id="rId2"/>
+              </a:rPr>
+              <a:t>http</a:t>
+            </a:r>
+            <a:r>
+              <a:rPr lang="en-US" dirty="0">
+                <a:hlinkClick r:id="rId2"/>
+              </a:rPr>
+              <a:t>://</a:t>
+            </a:r>
+            <a:r>
+              <a:rPr lang="en-US" dirty="0" smtClean="0">
+                <a:hlinkClick r:id="rId2"/>
+              </a:rPr>
+              <a:t>dev.w3.org/html5/html-author/charref</a:t>
+            </a:r>
+            <a:endParaRPr lang="en-US" dirty="0" smtClean="0"/>
+          </a:p>
+          <a:p>
+            <a:pPr marL="320040" lvl="1" indent="0">
+              <a:spcBef>
+                <a:spcPts val="600"/>
+              </a:spcBef>
+              <a:buNone/>
+            </a:pPr>
+            <a:r>
+              <a:rPr lang="en-US" dirty="0">
+                <a:hlinkClick r:id="rId3"/>
+              </a:rPr>
+              <a:t>https://</a:t>
+            </a:r>
+            <a:r>
+              <a:rPr lang="en-US" dirty="0" smtClean="0">
+                <a:hlinkClick r:id="rId3"/>
+              </a:rPr>
+              <a:t>en.wikipedia.org/wiki/List_of_XML_and_HTML_character_entity_references#Character_entity_references_in_HTML</a:t>
+            </a:r>
+            <a:endParaRPr lang="en-US" sz="2600" dirty="0"/>
+          </a:p>
+        </p:txBody>
+      </p:sp>
+      <p:sp>
+        <p:nvSpPr>
+          <p:cNvPr id="3" name="Title 2"/>
+          <p:cNvSpPr>
+            <a:spLocks noGrp="1"/>
+          </p:cNvSpPr>
+          <p:nvPr>
+            <p:ph type="title"/>
+          </p:nvPr>
+        </p:nvSpPr>
+        <p:spPr/>
+        <p:txBody>
+          <a:bodyPr/>
+          <a:lstStyle/>
+          <a:p>
+            <a:r>
+              <a:rPr lang="en-US" dirty="0" smtClean="0"/>
+              <a:t>Character entities</a:t>
+            </a:r>
+            <a:endParaRPr lang="en-US" dirty="0"/>
+          </a:p>
+        </p:txBody>
+      </p:sp>
+    </p:spTree>
+    <p:extLst>
+      <p:ext uri="{BB962C8B-B14F-4D97-AF65-F5344CB8AC3E}">
+        <p14:creationId xmlns:p14="http://schemas.microsoft.com/office/powerpoint/2010/main" val="2044885514"/>
       </p:ext>
     </p:extLst>
   </p:cSld>
@@ -5141,46 +10484,18 @@
       </p:grpSpPr>
       <p:sp>
         <p:nvSpPr>
-          <p:cNvPr id="4098" name="Title 1"/>
+          <p:cNvPr id="2" name="Content Placeholder 1"/>
           <p:cNvSpPr>
             <a:spLocks noGrp="1"/>
           </p:cNvSpPr>
           <p:nvPr>
-            <p:ph type="title"/>
+            <p:ph idx="1"/>
           </p:nvPr>
         </p:nvSpPr>
         <p:spPr>
           <a:xfrm>
-            <a:off x="457200" y="274638"/>
-            <a:ext cx="8229600" cy="1096962"/>
-          </a:xfrm>
-        </p:spPr>
-        <p:txBody>
-          <a:bodyPr/>
-          <a:lstStyle/>
-          <a:p>
-            <a:pPr eaLnBrk="1" hangingPunct="1"/>
-            <a:r>
-              <a:rPr lang="en-US" altLang="en-US" sz="3600" dirty="0" smtClean="0"/>
-              <a:t>The head may contain and meta tags and links</a:t>
-            </a:r>
-          </a:p>
-        </p:txBody>
-      </p:sp>
-      <p:sp>
-        <p:nvSpPr>
-          <p:cNvPr id="4099" name="Content Placeholder 2"/>
-          <p:cNvSpPr>
-            <a:spLocks noGrp="1"/>
-          </p:cNvSpPr>
-          <p:nvPr>
-            <p:ph idx="1"/>
-          </p:nvPr>
-        </p:nvSpPr>
-        <p:spPr>
-          <a:xfrm>
-            <a:off x="152400" y="1600200"/>
-            <a:ext cx="8534400" cy="5029200"/>
+            <a:off x="380999" y="1719070"/>
+            <a:ext cx="8407893" cy="4757929"/>
           </a:xfrm>
         </p:spPr>
         <p:txBody>
@@ -5189,357 +10504,207 @@
           </a:bodyPr>
           <a:lstStyle/>
           <a:p>
-            <a:pPr marL="594360" lvl="2" indent="0">
-              <a:buNone/>
-            </a:pPr>
-            <a:endParaRPr lang="en-US" sz="2000" b="1" dirty="0" smtClean="0"/>
-          </a:p>
-          <a:p>
-            <a:pPr marL="594360" lvl="2" indent="0">
-              <a:buNone/>
-            </a:pPr>
-            <a:r>
-              <a:rPr lang="en-US" sz="2000" b="1" dirty="0" smtClean="0"/>
+            <a:r>
+              <a:rPr lang="en-US" sz="2400" dirty="0" smtClean="0"/>
+              <a:t>start tag</a:t>
+            </a:r>
+          </a:p>
+          <a:p>
+            <a:pPr lvl="1"/>
+            <a:r>
+              <a:rPr lang="en-US" sz="2000" dirty="0" smtClean="0"/>
               <a:t>&lt;</a:t>
             </a:r>
             <a:r>
-              <a:rPr lang="en-US" sz="2000" b="1" dirty="0"/>
-              <a:t>head&gt;   </a:t>
-            </a:r>
-            <a:endParaRPr lang="en-US" sz="2000" b="1" dirty="0" smtClean="0"/>
-          </a:p>
-          <a:p>
-            <a:pPr marL="594360" lvl="2" indent="0">
-              <a:buNone/>
-            </a:pPr>
-            <a:r>
-              <a:rPr lang="en-US" sz="2000" b="1" dirty="0" smtClean="0"/>
-              <a:t>    &lt;</a:t>
-            </a:r>
-            <a:r>
-              <a:rPr lang="en-US" sz="2000" b="1" dirty="0"/>
-              <a:t>title&gt;Wright State CS2800&lt;/title</a:t>
-            </a:r>
-            <a:r>
-              <a:rPr lang="en-US" sz="2000" b="1" dirty="0" smtClean="0"/>
+              <a:rPr lang="en-US" sz="2000" dirty="0" err="1" smtClean="0"/>
+              <a:t>tag_name</a:t>
+            </a:r>
+            <a:r>
+              <a:rPr lang="en-US" sz="2000" dirty="0" smtClean="0"/>
+              <a:t> [attributes]&gt;</a:t>
+            </a:r>
+          </a:p>
+          <a:p>
+            <a:pPr lvl="2"/>
+            <a:r>
+              <a:rPr lang="en-US" dirty="0" smtClean="0"/>
+              <a:t>Attributes (optional) include attribute name and value</a:t>
+            </a:r>
+          </a:p>
+          <a:p>
+            <a:pPr>
+              <a:spcBef>
+                <a:spcPts val="1800"/>
+              </a:spcBef>
+            </a:pPr>
+            <a:r>
+              <a:rPr lang="en-US" sz="2400" dirty="0" smtClean="0"/>
+              <a:t>Content</a:t>
+            </a:r>
+          </a:p>
+          <a:p>
+            <a:pPr>
+              <a:spcBef>
+                <a:spcPts val="1800"/>
+              </a:spcBef>
+            </a:pPr>
+            <a:r>
+              <a:rPr lang="en-US" sz="2400" dirty="0" smtClean="0"/>
+              <a:t>End tag</a:t>
+            </a:r>
+          </a:p>
+          <a:p>
+            <a:pPr lvl="1"/>
+            <a:r>
+              <a:rPr lang="en-US" sz="2000" dirty="0" smtClean="0"/>
+              <a:t>&lt;/</a:t>
+            </a:r>
+            <a:r>
+              <a:rPr lang="en-US" sz="2000" dirty="0" err="1" smtClean="0"/>
+              <a:t>tag_name</a:t>
+            </a:r>
+            <a:r>
+              <a:rPr lang="en-US" sz="2000" dirty="0" smtClean="0"/>
               <a:t>&gt;</a:t>
             </a:r>
           </a:p>
           <a:p>
-            <a:pPr marL="594360" lvl="2" indent="0">
-              <a:buNone/>
-            </a:pPr>
-            <a:r>
-              <a:rPr lang="en-US" sz="2000" b="1" dirty="0" smtClean="0"/>
-              <a:t>    </a:t>
-            </a:r>
-            <a:r>
-              <a:rPr lang="en-US" sz="2000" b="1" dirty="0"/>
-              <a:t>&lt;meta charset="utf-8</a:t>
-            </a:r>
-            <a:r>
-              <a:rPr lang="en-US" sz="2000" b="1" dirty="0" smtClean="0"/>
-              <a:t>"&gt;</a:t>
-            </a:r>
-          </a:p>
-          <a:p>
-            <a:pPr marL="594360" lvl="2" indent="0">
-              <a:buNone/>
-            </a:pPr>
-            <a:r>
-              <a:rPr lang="en-US" sz="2000" b="1" dirty="0" smtClean="0"/>
-              <a:t>    </a:t>
-            </a:r>
-            <a:r>
-              <a:rPr lang="en-US" sz="2000" b="1" dirty="0"/>
-              <a:t>&lt;meta </a:t>
-            </a:r>
-            <a:r>
-              <a:rPr lang="en-US" sz="2000" b="1" dirty="0" smtClean="0"/>
-              <a:t> name</a:t>
-            </a:r>
-            <a:r>
-              <a:rPr lang="en-US" sz="2000" b="1" dirty="0"/>
-              <a:t>="description" </a:t>
-            </a:r>
-            <a:r>
-              <a:rPr lang="en-US" sz="2000" b="1" dirty="0" smtClean="0"/>
-              <a:t> content=“An example site for</a:t>
-            </a:r>
-          </a:p>
-          <a:p>
-            <a:pPr marL="594360" lvl="2" indent="0">
-              <a:buNone/>
-            </a:pPr>
-            <a:r>
-              <a:rPr lang="en-US" sz="2000" b="1" dirty="0"/>
-              <a:t>	 </a:t>
-            </a:r>
-            <a:r>
-              <a:rPr lang="en-US" sz="2000" b="1" dirty="0" smtClean="0"/>
-              <a:t>     Wright </a:t>
-            </a:r>
-            <a:r>
-              <a:rPr lang="en-US" sz="2000" b="1" dirty="0"/>
-              <a:t>State University CS2800 class; </a:t>
-            </a:r>
-            <a:r>
-              <a:rPr lang="en-US" sz="2000" b="1" dirty="0" smtClean="0"/>
-              <a:t> includes an </a:t>
-            </a:r>
-          </a:p>
-          <a:p>
-            <a:pPr marL="594360" lvl="2" indent="0">
-              <a:buNone/>
-            </a:pPr>
-            <a:r>
-              <a:rPr lang="en-US" sz="2000" b="1" dirty="0" smtClean="0"/>
-              <a:t>           introduction </a:t>
-            </a:r>
-            <a:r>
-              <a:rPr lang="en-US" sz="2000" b="1" dirty="0"/>
-              <a:t>to </a:t>
-            </a:r>
-            <a:r>
-              <a:rPr lang="en-US" sz="2000" b="1" dirty="0" smtClean="0"/>
-              <a:t>design</a:t>
-            </a:r>
-            <a:r>
-              <a:rPr lang="en-US" sz="2000" b="1" dirty="0"/>
-              <a:t>, HTML, </a:t>
-            </a:r>
-            <a:r>
-              <a:rPr lang="en-US" sz="2000" b="1" dirty="0" err="1"/>
-              <a:t>CSS,and</a:t>
-            </a:r>
-            <a:r>
-              <a:rPr lang="en-US" sz="2000" b="1" dirty="0"/>
-              <a:t> JavaScript</a:t>
-            </a:r>
-            <a:r>
-              <a:rPr lang="en-US" sz="2000" b="1" dirty="0" smtClean="0"/>
-              <a:t>"&gt;</a:t>
-            </a:r>
-          </a:p>
-          <a:p>
-            <a:pPr marL="594360" lvl="2" indent="0">
-              <a:buNone/>
-            </a:pPr>
-            <a:r>
-              <a:rPr lang="en-US" sz="2000" b="1" dirty="0" smtClean="0"/>
-              <a:t>    </a:t>
-            </a:r>
-            <a:r>
-              <a:rPr lang="en-US" sz="2000" b="1" dirty="0"/>
-              <a:t>&lt;meta </a:t>
-            </a:r>
-            <a:r>
-              <a:rPr lang="en-US" sz="2000" b="1" dirty="0" smtClean="0"/>
-              <a:t> name</a:t>
-            </a:r>
-            <a:r>
-              <a:rPr lang="en-US" sz="2000" b="1" dirty="0"/>
-              <a:t>="keywords</a:t>
-            </a:r>
-            <a:r>
-              <a:rPr lang="en-US" sz="2000" b="1"/>
-              <a:t>" </a:t>
-            </a:r>
-            <a:r>
-              <a:rPr lang="en-US" sz="2000" b="1" smtClean="0"/>
-              <a:t> content</a:t>
-            </a:r>
-            <a:r>
-              <a:rPr lang="en-US" sz="2000" b="1" dirty="0"/>
-              <a:t>="wright state university, </a:t>
-            </a:r>
-            <a:endParaRPr lang="en-US" sz="2000" b="1" dirty="0" smtClean="0"/>
-          </a:p>
-          <a:p>
-            <a:pPr marL="594360" lvl="2" indent="0">
-              <a:buNone/>
-            </a:pPr>
-            <a:r>
-              <a:rPr lang="en-US" sz="2000" b="1" dirty="0"/>
-              <a:t>		</a:t>
-            </a:r>
-            <a:r>
-              <a:rPr lang="en-US" sz="2000" b="1" dirty="0" smtClean="0"/>
-              <a:t>cs2800</a:t>
-            </a:r>
-            <a:r>
-              <a:rPr lang="en-US" sz="2000" b="1" dirty="0"/>
-              <a:t>, fall2015</a:t>
-            </a:r>
-            <a:r>
-              <a:rPr lang="en-US" sz="2000" b="1" dirty="0" smtClean="0"/>
-              <a:t>"&gt;</a:t>
-            </a:r>
-          </a:p>
-          <a:p>
-            <a:pPr marL="594360" lvl="2" indent="0">
-              <a:buNone/>
-            </a:pPr>
-            <a:r>
-              <a:rPr lang="en-US" sz="2000" b="1" dirty="0" smtClean="0"/>
-              <a:t>    </a:t>
-            </a:r>
-            <a:r>
-              <a:rPr lang="en-US" sz="2000" b="1" dirty="0"/>
-              <a:t>&lt;link </a:t>
-            </a:r>
-            <a:r>
-              <a:rPr lang="en-US" sz="2000" b="1" dirty="0" smtClean="0"/>
-              <a:t> </a:t>
-            </a:r>
-            <a:r>
-              <a:rPr lang="en-US" sz="2000" b="1" dirty="0" err="1" smtClean="0"/>
-              <a:t>rel</a:t>
-            </a:r>
-            <a:r>
-              <a:rPr lang="en-US" sz="2000" b="1" dirty="0"/>
-              <a:t>="shortcut icon" </a:t>
-            </a:r>
-            <a:r>
-              <a:rPr lang="en-US" sz="2000" b="1" dirty="0" smtClean="0"/>
-              <a:t> </a:t>
-            </a:r>
-            <a:r>
-              <a:rPr lang="en-US" sz="2000" b="1" dirty="0" err="1" smtClean="0"/>
-              <a:t>href</a:t>
-            </a:r>
-            <a:r>
-              <a:rPr lang="en-US" sz="2000" b="1" dirty="0"/>
-              <a:t>="</a:t>
-            </a:r>
-            <a:r>
-              <a:rPr lang="en-US" sz="2000" b="1" dirty="0" err="1"/>
-              <a:t>image_files</a:t>
-            </a:r>
-            <a:r>
-              <a:rPr lang="en-US" sz="2000" b="1" dirty="0"/>
-              <a:t>/favicon.ico"&gt; </a:t>
-            </a:r>
-            <a:endParaRPr lang="en-US" sz="2000" b="1" dirty="0" smtClean="0"/>
-          </a:p>
-          <a:p>
-            <a:pPr marL="594360" lvl="2" indent="0">
-              <a:buNone/>
-            </a:pPr>
-            <a:r>
-              <a:rPr lang="en-US" sz="2000" b="1" dirty="0" smtClean="0"/>
-              <a:t>    &lt;</a:t>
-            </a:r>
-            <a:r>
-              <a:rPr lang="en-US" sz="2000" b="1" dirty="0"/>
-              <a:t>link </a:t>
-            </a:r>
-            <a:r>
-              <a:rPr lang="en-US" sz="2000" b="1" dirty="0" smtClean="0"/>
-              <a:t> </a:t>
-            </a:r>
-            <a:r>
-              <a:rPr lang="en-US" sz="2000" b="1" dirty="0" err="1" smtClean="0"/>
-              <a:t>rel</a:t>
-            </a:r>
-            <a:r>
-              <a:rPr lang="en-US" sz="2000" b="1" dirty="0"/>
-              <a:t>="stylesheet" </a:t>
-            </a:r>
-            <a:r>
-              <a:rPr lang="en-US" sz="2000" b="1" dirty="0" smtClean="0"/>
-              <a:t> </a:t>
-            </a:r>
-            <a:r>
-              <a:rPr lang="en-US" sz="2000" b="1" dirty="0" err="1" smtClean="0"/>
-              <a:t>href</a:t>
-            </a:r>
-            <a:r>
-              <a:rPr lang="en-US" sz="2000" b="1" dirty="0"/>
-              <a:t>="</a:t>
-            </a:r>
-            <a:r>
-              <a:rPr lang="en-US" sz="2000" b="1" dirty="0" err="1"/>
-              <a:t>css_files</a:t>
-            </a:r>
-            <a:r>
-              <a:rPr lang="en-US" sz="2000" b="1" dirty="0"/>
-              <a:t>/normalize.css"&gt; </a:t>
-            </a:r>
-            <a:endParaRPr lang="en-US" sz="2000" b="1" dirty="0" smtClean="0"/>
-          </a:p>
-          <a:p>
-            <a:pPr marL="594360" lvl="2" indent="0">
-              <a:buNone/>
-            </a:pPr>
-            <a:r>
-              <a:rPr lang="en-US" sz="2000" b="1" dirty="0" smtClean="0"/>
-              <a:t>    &lt;</a:t>
-            </a:r>
-            <a:r>
-              <a:rPr lang="en-US" sz="2000" b="1" dirty="0"/>
-              <a:t>link </a:t>
-            </a:r>
-            <a:r>
-              <a:rPr lang="en-US" sz="2000" b="1" dirty="0" smtClean="0"/>
-              <a:t> </a:t>
-            </a:r>
-            <a:r>
-              <a:rPr lang="en-US" sz="2000" b="1" dirty="0" err="1" smtClean="0"/>
-              <a:t>rel</a:t>
-            </a:r>
-            <a:r>
-              <a:rPr lang="en-US" sz="2000" b="1" dirty="0"/>
-              <a:t>="stylesheet" </a:t>
-            </a:r>
-            <a:r>
-              <a:rPr lang="en-US" sz="2000" b="1" dirty="0" smtClean="0"/>
-              <a:t> </a:t>
-            </a:r>
-            <a:r>
-              <a:rPr lang="en-US" sz="2000" b="1" dirty="0" err="1" smtClean="0"/>
-              <a:t>href</a:t>
-            </a:r>
-            <a:r>
-              <a:rPr lang="en-US" sz="2000" b="1" dirty="0"/>
-              <a:t>="</a:t>
-            </a:r>
-            <a:r>
-              <a:rPr lang="en-US" sz="2000" b="1" dirty="0" err="1"/>
-              <a:t>css_files</a:t>
-            </a:r>
-            <a:r>
-              <a:rPr lang="en-US" sz="2000" b="1" dirty="0"/>
-              <a:t>/main.css</a:t>
-            </a:r>
-            <a:r>
-              <a:rPr lang="en-US" sz="2000" b="1" dirty="0" smtClean="0"/>
-              <a:t>"&gt; </a:t>
-            </a:r>
-          </a:p>
-          <a:p>
-            <a:pPr marL="594360" lvl="2" indent="0">
-              <a:buNone/>
-            </a:pPr>
-            <a:r>
-              <a:rPr lang="en-US" sz="2000" b="1" dirty="0" smtClean="0"/>
-              <a:t>&lt;/</a:t>
-            </a:r>
-            <a:r>
-              <a:rPr lang="en-US" sz="2000" b="1" dirty="0"/>
-              <a:t>head&gt;</a:t>
-            </a:r>
-            <a:r>
-              <a:rPr lang="en-US" altLang="en-US" sz="1600" dirty="0" smtClean="0"/>
-              <a:t>      </a:t>
-            </a:r>
+            <a:pPr lvl="1">
+              <a:spcBef>
+                <a:spcPts val="1200"/>
+              </a:spcBef>
+            </a:pPr>
+            <a:r>
+              <a:rPr lang="en-US" sz="2000" dirty="0" smtClean="0"/>
+              <a:t>Not used for void elements: </a:t>
+            </a:r>
+            <a:endParaRPr lang="en-US" sz="2000" dirty="0"/>
+          </a:p>
+          <a:p>
+            <a:pPr marL="640080" lvl="2" indent="0">
+              <a:buNone/>
+            </a:pPr>
+            <a:r>
+              <a:rPr lang="en-US" dirty="0" smtClean="0"/>
+              <a:t>&lt;area&gt;	&lt;command&gt;	&lt;input&gt;		&lt;</a:t>
+            </a:r>
+            <a:r>
+              <a:rPr lang="en-US" dirty="0" err="1" smtClean="0"/>
+              <a:t>param</a:t>
+            </a:r>
+            <a:r>
+              <a:rPr lang="en-US" dirty="0" smtClean="0"/>
+              <a:t>&gt;</a:t>
+            </a:r>
+          </a:p>
+          <a:p>
+            <a:pPr marL="640080" lvl="2" indent="0">
+              <a:buNone/>
+            </a:pPr>
+            <a:r>
+              <a:rPr lang="en-US" dirty="0" smtClean="0"/>
+              <a:t>&lt;base&gt;	&lt;embed&gt;	&lt;</a:t>
+            </a:r>
+            <a:r>
+              <a:rPr lang="en-US" dirty="0" err="1" smtClean="0"/>
+              <a:t>keygen</a:t>
+            </a:r>
+            <a:r>
+              <a:rPr lang="en-US" dirty="0" smtClean="0"/>
+              <a:t>&gt;	&lt;source&gt;</a:t>
+            </a:r>
+          </a:p>
+          <a:p>
+            <a:pPr marL="640080" lvl="2" indent="0">
+              <a:buNone/>
+            </a:pPr>
+            <a:r>
+              <a:rPr lang="en-US" dirty="0" smtClean="0"/>
+              <a:t>&lt;</a:t>
+            </a:r>
+            <a:r>
+              <a:rPr lang="en-US" dirty="0" err="1" smtClean="0"/>
+              <a:t>br</a:t>
+            </a:r>
+            <a:r>
+              <a:rPr lang="en-US" dirty="0" smtClean="0"/>
+              <a:t>&gt;	&lt;</a:t>
+            </a:r>
+            <a:r>
+              <a:rPr lang="en-US" dirty="0" err="1" smtClean="0"/>
+              <a:t>hr</a:t>
+            </a:r>
+            <a:r>
+              <a:rPr lang="en-US" dirty="0" smtClean="0"/>
+              <a:t>&gt;		&lt;link&gt;		&lt;track&gt;</a:t>
+            </a:r>
+          </a:p>
+          <a:p>
+            <a:pPr marL="640080" lvl="2" indent="0">
+              <a:buNone/>
+            </a:pPr>
+            <a:r>
+              <a:rPr lang="en-US" dirty="0" smtClean="0"/>
+              <a:t>&lt;col&gt;</a:t>
+            </a:r>
+            <a:r>
+              <a:rPr lang="en-US" dirty="0"/>
+              <a:t>	</a:t>
+            </a:r>
+            <a:r>
+              <a:rPr lang="en-US" dirty="0" smtClean="0"/>
+              <a:t>&lt;</a:t>
+            </a:r>
+            <a:r>
+              <a:rPr lang="en-US" dirty="0" err="1" smtClean="0"/>
+              <a:t>img</a:t>
+            </a:r>
+            <a:r>
+              <a:rPr lang="en-US" dirty="0" smtClean="0"/>
+              <a:t>&gt;		&lt;meta&gt;		&lt;</a:t>
+            </a:r>
+            <a:r>
+              <a:rPr lang="en-US" dirty="0" err="1" smtClean="0"/>
+              <a:t>wbr</a:t>
+            </a:r>
+            <a:r>
+              <a:rPr lang="en-US" dirty="0" smtClean="0"/>
+              <a:t>&gt;</a:t>
+            </a:r>
+          </a:p>
+          <a:p>
+            <a:pPr lvl="1"/>
+            <a:endParaRPr lang="en-US" dirty="0"/>
+          </a:p>
+        </p:txBody>
+      </p:sp>
+      <p:sp>
+        <p:nvSpPr>
+          <p:cNvPr id="3" name="Title 2"/>
+          <p:cNvSpPr>
+            <a:spLocks noGrp="1"/>
+          </p:cNvSpPr>
+          <p:nvPr>
+            <p:ph type="title"/>
+          </p:nvPr>
+        </p:nvSpPr>
+        <p:spPr/>
+        <p:txBody>
+          <a:bodyPr/>
+          <a:lstStyle/>
+          <a:p>
+            <a:r>
+              <a:rPr lang="en-US" dirty="0" smtClean="0"/>
+              <a:t>Parts of an element</a:t>
+            </a:r>
+            <a:endParaRPr lang="en-US" dirty="0"/>
           </a:p>
         </p:txBody>
       </p:sp>
     </p:spTree>
     <p:extLst>
       <p:ext uri="{BB962C8B-B14F-4D97-AF65-F5344CB8AC3E}">
-        <p14:creationId xmlns:p14="http://schemas.microsoft.com/office/powerpoint/2010/main" val="1661285417"/>
+        <p14:creationId xmlns:p14="http://schemas.microsoft.com/office/powerpoint/2010/main" val="1514578889"/>
       </p:ext>
     </p:extLst>
   </p:cSld>
@@ -5575,185 +10740,168 @@
       </p:grpSpPr>
       <p:sp>
         <p:nvSpPr>
-          <p:cNvPr id="4098" name="Title 1"/>
+          <p:cNvPr id="3074" name="Title 1"/>
           <p:cNvSpPr>
             <a:spLocks noGrp="1"/>
           </p:cNvSpPr>
           <p:nvPr>
             <p:ph type="title"/>
+          </p:nvPr>
+        </p:nvSpPr>
+        <p:spPr/>
+        <p:txBody>
+          <a:bodyPr/>
+          <a:lstStyle/>
+          <a:p>
+            <a:pPr eaLnBrk="1" hangingPunct="1"/>
+            <a:r>
+              <a:rPr lang="en-US" altLang="en-US" dirty="0" smtClean="0"/>
+              <a:t>Parts of an html5 document</a:t>
+            </a:r>
+          </a:p>
+        </p:txBody>
+      </p:sp>
+      <p:sp>
+        <p:nvSpPr>
+          <p:cNvPr id="3075" name="Content Placeholder 2"/>
+          <p:cNvSpPr>
+            <a:spLocks noGrp="1"/>
+          </p:cNvSpPr>
+          <p:nvPr>
+            <p:ph idx="1"/>
           </p:nvPr>
         </p:nvSpPr>
         <p:spPr>
           <a:xfrm>
-            <a:off x="457200" y="274638"/>
-            <a:ext cx="8229600" cy="1096962"/>
+            <a:off x="457200" y="1905000"/>
+            <a:ext cx="8382000" cy="4724400"/>
           </a:xfrm>
         </p:spPr>
         <p:txBody>
-          <a:bodyPr/>
-          <a:lstStyle/>
-          <a:p>
-            <a:pPr eaLnBrk="1" hangingPunct="1"/>
-            <a:r>
-              <a:rPr lang="en-US" altLang="en-US" sz="3600" dirty="0" smtClean="0"/>
-              <a:t>The body may contain header, main, and footer elements</a:t>
-            </a:r>
-          </a:p>
-        </p:txBody>
-      </p:sp>
-      <p:sp>
-        <p:nvSpPr>
-          <p:cNvPr id="4099" name="Content Placeholder 2"/>
-          <p:cNvSpPr>
-            <a:spLocks noGrp="1"/>
-          </p:cNvSpPr>
-          <p:nvPr>
-            <p:ph idx="1"/>
-          </p:nvPr>
-        </p:nvSpPr>
-        <p:spPr>
-          <a:xfrm>
-            <a:off x="152400" y="1600200"/>
-            <a:ext cx="8534400" cy="5029200"/>
-          </a:xfrm>
-        </p:spPr>
-        <p:txBody>
           <a:bodyPr>
-            <a:normAutofit/>
+            <a:noAutofit/>
           </a:bodyPr>
           <a:lstStyle/>
           <a:p>
-            <a:pPr marL="274320" lvl="2" indent="0">
-              <a:buNone/>
-            </a:pPr>
-            <a:r>
-              <a:rPr lang="en-US" sz="2000" b="1" dirty="0" smtClean="0"/>
-              <a:t>&lt;body&gt;</a:t>
-            </a:r>
-          </a:p>
-          <a:p>
-            <a:pPr marL="594360" lvl="2" indent="0">
-              <a:buNone/>
-            </a:pPr>
-            <a:r>
-              <a:rPr lang="en-US" sz="2000" b="1" dirty="0" smtClean="0"/>
-              <a:t>&lt;header&gt;   </a:t>
-            </a:r>
-          </a:p>
-          <a:p>
-            <a:pPr marL="594360" lvl="2" indent="0">
-              <a:buNone/>
-            </a:pPr>
-            <a:r>
-              <a:rPr lang="en-US" sz="2000" dirty="0" smtClean="0"/>
-              <a:t>    &lt;h1&gt;Wright </a:t>
-            </a:r>
-            <a:r>
-              <a:rPr lang="en-US" sz="2000" dirty="0"/>
-              <a:t>State CS2800</a:t>
-            </a:r>
-            <a:r>
-              <a:rPr lang="en-US" sz="2000" dirty="0" smtClean="0"/>
-              <a:t>&lt;/h1&gt;</a:t>
-            </a:r>
-          </a:p>
-          <a:p>
-            <a:pPr marL="594360" lvl="2" indent="0">
-              <a:buNone/>
-            </a:pPr>
-            <a:r>
-              <a:rPr lang="en-US" sz="2000" b="1" dirty="0" smtClean="0"/>
-              <a:t>&lt;/header&gt;</a:t>
-            </a:r>
-          </a:p>
-          <a:p>
-            <a:pPr marL="594360" lvl="2" indent="0">
-              <a:spcBef>
-                <a:spcPts val="1200"/>
-              </a:spcBef>
-              <a:buNone/>
-            </a:pPr>
-            <a:r>
-              <a:rPr lang="en-US" altLang="en-US" sz="2000" b="1" dirty="0" smtClean="0"/>
-              <a:t>&lt;main&gt;</a:t>
-            </a:r>
-          </a:p>
-          <a:p>
-            <a:pPr marL="594360" lvl="2" indent="0">
-              <a:buNone/>
-            </a:pPr>
-            <a:r>
-              <a:rPr lang="en-US" altLang="en-US" sz="2000" dirty="0"/>
+            <a:pPr marL="0" indent="0" eaLnBrk="1" hangingPunct="1">
+              <a:buFont typeface="Arial" charset="0"/>
+              <a:buNone/>
+            </a:pPr>
+            <a:r>
+              <a:rPr lang="en-US" altLang="en-US" sz="2800" dirty="0" smtClean="0"/>
+              <a:t>&lt;!DOCTYPE html&gt;		</a:t>
+            </a:r>
+          </a:p>
+          <a:p>
+            <a:pPr marL="0" indent="0" eaLnBrk="1" hangingPunct="1">
+              <a:buFont typeface="Arial" charset="0"/>
+              <a:buNone/>
+            </a:pPr>
+            <a:r>
+              <a:rPr lang="en-US" altLang="en-US" sz="2800" dirty="0" smtClean="0"/>
+              <a:t>&lt;html </a:t>
+            </a:r>
+            <a:r>
+              <a:rPr lang="en-US" altLang="en-US" sz="2800" dirty="0" err="1" smtClean="0"/>
+              <a:t>lang</a:t>
+            </a:r>
+            <a:r>
+              <a:rPr lang="en-US" altLang="en-US" sz="2800" dirty="0" smtClean="0"/>
+              <a:t>=“</a:t>
+            </a:r>
+            <a:r>
+              <a:rPr lang="en-US" altLang="en-US" sz="2800" dirty="0" err="1" smtClean="0"/>
+              <a:t>en</a:t>
+            </a:r>
+            <a:r>
+              <a:rPr lang="en-US" altLang="en-US" sz="2800" dirty="0" smtClean="0"/>
+              <a:t>”&gt;</a:t>
+            </a:r>
+          </a:p>
+          <a:p>
+            <a:pPr marL="0" indent="0" eaLnBrk="1" hangingPunct="1">
+              <a:buFont typeface="Arial" charset="0"/>
+              <a:buNone/>
+            </a:pPr>
+            <a:r>
+              <a:rPr lang="en-US" altLang="en-US" sz="2800" dirty="0"/>
               <a:t>	</a:t>
             </a:r>
             <a:r>
-              <a:rPr lang="en-US" altLang="en-US" sz="2000" dirty="0" smtClean="0"/>
-              <a:t>&lt;h1&gt;Main Content&lt;/h1&gt;</a:t>
-            </a:r>
-          </a:p>
-          <a:p>
-            <a:pPr marL="594360" lvl="2" indent="0">
-              <a:buNone/>
-            </a:pPr>
-            <a:r>
-              <a:rPr lang="en-US" altLang="en-US" sz="2000" dirty="0"/>
+              <a:rPr lang="en-US" altLang="en-US" sz="2800" dirty="0" smtClean="0"/>
+              <a:t>&lt;head&gt;</a:t>
+            </a:r>
+          </a:p>
+          <a:p>
+            <a:pPr marL="0" indent="0" eaLnBrk="1" hangingPunct="1">
+              <a:buFont typeface="Arial" charset="0"/>
+              <a:buNone/>
+            </a:pPr>
+            <a:r>
+              <a:rPr lang="en-US" altLang="en-US" sz="2800" dirty="0"/>
               <a:t>	</a:t>
             </a:r>
             <a:r>
-              <a:rPr lang="en-US" altLang="en-US" sz="2000" dirty="0" smtClean="0"/>
-              <a:t>&lt;p&gt;The main content of the page goes here&lt;/p&gt;   </a:t>
-            </a:r>
-          </a:p>
-          <a:p>
-            <a:pPr marL="594360" lvl="2" indent="0">
-              <a:buNone/>
-            </a:pPr>
-            <a:r>
-              <a:rPr lang="en-US" altLang="en-US" sz="2000" b="1" dirty="0" smtClean="0"/>
-              <a:t>&lt;/main&gt;</a:t>
-            </a:r>
-          </a:p>
-          <a:p>
-            <a:pPr marL="594360" lvl="2" indent="0">
-              <a:spcBef>
-                <a:spcPts val="1200"/>
-              </a:spcBef>
-              <a:buNone/>
-            </a:pPr>
-            <a:r>
-              <a:rPr lang="en-US" altLang="en-US" sz="2000" b="1" dirty="0" smtClean="0"/>
-              <a:t>&lt;footer&gt;</a:t>
-            </a:r>
-          </a:p>
-          <a:p>
-            <a:pPr marL="594360" lvl="2" indent="0">
-              <a:buNone/>
-            </a:pPr>
-            <a:r>
-              <a:rPr lang="en-US" altLang="en-US" sz="2000" dirty="0"/>
+              <a:rPr lang="en-US" altLang="en-US" sz="2800" dirty="0" smtClean="0"/>
+              <a:t>	&lt;meta charset=“utf-8”&gt;</a:t>
+            </a:r>
+          </a:p>
+          <a:p>
+            <a:pPr marL="0" indent="0" eaLnBrk="1" hangingPunct="1">
+              <a:buFont typeface="Arial" charset="0"/>
+              <a:buNone/>
+            </a:pPr>
+            <a:r>
+              <a:rPr lang="en-US" altLang="en-US" sz="2800" dirty="0"/>
               <a:t>	</a:t>
             </a:r>
             <a:r>
-              <a:rPr lang="en-US" altLang="en-US" sz="2000" dirty="0" smtClean="0"/>
-              <a:t>&lt;p&gt;footnotes, copyright, etc., info here&lt;/p&gt;</a:t>
-            </a:r>
-          </a:p>
-          <a:p>
-            <a:pPr marL="594360" lvl="2" indent="0">
-              <a:buNone/>
-            </a:pPr>
-            <a:r>
-              <a:rPr lang="en-US" altLang="en-US" sz="2000" b="1" dirty="0" smtClean="0"/>
-              <a:t>&lt;/footer&gt;   </a:t>
-            </a:r>
-          </a:p>
-          <a:p>
-            <a:pPr marL="274320" lvl="2" indent="0">
-              <a:buNone/>
-            </a:pPr>
-            <a:r>
-              <a:rPr lang="en-US" altLang="en-US" sz="2000" b="1" dirty="0" smtClean="0"/>
-              <a:t>&lt;/body&gt;</a:t>
+              <a:rPr lang="en-US" altLang="en-US" sz="2800" dirty="0" smtClean="0"/>
+              <a:t>	&lt;title&gt;Web Basics&lt;/title&gt;</a:t>
+            </a:r>
+          </a:p>
+          <a:p>
+            <a:pPr marL="0" indent="0" eaLnBrk="1" hangingPunct="1">
+              <a:buFont typeface="Arial" charset="0"/>
+              <a:buNone/>
+            </a:pPr>
+            <a:r>
+              <a:rPr lang="en-US" altLang="en-US" sz="2800" dirty="0"/>
+              <a:t>	</a:t>
+            </a:r>
+            <a:r>
+              <a:rPr lang="en-US" altLang="en-US" sz="2800" dirty="0" smtClean="0"/>
+              <a:t>&lt;/head&gt;</a:t>
+            </a:r>
+          </a:p>
+          <a:p>
+            <a:pPr marL="0" indent="0" eaLnBrk="1" hangingPunct="1">
+              <a:buFont typeface="Arial" charset="0"/>
+              <a:buNone/>
+            </a:pPr>
+            <a:r>
+              <a:rPr lang="en-US" altLang="en-US" sz="2800" dirty="0" smtClean="0"/>
+              <a:t>	&lt;body&gt;</a:t>
+            </a:r>
+          </a:p>
+          <a:p>
+            <a:pPr marL="0" indent="0" eaLnBrk="1" hangingPunct="1">
+              <a:buFont typeface="Arial" charset="0"/>
+              <a:buNone/>
+            </a:pPr>
+            <a:r>
+              <a:rPr lang="en-US" altLang="en-US" sz="2800" dirty="0" smtClean="0"/>
+              <a:t>	&lt;/body&gt;</a:t>
+            </a:r>
+          </a:p>
+          <a:p>
+            <a:pPr marL="0" indent="0" eaLnBrk="1" hangingPunct="1">
+              <a:buFont typeface="Arial" charset="0"/>
+              <a:buNone/>
+            </a:pPr>
+            <a:r>
+              <a:rPr lang="en-US" altLang="en-US" sz="2800" dirty="0" smtClean="0"/>
+              <a:t>&lt;/html&gt;</a:t>
             </a:r>
           </a:p>
         </p:txBody>
@@ -5761,7 +10909,7 @@
     </p:spTree>
     <p:extLst>
       <p:ext uri="{BB962C8B-B14F-4D97-AF65-F5344CB8AC3E}">
-        <p14:creationId xmlns:p14="http://schemas.microsoft.com/office/powerpoint/2010/main" val="3914914325"/>
+        <p14:creationId xmlns:p14="http://schemas.microsoft.com/office/powerpoint/2010/main" val="17294028"/>
       </p:ext>
     </p:extLst>
   </p:cSld>
@@ -5797,174 +10945,405 @@
       </p:grpSpPr>
       <p:sp>
         <p:nvSpPr>
-          <p:cNvPr id="2" name="Content Placeholder 1"/>
+          <p:cNvPr id="4098" name="Title 1"/>
           <p:cNvSpPr>
             <a:spLocks noGrp="1"/>
           </p:cNvSpPr>
           <p:nvPr>
-            <p:ph idx="1"/>
+            <p:ph type="title"/>
           </p:nvPr>
         </p:nvSpPr>
         <p:spPr>
           <a:xfrm>
-            <a:off x="381000" y="1752600"/>
-            <a:ext cx="8407893" cy="4952999"/>
+            <a:off x="457200" y="274638"/>
+            <a:ext cx="8229600" cy="1096962"/>
           </a:xfrm>
         </p:spPr>
         <p:txBody>
+          <a:bodyPr/>
+          <a:lstStyle/>
+          <a:p>
+            <a:pPr eaLnBrk="1" hangingPunct="1"/>
+            <a:r>
+              <a:rPr lang="en-US" altLang="en-US" sz="3600" dirty="0" smtClean="0"/>
+              <a:t>The head may contain and meta tags and links</a:t>
+            </a:r>
+          </a:p>
+        </p:txBody>
+      </p:sp>
+      <p:sp>
+        <p:nvSpPr>
+          <p:cNvPr id="4099" name="Content Placeholder 2"/>
+          <p:cNvSpPr>
+            <a:spLocks noGrp="1"/>
+          </p:cNvSpPr>
+          <p:nvPr>
+            <p:ph idx="1"/>
+          </p:nvPr>
+        </p:nvSpPr>
+        <p:spPr>
+          <a:xfrm>
+            <a:off x="152400" y="1600200"/>
+            <a:ext cx="8534400" cy="5029200"/>
+          </a:xfrm>
+        </p:spPr>
+        <p:txBody>
           <a:bodyPr>
-            <a:normAutofit fontScale="85000" lnSpcReduction="20000"/>
+            <a:normAutofit/>
           </a:bodyPr>
           <a:lstStyle/>
           <a:p>
-            <a:pPr marL="45720" indent="0">
-              <a:spcBef>
-                <a:spcPts val="1200"/>
-              </a:spcBef>
-              <a:buNone/>
-            </a:pPr>
-            <a:r>
-              <a:rPr lang="en-US" sz="2800" dirty="0" smtClean="0"/>
-              <a:t>HTML5 has replaced the two element categories, block and in-line, with the following content categories:</a:t>
-            </a:r>
-          </a:p>
-          <a:p>
-            <a:pPr lvl="1">
-              <a:spcBef>
-                <a:spcPts val="1200"/>
-              </a:spcBef>
-            </a:pPr>
-            <a:r>
-              <a:rPr lang="en-US" sz="2600" dirty="0" smtClean="0"/>
-              <a:t>Flow</a:t>
-            </a:r>
-          </a:p>
-          <a:p>
-            <a:pPr lvl="1">
-              <a:spcBef>
-                <a:spcPts val="1200"/>
-              </a:spcBef>
-            </a:pPr>
-            <a:r>
-              <a:rPr lang="en-US" sz="2600" dirty="0" smtClean="0"/>
-              <a:t>Sectioning</a:t>
-            </a:r>
-          </a:p>
-          <a:p>
-            <a:pPr lvl="1">
-              <a:spcBef>
-                <a:spcPts val="1200"/>
-              </a:spcBef>
-            </a:pPr>
-            <a:r>
-              <a:rPr lang="en-US" sz="2600" dirty="0" smtClean="0"/>
-              <a:t>Heading</a:t>
-            </a:r>
-          </a:p>
-          <a:p>
-            <a:pPr lvl="1">
-              <a:spcBef>
-                <a:spcPts val="1200"/>
-              </a:spcBef>
-            </a:pPr>
-            <a:r>
-              <a:rPr lang="en-US" sz="2600" dirty="0" smtClean="0"/>
-              <a:t>Phrasing</a:t>
-            </a:r>
-          </a:p>
-          <a:p>
-            <a:pPr lvl="1">
-              <a:spcBef>
-                <a:spcPts val="1200"/>
-              </a:spcBef>
-            </a:pPr>
-            <a:r>
-              <a:rPr lang="en-US" sz="2600" dirty="0" smtClean="0"/>
-              <a:t>Embedded</a:t>
-            </a:r>
-          </a:p>
-          <a:p>
-            <a:pPr lvl="1">
-              <a:spcBef>
-                <a:spcPts val="1200"/>
-              </a:spcBef>
-            </a:pPr>
-            <a:r>
-              <a:rPr lang="en-US" sz="2600" dirty="0" smtClean="0"/>
-              <a:t>Interactive</a:t>
-            </a:r>
-          </a:p>
-          <a:p>
-            <a:pPr lvl="1">
-              <a:spcBef>
-                <a:spcPts val="1200"/>
-              </a:spcBef>
-            </a:pPr>
-            <a:r>
-              <a:rPr lang="en-US" sz="2600" dirty="0" smtClean="0"/>
-              <a:t>Form-associated</a:t>
-            </a:r>
-          </a:p>
-          <a:p>
-            <a:endParaRPr lang="en-US" dirty="0" smtClean="0"/>
-          </a:p>
-          <a:p>
-            <a:endParaRPr lang="en-US" dirty="0"/>
-          </a:p>
-          <a:p>
-            <a:r>
-              <a:rPr lang="en-US" dirty="0" smtClean="0"/>
-              <a:t>Reference:</a:t>
-            </a:r>
-          </a:p>
-          <a:p>
-            <a:pPr lvl="1"/>
-            <a:r>
-              <a:rPr lang="en-US" dirty="0">
-                <a:hlinkClick r:id="rId2"/>
-              </a:rPr>
-              <a:t>https://</a:t>
-            </a:r>
-            <a:r>
-              <a:rPr lang="en-US" dirty="0" smtClean="0">
-                <a:hlinkClick r:id="rId2"/>
-              </a:rPr>
-              <a:t>developer.mozilla.org/en-US/docs/Web/Guide/HTML/Content_categories</a:t>
-            </a:r>
-            <a:endParaRPr lang="en-US" dirty="0" smtClean="0"/>
-          </a:p>
-          <a:p>
-            <a:endParaRPr lang="en-US" dirty="0" smtClean="0"/>
-          </a:p>
-        </p:txBody>
-      </p:sp>
-      <p:sp>
-        <p:nvSpPr>
-          <p:cNvPr id="3" name="Title 2"/>
-          <p:cNvSpPr>
-            <a:spLocks noGrp="1"/>
-          </p:cNvSpPr>
-          <p:nvPr>
-            <p:ph type="title"/>
-          </p:nvPr>
-        </p:nvSpPr>
-        <p:spPr/>
-        <p:txBody>
-          <a:bodyPr/>
-          <a:lstStyle/>
-          <a:p>
-            <a:r>
-              <a:rPr lang="en-US" dirty="0" smtClean="0"/>
-              <a:t>Element categories</a:t>
-            </a:r>
-            <a:endParaRPr lang="en-US" dirty="0"/>
+            <a:pPr marL="594360" lvl="2" indent="0">
+              <a:buNone/>
+            </a:pPr>
+            <a:endParaRPr lang="en-US" sz="2000" b="1" dirty="0" smtClean="0"/>
+          </a:p>
+          <a:p>
+            <a:pPr marL="594360" lvl="2" indent="0">
+              <a:buNone/>
+            </a:pPr>
+            <a:r>
+              <a:rPr lang="en-US" sz="2000" b="1" dirty="0" smtClean="0"/>
+              <a:t>&lt;</a:t>
+            </a:r>
+            <a:r>
+              <a:rPr lang="en-US" sz="2000" b="1" dirty="0"/>
+              <a:t>head&gt;   </a:t>
+            </a:r>
+            <a:endParaRPr lang="en-US" sz="2000" b="1" dirty="0" smtClean="0"/>
+          </a:p>
+          <a:p>
+            <a:pPr marL="594360" lvl="2" indent="0">
+              <a:buNone/>
+            </a:pPr>
+            <a:r>
+              <a:rPr lang="en-US" sz="2000" b="1" dirty="0" smtClean="0"/>
+              <a:t>    &lt;</a:t>
+            </a:r>
+            <a:r>
+              <a:rPr lang="en-US" sz="2000" b="1" dirty="0"/>
+              <a:t>title&gt;Wright State CS2800&lt;/title</a:t>
+            </a:r>
+            <a:r>
+              <a:rPr lang="en-US" sz="2000" b="1" dirty="0" smtClean="0"/>
+              <a:t>&gt;</a:t>
+            </a:r>
+          </a:p>
+          <a:p>
+            <a:pPr marL="594360" lvl="2" indent="0">
+              <a:buNone/>
+            </a:pPr>
+            <a:r>
+              <a:rPr lang="en-US" sz="2000" b="1" dirty="0" smtClean="0"/>
+              <a:t>    </a:t>
+            </a:r>
+            <a:r>
+              <a:rPr lang="en-US" sz="2000" b="1" dirty="0"/>
+              <a:t>&lt;meta charset="utf-8</a:t>
+            </a:r>
+            <a:r>
+              <a:rPr lang="en-US" sz="2000" b="1" dirty="0" smtClean="0"/>
+              <a:t>"&gt;</a:t>
+            </a:r>
+          </a:p>
+          <a:p>
+            <a:pPr marL="594360" lvl="2" indent="0">
+              <a:buNone/>
+            </a:pPr>
+            <a:r>
+              <a:rPr lang="en-US" sz="2000" b="1" dirty="0" smtClean="0"/>
+              <a:t>    </a:t>
+            </a:r>
+            <a:r>
+              <a:rPr lang="en-US" sz="2000" b="1" dirty="0"/>
+              <a:t>&lt;meta </a:t>
+            </a:r>
+            <a:r>
+              <a:rPr lang="en-US" sz="2000" b="1" dirty="0" smtClean="0"/>
+              <a:t> name</a:t>
+            </a:r>
+            <a:r>
+              <a:rPr lang="en-US" sz="2000" b="1" dirty="0"/>
+              <a:t>="description" </a:t>
+            </a:r>
+            <a:r>
+              <a:rPr lang="en-US" sz="2000" b="1" dirty="0" smtClean="0"/>
+              <a:t> content=“An example site for</a:t>
+            </a:r>
+          </a:p>
+          <a:p>
+            <a:pPr marL="594360" lvl="2" indent="0">
+              <a:buNone/>
+            </a:pPr>
+            <a:r>
+              <a:rPr lang="en-US" sz="2000" b="1" dirty="0"/>
+              <a:t>	 </a:t>
+            </a:r>
+            <a:r>
+              <a:rPr lang="en-US" sz="2000" b="1" dirty="0" smtClean="0"/>
+              <a:t>     Wright </a:t>
+            </a:r>
+            <a:r>
+              <a:rPr lang="en-US" sz="2000" b="1" dirty="0"/>
+              <a:t>State University CS2800 class; </a:t>
+            </a:r>
+            <a:r>
+              <a:rPr lang="en-US" sz="2000" b="1" dirty="0" smtClean="0"/>
+              <a:t> includes an </a:t>
+            </a:r>
+          </a:p>
+          <a:p>
+            <a:pPr marL="594360" lvl="2" indent="0">
+              <a:buNone/>
+            </a:pPr>
+            <a:r>
+              <a:rPr lang="en-US" sz="2000" b="1" dirty="0" smtClean="0"/>
+              <a:t>           introduction </a:t>
+            </a:r>
+            <a:r>
+              <a:rPr lang="en-US" sz="2000" b="1" dirty="0"/>
+              <a:t>to </a:t>
+            </a:r>
+            <a:r>
+              <a:rPr lang="en-US" sz="2000" b="1" dirty="0" smtClean="0"/>
+              <a:t>design</a:t>
+            </a:r>
+            <a:r>
+              <a:rPr lang="en-US" sz="2000" b="1" dirty="0"/>
+              <a:t>, HTML, </a:t>
+            </a:r>
+            <a:r>
+              <a:rPr lang="en-US" sz="2000" b="1" dirty="0" err="1"/>
+              <a:t>CSS,and</a:t>
+            </a:r>
+            <a:r>
+              <a:rPr lang="en-US" sz="2000" b="1" dirty="0"/>
+              <a:t> JavaScript</a:t>
+            </a:r>
+            <a:r>
+              <a:rPr lang="en-US" sz="2000" b="1" dirty="0" smtClean="0"/>
+              <a:t>"&gt;</a:t>
+            </a:r>
+          </a:p>
+          <a:p>
+            <a:pPr marL="594360" lvl="2" indent="0">
+              <a:buNone/>
+            </a:pPr>
+            <a:r>
+              <a:rPr lang="en-US" sz="2000" b="1" dirty="0" smtClean="0"/>
+              <a:t>    </a:t>
+            </a:r>
+            <a:r>
+              <a:rPr lang="en-US" sz="2000" b="1" dirty="0"/>
+              <a:t>&lt;meta </a:t>
+            </a:r>
+            <a:r>
+              <a:rPr lang="en-US" sz="2000" b="1" dirty="0" smtClean="0"/>
+              <a:t> name</a:t>
+            </a:r>
+            <a:r>
+              <a:rPr lang="en-US" sz="2000" b="1" dirty="0"/>
+              <a:t>="keywords</a:t>
+            </a:r>
+            <a:r>
+              <a:rPr lang="en-US" sz="2000" b="1"/>
+              <a:t>" </a:t>
+            </a:r>
+            <a:r>
+              <a:rPr lang="en-US" sz="2000" b="1" smtClean="0"/>
+              <a:t> content</a:t>
+            </a:r>
+            <a:r>
+              <a:rPr lang="en-US" sz="2000" b="1" dirty="0"/>
+              <a:t>="wright state university, </a:t>
+            </a:r>
+            <a:endParaRPr lang="en-US" sz="2000" b="1" dirty="0" smtClean="0"/>
+          </a:p>
+          <a:p>
+            <a:pPr marL="594360" lvl="2" indent="0">
+              <a:buNone/>
+            </a:pPr>
+            <a:r>
+              <a:rPr lang="en-US" sz="2000" b="1" dirty="0"/>
+              <a:t>		</a:t>
+            </a:r>
+            <a:r>
+              <a:rPr lang="en-US" sz="2000" b="1" dirty="0" smtClean="0"/>
+              <a:t>cs2800</a:t>
+            </a:r>
+            <a:r>
+              <a:rPr lang="en-US" sz="2000" b="1" dirty="0"/>
+              <a:t>, fall2015</a:t>
+            </a:r>
+            <a:r>
+              <a:rPr lang="en-US" sz="2000" b="1" dirty="0" smtClean="0"/>
+              <a:t>"&gt;</a:t>
+            </a:r>
+          </a:p>
+          <a:p>
+            <a:pPr marL="594360" lvl="2" indent="0">
+              <a:buNone/>
+            </a:pPr>
+            <a:r>
+              <a:rPr lang="en-US" sz="2000" b="1" dirty="0" smtClean="0"/>
+              <a:t>    </a:t>
+            </a:r>
+            <a:r>
+              <a:rPr lang="en-US" sz="2000" b="1" dirty="0"/>
+              <a:t>&lt;link </a:t>
+            </a:r>
+            <a:r>
+              <a:rPr lang="en-US" sz="2000" b="1" dirty="0" smtClean="0"/>
+              <a:t> </a:t>
+            </a:r>
+            <a:r>
+              <a:rPr lang="en-US" sz="2000" b="1" dirty="0" err="1" smtClean="0"/>
+              <a:t>rel</a:t>
+            </a:r>
+            <a:r>
+              <a:rPr lang="en-US" sz="2000" b="1" dirty="0"/>
+              <a:t>="shortcut icon" </a:t>
+            </a:r>
+            <a:r>
+              <a:rPr lang="en-US" sz="2000" b="1" dirty="0" smtClean="0"/>
+              <a:t> </a:t>
+            </a:r>
+            <a:r>
+              <a:rPr lang="en-US" sz="2000" b="1" dirty="0" err="1" smtClean="0"/>
+              <a:t>href</a:t>
+            </a:r>
+            <a:r>
+              <a:rPr lang="en-US" sz="2000" b="1" dirty="0"/>
+              <a:t>="</a:t>
+            </a:r>
+            <a:r>
+              <a:rPr lang="en-US" sz="2000" b="1" dirty="0" err="1"/>
+              <a:t>image_files</a:t>
+            </a:r>
+            <a:r>
+              <a:rPr lang="en-US" sz="2000" b="1" dirty="0"/>
+              <a:t>/favicon.ico"&gt; </a:t>
+            </a:r>
+            <a:endParaRPr lang="en-US" sz="2000" b="1" dirty="0" smtClean="0"/>
+          </a:p>
+          <a:p>
+            <a:pPr marL="594360" lvl="2" indent="0">
+              <a:buNone/>
+            </a:pPr>
+            <a:r>
+              <a:rPr lang="en-US" sz="2000" b="1" dirty="0" smtClean="0"/>
+              <a:t>    &lt;</a:t>
+            </a:r>
+            <a:r>
+              <a:rPr lang="en-US" sz="2000" b="1" dirty="0"/>
+              <a:t>link </a:t>
+            </a:r>
+            <a:r>
+              <a:rPr lang="en-US" sz="2000" b="1" dirty="0" smtClean="0"/>
+              <a:t> </a:t>
+            </a:r>
+            <a:r>
+              <a:rPr lang="en-US" sz="2000" b="1" dirty="0" err="1" smtClean="0"/>
+              <a:t>rel</a:t>
+            </a:r>
+            <a:r>
+              <a:rPr lang="en-US" sz="2000" b="1" dirty="0"/>
+              <a:t>="stylesheet" </a:t>
+            </a:r>
+            <a:r>
+              <a:rPr lang="en-US" sz="2000" b="1" dirty="0" smtClean="0"/>
+              <a:t> </a:t>
+            </a:r>
+            <a:r>
+              <a:rPr lang="en-US" sz="2000" b="1" dirty="0" err="1" smtClean="0"/>
+              <a:t>href</a:t>
+            </a:r>
+            <a:r>
+              <a:rPr lang="en-US" sz="2000" b="1" dirty="0"/>
+              <a:t>="</a:t>
+            </a:r>
+            <a:r>
+              <a:rPr lang="en-US" sz="2000" b="1" dirty="0" err="1"/>
+              <a:t>css_files</a:t>
+            </a:r>
+            <a:r>
+              <a:rPr lang="en-US" sz="2000" b="1" dirty="0"/>
+              <a:t>/normalize.css"&gt; </a:t>
+            </a:r>
+            <a:endParaRPr lang="en-US" sz="2000" b="1" dirty="0" smtClean="0"/>
+          </a:p>
+          <a:p>
+            <a:pPr marL="594360" lvl="2" indent="0">
+              <a:buNone/>
+            </a:pPr>
+            <a:r>
+              <a:rPr lang="en-US" sz="2000" b="1" dirty="0" smtClean="0"/>
+              <a:t>    &lt;</a:t>
+            </a:r>
+            <a:r>
+              <a:rPr lang="en-US" sz="2000" b="1" dirty="0"/>
+              <a:t>link </a:t>
+            </a:r>
+            <a:r>
+              <a:rPr lang="en-US" sz="2000" b="1" dirty="0" smtClean="0"/>
+              <a:t> </a:t>
+            </a:r>
+            <a:r>
+              <a:rPr lang="en-US" sz="2000" b="1" dirty="0" err="1" smtClean="0"/>
+              <a:t>rel</a:t>
+            </a:r>
+            <a:r>
+              <a:rPr lang="en-US" sz="2000" b="1" dirty="0"/>
+              <a:t>="stylesheet" </a:t>
+            </a:r>
+            <a:r>
+              <a:rPr lang="en-US" sz="2000" b="1" dirty="0" smtClean="0"/>
+              <a:t> </a:t>
+            </a:r>
+            <a:r>
+              <a:rPr lang="en-US" sz="2000" b="1" dirty="0" err="1" smtClean="0"/>
+              <a:t>href</a:t>
+            </a:r>
+            <a:r>
+              <a:rPr lang="en-US" sz="2000" b="1" dirty="0"/>
+              <a:t>="</a:t>
+            </a:r>
+            <a:r>
+              <a:rPr lang="en-US" sz="2000" b="1" dirty="0" err="1"/>
+              <a:t>css_files</a:t>
+            </a:r>
+            <a:r>
+              <a:rPr lang="en-US" sz="2000" b="1" dirty="0"/>
+              <a:t>/main.css</a:t>
+            </a:r>
+            <a:r>
+              <a:rPr lang="en-US" sz="2000" b="1" dirty="0" smtClean="0"/>
+              <a:t>"&gt; </a:t>
+            </a:r>
+          </a:p>
+          <a:p>
+            <a:pPr marL="594360" lvl="2" indent="0">
+              <a:buNone/>
+            </a:pPr>
+            <a:r>
+              <a:rPr lang="en-US" sz="2000" b="1" dirty="0" smtClean="0"/>
+              <a:t>&lt;/</a:t>
+            </a:r>
+            <a:r>
+              <a:rPr lang="en-US" sz="2000" b="1" dirty="0"/>
+              <a:t>head&gt;</a:t>
+            </a:r>
+            <a:r>
+              <a:rPr lang="en-US" altLang="en-US" sz="1600" dirty="0" smtClean="0"/>
+              <a:t>      </a:t>
+            </a:r>
           </a:p>
         </p:txBody>
       </p:sp>
     </p:spTree>
     <p:extLst>
       <p:ext uri="{BB962C8B-B14F-4D97-AF65-F5344CB8AC3E}">
-        <p14:creationId xmlns:p14="http://schemas.microsoft.com/office/powerpoint/2010/main" val="3296590249"/>
+        <p14:creationId xmlns:p14="http://schemas.microsoft.com/office/powerpoint/2010/main" val="2104079124"/>
       </p:ext>
     </p:extLst>
   </p:cSld>
@@ -6000,125 +11379,193 @@
       </p:grpSpPr>
       <p:sp>
         <p:nvSpPr>
-          <p:cNvPr id="2" name="Content Placeholder 1"/>
+          <p:cNvPr id="4098" name="Title 1"/>
           <p:cNvSpPr>
             <a:spLocks noGrp="1"/>
           </p:cNvSpPr>
           <p:nvPr>
+            <p:ph type="title"/>
+          </p:nvPr>
+        </p:nvSpPr>
+        <p:spPr>
+          <a:xfrm>
+            <a:off x="457200" y="274638"/>
+            <a:ext cx="8229600" cy="1096962"/>
+          </a:xfrm>
+        </p:spPr>
+        <p:txBody>
+          <a:bodyPr/>
+          <a:lstStyle/>
+          <a:p>
+            <a:pPr eaLnBrk="1" hangingPunct="1"/>
+            <a:r>
+              <a:rPr lang="en-US" altLang="en-US" sz="3600" dirty="0" smtClean="0"/>
+              <a:t>The body may contain header, main, and footer elements</a:t>
+            </a:r>
+          </a:p>
+        </p:txBody>
+      </p:sp>
+      <p:sp>
+        <p:nvSpPr>
+          <p:cNvPr id="4099" name="Content Placeholder 2"/>
+          <p:cNvSpPr>
+            <a:spLocks noGrp="1"/>
+          </p:cNvSpPr>
+          <p:nvPr>
             <p:ph idx="1"/>
           </p:nvPr>
         </p:nvSpPr>
-        <p:spPr/>
+        <p:spPr>
+          <a:xfrm>
+            <a:off x="152400" y="1600200"/>
+            <a:ext cx="8534400" cy="5029200"/>
+          </a:xfrm>
+        </p:spPr>
         <p:txBody>
           <a:bodyPr>
             <a:normAutofit/>
           </a:bodyPr>
           <a:lstStyle/>
           <a:p>
-            <a:pPr marL="45720" indent="0">
-              <a:buNone/>
-            </a:pPr>
-            <a:r>
-              <a:rPr lang="en-US" sz="3200" dirty="0" smtClean="0"/>
-              <a:t>A description of each HTML5 element and how it is used may be found here:</a:t>
-            </a:r>
-          </a:p>
-          <a:p>
-            <a:endParaRPr lang="en-US" dirty="0" smtClean="0"/>
-          </a:p>
-          <a:p>
-            <a:pPr marL="365760" lvl="1" indent="0">
+            <a:pPr marL="274320" lvl="2" indent="0">
+              <a:buNone/>
+            </a:pPr>
+            <a:r>
+              <a:rPr lang="en-US" sz="2000" b="1" dirty="0" smtClean="0"/>
+              <a:t>&lt;body&gt;</a:t>
+            </a:r>
+          </a:p>
+          <a:p>
+            <a:pPr marL="594360" lvl="2" indent="0">
+              <a:buNone/>
+            </a:pPr>
+            <a:r>
+              <a:rPr lang="en-US" sz="2000" b="1" dirty="0" smtClean="0"/>
+              <a:t>&lt;header&gt;   </a:t>
+            </a:r>
+          </a:p>
+          <a:p>
+            <a:pPr marL="594360" lvl="2" indent="0">
+              <a:buNone/>
+            </a:pPr>
+            <a:r>
+              <a:rPr lang="en-US" sz="2000" dirty="0" smtClean="0"/>
+              <a:t>    &lt;h1&gt;Wright </a:t>
+            </a:r>
+            <a:r>
+              <a:rPr lang="en-US" sz="2000" dirty="0"/>
+              <a:t>State CS2800</a:t>
+            </a:r>
+            <a:r>
+              <a:rPr lang="en-US" sz="2000" dirty="0" smtClean="0"/>
+              <a:t>&lt;/h1&gt;</a:t>
+            </a:r>
+          </a:p>
+          <a:p>
+            <a:pPr marL="594360" lvl="2" indent="0">
+              <a:buNone/>
+            </a:pPr>
+            <a:r>
+              <a:rPr lang="en-US" sz="2000" b="1" dirty="0" smtClean="0"/>
+              <a:t>&lt;/header&gt;</a:t>
+            </a:r>
+          </a:p>
+          <a:p>
+            <a:pPr marL="594360" lvl="2" indent="0">
               <a:spcBef>
-                <a:spcPts val="1800"/>
+                <a:spcPts val="1200"/>
               </a:spcBef>
               <a:buNone/>
             </a:pPr>
             <a:r>
-              <a:rPr lang="en-US" sz="2400" dirty="0" smtClean="0">
-                <a:hlinkClick r:id="rId2"/>
-              </a:rPr>
-              <a:t>https</a:t>
-            </a:r>
-            <a:r>
-              <a:rPr lang="en-US" sz="2400" dirty="0">
-                <a:hlinkClick r:id="rId2"/>
-              </a:rPr>
-              <a:t>://</a:t>
-            </a:r>
-            <a:r>
-              <a:rPr lang="en-US" sz="2400" dirty="0" smtClean="0">
-                <a:hlinkClick r:id="rId2"/>
-              </a:rPr>
-              <a:t>developer.mozilla.org/en-US/docs/Web/HTML/Element</a:t>
-            </a:r>
-            <a:endParaRPr lang="en-US" sz="2400" dirty="0" smtClean="0"/>
-          </a:p>
-          <a:p>
-            <a:pPr marL="365760" lvl="1" indent="0">
+              <a:rPr lang="en-US" altLang="en-US" sz="2000" b="1" dirty="0" smtClean="0"/>
+              <a:t>&lt;main&gt;</a:t>
+            </a:r>
+          </a:p>
+          <a:p>
+            <a:pPr marL="594360" lvl="2" indent="0">
+              <a:buNone/>
+            </a:pPr>
+            <a:r>
+              <a:rPr lang="en-US" altLang="en-US" sz="2000" dirty="0"/>
+              <a:t>	</a:t>
+            </a:r>
+            <a:r>
+              <a:rPr lang="en-US" altLang="en-US" sz="2000" dirty="0" smtClean="0"/>
+              <a:t>&lt;h1&gt;Main Content&lt;/h1&gt;</a:t>
+            </a:r>
+          </a:p>
+          <a:p>
+            <a:pPr marL="594360" lvl="2" indent="0">
+              <a:buNone/>
+            </a:pPr>
+            <a:r>
+              <a:rPr lang="en-US" altLang="en-US" sz="2000" dirty="0"/>
+              <a:t>	</a:t>
+            </a:r>
+            <a:r>
+              <a:rPr lang="en-US" altLang="en-US" sz="2000" dirty="0" smtClean="0"/>
+              <a:t>&lt;p&gt;The main content of the page goes here&lt;/p&gt;   </a:t>
+            </a:r>
+          </a:p>
+          <a:p>
+            <a:pPr marL="594360" lvl="2" indent="0">
+              <a:buNone/>
+            </a:pPr>
+            <a:r>
+              <a:rPr lang="en-US" altLang="en-US" sz="2000" b="1" dirty="0" smtClean="0"/>
+              <a:t>&lt;/main&gt;</a:t>
+            </a:r>
+          </a:p>
+          <a:p>
+            <a:pPr marL="594360" lvl="2" indent="0">
               <a:spcBef>
-                <a:spcPts val="1800"/>
+                <a:spcPts val="1200"/>
               </a:spcBef>
               <a:buNone/>
             </a:pPr>
             <a:r>
-              <a:rPr lang="en-US" sz="2400" dirty="0" smtClean="0"/>
-              <a:t/>
-            </a:r>
-            <a:br>
-              <a:rPr lang="en-US" sz="2400" dirty="0" smtClean="0"/>
-            </a:br>
-            <a:endParaRPr lang="en-US" sz="2400" dirty="0" smtClean="0"/>
-          </a:p>
-          <a:p>
-            <a:pPr marL="365760" lvl="1" indent="0">
-              <a:buNone/>
-            </a:pPr>
-            <a:r>
-              <a:rPr lang="en-US" sz="2400" dirty="0">
-                <a:hlinkClick r:id="rId3"/>
-              </a:rPr>
-              <a:t>http://</a:t>
-            </a:r>
-            <a:r>
-              <a:rPr lang="en-US" sz="2400" dirty="0" smtClean="0">
-                <a:hlinkClick r:id="rId3"/>
-              </a:rPr>
-              <a:t>www.w3.org/TR/html-markup/elements-by-function.html</a:t>
-            </a:r>
-            <a:endParaRPr lang="en-US" sz="2400" dirty="0" smtClean="0"/>
-          </a:p>
-          <a:p>
-            <a:endParaRPr lang="en-US" dirty="0" smtClean="0"/>
-          </a:p>
-        </p:txBody>
-      </p:sp>
-      <p:sp>
-        <p:nvSpPr>
-          <p:cNvPr id="3" name="Title 2"/>
-          <p:cNvSpPr>
-            <a:spLocks noGrp="1"/>
-          </p:cNvSpPr>
-          <p:nvPr>
-            <p:ph type="title"/>
-          </p:nvPr>
-        </p:nvSpPr>
-        <p:spPr/>
-        <p:txBody>
-          <a:bodyPr/>
-          <a:lstStyle/>
-          <a:p>
-            <a:r>
-              <a:rPr lang="en-US" dirty="0" smtClean="0"/>
-              <a:t>Element references</a:t>
-            </a:r>
-            <a:endParaRPr lang="en-US" dirty="0"/>
+              <a:rPr lang="en-US" altLang="en-US" sz="2000" b="1" dirty="0" smtClean="0"/>
+              <a:t>&lt;footer&gt;</a:t>
+            </a:r>
+          </a:p>
+          <a:p>
+            <a:pPr marL="594360" lvl="2" indent="0">
+              <a:buNone/>
+            </a:pPr>
+            <a:r>
+              <a:rPr lang="en-US" altLang="en-US" sz="2000" dirty="0"/>
+              <a:t>	</a:t>
+            </a:r>
+            <a:r>
+              <a:rPr lang="en-US" altLang="en-US" sz="2000" dirty="0" smtClean="0"/>
+              <a:t>&lt;p&gt;footnotes, copyright, etc., info here&lt;/p&gt;</a:t>
+            </a:r>
+          </a:p>
+          <a:p>
+            <a:pPr marL="594360" lvl="2" indent="0">
+              <a:buNone/>
+            </a:pPr>
+            <a:r>
+              <a:rPr lang="en-US" altLang="en-US" sz="2000" b="1" dirty="0" smtClean="0"/>
+              <a:t>&lt;/footer&gt;   </a:t>
+            </a:r>
+          </a:p>
+          <a:p>
+            <a:pPr marL="274320" lvl="2" indent="0">
+              <a:buNone/>
+            </a:pPr>
+            <a:r>
+              <a:rPr lang="en-US" altLang="en-US" sz="2000" b="1" dirty="0" smtClean="0"/>
+              <a:t>&lt;/body&gt;</a:t>
+            </a:r>
           </a:p>
         </p:txBody>
       </p:sp>
     </p:spTree>
     <p:extLst>
       <p:ext uri="{BB962C8B-B14F-4D97-AF65-F5344CB8AC3E}">
-        <p14:creationId xmlns:p14="http://schemas.microsoft.com/office/powerpoint/2010/main" val="1680294104"/>
+        <p14:creationId xmlns:p14="http://schemas.microsoft.com/office/powerpoint/2010/main" val="1629433632"/>
       </p:ext>
     </p:extLst>
   </p:cSld>
@@ -6164,13 +11611,13 @@
         </p:nvSpPr>
         <p:spPr>
           <a:xfrm>
-            <a:off x="380999" y="1828799"/>
-            <a:ext cx="8407893" cy="4297679"/>
+            <a:off x="304801" y="1719071"/>
+            <a:ext cx="8686800" cy="4407408"/>
           </a:xfrm>
         </p:spPr>
         <p:txBody>
           <a:bodyPr>
-            <a:normAutofit lnSpcReduction="10000"/>
+            <a:normAutofit/>
           </a:bodyPr>
           <a:lstStyle/>
           <a:p>
@@ -6178,94 +11625,142 @@
               <a:buNone/>
             </a:pPr>
             <a:r>
-              <a:rPr lang="en-US" sz="2600" dirty="0" smtClean="0"/>
-              <a:t>Character entities are used to display special characters. These may be characters that are not found on a keyboard, or key characters, such as &lt; and /</a:t>
-            </a:r>
-            <a:br>
-              <a:rPr lang="en-US" sz="2600" dirty="0" smtClean="0"/>
-            </a:br>
-            <a:endParaRPr lang="en-US" sz="2600" dirty="0" smtClean="0"/>
+              <a:rPr lang="en-US" sz="1800" dirty="0" smtClean="0"/>
+              <a:t>&lt;</a:t>
+            </a:r>
+            <a:r>
+              <a:rPr lang="en-US" sz="1800" dirty="0"/>
+              <a:t>a </a:t>
+            </a:r>
+            <a:r>
+              <a:rPr lang="en-US" sz="1800" dirty="0" err="1"/>
+              <a:t>href</a:t>
+            </a:r>
+            <a:r>
+              <a:rPr lang="en-US" sz="1800" dirty="0"/>
+              <a:t>="http://www.w3schools.com/website/web_validate.asp" </a:t>
+            </a:r>
+            <a:r>
+              <a:rPr lang="en-US" sz="1800" dirty="0" smtClean="0"/>
+              <a:t>&gt; W3Schools </a:t>
+            </a:r>
+            <a:r>
+              <a:rPr lang="en-US" sz="1800" dirty="0"/>
+              <a:t>validator&lt;/a</a:t>
+            </a:r>
+            <a:r>
+              <a:rPr lang="en-US" sz="1800" dirty="0" smtClean="0"/>
+              <a:t>&gt;</a:t>
+            </a:r>
           </a:p>
           <a:p>
             <a:pPr marL="45720" indent="0">
               <a:buNone/>
             </a:pPr>
-            <a:r>
-              <a:rPr lang="en-US" sz="2500" dirty="0" smtClean="0"/>
-              <a:t>A complete list of character entities may be found at</a:t>
-            </a:r>
-          </a:p>
-          <a:p>
-            <a:pPr marL="320040" lvl="1" indent="0">
-              <a:spcBef>
-                <a:spcPts val="1200"/>
-              </a:spcBef>
-              <a:buNone/>
-            </a:pPr>
+            <a:endParaRPr lang="en-US" sz="1800" dirty="0"/>
+          </a:p>
+          <a:p>
+            <a:pPr marL="45720" indent="0">
+              <a:buNone/>
+            </a:pPr>
+            <a:r>
+              <a:rPr lang="en-US" sz="2400" dirty="0" smtClean="0"/>
+              <a:t>Tag name:  </a:t>
+            </a:r>
             <a:r>
               <a:rPr lang="en-US" sz="2400" dirty="0" smtClean="0">
-                <a:hlinkClick r:id="rId2"/>
+                <a:solidFill>
+                  <a:srgbClr val="0070C0"/>
+                </a:solidFill>
               </a:rPr>
-              <a:t>http</a:t>
-            </a:r>
-            <a:r>
-              <a:rPr lang="en-US" sz="2400" dirty="0">
-                <a:hlinkClick r:id="rId2"/>
+              <a:t>a</a:t>
+            </a:r>
+          </a:p>
+          <a:p>
+            <a:pPr marL="45720" indent="0">
+              <a:buNone/>
+            </a:pPr>
+            <a:r>
+              <a:rPr lang="en-US" sz="2400" dirty="0" smtClean="0"/>
+              <a:t>Attribute:   </a:t>
+            </a:r>
+            <a:r>
+              <a:rPr lang="en-US" sz="2400" dirty="0" err="1" smtClean="0">
+                <a:solidFill>
+                  <a:srgbClr val="0070C0"/>
+                </a:solidFill>
               </a:rPr>
-              <a:t>://</a:t>
+              <a:t>href</a:t>
+            </a:r>
+            <a:endParaRPr lang="en-US" sz="2400" dirty="0" smtClean="0">
+              <a:solidFill>
+                <a:srgbClr val="0070C0"/>
+              </a:solidFill>
+            </a:endParaRPr>
+          </a:p>
+          <a:p>
+            <a:pPr marL="45720" indent="0">
+              <a:buNone/>
+            </a:pPr>
+            <a:r>
+              <a:rPr lang="en-US" sz="2400" dirty="0" smtClean="0"/>
+              <a:t>Attribute value</a:t>
+            </a:r>
+            <a:r>
+              <a:rPr lang="en-US" sz="1800" dirty="0" smtClean="0">
+                <a:solidFill>
+                  <a:srgbClr val="0070C0"/>
+                </a:solidFill>
+              </a:rPr>
+              <a:t>:   </a:t>
+            </a:r>
+            <a:r>
+              <a:rPr lang="en-US" sz="1600" dirty="0" smtClean="0">
+                <a:solidFill>
+                  <a:srgbClr val="0070C0"/>
+                </a:solidFill>
+              </a:rPr>
+              <a:t>"</a:t>
+            </a:r>
+            <a:r>
+              <a:rPr lang="en-US" sz="1600" dirty="0">
+                <a:solidFill>
+                  <a:srgbClr val="0070C0"/>
+                </a:solidFill>
+              </a:rPr>
+              <a:t>http://www.w3schools.com/website/web_validate.asp" </a:t>
+            </a:r>
+            <a:endParaRPr lang="en-US" sz="1600" dirty="0" smtClean="0">
+              <a:solidFill>
+                <a:srgbClr val="0070C0"/>
+              </a:solidFill>
+            </a:endParaRPr>
+          </a:p>
+          <a:p>
+            <a:pPr marL="45720" indent="0">
+              <a:buNone/>
+            </a:pPr>
+            <a:r>
+              <a:rPr lang="en-US" sz="2400" dirty="0" smtClean="0"/>
+              <a:t>Content:</a:t>
+            </a:r>
+            <a:r>
+              <a:rPr lang="en-US" sz="1600" dirty="0" smtClean="0"/>
+              <a:t>   </a:t>
             </a:r>
             <a:r>
               <a:rPr lang="en-US" sz="2400" dirty="0" smtClean="0">
-                <a:hlinkClick r:id="rId2"/>
+                <a:solidFill>
+                  <a:srgbClr val="0070C0"/>
+                </a:solidFill>
               </a:rPr>
-              <a:t>dev.w3.org/html5/html-author/charref</a:t>
-            </a:r>
-            <a:endParaRPr lang="en-US" sz="2400" dirty="0" smtClean="0"/>
-          </a:p>
-          <a:p>
-            <a:pPr marL="320040" lvl="1" indent="0">
-              <a:spcBef>
-                <a:spcPts val="1800"/>
-              </a:spcBef>
-              <a:buNone/>
-            </a:pPr>
-            <a:r>
-              <a:rPr lang="en-US" sz="2400" dirty="0">
-                <a:hlinkClick r:id="rId3"/>
-              </a:rPr>
-              <a:t>https://</a:t>
-            </a:r>
-            <a:r>
-              <a:rPr lang="en-US" sz="2400" dirty="0" smtClean="0">
-                <a:hlinkClick r:id="rId3"/>
-              </a:rPr>
-              <a:t>en.wikipedia.org/wiki/List_of_XML_and_HTML_character_entity_references#Character_entity_references_in_HTML</a:t>
-            </a:r>
-            <a:endParaRPr lang="en-US" sz="2400" dirty="0" smtClean="0"/>
-          </a:p>
-          <a:p>
-            <a:pPr marL="320040" lvl="1" indent="0">
-              <a:spcBef>
-                <a:spcPts val="1200"/>
-              </a:spcBef>
-              <a:buNone/>
-            </a:pPr>
-            <a:endParaRPr lang="en-US" sz="2400" dirty="0" smtClean="0"/>
-          </a:p>
-          <a:p>
-            <a:pPr marL="320040" lvl="1" indent="0">
-              <a:spcBef>
-                <a:spcPts val="1200"/>
-              </a:spcBef>
-              <a:buNone/>
-            </a:pPr>
-            <a:endParaRPr lang="en-US" sz="2400" dirty="0" smtClean="0"/>
-          </a:p>
-          <a:p>
-            <a:pPr marL="45720" indent="0">
-              <a:buNone/>
-            </a:pPr>
-            <a:endParaRPr lang="en-US" sz="2600" dirty="0"/>
+              <a:t>W3Schools validator</a:t>
+            </a:r>
+            <a:endParaRPr lang="en-US" sz="2400" dirty="0">
+              <a:solidFill>
+                <a:srgbClr val="0070C0"/>
+              </a:solidFill>
+            </a:endParaRPr>
           </a:p>
         </p:txBody>
       </p:sp>
@@ -6286,7 +11781,7 @@
           <a:p>
             <a:r>
               <a:rPr lang="en-US" dirty="0" smtClean="0"/>
-              <a:t>Character entities</a:t>
+              <a:t>Specifying a link (example)</a:t>
             </a:r>
             <a:endParaRPr lang="en-US" dirty="0"/>
           </a:p>
@@ -6295,7 +11790,7 @@
     </p:spTree>
     <p:extLst>
       <p:ext uri="{BB962C8B-B14F-4D97-AF65-F5344CB8AC3E}">
-        <p14:creationId xmlns:p14="http://schemas.microsoft.com/office/powerpoint/2010/main" val="2044885514"/>
+        <p14:creationId xmlns:p14="http://schemas.microsoft.com/office/powerpoint/2010/main" val="2755905924"/>
       </p:ext>
     </p:extLst>
   </p:cSld>
@@ -6341,186 +11836,181 @@
         </p:nvSpPr>
         <p:spPr>
           <a:xfrm>
-            <a:off x="380999" y="1719070"/>
-            <a:ext cx="8407893" cy="4757929"/>
+            <a:off x="381000" y="1752600"/>
+            <a:ext cx="8407893" cy="4681729"/>
           </a:xfrm>
         </p:spPr>
         <p:txBody>
           <a:bodyPr>
-            <a:normAutofit/>
+            <a:normAutofit fontScale="92500" lnSpcReduction="20000"/>
           </a:bodyPr>
           <a:lstStyle/>
           <a:p>
-            <a:r>
-              <a:rPr lang="en-US" sz="2400" dirty="0" smtClean="0"/>
-              <a:t>start tag</a:t>
-            </a:r>
-          </a:p>
-          <a:p>
-            <a:pPr lvl="1"/>
+            <a:pPr marL="45720" indent="0">
+              <a:buNone/>
+            </a:pPr>
+            <a:r>
+              <a:rPr lang="en-US" dirty="0" smtClean="0"/>
+              <a:t>&lt;p&gt;Unordered (bulleted) list begins here:&lt;/p&gt;</a:t>
+            </a:r>
+          </a:p>
+          <a:p>
+            <a:pPr marL="45720" indent="0">
+              <a:buNone/>
+            </a:pPr>
+            <a:r>
+              <a:rPr lang="en-US" dirty="0" smtClean="0"/>
+              <a:t>&lt;</a:t>
+            </a:r>
+            <a:r>
+              <a:rPr lang="en-US" dirty="0" err="1" smtClean="0"/>
+              <a:t>ul</a:t>
+            </a:r>
+            <a:r>
+              <a:rPr lang="en-US" dirty="0" smtClean="0"/>
+              <a:t>&gt;</a:t>
+            </a:r>
+          </a:p>
+          <a:p>
+            <a:pPr marL="320040" lvl="1" indent="0">
+              <a:buNone/>
+            </a:pPr>
             <a:r>
               <a:rPr lang="en-US" sz="2000" dirty="0" smtClean="0"/>
+              <a:t>&lt;li&gt;Item 1&lt;/li&gt;</a:t>
+            </a:r>
+          </a:p>
+          <a:p>
+            <a:pPr marL="320040" lvl="1" indent="0">
+              <a:buNone/>
+            </a:pPr>
+            <a:r>
+              <a:rPr lang="en-US" sz="2000" dirty="0" smtClean="0"/>
+              <a:t>&lt;li&gt;Item 2&lt;/li&gt;</a:t>
+            </a:r>
+          </a:p>
+          <a:p>
+            <a:pPr marL="320040" lvl="1" indent="0">
+              <a:buNone/>
+            </a:pPr>
+            <a:r>
+              <a:rPr lang="en-US" sz="2000" dirty="0" smtClean="0"/>
+              <a:t>&lt;li&gt;Item 3&lt;/li&gt;</a:t>
+            </a:r>
+          </a:p>
+          <a:p>
+            <a:pPr marL="45720" indent="0">
+              <a:buNone/>
+            </a:pPr>
+            <a:r>
+              <a:rPr lang="en-US" dirty="0" smtClean="0"/>
+              <a:t>&lt;/</a:t>
+            </a:r>
+            <a:r>
+              <a:rPr lang="en-US" dirty="0" err="1" smtClean="0"/>
+              <a:t>ul</a:t>
+            </a:r>
+            <a:r>
+              <a:rPr lang="en-US" dirty="0" smtClean="0"/>
+              <a:t>&gt;</a:t>
+            </a:r>
+          </a:p>
+          <a:p>
+            <a:pPr marL="45720" indent="0">
+              <a:buNone/>
+            </a:pPr>
+            <a:endParaRPr lang="en-US" dirty="0"/>
+          </a:p>
+          <a:p>
+            <a:pPr marL="45720" indent="0">
+              <a:buNone/>
+            </a:pPr>
+            <a:r>
+              <a:rPr lang="en-US" dirty="0" smtClean="0"/>
+              <a:t>&lt;p&gt;Ordered (numbered) list begins here:&lt;/p&gt;</a:t>
+            </a:r>
+          </a:p>
+          <a:p>
+            <a:pPr marL="45720" indent="0">
+              <a:buNone/>
+            </a:pPr>
+            <a:r>
+              <a:rPr lang="en-US" dirty="0" smtClean="0"/>
               <a:t>&lt;</a:t>
             </a:r>
             <a:r>
-              <a:rPr lang="en-US" sz="2000" dirty="0" err="1" smtClean="0"/>
-              <a:t>tag_name</a:t>
-            </a:r>
-            <a:r>
-              <a:rPr lang="en-US" sz="2000" dirty="0" smtClean="0"/>
-              <a:t> [attributes]&gt;</a:t>
-            </a:r>
-          </a:p>
-          <a:p>
-            <a:pPr lvl="2"/>
-            <a:r>
-              <a:rPr lang="en-US" dirty="0" smtClean="0"/>
-              <a:t>Attributes (optional) include attribute name and value</a:t>
-            </a:r>
-          </a:p>
-          <a:p>
-            <a:pPr>
-              <a:spcBef>
-                <a:spcPts val="1800"/>
-              </a:spcBef>
-            </a:pPr>
-            <a:r>
-              <a:rPr lang="en-US" sz="2400" dirty="0" smtClean="0"/>
-              <a:t>Content</a:t>
-            </a:r>
-          </a:p>
-          <a:p>
-            <a:pPr>
-              <a:spcBef>
-                <a:spcPts val="1800"/>
-              </a:spcBef>
-            </a:pPr>
-            <a:r>
-              <a:rPr lang="en-US" sz="2400" dirty="0" smtClean="0"/>
-              <a:t>End tag</a:t>
-            </a:r>
-          </a:p>
-          <a:p>
-            <a:pPr lvl="1"/>
-            <a:r>
-              <a:rPr lang="en-US" sz="2000" dirty="0" smtClean="0"/>
+              <a:rPr lang="en-US" dirty="0" err="1" smtClean="0"/>
+              <a:t>ol</a:t>
+            </a:r>
+            <a:r>
+              <a:rPr lang="en-US" dirty="0"/>
+              <a:t>&gt;</a:t>
+            </a:r>
+          </a:p>
+          <a:p>
+            <a:pPr marL="320040" lvl="1" indent="0">
+              <a:buNone/>
+            </a:pPr>
+            <a:r>
+              <a:rPr lang="en-US" sz="2000" dirty="0"/>
+              <a:t>&lt;li&gt;Item 1&lt;/li&gt;</a:t>
+            </a:r>
+          </a:p>
+          <a:p>
+            <a:pPr marL="320040" lvl="1" indent="0">
+              <a:buNone/>
+            </a:pPr>
+            <a:r>
+              <a:rPr lang="en-US" sz="2000" dirty="0"/>
+              <a:t>&lt;li&gt;Item 2&lt;/li&gt;</a:t>
+            </a:r>
+          </a:p>
+          <a:p>
+            <a:pPr marL="320040" lvl="1" indent="0">
+              <a:buNone/>
+            </a:pPr>
+            <a:r>
+              <a:rPr lang="en-US" sz="2000" dirty="0"/>
+              <a:t>&lt;li&gt;Item 3&lt;/li&gt;</a:t>
+            </a:r>
+          </a:p>
+          <a:p>
+            <a:pPr marL="45720" indent="0">
+              <a:buNone/>
+            </a:pPr>
+            <a:r>
+              <a:rPr lang="en-US" dirty="0" smtClean="0"/>
               <a:t>&lt;/</a:t>
             </a:r>
             <a:r>
-              <a:rPr lang="en-US" sz="2000" dirty="0" err="1" smtClean="0"/>
-              <a:t>tag_name</a:t>
-            </a:r>
-            <a:r>
-              <a:rPr lang="en-US" sz="2000" dirty="0" smtClean="0"/>
+              <a:rPr lang="en-US" dirty="0" err="1" smtClean="0"/>
+              <a:t>ol</a:t>
+            </a:r>
+            <a:r>
+              <a:rPr lang="en-US" dirty="0" smtClean="0"/>
               <a:t>&gt;</a:t>
             </a:r>
           </a:p>
           <a:p>
-            <a:pPr lvl="1">
-              <a:spcBef>
-                <a:spcPts val="1200"/>
-              </a:spcBef>
-            </a:pPr>
-            <a:r>
-              <a:rPr lang="en-US" sz="2000" dirty="0" smtClean="0"/>
-              <a:t>Not used for void elements: </a:t>
-            </a:r>
-            <a:endParaRPr lang="en-US" sz="2000" dirty="0"/>
-          </a:p>
-          <a:p>
-            <a:pPr marL="640080" lvl="2" indent="0">
-              <a:buNone/>
-            </a:pPr>
-            <a:r>
-              <a:rPr lang="en-US" dirty="0" smtClean="0"/>
-              <a:t>&lt;area&gt;	&lt;command&gt;	&lt;input&gt;		&lt;</a:t>
-            </a:r>
-            <a:r>
-              <a:rPr lang="en-US" dirty="0" err="1" smtClean="0"/>
-              <a:t>param</a:t>
-            </a:r>
-            <a:r>
-              <a:rPr lang="en-US" dirty="0" smtClean="0"/>
-              <a:t>&gt;</a:t>
-            </a:r>
-          </a:p>
-          <a:p>
-            <a:pPr marL="640080" lvl="2" indent="0">
-              <a:buNone/>
-            </a:pPr>
-            <a:r>
-              <a:rPr lang="en-US" dirty="0" smtClean="0"/>
-              <a:t>&lt;base&gt;	&lt;embed&gt;	&lt;</a:t>
-            </a:r>
-            <a:r>
-              <a:rPr lang="en-US" dirty="0" err="1" smtClean="0"/>
-              <a:t>keygen</a:t>
-            </a:r>
-            <a:r>
-              <a:rPr lang="en-US" dirty="0" smtClean="0"/>
-              <a:t>&gt;	&lt;source&gt;</a:t>
-            </a:r>
-          </a:p>
-          <a:p>
-            <a:pPr marL="640080" lvl="2" indent="0">
-              <a:buNone/>
-            </a:pPr>
-            <a:r>
-              <a:rPr lang="en-US" dirty="0" smtClean="0"/>
-              <a:t>&lt;</a:t>
-            </a:r>
-            <a:r>
-              <a:rPr lang="en-US" dirty="0" err="1" smtClean="0"/>
-              <a:t>br</a:t>
-            </a:r>
-            <a:r>
-              <a:rPr lang="en-US" dirty="0" smtClean="0"/>
-              <a:t>&gt;	&lt;</a:t>
-            </a:r>
-            <a:r>
-              <a:rPr lang="en-US" dirty="0" err="1" smtClean="0"/>
-              <a:t>hr</a:t>
-            </a:r>
-            <a:r>
-              <a:rPr lang="en-US" dirty="0" smtClean="0"/>
-              <a:t>&gt;		&lt;link&gt;		&lt;track&gt;</a:t>
-            </a:r>
-          </a:p>
-          <a:p>
-            <a:pPr marL="640080" lvl="2" indent="0">
-              <a:buNone/>
-            </a:pPr>
-            <a:r>
-              <a:rPr lang="en-US" dirty="0" smtClean="0"/>
-              <a:t>&lt;col&gt;</a:t>
-            </a:r>
-            <a:r>
-              <a:rPr lang="en-US" dirty="0"/>
-              <a:t>	</a:t>
-            </a:r>
-            <a:r>
-              <a:rPr lang="en-US" dirty="0" smtClean="0"/>
-              <a:t>&lt;</a:t>
-            </a:r>
-            <a:r>
-              <a:rPr lang="en-US" dirty="0" err="1" smtClean="0"/>
-              <a:t>img</a:t>
-            </a:r>
-            <a:r>
-              <a:rPr lang="en-US" dirty="0" smtClean="0"/>
-              <a:t>&gt;		&lt;meta&gt;		&lt;</a:t>
-            </a:r>
-            <a:r>
-              <a:rPr lang="en-US" dirty="0" err="1" smtClean="0"/>
-              <a:t>wbr</a:t>
-            </a:r>
-            <a:r>
-              <a:rPr lang="en-US" dirty="0" smtClean="0"/>
-              <a:t>&gt;</a:t>
-            </a:r>
-          </a:p>
-          <a:p>
-            <a:pPr lvl="1"/>
+            <a:pPr marL="45720" indent="0">
+              <a:buNone/>
+            </a:pPr>
+            <a:endParaRPr lang="en-US" dirty="0"/>
+          </a:p>
+          <a:p>
+            <a:pPr marL="45720" indent="0">
+              <a:buNone/>
+            </a:pPr>
+            <a:r>
+              <a:rPr lang="en-US" dirty="0" smtClean="0"/>
+              <a:t>Lists can be nested; see Design page on CS2800 web site</a:t>
+            </a:r>
+            <a:endParaRPr lang="en-US" dirty="0"/>
+          </a:p>
+          <a:p>
+            <a:endParaRPr lang="en-US" dirty="0" smtClean="0"/>
+          </a:p>
+          <a:p>
             <a:endParaRPr lang="en-US" dirty="0"/>
           </a:p>
         </p:txBody>
@@ -6542,7 +12032,7 @@
           <a:p>
             <a:r>
               <a:rPr lang="en-US" dirty="0" smtClean="0"/>
-              <a:t>Parts of an element</a:t>
+              <a:t>Creating a list</a:t>
             </a:r>
             <a:endParaRPr lang="en-US" dirty="0"/>
           </a:p>
@@ -6551,7 +12041,7 @@
     </p:spTree>
     <p:extLst>
       <p:ext uri="{BB962C8B-B14F-4D97-AF65-F5344CB8AC3E}">
-        <p14:creationId xmlns:p14="http://schemas.microsoft.com/office/powerpoint/2010/main" val="32125337"/>
+        <p14:creationId xmlns:p14="http://schemas.microsoft.com/office/powerpoint/2010/main" val="841166742"/>
       </p:ext>
     </p:extLst>
   </p:cSld>
@@ -6597,8 +12087,8 @@
         </p:nvSpPr>
         <p:spPr>
           <a:xfrm>
-            <a:off x="304801" y="1719071"/>
-            <a:ext cx="8686800" cy="4407408"/>
+            <a:off x="304801" y="1719070"/>
+            <a:ext cx="8686800" cy="4757929"/>
           </a:xfrm>
         </p:spPr>
         <p:txBody>
@@ -6611,39 +12101,51 @@
               <a:buNone/>
             </a:pPr>
             <a:r>
+              <a:rPr lang="en-US" sz="1800" dirty="0"/>
+              <a:t>&lt;</a:t>
+            </a:r>
+            <a:r>
+              <a:rPr lang="en-US" sz="1800" dirty="0" err="1"/>
+              <a:t>img</a:t>
+            </a:r>
+            <a:r>
+              <a:rPr lang="en-US" sz="1800" dirty="0"/>
+              <a:t> </a:t>
+            </a:r>
+            <a:r>
+              <a:rPr lang="en-US" sz="1800" dirty="0" err="1"/>
+              <a:t>src</a:t>
+            </a:r>
+            <a:r>
+              <a:rPr lang="en-US" sz="1800" dirty="0"/>
+              <a:t>="../basics/images/static_process_400x200.jpg" </a:t>
+            </a:r>
+            <a:r>
               <a:rPr lang="en-US" sz="1800" dirty="0" smtClean="0"/>
-              <a:t>&lt;</a:t>
+              <a:t> alt</a:t>
             </a:r>
             <a:r>
               <a:rPr lang="en-US" sz="1800" dirty="0"/>
-              <a:t>a </a:t>
-            </a:r>
-            <a:r>
-              <a:rPr lang="en-US" sz="1800" dirty="0" err="1"/>
-              <a:t>href</a:t>
+              <a:t>="static processing" </a:t>
+            </a:r>
+            <a:r>
+              <a:rPr lang="en-US" sz="1800" dirty="0" smtClean="0"/>
+              <a:t> width</a:t>
             </a:r>
             <a:r>
               <a:rPr lang="en-US" sz="1800" dirty="0"/>
-              <a:t>="http://www.w3schools.com/website/web_validate.asp" </a:t>
+              <a:t>="400</a:t>
             </a:r>
             <a:r>
               <a:rPr lang="en-US" sz="1800" dirty="0" smtClean="0"/>
-              <a:t>&gt; W3Schools </a:t>
-            </a:r>
-            <a:r>
-              <a:rPr lang="en-US" sz="1800" dirty="0"/>
-              <a:t>validator&lt;/a</a:t>
-            </a:r>
-            <a:r>
-              <a:rPr lang="en-US" sz="1800" dirty="0" smtClean="0"/>
-              <a:t>&gt;</a:t>
+              <a:t>"&gt;</a:t>
             </a:r>
           </a:p>
           <a:p>
             <a:pPr marL="45720" indent="0">
               <a:buNone/>
             </a:pPr>
-            <a:endParaRPr lang="en-US" sz="1800" dirty="0"/>
+            <a:endParaRPr lang="en-US" sz="2400" dirty="0" smtClean="0"/>
           </a:p>
           <a:p>
             <a:pPr marL="45720" indent="0">
@@ -6652,6 +12154,81 @@
             <a:r>
               <a:rPr lang="en-US" sz="2400" dirty="0" smtClean="0"/>
               <a:t>Tag name:  </a:t>
+            </a:r>
+            <a:r>
+              <a:rPr lang="en-US" sz="2400" dirty="0" err="1" smtClean="0">
+                <a:solidFill>
+                  <a:srgbClr val="0070C0"/>
+                </a:solidFill>
+              </a:rPr>
+              <a:t>img</a:t>
+            </a:r>
+            <a:endParaRPr lang="en-US" sz="2400" dirty="0" smtClean="0">
+              <a:solidFill>
+                <a:srgbClr val="0070C0"/>
+              </a:solidFill>
+            </a:endParaRPr>
+          </a:p>
+          <a:p>
+            <a:pPr marL="45720" indent="0">
+              <a:spcBef>
+                <a:spcPts val="1200"/>
+              </a:spcBef>
+              <a:buNone/>
+            </a:pPr>
+            <a:r>
+              <a:rPr lang="en-US" sz="2400" dirty="0" smtClean="0"/>
+              <a:t>Attribute:   </a:t>
+            </a:r>
+            <a:r>
+              <a:rPr lang="en-US" sz="2400" dirty="0" err="1" smtClean="0">
+                <a:solidFill>
+                  <a:srgbClr val="0070C0"/>
+                </a:solidFill>
+              </a:rPr>
+              <a:t>src</a:t>
+            </a:r>
+            <a:endParaRPr lang="en-US" sz="2400" dirty="0" smtClean="0">
+              <a:solidFill>
+                <a:srgbClr val="0070C0"/>
+              </a:solidFill>
+            </a:endParaRPr>
+          </a:p>
+          <a:p>
+            <a:pPr marL="45720" indent="0">
+              <a:buNone/>
+            </a:pPr>
+            <a:r>
+              <a:rPr lang="en-US" sz="2400" dirty="0" smtClean="0"/>
+              <a:t>Attribute value</a:t>
+            </a:r>
+            <a:r>
+              <a:rPr lang="en-US" sz="1800" dirty="0" smtClean="0">
+                <a:solidFill>
+                  <a:srgbClr val="0070C0"/>
+                </a:solidFill>
+              </a:rPr>
+              <a:t>: </a:t>
+            </a:r>
+            <a:r>
+              <a:rPr lang="en-US" sz="1800" dirty="0"/>
+              <a:t>="../basics/images/static_process_400x200.jpg</a:t>
+            </a:r>
+            <a:r>
+              <a:rPr lang="en-US" sz="1800" dirty="0" smtClean="0"/>
+              <a:t>“</a:t>
+            </a:r>
+          </a:p>
+          <a:p>
+            <a:pPr marL="45720" indent="0">
+              <a:spcBef>
+                <a:spcPts val="1200"/>
+              </a:spcBef>
+              <a:buNone/>
+            </a:pPr>
+            <a:r>
+              <a:rPr lang="en-US" sz="2400" dirty="0"/>
+              <a:t>Attribute:   </a:t>
             </a:r>
             <a:r>
               <a:rPr lang="en-US" sz="2400" dirty="0" smtClean="0">
@@ -6659,38 +12236,29 @@
                   <a:srgbClr val="0070C0"/>
                 </a:solidFill>
               </a:rPr>
-              <a:t>a</a:t>
-            </a:r>
+              <a:t>alt</a:t>
+            </a:r>
+            <a:endParaRPr lang="en-US" sz="2400" dirty="0">
+              <a:solidFill>
+                <a:srgbClr val="0070C0"/>
+              </a:solidFill>
+            </a:endParaRPr>
           </a:p>
           <a:p>
             <a:pPr marL="45720" indent="0">
               <a:buNone/>
             </a:pPr>
             <a:r>
-              <a:rPr lang="en-US" sz="2400" dirty="0" smtClean="0"/>
-              <a:t>Attribute:   </a:t>
-            </a:r>
-            <a:r>
-              <a:rPr lang="en-US" sz="2400" dirty="0" err="1" smtClean="0">
+              <a:rPr lang="en-US" sz="2400" dirty="0"/>
+              <a:t>Attribute value</a:t>
+            </a:r>
+            <a:r>
+              <a:rPr lang="en-US" sz="1800" dirty="0">
                 <a:solidFill>
                   <a:srgbClr val="0070C0"/>
                 </a:solidFill>
               </a:rPr>
-              <a:t>href</a:t>
-            </a:r>
-            <a:endParaRPr lang="en-US" sz="2400" dirty="0" smtClean="0">
-              <a:solidFill>
-                <a:srgbClr val="0070C0"/>
-              </a:solidFill>
-            </a:endParaRPr>
-          </a:p>
-          <a:p>
-            <a:pPr marL="45720" indent="0">
-              <a:buNone/>
-            </a:pPr>
-            <a:r>
-              <a:rPr lang="en-US" sz="2400" dirty="0" smtClean="0"/>
-              <a:t>Attribute value</a:t>
+              <a:t>: </a:t>
             </a:r>
             <a:r>
               <a:rPr lang="en-US" sz="1800" dirty="0" smtClean="0">
@@ -6698,41 +12266,23 @@
                   <a:srgbClr val="0070C0"/>
                 </a:solidFill>
               </a:rPr>
-              <a:t>:   </a:t>
-            </a:r>
-            <a:r>
-              <a:rPr lang="en-US" sz="1600" dirty="0" smtClean="0">
-                <a:solidFill>
-                  <a:srgbClr val="0070C0"/>
-                </a:solidFill>
-              </a:rPr>
-              <a:t>"</a:t>
-            </a:r>
-            <a:r>
-              <a:rPr lang="en-US" sz="1600" dirty="0">
-                <a:solidFill>
-                  <a:srgbClr val="0070C0"/>
-                </a:solidFill>
-              </a:rPr>
-              <a:t>http://www.w3schools.com/website/web_validate.asp" </a:t>
-            </a:r>
-            <a:endParaRPr lang="en-US" sz="1600" dirty="0" smtClean="0">
-              <a:solidFill>
-                <a:srgbClr val="0070C0"/>
-              </a:solidFill>
-            </a:endParaRPr>
+              <a:t> </a:t>
+            </a:r>
+            <a:r>
+              <a:rPr lang="en-US" sz="1800" dirty="0" smtClean="0"/>
+              <a:t>“static processing“</a:t>
+            </a:r>
           </a:p>
           <a:p>
             <a:pPr marL="45720" indent="0">
-              <a:buNone/>
-            </a:pPr>
-            <a:r>
-              <a:rPr lang="en-US" sz="2400" dirty="0" smtClean="0"/>
-              <a:t>Content:</a:t>
-            </a:r>
-            <a:r>
-              <a:rPr lang="en-US" sz="1600" dirty="0" smtClean="0"/>
-              <a:t>   </a:t>
+              <a:spcBef>
+                <a:spcPts val="1200"/>
+              </a:spcBef>
+              <a:buNone/>
+            </a:pPr>
+            <a:r>
+              <a:rPr lang="en-US" sz="2400" dirty="0"/>
+              <a:t>Attribute:   </a:t>
             </a:r>
             <a:r>
               <a:rPr lang="en-US" sz="2400" dirty="0" smtClean="0">
@@ -6740,7 +12290,7 @@
                   <a:srgbClr val="0070C0"/>
                 </a:solidFill>
               </a:rPr>
-              <a:t>W3Schools validator</a:t>
+              <a:t>width</a:t>
             </a:r>
             <a:endParaRPr lang="en-US" sz="2400" dirty="0">
               <a:solidFill>
@@ -6748,6 +12298,27 @@
               </a:solidFill>
             </a:endParaRPr>
           </a:p>
+          <a:p>
+            <a:pPr marL="45720" indent="0">
+              <a:buNone/>
+            </a:pPr>
+            <a:r>
+              <a:rPr lang="en-US" sz="2400" dirty="0"/>
+              <a:t>Attribute </a:t>
+            </a:r>
+            <a:r>
+              <a:rPr lang="en-US" sz="2400" dirty="0" smtClean="0"/>
+              <a:t>value</a:t>
+            </a:r>
+            <a:r>
+              <a:rPr lang="en-US" sz="2400" dirty="0" smtClean="0">
+                <a:solidFill>
+                  <a:srgbClr val="0070C0"/>
+                </a:solidFill>
+              </a:rPr>
+              <a:t>:  400</a:t>
+            </a:r>
+          </a:p>
         </p:txBody>
       </p:sp>
       <p:sp>
@@ -6767,7 +12338,7 @@
           <a:p>
             <a:r>
               <a:rPr lang="en-US" dirty="0" smtClean="0"/>
-              <a:t>Specifying a link (example)</a:t>
+              <a:t>Specifying an image (example)</a:t>
             </a:r>
             <a:endParaRPr lang="en-US" dirty="0"/>
           </a:p>
@@ -6776,7 +12347,7 @@
     </p:spTree>
     <p:extLst>
       <p:ext uri="{BB962C8B-B14F-4D97-AF65-F5344CB8AC3E}">
-        <p14:creationId xmlns:p14="http://schemas.microsoft.com/office/powerpoint/2010/main" val="55188631"/>
+        <p14:creationId xmlns:p14="http://schemas.microsoft.com/office/powerpoint/2010/main" val="3232518727"/>
       </p:ext>
     </p:extLst>
   </p:cSld>

--- a/HTML Basics.pptx
+++ b/HTML Basics.pptx
@@ -5,7 +5,7 @@
     <p:sldMasterId id="2147483660" r:id="rId1"/>
   </p:sldMasterIdLst>
   <p:notesMasterIdLst>
-    <p:notesMasterId r:id="rId28"/>
+    <p:notesMasterId r:id="rId30"/>
   </p:notesMasterIdLst>
   <p:sldIdLst>
     <p:sldId id="257" r:id="rId2"/>
@@ -18,22 +18,24 @@
     <p:sldId id="293" r:id="rId9"/>
     <p:sldId id="294" r:id="rId10"/>
     <p:sldId id="295" r:id="rId11"/>
-    <p:sldId id="262" r:id="rId12"/>
-    <p:sldId id="271" r:id="rId13"/>
-    <p:sldId id="270" r:id="rId14"/>
-    <p:sldId id="272" r:id="rId15"/>
-    <p:sldId id="273" r:id="rId16"/>
-    <p:sldId id="274" r:id="rId17"/>
-    <p:sldId id="275" r:id="rId18"/>
-    <p:sldId id="276" r:id="rId19"/>
-    <p:sldId id="277" r:id="rId20"/>
-    <p:sldId id="282" r:id="rId21"/>
-    <p:sldId id="278" r:id="rId22"/>
-    <p:sldId id="279" r:id="rId23"/>
-    <p:sldId id="280" r:id="rId24"/>
-    <p:sldId id="281" r:id="rId25"/>
-    <p:sldId id="283" r:id="rId26"/>
-    <p:sldId id="264" r:id="rId27"/>
+    <p:sldId id="296" r:id="rId12"/>
+    <p:sldId id="297" r:id="rId13"/>
+    <p:sldId id="262" r:id="rId14"/>
+    <p:sldId id="271" r:id="rId15"/>
+    <p:sldId id="270" r:id="rId16"/>
+    <p:sldId id="272" r:id="rId17"/>
+    <p:sldId id="273" r:id="rId18"/>
+    <p:sldId id="274" r:id="rId19"/>
+    <p:sldId id="275" r:id="rId20"/>
+    <p:sldId id="276" r:id="rId21"/>
+    <p:sldId id="277" r:id="rId22"/>
+    <p:sldId id="282" r:id="rId23"/>
+    <p:sldId id="278" r:id="rId24"/>
+    <p:sldId id="279" r:id="rId25"/>
+    <p:sldId id="280" r:id="rId26"/>
+    <p:sldId id="281" r:id="rId27"/>
+    <p:sldId id="283" r:id="rId28"/>
+    <p:sldId id="264" r:id="rId29"/>
   </p:sldIdLst>
   <p:sldSz cx="9144000" cy="6858000" type="screen4x3"/>
   <p:notesSz cx="6858000" cy="9144000"/>
@@ -217,7 +219,7 @@
           <a:p>
             <a:fld id="{31E264B7-4911-445D-81A6-F820B414B7C4}" type="datetimeFigureOut">
               <a:rPr lang="en-US" smtClean="0"/>
-              <a:t>9/21/2015</a:t>
+              <a:t>9/23/2015</a:t>
             </a:fld>
             <a:endParaRPr lang="en-US"/>
           </a:p>
@@ -651,7 +653,7 @@
           <a:p>
             <a:fld id="{CF465F8E-0458-419C-84CE-2371E0B04974}" type="slidenum">
               <a:rPr lang="en-US" smtClean="0"/>
-              <a:t>17</a:t>
+              <a:t>19</a:t>
             </a:fld>
             <a:endParaRPr lang="en-US"/>
           </a:p>
@@ -744,7 +746,7 @@
           <a:p>
             <a:fld id="{CF465F8E-0458-419C-84CE-2371E0B04974}" type="slidenum">
               <a:rPr lang="en-US" smtClean="0"/>
-              <a:t>18</a:t>
+              <a:t>20</a:t>
             </a:fld>
             <a:endParaRPr lang="en-US"/>
           </a:p>
@@ -837,7 +839,7 @@
           <a:p>
             <a:fld id="{CF465F8E-0458-419C-84CE-2371E0B04974}" type="slidenum">
               <a:rPr lang="en-US" smtClean="0"/>
-              <a:t>19</a:t>
+              <a:t>21</a:t>
             </a:fld>
             <a:endParaRPr lang="en-US"/>
           </a:p>
@@ -930,7 +932,7 @@
           <a:p>
             <a:fld id="{CF465F8E-0458-419C-84CE-2371E0B04974}" type="slidenum">
               <a:rPr lang="en-US" smtClean="0"/>
-              <a:t>20</a:t>
+              <a:t>22</a:t>
             </a:fld>
             <a:endParaRPr lang="en-US"/>
           </a:p>
@@ -1023,7 +1025,7 @@
           <a:p>
             <a:fld id="{CF465F8E-0458-419C-84CE-2371E0B04974}" type="slidenum">
               <a:rPr lang="en-US" smtClean="0"/>
-              <a:t>21</a:t>
+              <a:t>23</a:t>
             </a:fld>
             <a:endParaRPr lang="en-US"/>
           </a:p>
@@ -1116,7 +1118,7 @@
           <a:p>
             <a:fld id="{CF465F8E-0458-419C-84CE-2371E0B04974}" type="slidenum">
               <a:rPr lang="en-US" smtClean="0"/>
-              <a:t>22</a:t>
+              <a:t>24</a:t>
             </a:fld>
             <a:endParaRPr lang="en-US"/>
           </a:p>
@@ -1209,7 +1211,7 @@
           <a:p>
             <a:fld id="{CF465F8E-0458-419C-84CE-2371E0B04974}" type="slidenum">
               <a:rPr lang="en-US" smtClean="0"/>
-              <a:t>23</a:t>
+              <a:t>25</a:t>
             </a:fld>
             <a:endParaRPr lang="en-US"/>
           </a:p>
@@ -1302,7 +1304,7 @@
           <a:p>
             <a:fld id="{CF465F8E-0458-419C-84CE-2371E0B04974}" type="slidenum">
               <a:rPr lang="en-US" smtClean="0"/>
-              <a:t>24</a:t>
+              <a:t>26</a:t>
             </a:fld>
             <a:endParaRPr lang="en-US"/>
           </a:p>
@@ -1395,7 +1397,7 @@
           <a:p>
             <a:fld id="{CF465F8E-0458-419C-84CE-2371E0B04974}" type="slidenum">
               <a:rPr lang="en-US" smtClean="0"/>
-              <a:t>25</a:t>
+              <a:t>27</a:t>
             </a:fld>
             <a:endParaRPr lang="en-US"/>
           </a:p>
@@ -1822,7 +1824,7 @@
           <a:p>
             <a:fld id="{CF465F8E-0458-419C-84CE-2371E0B04974}" type="slidenum">
               <a:rPr lang="en-US" smtClean="0"/>
-              <a:t>12</a:t>
+              <a:t>14</a:t>
             </a:fld>
             <a:endParaRPr lang="en-US"/>
           </a:p>
@@ -1915,7 +1917,7 @@
           <a:p>
             <a:fld id="{CF465F8E-0458-419C-84CE-2371E0B04974}" type="slidenum">
               <a:rPr lang="en-US" smtClean="0"/>
-              <a:t>13</a:t>
+              <a:t>15</a:t>
             </a:fld>
             <a:endParaRPr lang="en-US"/>
           </a:p>
@@ -2008,7 +2010,7 @@
           <a:p>
             <a:fld id="{CF465F8E-0458-419C-84CE-2371E0B04974}" type="slidenum">
               <a:rPr lang="en-US" smtClean="0"/>
-              <a:t>14</a:t>
+              <a:t>16</a:t>
             </a:fld>
             <a:endParaRPr lang="en-US"/>
           </a:p>
@@ -2101,7 +2103,7 @@
           <a:p>
             <a:fld id="{CF465F8E-0458-419C-84CE-2371E0B04974}" type="slidenum">
               <a:rPr lang="en-US" smtClean="0"/>
-              <a:t>15</a:t>
+              <a:t>17</a:t>
             </a:fld>
             <a:endParaRPr lang="en-US"/>
           </a:p>
@@ -2194,7 +2196,7 @@
           <a:p>
             <a:fld id="{CF465F8E-0458-419C-84CE-2371E0B04974}" type="slidenum">
               <a:rPr lang="en-US" smtClean="0"/>
-              <a:t>16</a:t>
+              <a:t>18</a:t>
             </a:fld>
             <a:endParaRPr lang="en-US"/>
           </a:p>
@@ -5290,7 +5292,7 @@
         <p:spPr>
           <a:xfrm>
             <a:off x="762000" y="381000"/>
-            <a:ext cx="6096000" cy="1470025"/>
+            <a:ext cx="5867400" cy="1470025"/>
           </a:xfrm>
         </p:spPr>
         <p:txBody>
@@ -5317,8 +5319,8 @@
         </p:nvSpPr>
         <p:spPr>
           <a:xfrm>
-            <a:off x="838200" y="1904816"/>
-            <a:ext cx="6400800" cy="4572184"/>
+            <a:off x="685800" y="1752600"/>
+            <a:ext cx="6400800" cy="4800600"/>
           </a:xfrm>
         </p:spPr>
         <p:txBody>
@@ -5333,8 +5335,8 @@
               </a:spcBef>
             </a:pPr>
             <a:r>
-              <a:rPr lang="en-US" altLang="en-US" sz="2400" dirty="0" smtClean="0"/>
-              <a:t>What is HTML?</a:t>
+              <a:rPr lang="en-US" altLang="en-US" sz="2200" dirty="0" smtClean="0"/>
+              <a:t>Parts of an HTML document</a:t>
             </a:r>
           </a:p>
           <a:p>
@@ -5344,8 +5346,8 @@
               </a:spcBef>
             </a:pPr>
             <a:r>
-              <a:rPr lang="en-US" altLang="en-US" sz="2400" dirty="0" smtClean="0"/>
-              <a:t>Parts of an HTML document</a:t>
+              <a:rPr lang="en-US" altLang="en-US" sz="2200" dirty="0" smtClean="0"/>
+              <a:t>Links</a:t>
             </a:r>
           </a:p>
           <a:p>
@@ -5355,8 +5357,8 @@
               </a:spcBef>
             </a:pPr>
             <a:r>
-              <a:rPr lang="en-US" altLang="en-US" sz="2400" smtClean="0"/>
-              <a:t>Character entities</a:t>
+              <a:rPr lang="en-US" altLang="en-US" sz="2200" dirty="0" smtClean="0"/>
+              <a:t>Lists</a:t>
             </a:r>
           </a:p>
           <a:p>
@@ -5366,10 +5368,9 @@
               </a:spcBef>
             </a:pPr>
             <a:r>
-              <a:rPr lang="en-US" altLang="en-US" sz="2400" smtClean="0"/>
-              <a:t>Links</a:t>
-            </a:r>
-            <a:endParaRPr lang="en-US" altLang="en-US" sz="2400" dirty="0" smtClean="0"/>
+              <a:rPr lang="en-US" altLang="en-US" sz="2200" dirty="0" smtClean="0"/>
+              <a:t>Images</a:t>
+            </a:r>
           </a:p>
           <a:p>
             <a:pPr>
@@ -5378,8 +5379,8 @@
               </a:spcBef>
             </a:pPr>
             <a:r>
-              <a:rPr lang="en-US" altLang="en-US" sz="2400" dirty="0" smtClean="0"/>
-              <a:t>Lists</a:t>
+              <a:rPr lang="en-US" altLang="en-US" sz="2200" dirty="0" smtClean="0"/>
+              <a:t>class and id attributes</a:t>
             </a:r>
           </a:p>
           <a:p>
@@ -5389,8 +5390,8 @@
               </a:spcBef>
             </a:pPr>
             <a:r>
-              <a:rPr lang="en-US" altLang="en-US" sz="2400" dirty="0" smtClean="0"/>
-              <a:t>Images</a:t>
+              <a:rPr lang="en-US" altLang="en-US" sz="2200" dirty="0" smtClean="0"/>
+              <a:t>Phrasing (inline) elements</a:t>
             </a:r>
           </a:p>
           <a:p>
@@ -5400,7 +5401,7 @@
               </a:spcBef>
             </a:pPr>
             <a:r>
-              <a:rPr lang="en-US" altLang="en-US" sz="2400" dirty="0" smtClean="0"/>
+              <a:rPr lang="en-US" altLang="en-US" sz="2200" dirty="0" smtClean="0"/>
               <a:t>Element categories</a:t>
             </a:r>
           </a:p>
@@ -5411,9 +5412,31 @@
               </a:spcBef>
             </a:pPr>
             <a:r>
-              <a:rPr lang="en-US" altLang="en-US" sz="2400" dirty="0" smtClean="0"/>
-              <a:t>HTML5 elements by type</a:t>
-            </a:r>
+              <a:rPr lang="en-US" altLang="en-US" sz="2200" dirty="0" smtClean="0"/>
+              <a:t>HTML5 elements by </a:t>
+            </a:r>
+            <a:r>
+              <a:rPr lang="en-US" altLang="en-US" sz="2200" dirty="0"/>
+              <a:t>type</a:t>
+            </a:r>
+          </a:p>
+          <a:p>
+            <a:pPr>
+              <a:spcBef>
+                <a:spcPts val="1200"/>
+              </a:spcBef>
+            </a:pPr>
+            <a:r>
+              <a:rPr lang="en-US" altLang="en-US" sz="2200" dirty="0"/>
+              <a:t>Character entities</a:t>
+            </a:r>
+          </a:p>
+          <a:p>
+            <a:pPr>
+              <a:spcBef>
+                <a:spcPts val="1200"/>
+              </a:spcBef>
+            </a:pPr>
             <a:endParaRPr lang="en-US" altLang="en-US" sz="2400" dirty="0"/>
           </a:p>
         </p:txBody>
@@ -5441,19 +5464,37 @@
           <a:lstStyle/>
           <a:p>
             <a:r>
-              <a:rPr lang="en-US" sz="1200" dirty="0" smtClean="0"/>
+              <a:rPr lang="en-US" sz="1200" dirty="0" smtClean="0">
+                <a:solidFill>
+                  <a:schemeClr val="bg1">
+                    <a:lumMod val="95000"/>
+                  </a:schemeClr>
+                </a:solidFill>
+              </a:rPr>
               <a:t>V. Starkey</a:t>
             </a:r>
           </a:p>
           <a:p>
             <a:r>
-              <a:rPr lang="en-US" sz="1200" dirty="0" smtClean="0"/>
+              <a:rPr lang="en-US" sz="1200" dirty="0" smtClean="0">
+                <a:solidFill>
+                  <a:schemeClr val="bg1">
+                    <a:lumMod val="95000"/>
+                  </a:schemeClr>
+                </a:solidFill>
+              </a:rPr>
               <a:t>Computer Science &amp; Engineering</a:t>
             </a:r>
           </a:p>
           <a:p>
             <a:r>
-              <a:rPr lang="en-US" sz="1200" dirty="0" smtClean="0"/>
+              <a:rPr lang="en-US" sz="1200" dirty="0" smtClean="0">
+                <a:solidFill>
+                  <a:schemeClr val="bg1">
+                    <a:lumMod val="95000"/>
+                  </a:schemeClr>
+                </a:solidFill>
+              </a:rPr>
               <a:t>Wright State University</a:t>
             </a:r>
           </a:p>
@@ -5751,214 +5792,68 @@
         </p:nvSpPr>
         <p:spPr>
           <a:xfrm>
-            <a:off x="228600" y="1676400"/>
-            <a:ext cx="8610600" cy="5029200"/>
+            <a:off x="152400" y="1600200"/>
+            <a:ext cx="8839199" cy="5105400"/>
           </a:xfrm>
         </p:spPr>
         <p:txBody>
           <a:bodyPr>
-            <a:normAutofit fontScale="55000" lnSpcReduction="20000"/>
+            <a:noAutofit/>
           </a:bodyPr>
           <a:lstStyle/>
           <a:p>
-            <a:pPr marL="45720" indent="0">
-              <a:spcBef>
-                <a:spcPts val="1200"/>
-              </a:spcBef>
-              <a:buNone/>
-            </a:pPr>
-            <a:r>
-              <a:rPr lang="en-US" sz="2800" dirty="0" smtClean="0"/>
-              <a:t>HTML5 has replaced the two element categories, block and in-line, with the following content categories:</a:t>
+            <a:r>
+              <a:rPr lang="en-US" dirty="0" smtClean="0"/>
+              <a:t>CSS (cascading style sheets) should be used whenever possible to style the web page. Using CSS is covered in the next module.</a:t>
             </a:r>
           </a:p>
           <a:p>
             <a:pPr>
               <a:spcBef>
-                <a:spcPts val="1200"/>
+                <a:spcPts val="2400"/>
               </a:spcBef>
             </a:pPr>
             <a:r>
-              <a:rPr lang="en-US" sz="4000" dirty="0" smtClean="0"/>
-              <a:t>Flow</a:t>
-            </a:r>
-            <a:r>
-              <a:rPr lang="en-US" sz="3100" dirty="0" smtClean="0"/>
-              <a:t>   (for text or embedded content elements)</a:t>
-            </a:r>
-            <a:endParaRPr lang="en-US" sz="3100" dirty="0" smtClean="0"/>
+              <a:rPr lang="en-US" dirty="0" smtClean="0"/>
+              <a:t>Occasionally, it may be necessary to insert an attribute within the html tag for later reference within the CSS.  Two attributes may be used for this purpose:</a:t>
+            </a:r>
+          </a:p>
+          <a:p>
+            <a:pPr lvl="1">
+              <a:spcBef>
+                <a:spcPts val="1200"/>
+              </a:spcBef>
+            </a:pPr>
+            <a:r>
+              <a:rPr lang="en-US" sz="2000" dirty="0" smtClean="0"/>
+              <a:t>id – used to uniquely identify an html element; each id name may only be used once per page</a:t>
+            </a:r>
+          </a:p>
+          <a:p>
+            <a:pPr lvl="1">
+              <a:spcBef>
+                <a:spcPts val="1200"/>
+              </a:spcBef>
+              <a:spcAft>
+                <a:spcPts val="1200"/>
+              </a:spcAft>
+            </a:pPr>
+            <a:r>
+              <a:rPr lang="en-US" sz="2000" dirty="0" smtClean="0"/>
+              <a:t>class – used to identify one or more elements for styling; an element may have more than one class.</a:t>
+            </a:r>
           </a:p>
           <a:p>
             <a:pPr>
               <a:spcBef>
-                <a:spcPts val="1800"/>
+                <a:spcPts val="2400"/>
               </a:spcBef>
             </a:pPr>
             <a:r>
-              <a:rPr lang="en-US" sz="4000" dirty="0" smtClean="0"/>
-              <a:t>Sectionin</a:t>
-            </a:r>
-            <a:r>
-              <a:rPr lang="en-US" sz="3100" dirty="0" smtClean="0"/>
-              <a:t>g  (sections include &lt;article&gt;, &lt;aside&gt;, &lt;</a:t>
-            </a:r>
-            <a:r>
-              <a:rPr lang="en-US" sz="3100" dirty="0" err="1" smtClean="0"/>
-              <a:t>nav</a:t>
-            </a:r>
-            <a:r>
-              <a:rPr lang="en-US" sz="3100" dirty="0" smtClean="0"/>
-              <a:t>&gt;) </a:t>
-            </a:r>
-            <a:endParaRPr lang="en-US" sz="3100" dirty="0" smtClean="0"/>
-          </a:p>
-          <a:p>
-            <a:pPr>
-              <a:spcBef>
-                <a:spcPts val="1800"/>
-              </a:spcBef>
-            </a:pPr>
-            <a:r>
-              <a:rPr lang="en-US" sz="4000" dirty="0" smtClean="0"/>
-              <a:t>Heading</a:t>
-            </a:r>
-            <a:r>
-              <a:rPr lang="en-US" sz="3100" dirty="0" smtClean="0"/>
-              <a:t>  (for the title of a section; &lt;h1&gt; through &lt;h6&gt;, &lt;</a:t>
-            </a:r>
-            <a:r>
-              <a:rPr lang="en-US" sz="3100" dirty="0" err="1" smtClean="0"/>
-              <a:t>hgroup</a:t>
-            </a:r>
-            <a:r>
-              <a:rPr lang="en-US" sz="3100" dirty="0" smtClean="0"/>
-              <a:t>&gt;)</a:t>
-            </a:r>
-            <a:endParaRPr lang="en-US" sz="3100" dirty="0" smtClean="0"/>
-          </a:p>
-          <a:p>
-            <a:pPr>
-              <a:spcBef>
-                <a:spcPts val="1800"/>
-              </a:spcBef>
-            </a:pPr>
-            <a:r>
-              <a:rPr lang="en-US" sz="4000" dirty="0" smtClean="0"/>
-              <a:t>Phrasing</a:t>
-            </a:r>
-            <a:r>
-              <a:rPr lang="en-US" sz="3100" dirty="0" smtClean="0"/>
-              <a:t>  (for text with markup; i.e., &lt;</a:t>
-            </a:r>
-            <a:r>
-              <a:rPr lang="en-US" sz="3100" dirty="0" err="1" smtClean="0"/>
-              <a:t>img</a:t>
-            </a:r>
-            <a:r>
-              <a:rPr lang="en-US" sz="3100" dirty="0" smtClean="0"/>
-              <a:t>&gt;, &lt;b&gt;, &lt;code&gt;)</a:t>
-            </a:r>
-            <a:endParaRPr lang="en-US" sz="3100" dirty="0" smtClean="0"/>
-          </a:p>
-          <a:p>
-            <a:pPr>
-              <a:spcBef>
-                <a:spcPts val="1800"/>
-              </a:spcBef>
-            </a:pPr>
-            <a:r>
-              <a:rPr lang="en-US" sz="4000" dirty="0" smtClean="0"/>
-              <a:t>Embedded</a:t>
-            </a:r>
-            <a:r>
-              <a:rPr lang="en-US" sz="3100" dirty="0" smtClean="0"/>
-              <a:t>  (to embed other resources, such as &lt;</a:t>
-            </a:r>
-            <a:r>
-              <a:rPr lang="en-US" sz="3100" dirty="0" err="1" smtClean="0"/>
-              <a:t>img</a:t>
-            </a:r>
-            <a:r>
-              <a:rPr lang="en-US" sz="3100" dirty="0" smtClean="0"/>
-              <a:t>&gt;, &lt;iframe&gt;, &lt;audio&gt;)</a:t>
-            </a:r>
-            <a:endParaRPr lang="en-US" sz="3100" dirty="0" smtClean="0"/>
-          </a:p>
-          <a:p>
-            <a:pPr>
-              <a:spcBef>
-                <a:spcPts val="1800"/>
-              </a:spcBef>
-            </a:pPr>
-            <a:r>
-              <a:rPr lang="en-US" sz="4000" dirty="0" smtClean="0"/>
-              <a:t>Interactive</a:t>
-            </a:r>
-            <a:r>
-              <a:rPr lang="en-US" sz="3100" dirty="0" smtClean="0"/>
-              <a:t>   (elements designed for user interaction, such as &lt;audio&gt;, &lt;video&gt;)</a:t>
-            </a:r>
-            <a:endParaRPr lang="en-US" sz="3100" dirty="0" smtClean="0"/>
-          </a:p>
-          <a:p>
-            <a:pPr>
-              <a:spcBef>
-                <a:spcPts val="1800"/>
-              </a:spcBef>
-            </a:pPr>
-            <a:r>
-              <a:rPr lang="en-US" sz="4000" dirty="0" smtClean="0"/>
-              <a:t>Form-associated</a:t>
-            </a:r>
-            <a:r>
-              <a:rPr lang="en-US" sz="3100" dirty="0" smtClean="0"/>
-              <a:t> (parts of a form, such as &lt;</a:t>
-            </a:r>
-            <a:r>
-              <a:rPr lang="en-US" sz="3100" dirty="0" err="1" smtClean="0"/>
-              <a:t>fieldset</a:t>
-            </a:r>
-            <a:r>
-              <a:rPr lang="en-US" sz="3100" dirty="0" smtClean="0"/>
-              <a:t>&gt;, &lt;</a:t>
-            </a:r>
-            <a:r>
-              <a:rPr lang="en-US" sz="3100" dirty="0" err="1" smtClean="0"/>
-              <a:t>textarea</a:t>
-            </a:r>
-            <a:r>
-              <a:rPr lang="en-US" sz="3100" dirty="0" smtClean="0"/>
-              <a:t>&gt;, &lt;select&gt;)</a:t>
-            </a:r>
-            <a:endParaRPr lang="en-US" sz="3100" dirty="0" smtClean="0"/>
-          </a:p>
-          <a:p>
+              <a:rPr lang="en-US" dirty="0" smtClean="0"/>
+              <a:t>Both class and id are case-sensitive and should start with a letter; the class and id names may contain letters, numbers, underscores, hyphens, colons, and periods.</a:t>
+            </a:r>
             <a:endParaRPr lang="en-US" dirty="0"/>
-          </a:p>
-          <a:p>
-            <a:r>
-              <a:rPr lang="en-US" dirty="0" smtClean="0"/>
-              <a:t>Reference:</a:t>
-            </a:r>
-          </a:p>
-          <a:p>
-            <a:pPr lvl="1"/>
-            <a:r>
-              <a:rPr lang="en-US" dirty="0">
-                <a:hlinkClick r:id="rId2"/>
-              </a:rPr>
-              <a:t>https://</a:t>
-            </a:r>
-            <a:r>
-              <a:rPr lang="en-US" dirty="0" smtClean="0">
-                <a:hlinkClick r:id="rId2"/>
-              </a:rPr>
-              <a:t>developer.mozilla.org/en-US/docs/Web/Guide/HTML/Content_categories</a:t>
-            </a:r>
-            <a:endParaRPr lang="en-US" dirty="0" smtClean="0"/>
-          </a:p>
-          <a:p>
-            <a:endParaRPr lang="en-US" dirty="0" smtClean="0"/>
           </a:p>
         </p:txBody>
       </p:sp>
@@ -5979,16 +5874,28 @@
           <a:p>
             <a:r>
               <a:rPr lang="en-US" dirty="0" smtClean="0"/>
-              <a:t>Element categories</a:t>
-            </a:r>
-            <a:endParaRPr lang="en-US" dirty="0"/>
+              <a:t>Identifying attributes: </a:t>
+            </a:r>
+            <a:r>
+              <a:rPr lang="en-US" sz="3600" cap="none" dirty="0" smtClean="0"/>
+              <a:t>class</a:t>
+            </a:r>
+            <a:r>
+              <a:rPr lang="en-US" cap="none" dirty="0" smtClean="0"/>
+              <a:t> and </a:t>
+            </a:r>
+            <a:r>
+              <a:rPr lang="en-US" sz="3600" cap="none" dirty="0" smtClean="0"/>
+              <a:t>id</a:t>
+            </a:r>
+            <a:endParaRPr lang="en-US" sz="3600" cap="none" dirty="0"/>
           </a:p>
         </p:txBody>
       </p:sp>
     </p:spTree>
     <p:extLst>
       <p:ext uri="{BB962C8B-B14F-4D97-AF65-F5344CB8AC3E}">
-        <p14:creationId xmlns:p14="http://schemas.microsoft.com/office/powerpoint/2010/main" val="3296590249"/>
+        <p14:creationId xmlns:p14="http://schemas.microsoft.com/office/powerpoint/2010/main" val="1233203571"/>
       </p:ext>
     </p:extLst>
   </p:cSld>
@@ -6034,154 +5941,248 @@
         </p:nvSpPr>
         <p:spPr>
           <a:xfrm>
-            <a:off x="380999" y="1719070"/>
-            <a:ext cx="8407893" cy="4910329"/>
+            <a:off x="228600" y="1719070"/>
+            <a:ext cx="8762999" cy="4681729"/>
           </a:xfrm>
         </p:spPr>
         <p:txBody>
           <a:bodyPr>
-            <a:normAutofit fontScale="92500" lnSpcReduction="20000"/>
+            <a:normAutofit fontScale="55000" lnSpcReduction="20000"/>
           </a:bodyPr>
           <a:lstStyle/>
           <a:p>
-            <a:pPr marL="45720" indent="-457200">
-              <a:buNone/>
-            </a:pPr>
-            <a:r>
-              <a:rPr lang="en-US" dirty="0" smtClean="0"/>
-              <a:t>&lt;html&gt; - root element for the document, in which all other elements must be contained</a:t>
-            </a:r>
-          </a:p>
-          <a:p>
             <a:pPr marL="45720" indent="0">
-              <a:buNone/>
-            </a:pPr>
+              <a:lnSpc>
+                <a:spcPct val="120000"/>
+              </a:lnSpc>
+              <a:buNone/>
+            </a:pPr>
+            <a:r>
+              <a:rPr lang="en-US" sz="2900" dirty="0" smtClean="0"/>
+              <a:t>The HTML phrasing elements (also referred to as inline elements) are used for formatting adding emphasis or other semantic meaning to text.</a:t>
+            </a:r>
+          </a:p>
+          <a:p>
+            <a:endParaRPr lang="en-US" sz="2900" dirty="0"/>
+          </a:p>
+          <a:p>
+            <a:pPr marL="45720" indent="0">
+              <a:buNone/>
+            </a:pPr>
+            <a:r>
+              <a:rPr lang="en-US" sz="2900" dirty="0" smtClean="0"/>
+              <a:t>Common elements for formatting text:</a:t>
+            </a:r>
+          </a:p>
+          <a:p>
+            <a:pPr marL="320040" lvl="1" indent="0">
+              <a:buNone/>
+            </a:pPr>
+            <a:r>
+              <a:rPr lang="en-US" sz="2600" dirty="0" smtClean="0"/>
+              <a:t>&lt;</a:t>
+            </a:r>
+            <a:r>
+              <a:rPr lang="en-US" sz="2600" dirty="0" err="1" smtClean="0"/>
+              <a:t>i</a:t>
+            </a:r>
+            <a:r>
+              <a:rPr lang="en-US" sz="2600" dirty="0" smtClean="0"/>
+              <a:t>&gt; - italic</a:t>
+            </a:r>
+          </a:p>
+          <a:p>
+            <a:pPr marL="320040" lvl="1" indent="0">
+              <a:buNone/>
+            </a:pPr>
+            <a:r>
+              <a:rPr lang="en-US" sz="2600" dirty="0" smtClean="0"/>
+              <a:t>&lt;b&gt; - bold</a:t>
+            </a:r>
+          </a:p>
+          <a:p>
+            <a:pPr marL="320040" lvl="1" indent="0">
+              <a:buNone/>
+            </a:pPr>
+            <a:r>
+              <a:rPr lang="en-US" sz="2600" dirty="0" smtClean="0"/>
+              <a:t>&lt;sub&gt; - subscript</a:t>
+            </a:r>
+          </a:p>
+          <a:p>
+            <a:pPr marL="320040" lvl="1" indent="0">
+              <a:buNone/>
+            </a:pPr>
+            <a:r>
+              <a:rPr lang="en-US" sz="2600" dirty="0" smtClean="0"/>
+              <a:t>&lt;sup&gt; - superscript</a:t>
+            </a:r>
+          </a:p>
+          <a:p>
+            <a:pPr marL="320040" lvl="1" indent="0">
+              <a:buNone/>
+            </a:pPr>
+            <a:r>
+              <a:rPr lang="en-US" sz="2600" dirty="0" smtClean="0"/>
+              <a:t>&lt;</a:t>
+            </a:r>
+            <a:r>
+              <a:rPr lang="en-US" sz="2600" dirty="0" err="1" smtClean="0"/>
+              <a:t>br</a:t>
+            </a:r>
+            <a:r>
+              <a:rPr lang="en-US" sz="2600" dirty="0" smtClean="0"/>
+              <a:t>&gt;  - starts a new line of text; &lt;</a:t>
+            </a:r>
+            <a:r>
+              <a:rPr lang="en-US" sz="2600" dirty="0" err="1" smtClean="0"/>
+              <a:t>br</a:t>
+            </a:r>
+            <a:r>
+              <a:rPr lang="en-US" sz="2600" dirty="0" smtClean="0"/>
+              <a:t>&gt; is an empty element (no closing tag)</a:t>
+            </a:r>
+          </a:p>
+          <a:p>
             <a:endParaRPr lang="en-US" dirty="0" smtClean="0"/>
           </a:p>
           <a:p>
             <a:pPr marL="45720" indent="0">
               <a:spcBef>
-                <a:spcPts val="0"/>
+                <a:spcPts val="1200"/>
               </a:spcBef>
-              <a:spcAft>
-                <a:spcPts val="600"/>
-              </a:spcAft>
-              <a:buNone/>
-            </a:pPr>
-            <a:r>
-              <a:rPr lang="en-US" sz="2200" b="1" dirty="0"/>
-              <a:t>m</a:t>
-            </a:r>
-            <a:r>
-              <a:rPr lang="en-US" sz="2200" b="1" dirty="0" smtClean="0"/>
-              <a:t>etadata:  </a:t>
-            </a:r>
-          </a:p>
-          <a:p>
-            <a:pPr marL="1097280" indent="-1097280">
-              <a:spcBef>
-                <a:spcPts val="600"/>
-              </a:spcBef>
-              <a:spcAft>
-                <a:spcPts val="1200"/>
-              </a:spcAft>
-              <a:buNone/>
-            </a:pPr>
-            <a:r>
-              <a:rPr lang="en-US" dirty="0" smtClean="0"/>
-              <a:t>&lt;base&gt; - specifies the base URL to use for all relative URLS          contained within a document</a:t>
-            </a:r>
-          </a:p>
-          <a:p>
-            <a:pPr marL="1097280" indent="-1097280">
-              <a:spcBef>
-                <a:spcPts val="600"/>
-              </a:spcBef>
-              <a:spcAft>
-                <a:spcPts val="1200"/>
-              </a:spcAft>
-              <a:buNone/>
-            </a:pPr>
-            <a:r>
-              <a:rPr lang="en-US" dirty="0" smtClean="0"/>
-              <a:t>&lt;head&gt; - provides general information about the document</a:t>
-            </a:r>
-          </a:p>
-          <a:p>
-            <a:pPr marL="1097280" indent="-1097280">
-              <a:spcBef>
-                <a:spcPts val="600"/>
-              </a:spcBef>
-              <a:spcAft>
-                <a:spcPts val="1200"/>
-              </a:spcAft>
-              <a:buNone/>
-            </a:pPr>
-            <a:r>
-              <a:rPr lang="en-US" dirty="0" smtClean="0"/>
-              <a:t>&lt;link&gt; - specifies relationships between the current document and an external resource, such as style sheets</a:t>
-            </a:r>
-          </a:p>
-          <a:p>
-            <a:pPr marL="1097280" indent="-1097280">
-              <a:spcBef>
-                <a:spcPts val="600"/>
-              </a:spcBef>
-              <a:spcAft>
-                <a:spcPts val="1200"/>
-              </a:spcAft>
-              <a:buNone/>
-            </a:pPr>
-            <a:r>
-              <a:rPr lang="en-US" dirty="0" smtClean="0"/>
-              <a:t>&lt;meta&gt; - represents metadata information</a:t>
-            </a:r>
-          </a:p>
-          <a:p>
-            <a:pPr marL="1097280" indent="-1097280">
-              <a:spcBef>
-                <a:spcPts val="600"/>
-              </a:spcBef>
-              <a:spcAft>
-                <a:spcPts val="1200"/>
-              </a:spcAft>
-              <a:buNone/>
-            </a:pPr>
-            <a:r>
-              <a:rPr lang="en-US" dirty="0" smtClean="0"/>
-              <a:t>&lt;style&gt; - contains style information for the document; expected to be </a:t>
-            </a:r>
-            <a:r>
-              <a:rPr lang="en-US" dirty="0" err="1" smtClean="0"/>
-              <a:t>css</a:t>
-            </a:r>
-            <a:r>
-              <a:rPr lang="en-US" dirty="0" smtClean="0"/>
-              <a:t> </a:t>
-            </a:r>
-          </a:p>
-          <a:p>
-            <a:pPr marL="1097280" indent="-1097280">
-              <a:spcBef>
-                <a:spcPts val="600"/>
-              </a:spcBef>
-              <a:spcAft>
-                <a:spcPts val="1200"/>
-              </a:spcAft>
-              <a:buNone/>
-            </a:pPr>
-            <a:r>
-              <a:rPr lang="en-US" dirty="0" smtClean="0"/>
-              <a:t>&lt;title&gt; - defines the title for the document for the </a:t>
-            </a:r>
-            <a:r>
-              <a:rPr lang="en-US" dirty="0" err="1" smtClean="0"/>
-              <a:t>brower’s</a:t>
-            </a:r>
-            <a:r>
-              <a:rPr lang="en-US" dirty="0" smtClean="0"/>
-              <a:t> title bar or page tab</a:t>
-            </a:r>
+              <a:buNone/>
+            </a:pPr>
+            <a:r>
+              <a:rPr lang="en-US" sz="3300" dirty="0" smtClean="0"/>
+              <a:t>Common elements for identifying content</a:t>
+            </a:r>
+            <a:r>
+              <a:rPr lang="en-US" dirty="0" smtClean="0"/>
+              <a:t>:</a:t>
+            </a:r>
+          </a:p>
+          <a:p>
+            <a:pPr marL="320040" lvl="1" indent="0">
+              <a:buNone/>
+            </a:pPr>
+            <a:r>
+              <a:rPr lang="en-US" sz="2300" dirty="0" smtClean="0"/>
+              <a:t>&lt;</a:t>
+            </a:r>
+            <a:r>
+              <a:rPr lang="en-US" sz="2300" dirty="0" err="1" smtClean="0"/>
+              <a:t>abbr</a:t>
+            </a:r>
+            <a:r>
+              <a:rPr lang="en-US" sz="2300" dirty="0" smtClean="0"/>
+              <a:t>&gt; - abbreviation			&lt;q&gt; - used for quotations; displays with “”</a:t>
+            </a:r>
+          </a:p>
+          <a:p>
+            <a:pPr marL="320040" lvl="1" indent="0">
+              <a:buNone/>
+            </a:pPr>
+            <a:r>
+              <a:rPr lang="en-US" sz="2300" dirty="0" smtClean="0"/>
+              <a:t>&lt;cite&gt;	 - bibliographic citation		&lt;</a:t>
+            </a:r>
+            <a:r>
+              <a:rPr lang="en-US" sz="2300" dirty="0" err="1" smtClean="0"/>
+              <a:t>samp</a:t>
+            </a:r>
+            <a:r>
+              <a:rPr lang="en-US" sz="2300" dirty="0" smtClean="0"/>
+              <a:t>&gt; - marks a sequence of characters</a:t>
+            </a:r>
+          </a:p>
+          <a:p>
+            <a:pPr marL="320040" lvl="1" indent="0">
+              <a:buNone/>
+            </a:pPr>
+            <a:r>
+              <a:rPr lang="en-US" sz="2300" dirty="0" smtClean="0"/>
+              <a:t>&lt;code&gt; - used to display computer code		&lt;strong&gt; - indicates strong emphasis (bold)</a:t>
+            </a:r>
+          </a:p>
+          <a:p>
+            <a:pPr marL="320040" lvl="1" indent="0">
+              <a:buNone/>
+            </a:pPr>
+            <a:r>
+              <a:rPr lang="en-US" sz="2300" dirty="0" smtClean="0"/>
+              <a:t>&lt;</a:t>
+            </a:r>
+            <a:r>
+              <a:rPr lang="en-US" sz="2300" dirty="0" err="1" smtClean="0"/>
+              <a:t>dfn</a:t>
+            </a:r>
+            <a:r>
+              <a:rPr lang="en-US" sz="2300" dirty="0" smtClean="0"/>
+              <a:t>&gt; - used for terms defined elsewhere	&lt;</a:t>
+            </a:r>
+            <a:r>
+              <a:rPr lang="en-US" sz="2300" dirty="0" err="1" smtClean="0"/>
+              <a:t>var</a:t>
+            </a:r>
+            <a:r>
+              <a:rPr lang="en-US" sz="2300" dirty="0" smtClean="0"/>
+              <a:t>&gt; - used for computer variables</a:t>
+            </a:r>
+          </a:p>
+          <a:p>
+            <a:pPr marL="320040" lvl="1" indent="0">
+              <a:buNone/>
+            </a:pPr>
+            <a:r>
+              <a:rPr lang="en-US" sz="2300" dirty="0" smtClean="0"/>
+              <a:t>&lt;</a:t>
+            </a:r>
+            <a:r>
+              <a:rPr lang="en-US" sz="2300" dirty="0" err="1" smtClean="0"/>
+              <a:t>em</a:t>
+            </a:r>
+            <a:r>
+              <a:rPr lang="en-US" sz="2300" dirty="0" smtClean="0"/>
+              <a:t>&gt; - indicates emphasis (usually italic)</a:t>
+            </a:r>
+            <a:r>
+              <a:rPr lang="en-US" dirty="0" smtClean="0"/>
+              <a:t>		</a:t>
+            </a:r>
+            <a:endParaRPr lang="en-US" dirty="0"/>
+          </a:p>
+          <a:p>
+            <a:pPr marL="45720" indent="0">
+              <a:buNone/>
+            </a:pPr>
+            <a:endParaRPr lang="en-US" dirty="0" smtClean="0"/>
+          </a:p>
+          <a:p>
+            <a:pPr marL="45720" indent="0">
+              <a:buNone/>
+            </a:pPr>
+            <a:r>
+              <a:rPr lang="en-US" dirty="0" smtClean="0"/>
+              <a:t/>
+            </a:r>
+            <a:br>
+              <a:rPr lang="en-US" dirty="0" smtClean="0"/>
+            </a:br>
+            <a:endParaRPr lang="en-US" dirty="0" smtClean="0"/>
+          </a:p>
+          <a:p>
+            <a:pPr marL="45720" indent="0">
+              <a:buNone/>
+            </a:pPr>
+            <a:r>
+              <a:rPr lang="en-US" sz="3300" dirty="0" smtClean="0"/>
+              <a:t>Slides 17-19 describe all available HTML5 phrasing elements.</a:t>
+            </a:r>
+            <a:endParaRPr lang="en-US" sz="3300" dirty="0"/>
+          </a:p>
+          <a:p>
+            <a:endParaRPr lang="en-US" dirty="0"/>
           </a:p>
         </p:txBody>
       </p:sp>
@@ -6202,51 +6203,16 @@
           <a:p>
             <a:r>
               <a:rPr lang="en-US" dirty="0" smtClean="0"/>
-              <a:t>HTML elements </a:t>
-            </a:r>
-            <a:r>
-              <a:rPr lang="en-US" dirty="0"/>
-              <a:t>by </a:t>
-            </a:r>
-            <a:r>
-              <a:rPr lang="en-US" dirty="0" smtClean="0"/>
-              <a:t>Function</a:t>
-            </a:r>
-            <a:r>
-              <a:rPr lang="en-US" dirty="0"/>
-              <a:t/>
-            </a:r>
-            <a:br>
-              <a:rPr lang="en-US" dirty="0"/>
-            </a:br>
-            <a:r>
-              <a:rPr lang="en-US" sz="1400" dirty="0"/>
-              <a:t>(from </a:t>
-            </a:r>
-            <a:r>
-              <a:rPr lang="en-US" sz="1400" dirty="0">
-                <a:hlinkClick r:id="rId3"/>
-              </a:rPr>
-              <a:t>https://</a:t>
-            </a:r>
-            <a:r>
-              <a:rPr lang="en-US" sz="1400" dirty="0" smtClean="0">
-                <a:hlinkClick r:id="rId3"/>
-              </a:rPr>
-              <a:t>developer.mozilla.org/en-US/docs/Web/HTML/Element</a:t>
-            </a:r>
-            <a:r>
-              <a:rPr lang="en-US" sz="1400" dirty="0" smtClean="0"/>
-              <a:t>)</a:t>
-            </a:r>
-            <a:endParaRPr lang="en-US" sz="1400" dirty="0"/>
+              <a:t>Phrasing elements for styling</a:t>
+            </a:r>
+            <a:endParaRPr lang="en-US" dirty="0"/>
           </a:p>
         </p:txBody>
       </p:sp>
     </p:spTree>
     <p:extLst>
       <p:ext uri="{BB962C8B-B14F-4D97-AF65-F5344CB8AC3E}">
-        <p14:creationId xmlns:p14="http://schemas.microsoft.com/office/powerpoint/2010/main" val="2866520946"/>
+        <p14:creationId xmlns:p14="http://schemas.microsoft.com/office/powerpoint/2010/main" val="4159554438"/>
       </p:ext>
     </p:extLst>
   </p:cSld>
@@ -6292,184 +6258,207 @@
         </p:nvSpPr>
         <p:spPr>
           <a:xfrm>
-            <a:off x="381000" y="1649681"/>
-            <a:ext cx="8686801" cy="5181600"/>
+            <a:off x="228600" y="1676400"/>
+            <a:ext cx="8610600" cy="5029200"/>
           </a:xfrm>
         </p:spPr>
         <p:txBody>
           <a:bodyPr>
-            <a:normAutofit fontScale="92500" lnSpcReduction="20000"/>
+            <a:normAutofit fontScale="55000" lnSpcReduction="20000"/>
           </a:bodyPr>
           <a:lstStyle/>
           <a:p>
-            <a:pPr marL="0" indent="0">
-              <a:buNone/>
-            </a:pPr>
-            <a:r>
-              <a:rPr lang="en-US" b="1" dirty="0" smtClean="0"/>
-              <a:t>Content sectioning:</a:t>
-            </a:r>
-          </a:p>
-          <a:p>
-            <a:pPr marL="914400" indent="-914400">
+            <a:pPr marL="45720" indent="0">
               <a:spcBef>
                 <a:spcPts val="1200"/>
               </a:spcBef>
               <a:buNone/>
             </a:pPr>
             <a:r>
-              <a:rPr lang="en-US" dirty="0" smtClean="0"/>
-              <a:t>&lt;address&gt; - contact information</a:t>
-            </a:r>
-          </a:p>
-          <a:p>
-            <a:pPr marL="914400" indent="-914400">
+              <a:rPr lang="en-US" sz="2800" dirty="0" smtClean="0"/>
+              <a:t>HTML5 has replaced the two element categories, block and in-line, with the following content categories:</a:t>
+            </a:r>
+          </a:p>
+          <a:p>
+            <a:pPr>
               <a:spcBef>
                 <a:spcPts val="1200"/>
               </a:spcBef>
-              <a:buNone/>
-            </a:pPr>
-            <a:r>
-              <a:rPr lang="en-US" dirty="0" smtClean="0"/>
-              <a:t>&lt;article&gt; - a self-contained composition within a document</a:t>
-            </a:r>
-          </a:p>
-          <a:p>
-            <a:pPr marL="914400" indent="-914400">
+            </a:pPr>
+            <a:r>
+              <a:rPr lang="en-US" sz="4000" dirty="0" smtClean="0"/>
+              <a:t>Flow</a:t>
+            </a:r>
+            <a:r>
+              <a:rPr lang="en-US" sz="3100" dirty="0" smtClean="0"/>
+              <a:t>   (for text or embedded content elements)</a:t>
+            </a:r>
+          </a:p>
+          <a:p>
+            <a:pPr>
               <a:spcBef>
-                <a:spcPts val="1200"/>
+                <a:spcPts val="1800"/>
               </a:spcBef>
-              <a:buNone/>
-            </a:pPr>
-            <a:r>
-              <a:rPr lang="en-US" dirty="0" smtClean="0"/>
-              <a:t>&lt;aside&gt; - related content</a:t>
-            </a:r>
-          </a:p>
-          <a:p>
-            <a:pPr marL="914400" indent="-914400">
+            </a:pPr>
+            <a:r>
+              <a:rPr lang="en-US" sz="4000" dirty="0" smtClean="0"/>
+              <a:t>Sectionin</a:t>
+            </a:r>
+            <a:r>
+              <a:rPr lang="en-US" sz="3100" dirty="0" smtClean="0"/>
+              <a:t>g  (sections include &lt;article&gt;, &lt;aside&gt;, &lt;</a:t>
+            </a:r>
+            <a:r>
+              <a:rPr lang="en-US" sz="3100" dirty="0" err="1" smtClean="0"/>
+              <a:t>nav</a:t>
+            </a:r>
+            <a:r>
+              <a:rPr lang="en-US" sz="3100" dirty="0" smtClean="0"/>
+              <a:t>&gt;) </a:t>
+            </a:r>
+          </a:p>
+          <a:p>
+            <a:pPr>
               <a:spcBef>
-                <a:spcPts val="1200"/>
+                <a:spcPts val="1800"/>
               </a:spcBef>
-              <a:buNone/>
-            </a:pPr>
-            <a:r>
-              <a:rPr lang="en-US" dirty="0" smtClean="0"/>
-              <a:t>&lt;body&gt; - the content of the HTML document</a:t>
-            </a:r>
-          </a:p>
-          <a:p>
-            <a:pPr marL="914400" indent="-914400">
+            </a:pPr>
+            <a:r>
+              <a:rPr lang="en-US" sz="4000" dirty="0" smtClean="0"/>
+              <a:t>Heading</a:t>
+            </a:r>
+            <a:r>
+              <a:rPr lang="en-US" sz="3100" dirty="0" smtClean="0"/>
+              <a:t>  (for the title of a section; &lt;h1&gt; through &lt;h6&gt;, &lt;</a:t>
+            </a:r>
+            <a:r>
+              <a:rPr lang="en-US" sz="3100" dirty="0" err="1" smtClean="0"/>
+              <a:t>hgroup</a:t>
+            </a:r>
+            <a:r>
+              <a:rPr lang="en-US" sz="3100" dirty="0" smtClean="0"/>
+              <a:t>&gt;)</a:t>
+            </a:r>
+          </a:p>
+          <a:p>
+            <a:pPr>
               <a:spcBef>
-                <a:spcPts val="1200"/>
+                <a:spcPts val="1800"/>
               </a:spcBef>
-              <a:buNone/>
-            </a:pPr>
-            <a:r>
-              <a:rPr lang="en-US" dirty="0" smtClean="0"/>
-              <a:t>&lt;div&gt; - a generic container; use only if no other element applies</a:t>
-            </a:r>
-          </a:p>
-          <a:p>
-            <a:pPr marL="914400" indent="-914400">
+            </a:pPr>
+            <a:r>
+              <a:rPr lang="en-US" sz="4000" dirty="0" smtClean="0"/>
+              <a:t>Phrasing</a:t>
+            </a:r>
+            <a:r>
+              <a:rPr lang="en-US" sz="3100" dirty="0" smtClean="0"/>
+              <a:t>  (for text with markup; i.e., &lt;</a:t>
+            </a:r>
+            <a:r>
+              <a:rPr lang="en-US" sz="3100" dirty="0" err="1" smtClean="0"/>
+              <a:t>img</a:t>
+            </a:r>
+            <a:r>
+              <a:rPr lang="en-US" sz="3100" dirty="0" smtClean="0"/>
+              <a:t>&gt;, &lt;b&gt;, &lt;code&gt;)</a:t>
+            </a:r>
+          </a:p>
+          <a:p>
+            <a:pPr>
               <a:spcBef>
-                <a:spcPts val="1200"/>
+                <a:spcPts val="1800"/>
               </a:spcBef>
-              <a:buNone/>
-            </a:pPr>
-            <a:r>
-              <a:rPr lang="en-US" dirty="0" smtClean="0"/>
-              <a:t>&lt;footer&gt; - info about the author, copyright, info to related documents</a:t>
-            </a:r>
-          </a:p>
-          <a:p>
-            <a:pPr marL="914400" indent="-914400">
+            </a:pPr>
+            <a:r>
+              <a:rPr lang="en-US" sz="4000" dirty="0" smtClean="0"/>
+              <a:t>Embedded</a:t>
+            </a:r>
+            <a:r>
+              <a:rPr lang="en-US" sz="3100" dirty="0" smtClean="0"/>
+              <a:t>  (to embed other resources, such as &lt;</a:t>
+            </a:r>
+            <a:r>
+              <a:rPr lang="en-US" sz="3100" dirty="0" err="1" smtClean="0"/>
+              <a:t>img</a:t>
+            </a:r>
+            <a:r>
+              <a:rPr lang="en-US" sz="3100" dirty="0" smtClean="0"/>
+              <a:t>&gt;, &lt;iframe&gt;, &lt;audio&gt;)</a:t>
+            </a:r>
+          </a:p>
+          <a:p>
+            <a:pPr>
               <a:spcBef>
-                <a:spcPts val="1200"/>
+                <a:spcPts val="1800"/>
               </a:spcBef>
-              <a:buNone/>
-            </a:pPr>
-            <a:r>
-              <a:rPr lang="en-US" dirty="0" smtClean="0"/>
-              <a:t>&lt;header&gt; - heading elements, logo, navigation</a:t>
-            </a:r>
-          </a:p>
-          <a:p>
-            <a:pPr marL="914400" indent="-914400">
+            </a:pPr>
+            <a:r>
+              <a:rPr lang="en-US" sz="4000" dirty="0" smtClean="0"/>
+              <a:t>Interactive</a:t>
+            </a:r>
+            <a:r>
+              <a:rPr lang="en-US" sz="3100" dirty="0" smtClean="0"/>
+              <a:t>   (elements designed for user interaction, such as &lt;audio&gt;, &lt;video&gt;)</a:t>
+            </a:r>
+          </a:p>
+          <a:p>
+            <a:pPr>
               <a:spcBef>
-                <a:spcPts val="1200"/>
+                <a:spcPts val="1800"/>
               </a:spcBef>
-              <a:buNone/>
-            </a:pPr>
-            <a:r>
-              <a:rPr lang="en-US" dirty="0" smtClean="0"/>
-              <a:t>&lt;h1&gt;, &lt;h2&gt;, &lt;h3&gt;, &lt;h4&gt;, &lt;h5&gt;, &lt;h6&gt; - document headings</a:t>
-            </a:r>
-          </a:p>
-          <a:p>
-            <a:pPr marL="914400" indent="-914400">
-              <a:spcBef>
-                <a:spcPts val="1200"/>
-              </a:spcBef>
-              <a:buNone/>
-            </a:pPr>
-            <a:r>
-              <a:rPr lang="en-US" dirty="0" smtClean="0"/>
-              <a:t>&lt;</a:t>
-            </a:r>
-            <a:r>
-              <a:rPr lang="en-US" dirty="0" err="1" smtClean="0"/>
-              <a:t>hgroup</a:t>
-            </a:r>
-            <a:r>
-              <a:rPr lang="en-US" dirty="0" smtClean="0"/>
-              <a:t>&gt; - the heading of a section</a:t>
-            </a:r>
-          </a:p>
-          <a:p>
-            <a:pPr marL="914400" indent="-914400">
-              <a:spcBef>
-                <a:spcPts val="1200"/>
-              </a:spcBef>
-              <a:buNone/>
-            </a:pPr>
-            <a:r>
-              <a:rPr lang="en-US" dirty="0" smtClean="0"/>
-              <a:t>&lt;main&gt; - the main content of the page, should be unique to the page</a:t>
-            </a:r>
-          </a:p>
-          <a:p>
-            <a:pPr marL="914400" indent="-914400">
-              <a:spcBef>
-                <a:spcPts val="1200"/>
-              </a:spcBef>
-              <a:buNone/>
-            </a:pPr>
-            <a:r>
-              <a:rPr lang="en-US" dirty="0" smtClean="0"/>
-              <a:t>&lt;</a:t>
-            </a:r>
-            <a:r>
-              <a:rPr lang="en-US" dirty="0" err="1" smtClean="0"/>
-              <a:t>nav</a:t>
-            </a:r>
-            <a:r>
-              <a:rPr lang="en-US" dirty="0" smtClean="0"/>
-              <a:t>&gt; - a section of the page that links to other pages</a:t>
-            </a:r>
-          </a:p>
-          <a:p>
-            <a:pPr marL="914400" indent="-914400">
-              <a:spcBef>
-                <a:spcPts val="1200"/>
-              </a:spcBef>
-              <a:buNone/>
-            </a:pPr>
-            <a:r>
-              <a:rPr lang="en-US" dirty="0" smtClean="0"/>
-              <a:t>&lt;section&gt; - a thematic grouping of content</a:t>
-            </a:r>
+            </a:pPr>
+            <a:r>
+              <a:rPr lang="en-US" sz="4000" dirty="0" smtClean="0"/>
+              <a:t>Form-associated</a:t>
+            </a:r>
+            <a:r>
+              <a:rPr lang="en-US" sz="3100" dirty="0" smtClean="0"/>
+              <a:t> (parts of a form, such as &lt;</a:t>
+            </a:r>
+            <a:r>
+              <a:rPr lang="en-US" sz="3100" dirty="0" err="1" smtClean="0"/>
+              <a:t>fieldset</a:t>
+            </a:r>
+            <a:r>
+              <a:rPr lang="en-US" sz="3100" dirty="0" smtClean="0"/>
+              <a:t>&gt;, &lt;</a:t>
+            </a:r>
+            <a:r>
+              <a:rPr lang="en-US" sz="3100" dirty="0" err="1" smtClean="0"/>
+              <a:t>textarea</a:t>
+            </a:r>
+            <a:r>
+              <a:rPr lang="en-US" sz="3100" dirty="0" smtClean="0"/>
+              <a:t>&gt;, &lt;select&gt;)</a:t>
+            </a:r>
+          </a:p>
+          <a:p>
             <a:endParaRPr lang="en-US" dirty="0"/>
+          </a:p>
+          <a:p>
+            <a:r>
+              <a:rPr lang="en-US" dirty="0" smtClean="0"/>
+              <a:t>Reference:</a:t>
+            </a:r>
+          </a:p>
+          <a:p>
+            <a:pPr lvl="1"/>
+            <a:r>
+              <a:rPr lang="en-US" dirty="0">
+                <a:hlinkClick r:id="rId2"/>
+              </a:rPr>
+              <a:t>https://</a:t>
+            </a:r>
+            <a:r>
+              <a:rPr lang="en-US" dirty="0" smtClean="0">
+                <a:hlinkClick r:id="rId2"/>
+              </a:rPr>
+              <a:t>developer.mozilla.org/en-US/docs/Web/Guide/HTML/Content_categories</a:t>
+            </a:r>
+            <a:endParaRPr lang="en-US" dirty="0" smtClean="0"/>
+          </a:p>
+          <a:p>
+            <a:endParaRPr lang="en-US" dirty="0" smtClean="0"/>
           </a:p>
         </p:txBody>
       </p:sp>
@@ -6490,51 +6479,16 @@
           <a:p>
             <a:r>
               <a:rPr lang="en-US" dirty="0" smtClean="0"/>
-              <a:t>HTML elements </a:t>
-            </a:r>
-            <a:r>
-              <a:rPr lang="en-US" dirty="0"/>
-              <a:t>by </a:t>
-            </a:r>
-            <a:r>
-              <a:rPr lang="en-US" dirty="0" smtClean="0"/>
-              <a:t>Function</a:t>
-            </a:r>
-            <a:r>
-              <a:rPr lang="en-US" dirty="0"/>
-              <a:t/>
-            </a:r>
-            <a:br>
-              <a:rPr lang="en-US" dirty="0"/>
-            </a:br>
-            <a:r>
-              <a:rPr lang="en-US" sz="1400" dirty="0"/>
-              <a:t>(from </a:t>
-            </a:r>
-            <a:r>
-              <a:rPr lang="en-US" sz="1400" dirty="0">
-                <a:hlinkClick r:id="rId3"/>
-              </a:rPr>
-              <a:t>https://</a:t>
-            </a:r>
-            <a:r>
-              <a:rPr lang="en-US" sz="1400" dirty="0" smtClean="0">
-                <a:hlinkClick r:id="rId3"/>
-              </a:rPr>
-              <a:t>developer.mozilla.org/en-US/docs/Web/HTML/Element</a:t>
-            </a:r>
-            <a:r>
-              <a:rPr lang="en-US" sz="1400" dirty="0" smtClean="0"/>
-              <a:t>)</a:t>
-            </a:r>
-            <a:endParaRPr lang="en-US" sz="1400" dirty="0"/>
+              <a:t>Element categories</a:t>
+            </a:r>
+            <a:endParaRPr lang="en-US" dirty="0"/>
           </a:p>
         </p:txBody>
       </p:sp>
     </p:spTree>
     <p:extLst>
       <p:ext uri="{BB962C8B-B14F-4D97-AF65-F5344CB8AC3E}">
-        <p14:creationId xmlns:p14="http://schemas.microsoft.com/office/powerpoint/2010/main" val="1782037849"/>
+        <p14:creationId xmlns:p14="http://schemas.microsoft.com/office/powerpoint/2010/main" val="3296590249"/>
       </p:ext>
     </p:extLst>
   </p:cSld>
@@ -6581,202 +6535,153 @@
         <p:spPr>
           <a:xfrm>
             <a:off x="380999" y="1719070"/>
-            <a:ext cx="8686801" cy="4986530"/>
+            <a:ext cx="8407893" cy="4910329"/>
           </a:xfrm>
         </p:spPr>
         <p:txBody>
           <a:bodyPr>
-            <a:normAutofit/>
+            <a:normAutofit fontScale="92500" lnSpcReduction="20000"/>
           </a:bodyPr>
           <a:lstStyle/>
           <a:p>
-            <a:pPr marL="0" indent="0">
-              <a:spcAft>
-                <a:spcPts val="1200"/>
-              </a:spcAft>
-              <a:buNone/>
-            </a:pPr>
-            <a:r>
-              <a:rPr lang="en-US" b="1" dirty="0" smtClean="0"/>
-              <a:t>Text Content:</a:t>
-            </a:r>
-          </a:p>
-          <a:p>
-            <a:pPr marL="914400" indent="-914400">
-              <a:spcBef>
-                <a:spcPts val="1200"/>
-              </a:spcBef>
-              <a:buNone/>
-            </a:pPr>
-            <a:r>
-              <a:rPr lang="en-US" dirty="0" smtClean="0"/>
-              <a:t>Description elements:  &lt;dl&gt;  (begin definition list)</a:t>
-            </a:r>
-          </a:p>
-          <a:p>
-            <a:pPr marL="914400" indent="-914400">
+            <a:pPr marL="45720" indent="-457200">
+              <a:buNone/>
+            </a:pPr>
+            <a:r>
+              <a:rPr lang="en-US" dirty="0" smtClean="0"/>
+              <a:t>&lt;html&gt; - root element for the document, in which all other elements must be contained</a:t>
+            </a:r>
+          </a:p>
+          <a:p>
+            <a:pPr marL="45720" indent="0">
+              <a:buNone/>
+            </a:pPr>
+            <a:endParaRPr lang="en-US" dirty="0" smtClean="0"/>
+          </a:p>
+          <a:p>
+            <a:pPr marL="45720" indent="0">
               <a:spcBef>
                 <a:spcPts val="0"/>
               </a:spcBef>
-              <a:buNone/>
-            </a:pPr>
-            <a:r>
-              <a:rPr lang="en-US" dirty="0"/>
-              <a:t>	</a:t>
-            </a:r>
-            <a:r>
-              <a:rPr lang="en-US" dirty="0" smtClean="0"/>
-              <a:t>		   &lt;</a:t>
+              <a:spcAft>
+                <a:spcPts val="600"/>
+              </a:spcAft>
+              <a:buNone/>
+            </a:pPr>
+            <a:r>
+              <a:rPr lang="en-US" sz="2200" b="1" dirty="0"/>
+              <a:t>m</a:t>
+            </a:r>
+            <a:r>
+              <a:rPr lang="en-US" sz="2200" b="1" dirty="0" smtClean="0"/>
+              <a:t>etadata:  </a:t>
+            </a:r>
+          </a:p>
+          <a:p>
+            <a:pPr marL="1097280" indent="-1097280">
+              <a:spcBef>
+                <a:spcPts val="600"/>
+              </a:spcBef>
+              <a:spcAft>
+                <a:spcPts val="1200"/>
+              </a:spcAft>
+              <a:buNone/>
+            </a:pPr>
+            <a:r>
+              <a:rPr lang="en-US" dirty="0" smtClean="0"/>
+              <a:t>&lt;base&gt; - specifies the base URL to use for all relative URLS          contained within a document</a:t>
+            </a:r>
+          </a:p>
+          <a:p>
+            <a:pPr marL="1097280" indent="-1097280">
+              <a:spcBef>
+                <a:spcPts val="600"/>
+              </a:spcBef>
+              <a:spcAft>
+                <a:spcPts val="1200"/>
+              </a:spcAft>
+              <a:buNone/>
+            </a:pPr>
+            <a:r>
+              <a:rPr lang="en-US" dirty="0" smtClean="0"/>
+              <a:t>&lt;head&gt; - provides general information about the document</a:t>
+            </a:r>
+          </a:p>
+          <a:p>
+            <a:pPr marL="1097280" indent="-1097280">
+              <a:spcBef>
+                <a:spcPts val="600"/>
+              </a:spcBef>
+              <a:spcAft>
+                <a:spcPts val="1200"/>
+              </a:spcAft>
+              <a:buNone/>
+            </a:pPr>
+            <a:r>
+              <a:rPr lang="en-US" dirty="0" smtClean="0"/>
+              <a:t>&lt;link&gt; - specifies relationships between the current document and an external resource, such as style sheets</a:t>
+            </a:r>
+          </a:p>
+          <a:p>
+            <a:pPr marL="1097280" indent="-1097280">
+              <a:spcBef>
+                <a:spcPts val="600"/>
+              </a:spcBef>
+              <a:spcAft>
+                <a:spcPts val="1200"/>
+              </a:spcAft>
+              <a:buNone/>
+            </a:pPr>
+            <a:r>
+              <a:rPr lang="en-US" dirty="0" smtClean="0"/>
+              <a:t>&lt;meta&gt; - represents metadata information</a:t>
+            </a:r>
+          </a:p>
+          <a:p>
+            <a:pPr marL="1097280" indent="-1097280">
+              <a:spcBef>
+                <a:spcPts val="600"/>
+              </a:spcBef>
+              <a:spcAft>
+                <a:spcPts val="1200"/>
+              </a:spcAft>
+              <a:buNone/>
+            </a:pPr>
+            <a:r>
+              <a:rPr lang="en-US" dirty="0" smtClean="0"/>
+              <a:t>&lt;style&gt; - contains style information for the document; expected to be </a:t>
             </a:r>
             <a:r>
               <a:rPr lang="en-US" dirty="0" err="1" smtClean="0"/>
-              <a:t>dt</a:t>
-            </a:r>
-            <a:r>
-              <a:rPr lang="en-US" dirty="0" smtClean="0"/>
-              <a:t>&gt; (a term in the definition list)</a:t>
-            </a:r>
-          </a:p>
-          <a:p>
-            <a:pPr marL="914400" indent="-914400">
+              <a:t>css</a:t>
+            </a:r>
+            <a:r>
+              <a:rPr lang="en-US" dirty="0" smtClean="0"/>
+              <a:t> </a:t>
+            </a:r>
+          </a:p>
+          <a:p>
+            <a:pPr marL="1097280" indent="-1097280">
               <a:spcBef>
-                <a:spcPts val="0"/>
+                <a:spcPts val="600"/>
               </a:spcBef>
-              <a:buNone/>
-            </a:pPr>
-            <a:r>
-              <a:rPr lang="en-US" dirty="0" smtClean="0"/>
-              <a:t> 			   &lt;</a:t>
+              <a:spcAft>
+                <a:spcPts val="1200"/>
+              </a:spcAft>
+              <a:buNone/>
+            </a:pPr>
+            <a:r>
+              <a:rPr lang="en-US" dirty="0" smtClean="0"/>
+              <a:t>&lt;title&gt; - defines the title for the document for the </a:t>
             </a:r>
             <a:r>
               <a:rPr lang="en-US" dirty="0" err="1" smtClean="0"/>
-              <a:t>dt</a:t>
-            </a:r>
-            <a:r>
-              <a:rPr lang="en-US" dirty="0" smtClean="0"/>
-              <a:t>&gt;  (a description of a term)</a:t>
-            </a:r>
-          </a:p>
-          <a:p>
-            <a:pPr marL="914400" indent="-914400">
-              <a:spcBef>
-                <a:spcPts val="1800"/>
-              </a:spcBef>
-              <a:buNone/>
-            </a:pPr>
-            <a:r>
-              <a:rPr lang="en-US" dirty="0" smtClean="0"/>
-              <a:t>Figure elements:  &lt;figure&gt;  &lt;</a:t>
-            </a:r>
-            <a:r>
-              <a:rPr lang="en-US" dirty="0" err="1" smtClean="0"/>
-              <a:t>figcaption</a:t>
-            </a:r>
-            <a:r>
-              <a:rPr lang="en-US" dirty="0" smtClean="0"/>
-              <a:t>&gt;</a:t>
-            </a:r>
-          </a:p>
-          <a:p>
-            <a:pPr marL="914400" indent="-914400">
-              <a:spcBef>
-                <a:spcPts val="1800"/>
-              </a:spcBef>
-              <a:buNone/>
-            </a:pPr>
-            <a:r>
-              <a:rPr lang="en-US" dirty="0" smtClean="0"/>
-              <a:t>Horizontal rule:  &lt;</a:t>
-            </a:r>
-            <a:r>
-              <a:rPr lang="en-US" dirty="0" err="1" smtClean="0"/>
-              <a:t>hr</a:t>
-            </a:r>
-            <a:r>
-              <a:rPr lang="en-US" dirty="0" smtClean="0"/>
-              <a:t>&gt; </a:t>
-            </a:r>
-          </a:p>
-          <a:p>
-            <a:pPr marL="914400" indent="-914400">
-              <a:spcBef>
-                <a:spcPts val="1800"/>
-              </a:spcBef>
-              <a:buNone/>
-            </a:pPr>
-            <a:r>
-              <a:rPr lang="en-US" dirty="0" smtClean="0"/>
-              <a:t>List elements:   &lt;</a:t>
-            </a:r>
-            <a:r>
-              <a:rPr lang="en-US" dirty="0" err="1" smtClean="0"/>
-              <a:t>ol</a:t>
-            </a:r>
-            <a:r>
-              <a:rPr lang="en-US" dirty="0" smtClean="0"/>
-              <a:t>&gt; (begin ordered list</a:t>
-            </a:r>
-          </a:p>
-          <a:p>
-            <a:pPr marL="914400" indent="-914400">
-              <a:spcBef>
-                <a:spcPts val="0"/>
-              </a:spcBef>
-              <a:buNone/>
-            </a:pPr>
-            <a:r>
-              <a:rPr lang="en-US" dirty="0"/>
-              <a:t>	</a:t>
-            </a:r>
-            <a:r>
-              <a:rPr lang="en-US" dirty="0" smtClean="0"/>
-              <a:t>	   &lt;</a:t>
-            </a:r>
-            <a:r>
-              <a:rPr lang="en-US" dirty="0" err="1" smtClean="0"/>
-              <a:t>ul</a:t>
-            </a:r>
-            <a:r>
-              <a:rPr lang="en-US" dirty="0" smtClean="0"/>
-              <a:t>&gt;  (begin unordered list)</a:t>
-            </a:r>
-          </a:p>
-          <a:p>
-            <a:pPr marL="914400" indent="-914400">
-              <a:spcBef>
-                <a:spcPts val="0"/>
-              </a:spcBef>
-              <a:buNone/>
-            </a:pPr>
-            <a:r>
-              <a:rPr lang="en-US" dirty="0" smtClean="0"/>
-              <a:t>   		   &lt;li&gt;  &lt;list element&gt;</a:t>
-            </a:r>
-          </a:p>
-          <a:p>
-            <a:pPr marL="914400" indent="-914400">
-              <a:spcBef>
-                <a:spcPts val="1800"/>
-              </a:spcBef>
-              <a:buNone/>
-            </a:pPr>
-            <a:r>
-              <a:rPr lang="en-US" dirty="0" smtClean="0"/>
-              <a:t>Paragraph:  &lt;p&gt;</a:t>
-            </a:r>
-          </a:p>
-          <a:p>
-            <a:pPr marL="914400" indent="-914400">
-              <a:spcBef>
-                <a:spcPts val="1800"/>
-              </a:spcBef>
-              <a:buNone/>
-            </a:pPr>
-            <a:r>
-              <a:rPr lang="en-US" dirty="0" smtClean="0"/>
-              <a:t>Preformatted text:  &lt;pre&gt;</a:t>
-            </a:r>
-            <a:endParaRPr lang="en-US" dirty="0"/>
+              <a:t>brower’s</a:t>
+            </a:r>
+            <a:r>
+              <a:rPr lang="en-US" dirty="0" smtClean="0"/>
+              <a:t> title bar or page tab</a:t>
+            </a:r>
           </a:p>
         </p:txBody>
       </p:sp>
@@ -6841,7 +6746,7 @@
     </p:spTree>
     <p:extLst>
       <p:ext uri="{BB962C8B-B14F-4D97-AF65-F5344CB8AC3E}">
-        <p14:creationId xmlns:p14="http://schemas.microsoft.com/office/powerpoint/2010/main" val="1763711198"/>
+        <p14:creationId xmlns:p14="http://schemas.microsoft.com/office/powerpoint/2010/main" val="2866520946"/>
       </p:ext>
     </p:extLst>
   </p:cSld>
@@ -6887,8 +6792,8 @@
         </p:nvSpPr>
         <p:spPr>
           <a:xfrm>
-            <a:off x="380999" y="1719070"/>
-            <a:ext cx="8686801" cy="4986530"/>
+            <a:off x="381000" y="1649681"/>
+            <a:ext cx="8686801" cy="5181600"/>
           </a:xfrm>
         </p:spPr>
         <p:txBody>
@@ -6898,228 +6803,173 @@
           <a:lstStyle/>
           <a:p>
             <a:pPr marL="0" indent="0">
-              <a:spcAft>
-                <a:spcPts val="1200"/>
-              </a:spcAft>
               <a:buNone/>
             </a:pPr>
             <a:r>
               <a:rPr lang="en-US" b="1" dirty="0" smtClean="0"/>
-              <a:t>Inline text semantics:</a:t>
-            </a:r>
-          </a:p>
-          <a:p>
-            <a:pPr marL="0" indent="0">
-              <a:spcAft>
-                <a:spcPts val="1200"/>
-              </a:spcAft>
-              <a:buNone/>
-            </a:pPr>
-            <a:r>
-              <a:rPr lang="en-US" b="1" dirty="0" smtClean="0"/>
-              <a:t>&lt;a&gt; </a:t>
-            </a:r>
-            <a:r>
-              <a:rPr lang="en-US" dirty="0" smtClean="0"/>
-              <a:t>- anchor element; defines a hyperlink</a:t>
-            </a:r>
-          </a:p>
-          <a:p>
-            <a:pPr marL="0" indent="0">
-              <a:spcAft>
-                <a:spcPts val="1200"/>
-              </a:spcAft>
-              <a:buNone/>
-            </a:pPr>
-            <a:r>
-              <a:rPr lang="en-US" b="1" dirty="0" smtClean="0"/>
+              <a:t>Content sectioning:</a:t>
+            </a:r>
+          </a:p>
+          <a:p>
+            <a:pPr marL="914400" indent="-914400">
+              <a:spcBef>
+                <a:spcPts val="1200"/>
+              </a:spcBef>
+              <a:buNone/>
+            </a:pPr>
+            <a:r>
+              <a:rPr lang="en-US" dirty="0" smtClean="0"/>
+              <a:t>&lt;address&gt; - contact information</a:t>
+            </a:r>
+          </a:p>
+          <a:p>
+            <a:pPr marL="914400" indent="-914400">
+              <a:spcBef>
+                <a:spcPts val="1200"/>
+              </a:spcBef>
+              <a:buNone/>
+            </a:pPr>
+            <a:r>
+              <a:rPr lang="en-US" dirty="0" smtClean="0"/>
+              <a:t>&lt;article&gt; - a self-contained composition within a document</a:t>
+            </a:r>
+          </a:p>
+          <a:p>
+            <a:pPr marL="914400" indent="-914400">
+              <a:spcBef>
+                <a:spcPts val="1200"/>
+              </a:spcBef>
+              <a:buNone/>
+            </a:pPr>
+            <a:r>
+              <a:rPr lang="en-US" dirty="0" smtClean="0"/>
+              <a:t>&lt;aside&gt; - related content</a:t>
+            </a:r>
+          </a:p>
+          <a:p>
+            <a:pPr marL="914400" indent="-914400">
+              <a:spcBef>
+                <a:spcPts val="1200"/>
+              </a:spcBef>
+              <a:buNone/>
+            </a:pPr>
+            <a:r>
+              <a:rPr lang="en-US" dirty="0" smtClean="0"/>
+              <a:t>&lt;body&gt; - the content of the HTML document</a:t>
+            </a:r>
+          </a:p>
+          <a:p>
+            <a:pPr marL="914400" indent="-914400">
+              <a:spcBef>
+                <a:spcPts val="1200"/>
+              </a:spcBef>
+              <a:buNone/>
+            </a:pPr>
+            <a:r>
+              <a:rPr lang="en-US" dirty="0" smtClean="0"/>
+              <a:t>&lt;div&gt; - a generic container; use only if no other element applies</a:t>
+            </a:r>
+          </a:p>
+          <a:p>
+            <a:pPr marL="914400" indent="-914400">
+              <a:spcBef>
+                <a:spcPts val="1200"/>
+              </a:spcBef>
+              <a:buNone/>
+            </a:pPr>
+            <a:r>
+              <a:rPr lang="en-US" dirty="0" smtClean="0"/>
+              <a:t>&lt;footer&gt; - info about the author, copyright, info to related documents</a:t>
+            </a:r>
+          </a:p>
+          <a:p>
+            <a:pPr marL="914400" indent="-914400">
+              <a:spcBef>
+                <a:spcPts val="1200"/>
+              </a:spcBef>
+              <a:buNone/>
+            </a:pPr>
+            <a:r>
+              <a:rPr lang="en-US" dirty="0" smtClean="0"/>
+              <a:t>&lt;header&gt; - heading elements, logo, navigation</a:t>
+            </a:r>
+          </a:p>
+          <a:p>
+            <a:pPr marL="914400" indent="-914400">
+              <a:spcBef>
+                <a:spcPts val="1200"/>
+              </a:spcBef>
+              <a:buNone/>
+            </a:pPr>
+            <a:r>
+              <a:rPr lang="en-US" dirty="0" smtClean="0"/>
+              <a:t>&lt;h1&gt;, &lt;h2&gt;, &lt;h3&gt;, &lt;h4&gt;, &lt;h5&gt;, &lt;h6&gt; - document headings</a:t>
+            </a:r>
+          </a:p>
+          <a:p>
+            <a:pPr marL="914400" indent="-914400">
+              <a:spcBef>
+                <a:spcPts val="1200"/>
+              </a:spcBef>
+              <a:buNone/>
+            </a:pPr>
+            <a:r>
+              <a:rPr lang="en-US" dirty="0" smtClean="0"/>
               <a:t>&lt;</a:t>
             </a:r>
             <a:r>
-              <a:rPr lang="en-US" b="1" dirty="0" err="1" smtClean="0"/>
-              <a:t>abbr</a:t>
-            </a:r>
-            <a:r>
-              <a:rPr lang="en-US" b="1" dirty="0" smtClean="0"/>
-              <a:t>&gt; </a:t>
-            </a:r>
-            <a:r>
-              <a:rPr lang="en-US" dirty="0" smtClean="0"/>
-              <a:t>- represents an abbreviation</a:t>
-            </a:r>
-          </a:p>
-          <a:p>
-            <a:pPr marL="0" indent="0">
-              <a:spcAft>
-                <a:spcPts val="1200"/>
-              </a:spcAft>
-              <a:buNone/>
-            </a:pPr>
-            <a:r>
-              <a:rPr lang="en-US" b="1" dirty="0" smtClean="0"/>
-              <a:t>&lt;b&gt; </a:t>
-            </a:r>
-            <a:r>
-              <a:rPr lang="en-US" dirty="0" smtClean="0"/>
-              <a:t>- bold</a:t>
-            </a:r>
-          </a:p>
-          <a:p>
-            <a:pPr marL="0" indent="0">
-              <a:spcAft>
-                <a:spcPts val="1200"/>
-              </a:spcAft>
-              <a:buNone/>
-            </a:pPr>
-            <a:r>
-              <a:rPr lang="en-US" b="1" dirty="0" smtClean="0"/>
+              <a:rPr lang="en-US" dirty="0" err="1" smtClean="0"/>
+              <a:t>hgroup</a:t>
+            </a:r>
+            <a:r>
+              <a:rPr lang="en-US" dirty="0" smtClean="0"/>
+              <a:t>&gt; - the heading of a section</a:t>
+            </a:r>
+          </a:p>
+          <a:p>
+            <a:pPr marL="914400" indent="-914400">
+              <a:spcBef>
+                <a:spcPts val="1200"/>
+              </a:spcBef>
+              <a:buNone/>
+            </a:pPr>
+            <a:r>
+              <a:rPr lang="en-US" dirty="0" smtClean="0"/>
+              <a:t>&lt;main&gt; - the main content of the page, should be unique to the page</a:t>
+            </a:r>
+          </a:p>
+          <a:p>
+            <a:pPr marL="914400" indent="-914400">
+              <a:spcBef>
+                <a:spcPts val="1200"/>
+              </a:spcBef>
+              <a:buNone/>
+            </a:pPr>
+            <a:r>
+              <a:rPr lang="en-US" dirty="0" smtClean="0"/>
               <a:t>&lt;</a:t>
             </a:r>
             <a:r>
-              <a:rPr lang="en-US" b="1" dirty="0" err="1" smtClean="0"/>
-              <a:t>bdi</a:t>
-            </a:r>
-            <a:r>
-              <a:rPr lang="en-US" b="1" dirty="0" smtClean="0"/>
-              <a:t>&gt; </a:t>
-            </a:r>
-            <a:r>
-              <a:rPr lang="en-US" dirty="0" smtClean="0"/>
-              <a:t>- format text in a different direction</a:t>
-            </a:r>
-          </a:p>
-          <a:p>
-            <a:pPr marL="0" indent="0">
-              <a:spcAft>
-                <a:spcPts val="1200"/>
-              </a:spcAft>
-              <a:buNone/>
-            </a:pPr>
-            <a:r>
-              <a:rPr lang="en-US" b="1" dirty="0" smtClean="0"/>
-              <a:t>&lt;</a:t>
-            </a:r>
-            <a:r>
-              <a:rPr lang="en-US" b="1" dirty="0" err="1" smtClean="0"/>
-              <a:t>bdo</a:t>
-            </a:r>
-            <a:r>
-              <a:rPr lang="en-US" b="1" dirty="0" smtClean="0"/>
-              <a:t>&gt; </a:t>
-            </a:r>
-            <a:r>
-              <a:rPr lang="en-US" dirty="0" smtClean="0"/>
-              <a:t>- override current directionality of text</a:t>
-            </a:r>
-          </a:p>
-          <a:p>
-            <a:pPr marL="0" indent="0">
-              <a:spcAft>
-                <a:spcPts val="1200"/>
-              </a:spcAft>
-              <a:buNone/>
-            </a:pPr>
-            <a:r>
-              <a:rPr lang="en-US" b="1" dirty="0" smtClean="0"/>
-              <a:t>&lt;</a:t>
-            </a:r>
-            <a:r>
-              <a:rPr lang="en-US" b="1" dirty="0" err="1" smtClean="0"/>
-              <a:t>br</a:t>
-            </a:r>
-            <a:r>
-              <a:rPr lang="en-US" b="1" dirty="0" smtClean="0"/>
-              <a:t>&gt; </a:t>
-            </a:r>
-            <a:r>
-              <a:rPr lang="en-US" dirty="0" smtClean="0"/>
-              <a:t>- line break</a:t>
-            </a:r>
-          </a:p>
-          <a:p>
-            <a:pPr marL="0" indent="0">
-              <a:spcAft>
-                <a:spcPts val="1200"/>
-              </a:spcAft>
-              <a:buNone/>
-            </a:pPr>
-            <a:r>
-              <a:rPr lang="en-US" b="1" dirty="0" smtClean="0"/>
-              <a:t>&lt;cite&gt; </a:t>
-            </a:r>
-            <a:r>
-              <a:rPr lang="en-US" dirty="0" smtClean="0"/>
-              <a:t>- reference to a work</a:t>
-            </a:r>
-          </a:p>
-          <a:p>
-            <a:pPr marL="0" indent="0">
-              <a:spcAft>
-                <a:spcPts val="1200"/>
-              </a:spcAft>
-              <a:buNone/>
-            </a:pPr>
-            <a:r>
-              <a:rPr lang="en-US" b="1" dirty="0" smtClean="0"/>
-              <a:t>&lt;code&gt; </a:t>
-            </a:r>
-            <a:r>
-              <a:rPr lang="en-US" dirty="0" smtClean="0"/>
-              <a:t>- displays computer code in monospace font</a:t>
-            </a:r>
-          </a:p>
-          <a:p>
-            <a:pPr marL="0" indent="0">
-              <a:spcAft>
-                <a:spcPts val="1200"/>
-              </a:spcAft>
-              <a:buNone/>
-            </a:pPr>
-            <a:r>
-              <a:rPr lang="en-US" b="1" dirty="0"/>
-              <a:t>&lt;</a:t>
-            </a:r>
-            <a:r>
-              <a:rPr lang="en-US" b="1" dirty="0" smtClean="0"/>
-              <a:t>data&gt; </a:t>
-            </a:r>
-            <a:r>
-              <a:rPr lang="en-US" dirty="0" smtClean="0"/>
-              <a:t>- links content with machine-readable translation</a:t>
-            </a:r>
-          </a:p>
-          <a:p>
-            <a:pPr marL="0" indent="0">
-              <a:spcAft>
-                <a:spcPts val="1200"/>
-              </a:spcAft>
-              <a:buNone/>
-            </a:pPr>
-            <a:r>
-              <a:rPr lang="en-US" b="1" dirty="0" smtClean="0"/>
-              <a:t>&lt;</a:t>
-            </a:r>
-            <a:r>
-              <a:rPr lang="en-US" b="1" dirty="0" err="1" smtClean="0"/>
-              <a:t>dfn</a:t>
-            </a:r>
-            <a:r>
-              <a:rPr lang="en-US" b="1" dirty="0" smtClean="0"/>
-              <a:t>&gt; </a:t>
-            </a:r>
-            <a:r>
-              <a:rPr lang="en-US" dirty="0" smtClean="0"/>
-              <a:t>- the defining instance of a term</a:t>
-            </a:r>
-          </a:p>
-          <a:p>
-            <a:pPr marL="0" indent="0">
-              <a:spcAft>
-                <a:spcPts val="1200"/>
-              </a:spcAft>
-              <a:buNone/>
-            </a:pPr>
-            <a:endParaRPr lang="en-US" b="1" dirty="0" smtClean="0"/>
+              <a:rPr lang="en-US" dirty="0" err="1" smtClean="0"/>
+              <a:t>nav</a:t>
+            </a:r>
+            <a:r>
+              <a:rPr lang="en-US" dirty="0" smtClean="0"/>
+              <a:t>&gt; - a section of the page that links to other pages</a:t>
+            </a:r>
+          </a:p>
+          <a:p>
+            <a:pPr marL="914400" indent="-914400">
+              <a:spcBef>
+                <a:spcPts val="1200"/>
+              </a:spcBef>
+              <a:buNone/>
+            </a:pPr>
+            <a:r>
+              <a:rPr lang="en-US" dirty="0" smtClean="0"/>
+              <a:t>&lt;section&gt; - a thematic grouping of content</a:t>
+            </a:r>
+            <a:endParaRPr lang="en-US" dirty="0"/>
           </a:p>
         </p:txBody>
       </p:sp>
@@ -7184,7 +7034,7 @@
     </p:spTree>
     <p:extLst>
       <p:ext uri="{BB962C8B-B14F-4D97-AF65-F5344CB8AC3E}">
-        <p14:creationId xmlns:p14="http://schemas.microsoft.com/office/powerpoint/2010/main" val="1678488580"/>
+        <p14:creationId xmlns:p14="http://schemas.microsoft.com/office/powerpoint/2010/main" val="1782037849"/>
       </p:ext>
     </p:extLst>
   </p:cSld>
@@ -7236,7 +7086,7 @@
         </p:spPr>
         <p:txBody>
           <a:bodyPr>
-            <a:normAutofit fontScale="92500" lnSpcReduction="20000"/>
+            <a:normAutofit/>
           </a:bodyPr>
           <a:lstStyle/>
           <a:p>
@@ -7248,238 +7098,185 @@
             </a:pPr>
             <a:r>
               <a:rPr lang="en-US" b="1" dirty="0" smtClean="0"/>
-              <a:t>Inline text semantics: (continued)</a:t>
-            </a:r>
-          </a:p>
-          <a:p>
-            <a:pPr marL="0" indent="0">
-              <a:spcAft>
-                <a:spcPts val="1200"/>
-              </a:spcAft>
-              <a:buNone/>
-            </a:pPr>
-            <a:r>
-              <a:rPr lang="en-US" b="1" dirty="0"/>
-              <a:t>&lt;</a:t>
-            </a:r>
-            <a:r>
-              <a:rPr lang="en-US" b="1" dirty="0" err="1"/>
-              <a:t>em</a:t>
-            </a:r>
-            <a:r>
-              <a:rPr lang="en-US" b="1" dirty="0"/>
+              <a:t>Text Content:</a:t>
+            </a:r>
+          </a:p>
+          <a:p>
+            <a:pPr marL="914400" indent="-914400">
+              <a:spcBef>
+                <a:spcPts val="1200"/>
+              </a:spcBef>
+              <a:buNone/>
+            </a:pPr>
+            <a:r>
+              <a:rPr lang="en-US" dirty="0" smtClean="0"/>
+              <a:t>Description elements:  &lt;dl&gt;  (begin definition list)</a:t>
+            </a:r>
+          </a:p>
+          <a:p>
+            <a:pPr marL="914400" indent="-914400">
+              <a:spcBef>
+                <a:spcPts val="0"/>
+              </a:spcBef>
+              <a:buNone/>
+            </a:pPr>
+            <a:r>
+              <a:rPr lang="en-US" dirty="0"/>
+              <a:t>	</a:t>
+            </a:r>
+            <a:r>
+              <a:rPr lang="en-US" dirty="0" smtClean="0"/>
+              <a:t>		   &lt;</a:t>
+            </a:r>
+            <a:r>
+              <a:rPr lang="en-US" dirty="0" err="1" smtClean="0"/>
+              <a:t>dt</a:t>
+            </a:r>
+            <a:r>
+              <a:rPr lang="en-US" dirty="0" smtClean="0"/>
+              <a:t>&gt; (a term in the definition list)</a:t>
+            </a:r>
+          </a:p>
+          <a:p>
+            <a:pPr marL="914400" indent="-914400">
+              <a:spcBef>
+                <a:spcPts val="0"/>
+              </a:spcBef>
+              <a:buNone/>
+            </a:pPr>
+            <a:r>
+              <a:rPr lang="en-US" dirty="0" smtClean="0"/>
+              <a:t> 			   &lt;</a:t>
+            </a:r>
+            <a:r>
+              <a:rPr lang="en-US" dirty="0" err="1" smtClean="0"/>
+              <a:t>dt</a:t>
+            </a:r>
+            <a:r>
+              <a:rPr lang="en-US" dirty="0" smtClean="0"/>
+              <a:t>&gt;  (a description of a term)</a:t>
+            </a:r>
+          </a:p>
+          <a:p>
+            <a:pPr marL="914400" indent="-914400">
+              <a:spcBef>
+                <a:spcPts val="1800"/>
+              </a:spcBef>
+              <a:buNone/>
+            </a:pPr>
+            <a:r>
+              <a:rPr lang="en-US" dirty="0" smtClean="0"/>
+              <a:t>Figure elements:  &lt;figure&gt;  &lt;</a:t>
+            </a:r>
+            <a:r>
+              <a:rPr lang="en-US" dirty="0" err="1" smtClean="0"/>
+              <a:t>figcaption</a:t>
+            </a:r>
+            <a:r>
+              <a:rPr lang="en-US" dirty="0" smtClean="0"/>
+              <a:t>&gt;</a:t>
+            </a:r>
+          </a:p>
+          <a:p>
+            <a:pPr marL="914400" indent="-914400">
+              <a:spcBef>
+                <a:spcPts val="1800"/>
+              </a:spcBef>
+              <a:buNone/>
+            </a:pPr>
+            <a:r>
+              <a:rPr lang="en-US" dirty="0" smtClean="0"/>
+              <a:t>Horizontal rule:  &lt;</a:t>
+            </a:r>
+            <a:r>
+              <a:rPr lang="en-US" dirty="0" err="1" smtClean="0"/>
+              <a:t>hr</a:t>
+            </a:r>
+            <a:r>
+              <a:rPr lang="en-US" dirty="0" smtClean="0"/>
               <a:t>&gt; </a:t>
             </a:r>
+          </a:p>
+          <a:p>
+            <a:pPr marL="914400" indent="-914400">
+              <a:spcBef>
+                <a:spcPts val="1800"/>
+              </a:spcBef>
+              <a:buNone/>
+            </a:pPr>
+            <a:r>
+              <a:rPr lang="en-US" dirty="0" smtClean="0"/>
+              <a:t>List elements:   &lt;</a:t>
+            </a:r>
+            <a:r>
+              <a:rPr lang="en-US" dirty="0" err="1" smtClean="0"/>
+              <a:t>ol</a:t>
+            </a:r>
+            <a:r>
+              <a:rPr lang="en-US" dirty="0" smtClean="0"/>
+              <a:t>&gt; (begin ordered list</a:t>
+            </a:r>
+          </a:p>
+          <a:p>
+            <a:pPr marL="914400" indent="-914400">
+              <a:spcBef>
+                <a:spcPts val="0"/>
+              </a:spcBef>
+              <a:buNone/>
+            </a:pPr>
             <a:r>
               <a:rPr lang="en-US" dirty="0"/>
-              <a:t>- emphasis; usually in italic; can be nested</a:t>
-            </a:r>
-          </a:p>
-          <a:p>
-            <a:pPr marL="0" indent="0">
-              <a:spcAft>
-                <a:spcPts val="1200"/>
-              </a:spcAft>
-              <a:buNone/>
-            </a:pPr>
-            <a:r>
-              <a:rPr lang="en-US" b="1" dirty="0" smtClean="0"/>
-              <a:t>&lt;</a:t>
-            </a:r>
-            <a:r>
-              <a:rPr lang="en-US" b="1" dirty="0" err="1" smtClean="0"/>
-              <a:t>i</a:t>
-            </a:r>
-            <a:r>
-              <a:rPr lang="en-US" b="1" dirty="0" smtClean="0"/>
-              <a:t>&gt; </a:t>
-            </a:r>
-            <a:r>
-              <a:rPr lang="en-US" dirty="0" smtClean="0"/>
-              <a:t>- italic</a:t>
-            </a:r>
-          </a:p>
-          <a:p>
-            <a:pPr marL="0" indent="0">
-              <a:spcAft>
-                <a:spcPts val="1200"/>
-              </a:spcAft>
-              <a:buNone/>
-            </a:pPr>
-            <a:r>
-              <a:rPr lang="en-US" b="1" dirty="0" smtClean="0"/>
-              <a:t>&lt;</a:t>
-            </a:r>
-            <a:r>
-              <a:rPr lang="en-US" b="1" dirty="0" err="1" smtClean="0"/>
-              <a:t>kbd</a:t>
-            </a:r>
-            <a:r>
-              <a:rPr lang="en-US" b="1" dirty="0" smtClean="0"/>
-              <a:t>&gt; </a:t>
-            </a:r>
-            <a:r>
-              <a:rPr lang="en-US" dirty="0" smtClean="0"/>
-              <a:t>- keyboard input element</a:t>
-            </a:r>
-          </a:p>
-          <a:p>
-            <a:pPr marL="0" indent="0">
-              <a:spcAft>
-                <a:spcPts val="1200"/>
-              </a:spcAft>
-              <a:buNone/>
-            </a:pPr>
-            <a:r>
-              <a:rPr lang="en-US" b="1" dirty="0" smtClean="0"/>
-              <a:t>&lt;mark&gt; </a:t>
-            </a:r>
-            <a:r>
-              <a:rPr lang="en-US" dirty="0" smtClean="0"/>
-              <a:t>- highlighted text</a:t>
-            </a:r>
-          </a:p>
-          <a:p>
-            <a:pPr marL="0" indent="0">
-              <a:spcAft>
-                <a:spcPts val="1200"/>
-              </a:spcAft>
-              <a:buNone/>
-            </a:pPr>
-            <a:r>
-              <a:rPr lang="en-US" b="1" dirty="0" smtClean="0"/>
-              <a:t>&lt;q&gt; </a:t>
-            </a:r>
-            <a:r>
-              <a:rPr lang="en-US" dirty="0" smtClean="0"/>
-              <a:t>- a short inline quotation</a:t>
-            </a:r>
-          </a:p>
-          <a:p>
-            <a:pPr marL="0" indent="0">
-              <a:spcAft>
-                <a:spcPts val="1200"/>
-              </a:spcAft>
-              <a:buNone/>
-            </a:pPr>
-            <a:r>
-              <a:rPr lang="en-US" b="1" dirty="0" smtClean="0"/>
-              <a:t>&lt;</a:t>
-            </a:r>
-            <a:r>
-              <a:rPr lang="en-US" b="1" dirty="0" err="1" smtClean="0"/>
-              <a:t>rp</a:t>
-            </a:r>
-            <a:r>
-              <a:rPr lang="en-US" b="1" dirty="0" smtClean="0"/>
-              <a:t>&gt; </a:t>
-            </a:r>
-            <a:r>
-              <a:rPr lang="en-US" dirty="0" smtClean="0"/>
-              <a:t>- </a:t>
+              <a:t>	</a:t>
+            </a:r>
+            <a:r>
+              <a:rPr lang="en-US" dirty="0" smtClean="0"/>
+              <a:t>	   &lt;</a:t>
             </a:r>
             <a:r>
               <a:rPr lang="en-US" dirty="0" err="1" smtClean="0"/>
-              <a:t>fall-back</a:t>
-            </a:r>
-            <a:r>
-              <a:rPr lang="en-US" dirty="0" smtClean="0"/>
-              <a:t> parentheses for Ruby annotations</a:t>
-            </a:r>
-          </a:p>
-          <a:p>
-            <a:pPr marL="0" indent="0">
-              <a:spcAft>
-                <a:spcPts val="1200"/>
-              </a:spcAft>
-              <a:buNone/>
-            </a:pPr>
-            <a:r>
-              <a:rPr lang="en-US" b="1" dirty="0" smtClean="0"/>
-              <a:t>&lt;</a:t>
-            </a:r>
-            <a:r>
-              <a:rPr lang="en-US" b="1" dirty="0" err="1" smtClean="0"/>
-              <a:t>rt</a:t>
-            </a:r>
-            <a:r>
-              <a:rPr lang="en-US" b="1" dirty="0" smtClean="0"/>
-              <a:t>&gt; </a:t>
-            </a:r>
-            <a:r>
-              <a:rPr lang="en-US" dirty="0" smtClean="0"/>
-              <a:t>- embraces pronunciation of characters in ruby annotations</a:t>
-            </a:r>
-          </a:p>
-          <a:p>
-            <a:pPr marL="0" indent="0">
-              <a:spcAft>
-                <a:spcPts val="1200"/>
-              </a:spcAft>
-              <a:buNone/>
-            </a:pPr>
-            <a:r>
-              <a:rPr lang="en-US" b="1" dirty="0" smtClean="0"/>
-              <a:t>&lt;</a:t>
-            </a:r>
-            <a:r>
-              <a:rPr lang="en-US" b="1" dirty="0" err="1" smtClean="0"/>
-              <a:t>rtc</a:t>
-            </a:r>
-            <a:r>
-              <a:rPr lang="en-US" b="1" dirty="0" smtClean="0"/>
-              <a:t>&gt; </a:t>
-            </a:r>
-            <a:r>
-              <a:rPr lang="en-US" dirty="0" smtClean="0"/>
-              <a:t>- semantic annotations of characters in ruby elements</a:t>
-            </a:r>
-          </a:p>
-          <a:p>
-            <a:pPr marL="0" indent="0">
-              <a:spcAft>
-                <a:spcPts val="1200"/>
-              </a:spcAft>
-              <a:buNone/>
-            </a:pPr>
-            <a:r>
-              <a:rPr lang="en-US" b="1" dirty="0" smtClean="0"/>
-              <a:t>&lt;ruby&gt; </a:t>
-            </a:r>
-            <a:r>
-              <a:rPr lang="en-US" dirty="0" smtClean="0"/>
-              <a:t>- </a:t>
-            </a:r>
-            <a:r>
-              <a:rPr lang="en-US" dirty="0"/>
-              <a:t>describes pronunciation of East Asian characters</a:t>
-            </a:r>
-            <a:endParaRPr lang="en-US" dirty="0" smtClean="0"/>
-          </a:p>
-          <a:p>
-            <a:pPr marL="0" indent="0">
-              <a:spcAft>
-                <a:spcPts val="1200"/>
-              </a:spcAft>
-              <a:buNone/>
-            </a:pPr>
-            <a:r>
-              <a:rPr lang="en-US" b="1" dirty="0" smtClean="0"/>
-              <a:t>&lt;s&gt; </a:t>
-            </a:r>
-            <a:r>
-              <a:rPr lang="en-US" dirty="0" smtClean="0"/>
-              <a:t>- strikethrough</a:t>
-            </a:r>
-          </a:p>
-          <a:p>
-            <a:pPr marL="0" indent="0">
-              <a:spcAft>
-                <a:spcPts val="1200"/>
-              </a:spcAft>
-              <a:buNone/>
-            </a:pPr>
-            <a:endParaRPr lang="en-US" b="1" dirty="0" smtClean="0"/>
+              <a:t>ul</a:t>
+            </a:r>
+            <a:r>
+              <a:rPr lang="en-US" dirty="0" smtClean="0"/>
+              <a:t>&gt;  (begin unordered list)</a:t>
+            </a:r>
+          </a:p>
+          <a:p>
+            <a:pPr marL="914400" indent="-914400">
+              <a:spcBef>
+                <a:spcPts val="0"/>
+              </a:spcBef>
+              <a:buNone/>
+            </a:pPr>
+            <a:r>
+              <a:rPr lang="en-US" dirty="0" smtClean="0"/>
+              <a:t>   		   &lt;li&gt;  &lt;list element&gt;</a:t>
+            </a:r>
+          </a:p>
+          <a:p>
+            <a:pPr marL="914400" indent="-914400">
+              <a:spcBef>
+                <a:spcPts val="1800"/>
+              </a:spcBef>
+              <a:buNone/>
+            </a:pPr>
+            <a:r>
+              <a:rPr lang="en-US" dirty="0" smtClean="0"/>
+              <a:t>Paragraph:  &lt;p&gt;</a:t>
+            </a:r>
+          </a:p>
+          <a:p>
+            <a:pPr marL="914400" indent="-914400">
+              <a:spcBef>
+                <a:spcPts val="1800"/>
+              </a:spcBef>
+              <a:buNone/>
+            </a:pPr>
+            <a:r>
+              <a:rPr lang="en-US" dirty="0" smtClean="0"/>
+              <a:t>Preformatted text:  &lt;pre&gt;</a:t>
+            </a:r>
+            <a:endParaRPr lang="en-US" dirty="0"/>
           </a:p>
         </p:txBody>
       </p:sp>
@@ -7544,7 +7341,7 @@
     </p:spTree>
     <p:extLst>
       <p:ext uri="{BB962C8B-B14F-4D97-AF65-F5344CB8AC3E}">
-        <p14:creationId xmlns:p14="http://schemas.microsoft.com/office/powerpoint/2010/main" val="1730291854"/>
+        <p14:creationId xmlns:p14="http://schemas.microsoft.com/office/powerpoint/2010/main" val="1763711198"/>
       </p:ext>
     </p:extLst>
   </p:cSld>
@@ -7596,7 +7393,7 @@
         </p:spPr>
         <p:txBody>
           <a:bodyPr>
-            <a:normAutofit lnSpcReduction="10000"/>
+            <a:normAutofit fontScale="92500" lnSpcReduction="20000"/>
           </a:bodyPr>
           <a:lstStyle/>
           <a:p>
@@ -7608,7 +7405,7 @@
             </a:pPr>
             <a:r>
               <a:rPr lang="en-US" b="1" dirty="0" smtClean="0"/>
-              <a:t>Inline text semantics: (continued)</a:t>
+              <a:t>Inline text semantics:</a:t>
             </a:r>
           </a:p>
           <a:p>
@@ -7619,20 +7416,176 @@
               <a:buNone/>
             </a:pPr>
             <a:r>
+              <a:rPr lang="en-US" b="1" dirty="0" smtClean="0"/>
+              <a:t>&lt;a&gt; </a:t>
+            </a:r>
+            <a:r>
+              <a:rPr lang="en-US" dirty="0" smtClean="0"/>
+              <a:t>- anchor element; defines a hyperlink</a:t>
+            </a:r>
+          </a:p>
+          <a:p>
+            <a:pPr marL="0" indent="0">
+              <a:spcAft>
+                <a:spcPts val="1200"/>
+              </a:spcAft>
+              <a:buNone/>
+            </a:pPr>
+            <a:r>
+              <a:rPr lang="en-US" b="1" dirty="0" smtClean="0"/>
+              <a:t>&lt;</a:t>
+            </a:r>
+            <a:r>
+              <a:rPr lang="en-US" b="1" dirty="0" err="1" smtClean="0"/>
+              <a:t>abbr</a:t>
+            </a:r>
+            <a:r>
+              <a:rPr lang="en-US" b="1" dirty="0" smtClean="0"/>
+              <a:t>&gt; </a:t>
+            </a:r>
+            <a:r>
+              <a:rPr lang="en-US" dirty="0" smtClean="0"/>
+              <a:t>- represents an abbreviation</a:t>
+            </a:r>
+          </a:p>
+          <a:p>
+            <a:pPr marL="0" indent="0">
+              <a:spcAft>
+                <a:spcPts val="1200"/>
+              </a:spcAft>
+              <a:buNone/>
+            </a:pPr>
+            <a:r>
+              <a:rPr lang="en-US" b="1" dirty="0" smtClean="0"/>
+              <a:t>&lt;b&gt; </a:t>
+            </a:r>
+            <a:r>
+              <a:rPr lang="en-US" dirty="0" smtClean="0"/>
+              <a:t>- bold</a:t>
+            </a:r>
+          </a:p>
+          <a:p>
+            <a:pPr marL="0" indent="0">
+              <a:spcAft>
+                <a:spcPts val="1200"/>
+              </a:spcAft>
+              <a:buNone/>
+            </a:pPr>
+            <a:r>
+              <a:rPr lang="en-US" b="1" dirty="0" smtClean="0"/>
+              <a:t>&lt;</a:t>
+            </a:r>
+            <a:r>
+              <a:rPr lang="en-US" b="1" dirty="0" err="1" smtClean="0"/>
+              <a:t>bdi</a:t>
+            </a:r>
+            <a:r>
+              <a:rPr lang="en-US" b="1" dirty="0" smtClean="0"/>
+              <a:t>&gt; </a:t>
+            </a:r>
+            <a:r>
+              <a:rPr lang="en-US" dirty="0" smtClean="0"/>
+              <a:t>- format text in a different direction</a:t>
+            </a:r>
+          </a:p>
+          <a:p>
+            <a:pPr marL="0" indent="0">
+              <a:spcAft>
+                <a:spcPts val="1200"/>
+              </a:spcAft>
+              <a:buNone/>
+            </a:pPr>
+            <a:r>
+              <a:rPr lang="en-US" b="1" dirty="0" smtClean="0"/>
+              <a:t>&lt;</a:t>
+            </a:r>
+            <a:r>
+              <a:rPr lang="en-US" b="1" dirty="0" err="1" smtClean="0"/>
+              <a:t>bdo</a:t>
+            </a:r>
+            <a:r>
+              <a:rPr lang="en-US" b="1" dirty="0" smtClean="0"/>
+              <a:t>&gt; </a:t>
+            </a:r>
+            <a:r>
+              <a:rPr lang="en-US" dirty="0" smtClean="0"/>
+              <a:t>- override current directionality of text</a:t>
+            </a:r>
+          </a:p>
+          <a:p>
+            <a:pPr marL="0" indent="0">
+              <a:spcAft>
+                <a:spcPts val="1200"/>
+              </a:spcAft>
+              <a:buNone/>
+            </a:pPr>
+            <a:r>
+              <a:rPr lang="en-US" b="1" dirty="0" smtClean="0"/>
+              <a:t>&lt;</a:t>
+            </a:r>
+            <a:r>
+              <a:rPr lang="en-US" b="1" dirty="0" err="1" smtClean="0"/>
+              <a:t>br</a:t>
+            </a:r>
+            <a:r>
+              <a:rPr lang="en-US" b="1" dirty="0" smtClean="0"/>
+              <a:t>&gt; </a:t>
+            </a:r>
+            <a:r>
+              <a:rPr lang="en-US" dirty="0" smtClean="0"/>
+              <a:t>- line break</a:t>
+            </a:r>
+          </a:p>
+          <a:p>
+            <a:pPr marL="0" indent="0">
+              <a:spcAft>
+                <a:spcPts val="1200"/>
+              </a:spcAft>
+              <a:buNone/>
+            </a:pPr>
+            <a:r>
+              <a:rPr lang="en-US" b="1" dirty="0" smtClean="0"/>
+              <a:t>&lt;cite&gt; </a:t>
+            </a:r>
+            <a:r>
+              <a:rPr lang="en-US" dirty="0" smtClean="0"/>
+              <a:t>- reference to a work</a:t>
+            </a:r>
+          </a:p>
+          <a:p>
+            <a:pPr marL="0" indent="0">
+              <a:spcAft>
+                <a:spcPts val="1200"/>
+              </a:spcAft>
+              <a:buNone/>
+            </a:pPr>
+            <a:r>
+              <a:rPr lang="en-US" b="1" dirty="0" smtClean="0"/>
+              <a:t>&lt;code&gt; </a:t>
+            </a:r>
+            <a:r>
+              <a:rPr lang="en-US" dirty="0" smtClean="0"/>
+              <a:t>- displays computer code in monospace font</a:t>
+            </a:r>
+          </a:p>
+          <a:p>
+            <a:pPr marL="0" indent="0">
+              <a:spcAft>
+                <a:spcPts val="1200"/>
+              </a:spcAft>
+              <a:buNone/>
+            </a:pPr>
+            <a:r>
               <a:rPr lang="en-US" b="1" dirty="0"/>
               <a:t>&lt;</a:t>
             </a:r>
             <a:r>
-              <a:rPr lang="en-US" b="1" dirty="0" err="1"/>
-              <a:t>samp</a:t>
-            </a:r>
-            <a:r>
-              <a:rPr lang="en-US" b="1" dirty="0"/>
-              <a:t>&gt; </a:t>
-            </a:r>
-            <a:r>
-              <a:rPr lang="en-US" dirty="0"/>
-              <a:t>- for sample output; uses monospace font</a:t>
+              <a:rPr lang="en-US" b="1" dirty="0" smtClean="0"/>
+              <a:t>data&gt; </a:t>
+            </a:r>
+            <a:r>
+              <a:rPr lang="en-US" dirty="0" smtClean="0"/>
+              <a:t>- links content with machine-readable translation</a:t>
             </a:r>
           </a:p>
           <a:p>
@@ -7643,12 +7596,20 @@
               <a:buNone/>
             </a:pPr>
             <a:r>
-              <a:rPr lang="en-US" b="1" dirty="0"/>
-              <a:t>&lt;small&gt; </a:t>
-            </a:r>
-            <a:r>
-              <a:rPr lang="en-US" dirty="0"/>
-              <a:t>- makes font size one size smaller than normal</a:t>
+              <a:rPr lang="en-US" b="1" dirty="0" smtClean="0"/>
+              <a:t>&lt;</a:t>
+            </a:r>
+            <a:r>
+              <a:rPr lang="en-US" b="1" dirty="0" err="1" smtClean="0"/>
+              <a:t>dfn</a:t>
+            </a:r>
+            <a:r>
+              <a:rPr lang="en-US" b="1" dirty="0" smtClean="0"/>
+              <a:t>&gt; </a:t>
+            </a:r>
+            <a:r>
+              <a:rPr lang="en-US" dirty="0" smtClean="0"/>
+              <a:t>- the defining instance of a term</a:t>
             </a:r>
           </a:p>
           <a:p>
@@ -7658,126 +7619,7 @@
               </a:spcAft>
               <a:buNone/>
             </a:pPr>
-            <a:r>
-              <a:rPr lang="en-US" b="1" dirty="0" smtClean="0"/>
-              <a:t>&lt;span&gt; </a:t>
-            </a:r>
-            <a:r>
-              <a:rPr lang="en-US" dirty="0" smtClean="0"/>
-              <a:t>- generic inline container for styling purposes</a:t>
-            </a:r>
-          </a:p>
-          <a:p>
-            <a:pPr marL="0" indent="0">
-              <a:spcAft>
-                <a:spcPts val="1200"/>
-              </a:spcAft>
-              <a:buNone/>
-            </a:pPr>
-            <a:r>
-              <a:rPr lang="en-US" b="1" dirty="0" smtClean="0"/>
-              <a:t>&lt;sub&gt; - </a:t>
-            </a:r>
-            <a:r>
-              <a:rPr lang="en-US" dirty="0" smtClean="0"/>
-              <a:t>subscript</a:t>
-            </a:r>
-          </a:p>
-          <a:p>
-            <a:pPr marL="0" indent="0">
-              <a:spcAft>
-                <a:spcPts val="1200"/>
-              </a:spcAft>
-              <a:buNone/>
-            </a:pPr>
-            <a:r>
-              <a:rPr lang="en-US" b="1" dirty="0" smtClean="0"/>
-              <a:t>&lt;sup&gt; </a:t>
-            </a:r>
-            <a:r>
-              <a:rPr lang="en-US" dirty="0" smtClean="0"/>
-              <a:t>- superscript</a:t>
-            </a:r>
-          </a:p>
-          <a:p>
-            <a:pPr marL="0" indent="0">
-              <a:spcAft>
-                <a:spcPts val="1200"/>
-              </a:spcAft>
-              <a:buNone/>
-            </a:pPr>
-            <a:r>
-              <a:rPr lang="en-US" b="1" dirty="0" smtClean="0"/>
-              <a:t>&lt;time&gt; </a:t>
-            </a:r>
-            <a:r>
-              <a:rPr lang="en-US" dirty="0" smtClean="0"/>
-              <a:t>- 24-hour clock time or precise date</a:t>
-            </a:r>
-          </a:p>
-          <a:p>
-            <a:pPr marL="0" indent="0">
-              <a:spcAft>
-                <a:spcPts val="1200"/>
-              </a:spcAft>
-              <a:buNone/>
-            </a:pPr>
-            <a:r>
-              <a:rPr lang="en-US" b="1" dirty="0" smtClean="0"/>
-              <a:t>&lt;u&gt; </a:t>
-            </a:r>
-            <a:r>
-              <a:rPr lang="en-US" dirty="0" smtClean="0"/>
-              <a:t>- underline</a:t>
-            </a:r>
-          </a:p>
-          <a:p>
-            <a:pPr marL="0" indent="0">
-              <a:spcAft>
-                <a:spcPts val="1200"/>
-              </a:spcAft>
-              <a:buNone/>
-            </a:pPr>
-            <a:r>
-              <a:rPr lang="en-US" b="1" dirty="0" smtClean="0"/>
-              <a:t>&lt;</a:t>
-            </a:r>
-            <a:r>
-              <a:rPr lang="en-US" b="1" dirty="0" err="1" smtClean="0"/>
-              <a:t>var</a:t>
-            </a:r>
-            <a:r>
-              <a:rPr lang="en-US" b="1" dirty="0" smtClean="0"/>
-              <a:t>&gt; </a:t>
-            </a:r>
-            <a:r>
-              <a:rPr lang="en-US" dirty="0" smtClean="0"/>
-              <a:t>- represents a math or programming variable</a:t>
-            </a:r>
-          </a:p>
-          <a:p>
-            <a:pPr marL="0" indent="0">
-              <a:spcAft>
-                <a:spcPts val="1200"/>
-              </a:spcAft>
-              <a:buNone/>
-            </a:pPr>
-            <a:r>
-              <a:rPr lang="en-US" b="1" dirty="0" smtClean="0"/>
-              <a:t>&lt;</a:t>
-            </a:r>
-            <a:r>
-              <a:rPr lang="en-US" b="1" dirty="0" err="1" smtClean="0"/>
-              <a:t>wbr</a:t>
-            </a:r>
-            <a:r>
-              <a:rPr lang="en-US" b="1" dirty="0" smtClean="0"/>
-              <a:t>&gt; </a:t>
-            </a:r>
-            <a:r>
-              <a:rPr lang="en-US" dirty="0" smtClean="0"/>
-              <a:t>- position where a word break may occur</a:t>
-            </a:r>
+            <a:endParaRPr lang="en-US" b="1" dirty="0" smtClean="0"/>
           </a:p>
         </p:txBody>
       </p:sp>
@@ -7842,7 +7684,7 @@
     </p:spTree>
     <p:extLst>
       <p:ext uri="{BB962C8B-B14F-4D97-AF65-F5344CB8AC3E}">
-        <p14:creationId xmlns:p14="http://schemas.microsoft.com/office/powerpoint/2010/main" val="2071125514"/>
+        <p14:creationId xmlns:p14="http://schemas.microsoft.com/office/powerpoint/2010/main" val="1678488580"/>
       </p:ext>
     </p:extLst>
   </p:cSld>
@@ -7894,7 +7736,7 @@
         </p:spPr>
         <p:txBody>
           <a:bodyPr>
-            <a:normAutofit/>
+            <a:normAutofit fontScale="92500" lnSpcReduction="20000"/>
           </a:bodyPr>
           <a:lstStyle/>
           <a:p>
@@ -7906,62 +7748,35 @@
             </a:pPr>
             <a:r>
               <a:rPr lang="en-US" b="1" dirty="0" smtClean="0"/>
-              <a:t>Image and Multimedia:</a:t>
+              <a:t>Inline text semantics: (continued)</a:t>
             </a:r>
           </a:p>
           <a:p>
             <a:pPr marL="0" indent="0">
-              <a:spcBef>
-                <a:spcPts val="1200"/>
-              </a:spcBef>
               <a:spcAft>
                 <a:spcPts val="1200"/>
               </a:spcAft>
               <a:buNone/>
             </a:pPr>
             <a:r>
-              <a:rPr lang="en-US" b="1" dirty="0" smtClean="0"/>
-              <a:t>&lt;area&gt; </a:t>
+              <a:rPr lang="en-US" b="1" dirty="0"/>
+              <a:t>&lt;</a:t>
+            </a:r>
+            <a:r>
+              <a:rPr lang="en-US" b="1" dirty="0" err="1"/>
+              <a:t>em</a:t>
+            </a:r>
+            <a:r>
+              <a:rPr lang="en-US" b="1" dirty="0"/>
+              <a:t>&gt; </a:t>
             </a:r>
             <a:r>
               <a:rPr lang="en-US" dirty="0"/>
-              <a:t>- </a:t>
-            </a:r>
-            <a:r>
-              <a:rPr lang="en-US" dirty="0" smtClean="0"/>
-              <a:t>used with the map element to define a hot-spot area within an image and optionally associate it with a link</a:t>
-            </a:r>
-            <a:endParaRPr lang="en-US" dirty="0"/>
+              <a:t>- emphasis; usually in italic; can be nested</a:t>
+            </a:r>
           </a:p>
           <a:p>
             <a:pPr marL="0" indent="0">
-              <a:spcBef>
-                <a:spcPts val="1200"/>
-              </a:spcBef>
-              <a:spcAft>
-                <a:spcPts val="1200"/>
-              </a:spcAft>
-              <a:buNone/>
-            </a:pPr>
-            <a:r>
-              <a:rPr lang="en-US" b="1" dirty="0" smtClean="0"/>
-              <a:t>&lt;audio&gt; </a:t>
-            </a:r>
-            <a:r>
-              <a:rPr lang="en-US" dirty="0"/>
-              <a:t>- </a:t>
-            </a:r>
-            <a:r>
-              <a:rPr lang="en-US" dirty="0" smtClean="0"/>
-              <a:t>used to embed sound content</a:t>
-            </a:r>
-            <a:endParaRPr lang="en-US" dirty="0"/>
-          </a:p>
-          <a:p>
-            <a:pPr marL="0" indent="0">
-              <a:spcBef>
-                <a:spcPts val="1200"/>
-              </a:spcBef>
               <a:spcAft>
                 <a:spcPts val="1200"/>
               </a:spcAft>
@@ -7973,7 +7788,7 @@
             </a:r>
             <a:r>
               <a:rPr lang="en-US" b="1" dirty="0" err="1" smtClean="0"/>
-              <a:t>img</a:t>
+              <a:t>i</a:t>
             </a:r>
             <a:r>
               <a:rPr lang="en-US" b="1" dirty="0" smtClean="0"/>
@@ -7981,14 +7796,11 @@
             </a:r>
             <a:r>
               <a:rPr lang="en-US" dirty="0" smtClean="0"/>
-              <a:t>- represents an image</a:t>
+              <a:t>- italic</a:t>
             </a:r>
           </a:p>
           <a:p>
             <a:pPr marL="0" indent="0">
-              <a:spcBef>
-                <a:spcPts val="1200"/>
-              </a:spcBef>
               <a:spcAft>
                 <a:spcPts val="1200"/>
               </a:spcAft>
@@ -7996,18 +7808,23 @@
             </a:pPr>
             <a:r>
               <a:rPr lang="en-US" b="1" dirty="0" smtClean="0"/>
-              <a:t>&lt;map&gt; - </a:t>
-            </a:r>
-            <a:r>
-              <a:rPr lang="en-US" dirty="0" smtClean="0"/>
-              <a:t>used with &lt;area&gt; element to define an image map</a:t>
+              <a:t>&lt;</a:t>
+            </a:r>
+            <a:r>
+              <a:rPr lang="en-US" b="1" dirty="0" err="1" smtClean="0"/>
+              <a:t>kbd</a:t>
+            </a:r>
+            <a:r>
+              <a:rPr lang="en-US" b="1" dirty="0" smtClean="0"/>
+              <a:t>&gt; </a:t>
+            </a:r>
+            <a:r>
+              <a:rPr lang="en-US" dirty="0" smtClean="0"/>
+              <a:t>- keyboard input element</a:t>
             </a:r>
           </a:p>
           <a:p>
             <a:pPr marL="0" indent="0">
-              <a:spcBef>
-                <a:spcPts val="1200"/>
-              </a:spcBef>
               <a:spcAft>
                 <a:spcPts val="1200"/>
               </a:spcAft>
@@ -8015,18 +7832,15 @@
             </a:pPr>
             <a:r>
               <a:rPr lang="en-US" b="1" dirty="0" smtClean="0"/>
-              <a:t>&lt;track&gt; </a:t>
-            </a:r>
-            <a:r>
-              <a:rPr lang="en-US" dirty="0" smtClean="0"/>
-              <a:t>- used as a child of the &lt;audio&gt; and &lt;video&gt; elements</a:t>
+              <a:t>&lt;mark&gt; </a:t>
+            </a:r>
+            <a:r>
+              <a:rPr lang="en-US" dirty="0" smtClean="0"/>
+              <a:t>- highlighted text</a:t>
             </a:r>
           </a:p>
           <a:p>
             <a:pPr marL="0" indent="0">
-              <a:spcBef>
-                <a:spcPts val="1200"/>
-              </a:spcBef>
               <a:spcAft>
                 <a:spcPts val="1200"/>
               </a:spcAft>
@@ -8034,12 +7848,138 @@
             </a:pPr>
             <a:r>
               <a:rPr lang="en-US" b="1" dirty="0" smtClean="0"/>
-              <a:t>&lt;video&gt; </a:t>
-            </a:r>
-            <a:r>
-              <a:rPr lang="en-US" dirty="0" smtClean="0"/>
-              <a:t>- used to embed video content</a:t>
-            </a:r>
+              <a:t>&lt;q&gt; </a:t>
+            </a:r>
+            <a:r>
+              <a:rPr lang="en-US" dirty="0" smtClean="0"/>
+              <a:t>- a short inline quotation</a:t>
+            </a:r>
+          </a:p>
+          <a:p>
+            <a:pPr marL="0" indent="0">
+              <a:spcAft>
+                <a:spcPts val="1200"/>
+              </a:spcAft>
+              <a:buNone/>
+            </a:pPr>
+            <a:r>
+              <a:rPr lang="en-US" b="1" dirty="0" smtClean="0"/>
+              <a:t>&lt;</a:t>
+            </a:r>
+            <a:r>
+              <a:rPr lang="en-US" b="1" dirty="0" err="1" smtClean="0"/>
+              <a:t>rp</a:t>
+            </a:r>
+            <a:r>
+              <a:rPr lang="en-US" b="1" dirty="0" smtClean="0"/>
+              <a:t>&gt; </a:t>
+            </a:r>
+            <a:r>
+              <a:rPr lang="en-US" dirty="0" smtClean="0"/>
+              <a:t>- </a:t>
+            </a:r>
+            <a:r>
+              <a:rPr lang="en-US" dirty="0" err="1" smtClean="0"/>
+              <a:t>fall-back</a:t>
+            </a:r>
+            <a:r>
+              <a:rPr lang="en-US" dirty="0" smtClean="0"/>
+              <a:t> parentheses for Ruby annotations</a:t>
+            </a:r>
+          </a:p>
+          <a:p>
+            <a:pPr marL="0" indent="0">
+              <a:spcAft>
+                <a:spcPts val="1200"/>
+              </a:spcAft>
+              <a:buNone/>
+            </a:pPr>
+            <a:r>
+              <a:rPr lang="en-US" b="1" dirty="0" smtClean="0"/>
+              <a:t>&lt;</a:t>
+            </a:r>
+            <a:r>
+              <a:rPr lang="en-US" b="1" dirty="0" err="1" smtClean="0"/>
+              <a:t>rt</a:t>
+            </a:r>
+            <a:r>
+              <a:rPr lang="en-US" b="1" dirty="0" smtClean="0"/>
+              <a:t>&gt; </a:t>
+            </a:r>
+            <a:r>
+              <a:rPr lang="en-US" dirty="0" smtClean="0"/>
+              <a:t>- embraces pronunciation of characters in ruby annotations</a:t>
+            </a:r>
+          </a:p>
+          <a:p>
+            <a:pPr marL="0" indent="0">
+              <a:spcAft>
+                <a:spcPts val="1200"/>
+              </a:spcAft>
+              <a:buNone/>
+            </a:pPr>
+            <a:r>
+              <a:rPr lang="en-US" b="1" dirty="0" smtClean="0"/>
+              <a:t>&lt;</a:t>
+            </a:r>
+            <a:r>
+              <a:rPr lang="en-US" b="1" dirty="0" err="1" smtClean="0"/>
+              <a:t>rtc</a:t>
+            </a:r>
+            <a:r>
+              <a:rPr lang="en-US" b="1" dirty="0" smtClean="0"/>
+              <a:t>&gt; </a:t>
+            </a:r>
+            <a:r>
+              <a:rPr lang="en-US" dirty="0" smtClean="0"/>
+              <a:t>- semantic annotations of characters in ruby elements</a:t>
+            </a:r>
+          </a:p>
+          <a:p>
+            <a:pPr marL="0" indent="0">
+              <a:spcAft>
+                <a:spcPts val="1200"/>
+              </a:spcAft>
+              <a:buNone/>
+            </a:pPr>
+            <a:r>
+              <a:rPr lang="en-US" b="1" dirty="0" smtClean="0"/>
+              <a:t>&lt;ruby&gt; </a:t>
+            </a:r>
+            <a:r>
+              <a:rPr lang="en-US" dirty="0" smtClean="0"/>
+              <a:t>- </a:t>
+            </a:r>
+            <a:r>
+              <a:rPr lang="en-US" dirty="0"/>
+              <a:t>describes pronunciation of East Asian characters</a:t>
+            </a:r>
+            <a:endParaRPr lang="en-US" dirty="0" smtClean="0"/>
+          </a:p>
+          <a:p>
+            <a:pPr marL="0" indent="0">
+              <a:spcAft>
+                <a:spcPts val="1200"/>
+              </a:spcAft>
+              <a:buNone/>
+            </a:pPr>
+            <a:r>
+              <a:rPr lang="en-US" b="1" dirty="0" smtClean="0"/>
+              <a:t>&lt;s&gt; </a:t>
+            </a:r>
+            <a:r>
+              <a:rPr lang="en-US" dirty="0" smtClean="0"/>
+              <a:t>- strikethrough</a:t>
+            </a:r>
+          </a:p>
+          <a:p>
+            <a:pPr marL="0" indent="0">
+              <a:spcAft>
+                <a:spcPts val="1200"/>
+              </a:spcAft>
+              <a:buNone/>
+            </a:pPr>
+            <a:endParaRPr lang="en-US" b="1" dirty="0" smtClean="0"/>
           </a:p>
         </p:txBody>
       </p:sp>
@@ -8104,7 +8044,7 @@
     </p:spTree>
     <p:extLst>
       <p:ext uri="{BB962C8B-B14F-4D97-AF65-F5344CB8AC3E}">
-        <p14:creationId xmlns:p14="http://schemas.microsoft.com/office/powerpoint/2010/main" val="4111348868"/>
+        <p14:creationId xmlns:p14="http://schemas.microsoft.com/office/powerpoint/2010/main" val="1730291854"/>
       </p:ext>
     </p:extLst>
   </p:cSld>
@@ -8156,7 +8096,7 @@
         </p:spPr>
         <p:txBody>
           <a:bodyPr>
-            <a:normAutofit/>
+            <a:normAutofit lnSpcReduction="10000"/>
           </a:bodyPr>
           <a:lstStyle/>
           <a:p>
@@ -8168,38 +8108,67 @@
             </a:pPr>
             <a:r>
               <a:rPr lang="en-US" b="1" dirty="0" smtClean="0"/>
-              <a:t>Embedded content:</a:t>
+              <a:t>Inline text semantics: (continued)</a:t>
             </a:r>
           </a:p>
           <a:p>
             <a:pPr marL="0" indent="0">
-              <a:spcBef>
-                <a:spcPts val="1200"/>
-              </a:spcBef>
               <a:spcAft>
                 <a:spcPts val="1200"/>
               </a:spcAft>
               <a:buNone/>
             </a:pPr>
             <a:r>
+              <a:rPr lang="en-US" b="1" dirty="0"/>
+              <a:t>&lt;</a:t>
+            </a:r>
+            <a:r>
+              <a:rPr lang="en-US" b="1" dirty="0" err="1"/>
+              <a:t>samp</a:t>
+            </a:r>
+            <a:r>
+              <a:rPr lang="en-US" b="1" dirty="0"/>
+              <a:t>&gt; </a:t>
+            </a:r>
+            <a:r>
+              <a:rPr lang="en-US" dirty="0"/>
+              <a:t>- for sample output; uses monospace font</a:t>
+            </a:r>
+          </a:p>
+          <a:p>
+            <a:pPr marL="0" indent="0">
+              <a:spcAft>
+                <a:spcPts val="1200"/>
+              </a:spcAft>
+              <a:buNone/>
+            </a:pPr>
+            <a:r>
+              <a:rPr lang="en-US" b="1" dirty="0"/>
+              <a:t>&lt;small&gt; </a:t>
+            </a:r>
+            <a:r>
+              <a:rPr lang="en-US" dirty="0"/>
+              <a:t>- makes font size one size smaller than normal</a:t>
+            </a:r>
+          </a:p>
+          <a:p>
+            <a:pPr marL="0" indent="0">
+              <a:spcAft>
+                <a:spcPts val="1200"/>
+              </a:spcAft>
+              <a:buNone/>
+            </a:pPr>
+            <a:r>
               <a:rPr lang="en-US" b="1" dirty="0" smtClean="0"/>
-              <a:t>&lt;embed&gt; </a:t>
-            </a:r>
-            <a:r>
-              <a:rPr lang="en-US" dirty="0"/>
-              <a:t>- </a:t>
-            </a:r>
-            <a:r>
-              <a:rPr lang="en-US" dirty="0" smtClean="0"/>
-              <a:t>an integration point for an external application or interactive content (a plug-in)</a:t>
-            </a:r>
-            <a:endParaRPr lang="en-US" dirty="0"/>
+              <a:t>&lt;span&gt; </a:t>
+            </a:r>
+            <a:r>
+              <a:rPr lang="en-US" dirty="0" smtClean="0"/>
+              <a:t>- generic inline container for styling purposes</a:t>
+            </a:r>
           </a:p>
           <a:p>
             <a:pPr marL="0" indent="0">
-              <a:spcBef>
-                <a:spcPts val="1200"/>
-              </a:spcBef>
               <a:spcAft>
                 <a:spcPts val="1200"/>
               </a:spcAft>
@@ -8207,23 +8176,15 @@
             </a:pPr>
             <a:r>
               <a:rPr lang="en-US" b="1" dirty="0" smtClean="0"/>
-              <a:t>&lt;iframe&gt; </a:t>
-            </a:r>
-            <a:r>
-              <a:rPr lang="en-US" dirty="0"/>
-              <a:t>- </a:t>
-            </a:r>
-            <a:r>
-              <a:rPr lang="en-US" dirty="0" smtClean="0"/>
-              <a:t>a container for an embedded page</a:t>
-            </a:r>
-            <a:endParaRPr lang="en-US" dirty="0"/>
+              <a:t>&lt;sub&gt; - </a:t>
+            </a:r>
+            <a:r>
+              <a:rPr lang="en-US" dirty="0" smtClean="0"/>
+              <a:t>subscript</a:t>
+            </a:r>
           </a:p>
           <a:p>
             <a:pPr marL="0" indent="0">
-              <a:spcBef>
-                <a:spcPts val="1200"/>
-              </a:spcBef>
               <a:spcAft>
                 <a:spcPts val="1200"/>
               </a:spcAft>
@@ -8231,18 +8192,47 @@
             </a:pPr>
             <a:r>
               <a:rPr lang="en-US" b="1" dirty="0" smtClean="0"/>
-              <a:t>&lt;object&gt; </a:t>
-            </a:r>
-            <a:r>
-              <a:rPr lang="en-US" dirty="0" smtClean="0"/>
-              <a:t>- an external resource, such as an image or page, to be handled by a plug-in</a:t>
+              <a:t>&lt;sup&gt; </a:t>
+            </a:r>
+            <a:r>
+              <a:rPr lang="en-US" dirty="0" smtClean="0"/>
+              <a:t>- superscript</a:t>
             </a:r>
           </a:p>
           <a:p>
             <a:pPr marL="0" indent="0">
-              <a:spcBef>
-                <a:spcPts val="1200"/>
-              </a:spcBef>
+              <a:spcAft>
+                <a:spcPts val="1200"/>
+              </a:spcAft>
+              <a:buNone/>
+            </a:pPr>
+            <a:r>
+              <a:rPr lang="en-US" b="1" dirty="0" smtClean="0"/>
+              <a:t>&lt;time&gt; </a:t>
+            </a:r>
+            <a:r>
+              <a:rPr lang="en-US" dirty="0" smtClean="0"/>
+              <a:t>- 24-hour clock time or precise date</a:t>
+            </a:r>
+          </a:p>
+          <a:p>
+            <a:pPr marL="0" indent="0">
+              <a:spcAft>
+                <a:spcPts val="1200"/>
+              </a:spcAft>
+              <a:buNone/>
+            </a:pPr>
+            <a:r>
+              <a:rPr lang="en-US" b="1" dirty="0" smtClean="0"/>
+              <a:t>&lt;u&gt; </a:t>
+            </a:r>
+            <a:r>
+              <a:rPr lang="en-US" dirty="0" smtClean="0"/>
+              <a:t>- underline</a:t>
+            </a:r>
+          </a:p>
+          <a:p>
+            <a:pPr marL="0" indent="0">
               <a:spcAft>
                 <a:spcPts val="1200"/>
               </a:spcAft>
@@ -8254,27 +8244,19 @@
             </a:r>
             <a:r>
               <a:rPr lang="en-US" b="1" dirty="0" err="1" smtClean="0"/>
-              <a:t>param</a:t>
+              <a:t>var</a:t>
             </a:r>
             <a:r>
               <a:rPr lang="en-US" b="1" dirty="0" smtClean="0"/>
               <a:t>&gt; </a:t>
             </a:r>
             <a:r>
-              <a:rPr lang="en-US" dirty="0"/>
-              <a:t>- </a:t>
-            </a:r>
-            <a:r>
-              <a:rPr lang="en-US" dirty="0" smtClean="0"/>
-              <a:t>defines parameters for &lt;object&gt;</a:t>
-            </a:r>
-            <a:endParaRPr lang="en-US" dirty="0"/>
+              <a:rPr lang="en-US" dirty="0" smtClean="0"/>
+              <a:t>- represents a math or programming variable</a:t>
+            </a:r>
           </a:p>
           <a:p>
             <a:pPr marL="0" indent="0">
-              <a:spcBef>
-                <a:spcPts val="1200"/>
-              </a:spcBef>
               <a:spcAft>
                 <a:spcPts val="1200"/>
               </a:spcAft>
@@ -8282,11 +8264,19 @@
             </a:pPr>
             <a:r>
               <a:rPr lang="en-US" b="1" dirty="0" smtClean="0"/>
-              <a:t>&lt;source&gt; - </a:t>
-            </a:r>
-            <a:r>
-              <a:rPr lang="en-US" dirty="0" smtClean="0"/>
-              <a:t>used to specify multiple media resources for &lt;picture&gt;, &lt;audio&gt;, and &lt;video&gt; elements</a:t>
+              <a:t>&lt;</a:t>
+            </a:r>
+            <a:r>
+              <a:rPr lang="en-US" b="1" dirty="0" err="1" smtClean="0"/>
+              <a:t>wbr</a:t>
+            </a:r>
+            <a:r>
+              <a:rPr lang="en-US" b="1" dirty="0" smtClean="0"/>
+              <a:t>&gt; </a:t>
+            </a:r>
+            <a:r>
+              <a:rPr lang="en-US" dirty="0" smtClean="0"/>
+              <a:t>- position where a word break may occur</a:t>
             </a:r>
           </a:p>
         </p:txBody>
@@ -8352,7 +8342,7 @@
     </p:spTree>
     <p:extLst>
       <p:ext uri="{BB962C8B-B14F-4D97-AF65-F5344CB8AC3E}">
-        <p14:creationId xmlns:p14="http://schemas.microsoft.com/office/powerpoint/2010/main" val="2552664041"/>
+        <p14:creationId xmlns:p14="http://schemas.microsoft.com/office/powerpoint/2010/main" val="2071125514"/>
       </p:ext>
     </p:extLst>
   </p:cSld>
@@ -8552,7 +8542,7 @@
             </a:pPr>
             <a:r>
               <a:rPr lang="en-US" b="1" dirty="0" smtClean="0"/>
-              <a:t>Interactive elements:</a:t>
+              <a:t>Image and Multimedia:</a:t>
             </a:r>
           </a:p>
           <a:p>
@@ -8567,7 +8557,7 @@
             </a:pPr>
             <a:r>
               <a:rPr lang="en-US" b="1" dirty="0" smtClean="0"/>
-              <a:t>&lt;details&gt; </a:t>
+              <a:t>&lt;area&gt; </a:t>
             </a:r>
             <a:r>
               <a:rPr lang="en-US" dirty="0"/>
@@ -8575,7 +8565,7 @@
             </a:r>
             <a:r>
               <a:rPr lang="en-US" dirty="0" smtClean="0"/>
-              <a:t>used as a disclosure widget from which the user can retrieve additional information</a:t>
+              <a:t>used with the map element to define a hot-spot area within an image and optionally associate it with a link</a:t>
             </a:r>
             <a:endParaRPr lang="en-US" dirty="0"/>
           </a:p>
@@ -8591,7 +8581,7 @@
             </a:pPr>
             <a:r>
               <a:rPr lang="en-US" b="1" dirty="0" smtClean="0"/>
-              <a:t>&lt;dialog&gt; </a:t>
+              <a:t>&lt;audio&gt; </a:t>
             </a:r>
             <a:r>
               <a:rPr lang="en-US" dirty="0"/>
@@ -8599,7 +8589,7 @@
             </a:r>
             <a:r>
               <a:rPr lang="en-US" dirty="0" smtClean="0"/>
-              <a:t>represents a dialog box or other interactive component</a:t>
+              <a:t>used to embed sound content</a:t>
             </a:r>
             <a:endParaRPr lang="en-US" dirty="0"/>
           </a:p>
@@ -8615,11 +8605,19 @@
             </a:pPr>
             <a:r>
               <a:rPr lang="en-US" b="1" dirty="0" smtClean="0"/>
-              <a:t>&lt;menu&gt; </a:t>
-            </a:r>
-            <a:r>
-              <a:rPr lang="en-US" dirty="0" smtClean="0"/>
-              <a:t>- represents a group of commands that a users can perform or activate</a:t>
+              <a:t>&lt;</a:t>
+            </a:r>
+            <a:r>
+              <a:rPr lang="en-US" b="1" dirty="0" err="1" smtClean="0"/>
+              <a:t>img</a:t>
+            </a:r>
+            <a:r>
+              <a:rPr lang="en-US" b="1" dirty="0" smtClean="0"/>
+              <a:t>&gt; </a:t>
+            </a:r>
+            <a:r>
+              <a:rPr lang="en-US" dirty="0" smtClean="0"/>
+              <a:t>- represents an image</a:t>
             </a:r>
           </a:p>
           <a:p>
@@ -8634,25 +8632,12 @@
             </a:pPr>
             <a:r>
               <a:rPr lang="en-US" b="1" dirty="0" smtClean="0"/>
-              <a:t>&lt;</a:t>
-            </a:r>
-            <a:r>
-              <a:rPr lang="en-US" b="1" dirty="0" err="1" smtClean="0"/>
-              <a:t>menuItem</a:t>
-            </a:r>
-            <a:r>
-              <a:rPr lang="en-US" b="1" dirty="0" smtClean="0"/>
-              <a:t>&gt; </a:t>
-            </a:r>
-            <a:r>
-              <a:rPr lang="en-US" dirty="0"/>
-              <a:t>- </a:t>
-            </a:r>
-            <a:r>
-              <a:rPr lang="en-US" dirty="0" smtClean="0"/>
-              <a:t>represents a command that the user may invoke through a popup menu</a:t>
-            </a:r>
-            <a:endParaRPr lang="en-US" dirty="0"/>
+              <a:t>&lt;map&gt; - </a:t>
+            </a:r>
+            <a:r>
+              <a:rPr lang="en-US" dirty="0" smtClean="0"/>
+              <a:t>used with &lt;area&gt; element to define an image map</a:t>
+            </a:r>
           </a:p>
           <a:p>
             <a:pPr marL="0" indent="0">
@@ -8666,11 +8651,30 @@
             </a:pPr>
             <a:r>
               <a:rPr lang="en-US" b="1" dirty="0" smtClean="0"/>
-              <a:t>&lt;summary&gt; - </a:t>
-            </a:r>
-            <a:r>
-              <a:rPr lang="en-US" dirty="0" smtClean="0"/>
-              <a:t>used as a summary, caption, or legend for the content of a &lt;details&gt; element</a:t>
+              <a:t>&lt;track&gt; </a:t>
+            </a:r>
+            <a:r>
+              <a:rPr lang="en-US" dirty="0" smtClean="0"/>
+              <a:t>- used as a child of the &lt;audio&gt; and &lt;video&gt; elements</a:t>
+            </a:r>
+          </a:p>
+          <a:p>
+            <a:pPr marL="0" indent="0">
+              <a:spcBef>
+                <a:spcPts val="1200"/>
+              </a:spcBef>
+              <a:spcAft>
+                <a:spcPts val="1200"/>
+              </a:spcAft>
+              <a:buNone/>
+            </a:pPr>
+            <a:r>
+              <a:rPr lang="en-US" b="1" dirty="0" smtClean="0"/>
+              <a:t>&lt;video&gt; </a:t>
+            </a:r>
+            <a:r>
+              <a:rPr lang="en-US" dirty="0" smtClean="0"/>
+              <a:t>- used to embed video content</a:t>
             </a:r>
           </a:p>
         </p:txBody>
@@ -8736,7 +8740,7 @@
     </p:spTree>
     <p:extLst>
       <p:ext uri="{BB962C8B-B14F-4D97-AF65-F5344CB8AC3E}">
-        <p14:creationId xmlns:p14="http://schemas.microsoft.com/office/powerpoint/2010/main" val="3547597553"/>
+        <p14:creationId xmlns:p14="http://schemas.microsoft.com/office/powerpoint/2010/main" val="4111348868"/>
       </p:ext>
     </p:extLst>
   </p:cSld>
@@ -8800,7 +8804,7 @@
             </a:pPr>
             <a:r>
               <a:rPr lang="en-US" b="1" dirty="0" smtClean="0"/>
-              <a:t>Scripting:</a:t>
+              <a:t>Embedded content:</a:t>
             </a:r>
           </a:p>
           <a:p>
@@ -8815,7 +8819,7 @@
             </a:pPr>
             <a:r>
               <a:rPr lang="en-US" b="1" dirty="0" smtClean="0"/>
-              <a:t>&lt;canvas&gt; </a:t>
+              <a:t>&lt;embed&gt; </a:t>
             </a:r>
             <a:r>
               <a:rPr lang="en-US" dirty="0"/>
@@ -8823,14 +8827,14 @@
             </a:r>
             <a:r>
               <a:rPr lang="en-US" dirty="0" smtClean="0"/>
-              <a:t>used to draw graphics via scripting (usually JavaScript)</a:t>
+              <a:t>an integration point for an external application or interactive content (a plug-in)</a:t>
             </a:r>
             <a:endParaRPr lang="en-US" dirty="0"/>
           </a:p>
           <a:p>
             <a:pPr marL="0" indent="0">
               <a:spcBef>
-                <a:spcPts val="1800"/>
+                <a:spcPts val="1200"/>
               </a:spcBef>
               <a:spcAft>
                 <a:spcPts val="1200"/>
@@ -8839,11 +8843,54 @@
             </a:pPr>
             <a:r>
               <a:rPr lang="en-US" b="1" dirty="0" smtClean="0"/>
+              <a:t>&lt;iframe&gt; </a:t>
+            </a:r>
+            <a:r>
+              <a:rPr lang="en-US" dirty="0"/>
+              <a:t>- </a:t>
+            </a:r>
+            <a:r>
+              <a:rPr lang="en-US" dirty="0" smtClean="0"/>
+              <a:t>a container for an embedded page</a:t>
+            </a:r>
+            <a:endParaRPr lang="en-US" dirty="0"/>
+          </a:p>
+          <a:p>
+            <a:pPr marL="0" indent="0">
+              <a:spcBef>
+                <a:spcPts val="1200"/>
+              </a:spcBef>
+              <a:spcAft>
+                <a:spcPts val="1200"/>
+              </a:spcAft>
+              <a:buNone/>
+            </a:pPr>
+            <a:r>
+              <a:rPr lang="en-US" b="1" dirty="0" smtClean="0"/>
+              <a:t>&lt;object&gt; </a:t>
+            </a:r>
+            <a:r>
+              <a:rPr lang="en-US" dirty="0" smtClean="0"/>
+              <a:t>- an external resource, such as an image or page, to be handled by a plug-in</a:t>
+            </a:r>
+          </a:p>
+          <a:p>
+            <a:pPr marL="0" indent="0">
+              <a:spcBef>
+                <a:spcPts val="1200"/>
+              </a:spcBef>
+              <a:spcAft>
+                <a:spcPts val="1200"/>
+              </a:spcAft>
+              <a:buNone/>
+            </a:pPr>
+            <a:r>
+              <a:rPr lang="en-US" b="1" dirty="0" smtClean="0"/>
               <a:t>&lt;</a:t>
             </a:r>
             <a:r>
               <a:rPr lang="en-US" b="1" dirty="0" err="1" smtClean="0"/>
-              <a:t>noscript</a:t>
+              <a:t>param</a:t>
             </a:r>
             <a:r>
               <a:rPr lang="en-US" b="1" dirty="0" smtClean="0"/>
@@ -8855,14 +8902,14 @@
             </a:r>
             <a:r>
               <a:rPr lang="en-US" dirty="0" smtClean="0"/>
-              <a:t>defines a section of html to be inserted if scripting is not supported or turned off</a:t>
+              <a:t>defines parameters for &lt;object&gt;</a:t>
             </a:r>
             <a:endParaRPr lang="en-US" dirty="0"/>
           </a:p>
           <a:p>
             <a:pPr marL="0" indent="0">
               <a:spcBef>
-                <a:spcPts val="1800"/>
+                <a:spcPts val="1200"/>
               </a:spcBef>
               <a:spcAft>
                 <a:spcPts val="1200"/>
@@ -8871,11 +8918,11 @@
             </a:pPr>
             <a:r>
               <a:rPr lang="en-US" b="1" dirty="0" smtClean="0"/>
-              <a:t>&lt;script&gt; </a:t>
-            </a:r>
-            <a:r>
-              <a:rPr lang="en-US" dirty="0" smtClean="0"/>
-              <a:t>- used to embed or reference an executable script</a:t>
+              <a:t>&lt;source&gt; - </a:t>
+            </a:r>
+            <a:r>
+              <a:rPr lang="en-US" dirty="0" smtClean="0"/>
+              <a:t>used to specify multiple media resources for &lt;picture&gt;, &lt;audio&gt;, and &lt;video&gt; elements</a:t>
             </a:r>
           </a:p>
         </p:txBody>
@@ -8941,7 +8988,7 @@
     </p:spTree>
     <p:extLst>
       <p:ext uri="{BB962C8B-B14F-4D97-AF65-F5344CB8AC3E}">
-        <p14:creationId xmlns:p14="http://schemas.microsoft.com/office/powerpoint/2010/main" val="3186133189"/>
+        <p14:creationId xmlns:p14="http://schemas.microsoft.com/office/powerpoint/2010/main" val="2552664041"/>
       </p:ext>
     </p:extLst>
   </p:cSld>
@@ -9005,7 +9052,7 @@
             </a:pPr>
             <a:r>
               <a:rPr lang="en-US" b="1" dirty="0" smtClean="0"/>
-              <a:t>Demarcating edits:</a:t>
+              <a:t>Interactive elements:</a:t>
             </a:r>
           </a:p>
           <a:p>
@@ -9020,7 +9067,7 @@
             </a:pPr>
             <a:r>
               <a:rPr lang="en-US" b="1" dirty="0" smtClean="0"/>
-              <a:t>&lt;del&gt; </a:t>
+              <a:t>&lt;details&gt; </a:t>
             </a:r>
             <a:r>
               <a:rPr lang="en-US" dirty="0"/>
@@ -9028,14 +9075,14 @@
             </a:r>
             <a:r>
               <a:rPr lang="en-US" dirty="0" smtClean="0"/>
-              <a:t>represents a range of text that has been deleted. Usually rendered with strike-through text</a:t>
+              <a:t>used as a disclosure widget from which the user can retrieve additional information</a:t>
             </a:r>
             <a:endParaRPr lang="en-US" dirty="0"/>
           </a:p>
           <a:p>
             <a:pPr marL="0" indent="0">
               <a:spcBef>
-                <a:spcPts val="1800"/>
+                <a:spcPts val="1200"/>
               </a:spcBef>
               <a:spcAft>
                 <a:spcPts val="1200"/>
@@ -9044,7 +9091,7 @@
             </a:pPr>
             <a:r>
               <a:rPr lang="en-US" b="1" dirty="0" smtClean="0"/>
-              <a:t>&lt;ins&gt; </a:t>
+              <a:t>&lt;dialog&gt; </a:t>
             </a:r>
             <a:r>
               <a:rPr lang="en-US" dirty="0"/>
@@ -9052,7 +9099,78 @@
             </a:r>
             <a:r>
               <a:rPr lang="en-US" dirty="0" smtClean="0"/>
-              <a:t>represents a range of text that has been added to a document</a:t>
+              <a:t>represents a dialog box or other interactive component</a:t>
+            </a:r>
+            <a:endParaRPr lang="en-US" dirty="0"/>
+          </a:p>
+          <a:p>
+            <a:pPr marL="0" indent="0">
+              <a:spcBef>
+                <a:spcPts val="1200"/>
+              </a:spcBef>
+              <a:spcAft>
+                <a:spcPts val="1200"/>
+              </a:spcAft>
+              <a:buNone/>
+            </a:pPr>
+            <a:r>
+              <a:rPr lang="en-US" b="1" dirty="0" smtClean="0"/>
+              <a:t>&lt;menu&gt; </a:t>
+            </a:r>
+            <a:r>
+              <a:rPr lang="en-US" dirty="0" smtClean="0"/>
+              <a:t>- represents a group of commands that a users can perform or activate</a:t>
+            </a:r>
+          </a:p>
+          <a:p>
+            <a:pPr marL="0" indent="0">
+              <a:spcBef>
+                <a:spcPts val="1200"/>
+              </a:spcBef>
+              <a:spcAft>
+                <a:spcPts val="1200"/>
+              </a:spcAft>
+              <a:buNone/>
+            </a:pPr>
+            <a:r>
+              <a:rPr lang="en-US" b="1" dirty="0" smtClean="0"/>
+              <a:t>&lt;</a:t>
+            </a:r>
+            <a:r>
+              <a:rPr lang="en-US" b="1" dirty="0" err="1" smtClean="0"/>
+              <a:t>menuItem</a:t>
+            </a:r>
+            <a:r>
+              <a:rPr lang="en-US" b="1" dirty="0" smtClean="0"/>
+              <a:t>&gt; </a:t>
+            </a:r>
+            <a:r>
+              <a:rPr lang="en-US" dirty="0"/>
+              <a:t>- </a:t>
+            </a:r>
+            <a:r>
+              <a:rPr lang="en-US" dirty="0" smtClean="0"/>
+              <a:t>represents a command that the user may invoke through a popup menu</a:t>
+            </a:r>
+            <a:endParaRPr lang="en-US" dirty="0"/>
+          </a:p>
+          <a:p>
+            <a:pPr marL="0" indent="0">
+              <a:spcBef>
+                <a:spcPts val="1200"/>
+              </a:spcBef>
+              <a:spcAft>
+                <a:spcPts val="1200"/>
+              </a:spcAft>
+              <a:buNone/>
+            </a:pPr>
+            <a:r>
+              <a:rPr lang="en-US" b="1" dirty="0" smtClean="0"/>
+              <a:t>&lt;summary&gt; - </a:t>
+            </a:r>
+            <a:r>
+              <a:rPr lang="en-US" dirty="0" smtClean="0"/>
+              <a:t>used as a summary, caption, or legend for the content of a &lt;details&gt; element</a:t>
             </a:r>
           </a:p>
         </p:txBody>
@@ -9118,7 +9236,7 @@
     </p:spTree>
     <p:extLst>
       <p:ext uri="{BB962C8B-B14F-4D97-AF65-F5344CB8AC3E}">
-        <p14:creationId xmlns:p14="http://schemas.microsoft.com/office/powerpoint/2010/main" val="30822354"/>
+        <p14:creationId xmlns:p14="http://schemas.microsoft.com/office/powerpoint/2010/main" val="3547597553"/>
       </p:ext>
     </p:extLst>
   </p:cSld>
@@ -9170,7 +9288,7 @@
         </p:spPr>
         <p:txBody>
           <a:bodyPr>
-            <a:normAutofit fontScale="92500" lnSpcReduction="20000"/>
+            <a:normAutofit/>
           </a:bodyPr>
           <a:lstStyle/>
           <a:p>
@@ -9182,11 +9300,14 @@
             </a:pPr>
             <a:r>
               <a:rPr lang="en-US" b="1" dirty="0" smtClean="0"/>
-              <a:t>Table Content:</a:t>
+              <a:t>Scripting:</a:t>
             </a:r>
           </a:p>
           <a:p>
             <a:pPr marL="0" indent="0">
+              <a:spcBef>
+                <a:spcPts val="1200"/>
+              </a:spcBef>
               <a:spcAft>
                 <a:spcPts val="1200"/>
               </a:spcAft>
@@ -9194,7 +9315,7 @@
             </a:pPr>
             <a:r>
               <a:rPr lang="en-US" b="1" dirty="0" smtClean="0"/>
-              <a:t>&lt;caption&gt; </a:t>
+              <a:t>&lt;canvas&gt; </a:t>
             </a:r>
             <a:r>
               <a:rPr lang="en-US" dirty="0"/>
@@ -9202,20 +9323,15 @@
             </a:r>
             <a:r>
               <a:rPr lang="en-US" dirty="0" smtClean="0"/>
-              <a:t>the title of </a:t>
-            </a:r>
-            <a:r>
-              <a:rPr lang="en-US" dirty="0"/>
-              <a:t>a</a:t>
-            </a:r>
-            <a:r>
-              <a:rPr lang="en-US" dirty="0" smtClean="0"/>
-              <a:t> table</a:t>
+              <a:t>used to draw graphics via scripting (usually JavaScript)</a:t>
             </a:r>
             <a:endParaRPr lang="en-US" dirty="0"/>
           </a:p>
           <a:p>
             <a:pPr marL="0" indent="0">
+              <a:spcBef>
+                <a:spcPts val="1800"/>
+              </a:spcBef>
               <a:spcAft>
                 <a:spcPts val="1200"/>
               </a:spcAft>
@@ -9223,7 +9339,15 @@
             </a:pPr>
             <a:r>
               <a:rPr lang="en-US" b="1" dirty="0" smtClean="0"/>
-              <a:t>&lt;col&gt; </a:t>
+              <a:t>&lt;</a:t>
+            </a:r>
+            <a:r>
+              <a:rPr lang="en-US" b="1" dirty="0" err="1" smtClean="0"/>
+              <a:t>noscript</a:t>
+            </a:r>
+            <a:r>
+              <a:rPr lang="en-US" b="1" dirty="0" smtClean="0"/>
+              <a:t>&gt; </a:t>
             </a:r>
             <a:r>
               <a:rPr lang="en-US" dirty="0"/>
@@ -9231,12 +9355,15 @@
             </a:r>
             <a:r>
               <a:rPr lang="en-US" dirty="0" smtClean="0"/>
-              <a:t>defines a column within a table</a:t>
+              <a:t>defines a section of html to be inserted if scripting is not supported or turned off</a:t>
             </a:r>
             <a:endParaRPr lang="en-US" dirty="0"/>
           </a:p>
           <a:p>
             <a:pPr marL="0" indent="0">
+              <a:spcBef>
+                <a:spcPts val="1800"/>
+              </a:spcBef>
               <a:spcAft>
                 <a:spcPts val="1200"/>
               </a:spcAft>
@@ -9244,171 +9371,11 @@
             </a:pPr>
             <a:r>
               <a:rPr lang="en-US" b="1" dirty="0" smtClean="0"/>
-              <a:t>&lt;</a:t>
-            </a:r>
-            <a:r>
-              <a:rPr lang="en-US" b="1" dirty="0" err="1" smtClean="0"/>
-              <a:t>colgroup</a:t>
-            </a:r>
-            <a:r>
-              <a:rPr lang="en-US" b="1" dirty="0" smtClean="0"/>
-              <a:t>&gt; </a:t>
-            </a:r>
-            <a:r>
-              <a:rPr lang="en-US" dirty="0" smtClean="0"/>
-              <a:t>- defines a group of columns within a table</a:t>
-            </a:r>
-          </a:p>
-          <a:p>
-            <a:pPr marL="0" indent="0">
-              <a:spcAft>
-                <a:spcPts val="1200"/>
-              </a:spcAft>
-              <a:buNone/>
-            </a:pPr>
-            <a:r>
-              <a:rPr lang="en-US" b="1" dirty="0" smtClean="0"/>
-              <a:t>&lt;table&gt; - </a:t>
-            </a:r>
-            <a:r>
-              <a:rPr lang="en-US" dirty="0" smtClean="0"/>
-              <a:t>represents data in two or more dimensions</a:t>
-            </a:r>
-          </a:p>
-          <a:p>
-            <a:pPr marL="0" indent="0">
-              <a:spcAft>
-                <a:spcPts val="1200"/>
-              </a:spcAft>
-              <a:buNone/>
-            </a:pPr>
-            <a:r>
-              <a:rPr lang="en-US" b="1" dirty="0" smtClean="0"/>
-              <a:t>&lt;</a:t>
-            </a:r>
-            <a:r>
-              <a:rPr lang="en-US" b="1" dirty="0" err="1" smtClean="0"/>
-              <a:t>tbody</a:t>
-            </a:r>
-            <a:r>
-              <a:rPr lang="en-US" b="1" dirty="0" smtClean="0"/>
-              <a:t>&gt; </a:t>
-            </a:r>
-            <a:r>
-              <a:rPr lang="en-US" dirty="0" smtClean="0"/>
-              <a:t>- groups the body of a table</a:t>
-            </a:r>
-          </a:p>
-          <a:p>
-            <a:pPr marL="0" indent="0">
-              <a:spcAft>
-                <a:spcPts val="1200"/>
-              </a:spcAft>
-              <a:buNone/>
-            </a:pPr>
-            <a:r>
-              <a:rPr lang="en-US" b="1" dirty="0" smtClean="0"/>
-              <a:t>&lt;td&gt; </a:t>
-            </a:r>
-            <a:r>
-              <a:rPr lang="en-US" dirty="0" smtClean="0"/>
-              <a:t>- defines a cell of a table</a:t>
-            </a:r>
-          </a:p>
-          <a:p>
-            <a:pPr marL="0" indent="0">
-              <a:spcAft>
-                <a:spcPts val="1200"/>
-              </a:spcAft>
-              <a:buNone/>
-            </a:pPr>
-            <a:r>
-              <a:rPr lang="en-US" b="1" dirty="0" smtClean="0"/>
-              <a:t>&lt;</a:t>
-            </a:r>
-            <a:r>
-              <a:rPr lang="en-US" b="1" dirty="0" err="1" smtClean="0"/>
-              <a:t>tfoot</a:t>
-            </a:r>
-            <a:r>
-              <a:rPr lang="en-US" b="1" dirty="0" smtClean="0"/>
-              <a:t>&gt; </a:t>
-            </a:r>
-            <a:r>
-              <a:rPr lang="en-US" dirty="0" smtClean="0"/>
-              <a:t>- defines a set of rows summarizing the columns of the table</a:t>
-            </a:r>
-          </a:p>
-          <a:p>
-            <a:pPr marL="0" indent="0">
-              <a:spcAft>
-                <a:spcPts val="1200"/>
-              </a:spcAft>
-              <a:buNone/>
-            </a:pPr>
-            <a:r>
-              <a:rPr lang="en-US" b="1" dirty="0" smtClean="0"/>
-              <a:t>&lt;</a:t>
-            </a:r>
-            <a:r>
-              <a:rPr lang="en-US" b="1" dirty="0" err="1" smtClean="0"/>
-              <a:t>th</a:t>
-            </a:r>
-            <a:r>
-              <a:rPr lang="en-US" b="1" dirty="0" smtClean="0"/>
-              <a:t>&gt; </a:t>
-            </a:r>
-            <a:r>
-              <a:rPr lang="en-US" dirty="0" smtClean="0"/>
-              <a:t>- defines a cell that is a header for a group of cells</a:t>
-            </a:r>
-          </a:p>
-          <a:p>
-            <a:pPr marL="0" indent="0">
-              <a:spcAft>
-                <a:spcPts val="1200"/>
-              </a:spcAft>
-              <a:buNone/>
-            </a:pPr>
-            <a:r>
-              <a:rPr lang="en-US" b="1" dirty="0" smtClean="0"/>
-              <a:t>&lt;</a:t>
-            </a:r>
-            <a:r>
-              <a:rPr lang="en-US" b="1" dirty="0" err="1" smtClean="0"/>
-              <a:t>thead</a:t>
-            </a:r>
-            <a:r>
-              <a:rPr lang="en-US" b="1" dirty="0" smtClean="0"/>
-              <a:t>&gt; </a:t>
-            </a:r>
-            <a:r>
-              <a:rPr lang="en-US" dirty="0" smtClean="0"/>
-              <a:t>- defines a set of rows defining the head of the columns of the table</a:t>
-            </a:r>
-          </a:p>
-          <a:p>
-            <a:pPr marL="0" indent="0">
-              <a:spcAft>
-                <a:spcPts val="1200"/>
-              </a:spcAft>
-              <a:buNone/>
-            </a:pPr>
-            <a:r>
-              <a:rPr lang="en-US" b="1" dirty="0" smtClean="0"/>
-              <a:t>&lt;</a:t>
-            </a:r>
-            <a:r>
-              <a:rPr lang="en-US" b="1" dirty="0" err="1" smtClean="0"/>
-              <a:t>tr</a:t>
-            </a:r>
-            <a:r>
-              <a:rPr lang="en-US" b="1" dirty="0" smtClean="0"/>
-              <a:t>&gt; </a:t>
-            </a:r>
-            <a:r>
-              <a:rPr lang="en-US" dirty="0" smtClean="0"/>
-              <a:t>- defines a row of cells in a table</a:t>
+              <a:t>&lt;script&gt; </a:t>
+            </a:r>
+            <a:r>
+              <a:rPr lang="en-US" dirty="0" smtClean="0"/>
+              <a:t>- used to embed or reference an executable script</a:t>
             </a:r>
           </a:p>
         </p:txBody>
@@ -9474,7 +9441,7 @@
     </p:spTree>
     <p:extLst>
       <p:ext uri="{BB962C8B-B14F-4D97-AF65-F5344CB8AC3E}">
-        <p14:creationId xmlns:p14="http://schemas.microsoft.com/office/powerpoint/2010/main" val="186837205"/>
+        <p14:creationId xmlns:p14="http://schemas.microsoft.com/office/powerpoint/2010/main" val="3186133189"/>
       </p:ext>
     </p:extLst>
   </p:cSld>
@@ -9526,7 +9493,7 @@
         </p:spPr>
         <p:txBody>
           <a:bodyPr>
-            <a:normAutofit lnSpcReduction="10000"/>
+            <a:normAutofit/>
           </a:bodyPr>
           <a:lstStyle/>
           <a:p>
@@ -9538,11 +9505,14 @@
             </a:pPr>
             <a:r>
               <a:rPr lang="en-US" b="1" dirty="0" smtClean="0"/>
-              <a:t>Form Content:</a:t>
+              <a:t>Demarcating edits:</a:t>
             </a:r>
           </a:p>
           <a:p>
             <a:pPr marL="0" indent="0">
+              <a:spcBef>
+                <a:spcPts val="1200"/>
+              </a:spcBef>
               <a:spcAft>
                 <a:spcPts val="1200"/>
               </a:spcAft>
@@ -9550,7 +9520,7 @@
             </a:pPr>
             <a:r>
               <a:rPr lang="en-US" b="1" dirty="0" smtClean="0"/>
-              <a:t>&lt;button&gt; </a:t>
+              <a:t>&lt;del&gt; </a:t>
             </a:r>
             <a:r>
               <a:rPr lang="en-US" dirty="0"/>
@@ -9558,12 +9528,15 @@
             </a:r>
             <a:r>
               <a:rPr lang="en-US" dirty="0" smtClean="0"/>
-              <a:t>a clickable button</a:t>
+              <a:t>represents a range of text that has been deleted. Usually rendered with strike-through text</a:t>
             </a:r>
             <a:endParaRPr lang="en-US" dirty="0"/>
           </a:p>
           <a:p>
             <a:pPr marL="0" indent="0">
+              <a:spcBef>
+                <a:spcPts val="1800"/>
+              </a:spcBef>
               <a:spcAft>
                 <a:spcPts val="1200"/>
               </a:spcAft>
@@ -9571,15 +9544,7 @@
             </a:pPr>
             <a:r>
               <a:rPr lang="en-US" b="1" dirty="0" smtClean="0"/>
-              <a:t>&lt;</a:t>
-            </a:r>
-            <a:r>
-              <a:rPr lang="en-US" b="1" dirty="0" err="1" smtClean="0"/>
-              <a:t>datalist</a:t>
-            </a:r>
-            <a:r>
-              <a:rPr lang="en-US" b="1" dirty="0" smtClean="0"/>
-              <a:t>&gt; </a:t>
+              <a:t>&lt;ins&gt; </a:t>
             </a:r>
             <a:r>
               <a:rPr lang="en-US" dirty="0"/>
@@ -9587,157 +9552,8 @@
             </a:r>
             <a:r>
               <a:rPr lang="en-US" dirty="0" smtClean="0"/>
-              <a:t>contains &lt;option&gt; elements</a:t>
-            </a:r>
-            <a:endParaRPr lang="en-US" dirty="0"/>
-          </a:p>
-          <a:p>
-            <a:pPr marL="0" indent="0">
-              <a:spcAft>
-                <a:spcPts val="1200"/>
-              </a:spcAft>
-              <a:buNone/>
-            </a:pPr>
-            <a:r>
-              <a:rPr lang="en-US" b="1" dirty="0" smtClean="0"/>
-              <a:t>&lt;</a:t>
-            </a:r>
-            <a:r>
-              <a:rPr lang="en-US" b="1" dirty="0" err="1" smtClean="0"/>
-              <a:t>fieldset</a:t>
-            </a:r>
-            <a:r>
-              <a:rPr lang="en-US" b="1" dirty="0" smtClean="0"/>
-              <a:t>&gt; </a:t>
-            </a:r>
-            <a:r>
-              <a:rPr lang="en-US" dirty="0" smtClean="0"/>
-              <a:t>- groups several controls </a:t>
-            </a:r>
-            <a:r>
-              <a:rPr lang="en-US" dirty="0" err="1" smtClean="0"/>
-              <a:t>ans</a:t>
-            </a:r>
-            <a:r>
-              <a:rPr lang="en-US" dirty="0" smtClean="0"/>
-              <a:t> labels within a form</a:t>
-            </a:r>
-          </a:p>
-          <a:p>
-            <a:pPr marL="0" indent="0">
-              <a:spcAft>
-                <a:spcPts val="1200"/>
-              </a:spcAft>
-              <a:buNone/>
-            </a:pPr>
-            <a:r>
-              <a:rPr lang="en-US" b="1" dirty="0" smtClean="0"/>
-              <a:t>&lt;form&gt; - </a:t>
-            </a:r>
-            <a:r>
-              <a:rPr lang="en-US" dirty="0" smtClean="0"/>
-              <a:t>a document section with interactive controls to submit information to the web server</a:t>
-            </a:r>
-          </a:p>
-          <a:p>
-            <a:pPr marL="0" indent="0">
-              <a:spcAft>
-                <a:spcPts val="1200"/>
-              </a:spcAft>
-              <a:buNone/>
-            </a:pPr>
-            <a:r>
-              <a:rPr lang="en-US" b="1" dirty="0" smtClean="0"/>
-              <a:t>&lt;input&gt; </a:t>
-            </a:r>
-            <a:r>
-              <a:rPr lang="en-US" dirty="0"/>
-              <a:t>- </a:t>
-            </a:r>
-            <a:r>
-              <a:rPr lang="en-US" dirty="0" smtClean="0"/>
-              <a:t>used to create interactive controls for web-based forms</a:t>
-            </a:r>
-            <a:endParaRPr lang="en-US" dirty="0"/>
-          </a:p>
-          <a:p>
-            <a:pPr marL="0" indent="0">
-              <a:spcAft>
-                <a:spcPts val="1200"/>
-              </a:spcAft>
-              <a:buNone/>
-            </a:pPr>
-            <a:r>
-              <a:rPr lang="en-US" b="1" dirty="0" smtClean="0"/>
-              <a:t>&lt;</a:t>
-            </a:r>
-            <a:r>
-              <a:rPr lang="en-US" b="1" dirty="0" err="1" smtClean="0"/>
-              <a:t>keygen</a:t>
-            </a:r>
-            <a:r>
-              <a:rPr lang="en-US" b="1" dirty="0" smtClean="0"/>
-              <a:t>&gt; </a:t>
-            </a:r>
-            <a:r>
-              <a:rPr lang="en-US" dirty="0"/>
-              <a:t>- </a:t>
-            </a:r>
-            <a:r>
-              <a:rPr lang="en-US" dirty="0" smtClean="0"/>
-              <a:t>for use with certificate management systems</a:t>
-            </a:r>
-            <a:endParaRPr lang="en-US" dirty="0"/>
-          </a:p>
-          <a:p>
-            <a:pPr marL="0" indent="0">
-              <a:spcAft>
-                <a:spcPts val="1200"/>
-              </a:spcAft>
-              <a:buNone/>
-            </a:pPr>
-            <a:r>
-              <a:rPr lang="en-US" b="1" dirty="0" smtClean="0"/>
-              <a:t>&lt;label&gt; </a:t>
-            </a:r>
-            <a:r>
-              <a:rPr lang="en-US" dirty="0"/>
-              <a:t>- </a:t>
-            </a:r>
-            <a:r>
-              <a:rPr lang="en-US" dirty="0" smtClean="0"/>
-              <a:t>represents a caption for an item in a user interface</a:t>
-            </a:r>
-            <a:endParaRPr lang="en-US" dirty="0"/>
-          </a:p>
-          <a:p>
-            <a:pPr marL="0" indent="0">
-              <a:spcAft>
-                <a:spcPts val="1200"/>
-              </a:spcAft>
-              <a:buNone/>
-            </a:pPr>
-            <a:r>
-              <a:rPr lang="en-US" b="1" dirty="0" smtClean="0"/>
-              <a:t>&lt;legend&gt; </a:t>
-            </a:r>
-            <a:r>
-              <a:rPr lang="en-US" b="1" dirty="0"/>
-              <a:t>- </a:t>
-            </a:r>
-            <a:r>
-              <a:rPr lang="en-US" dirty="0" smtClean="0"/>
-              <a:t>represents a caption for the content of its parent &lt;</a:t>
-            </a:r>
-            <a:r>
-              <a:rPr lang="en-US" dirty="0" err="1" smtClean="0"/>
-              <a:t>fieldset</a:t>
-            </a:r>
-            <a:r>
-              <a:rPr lang="en-US" dirty="0" smtClean="0"/>
-              <a:t>&gt;</a:t>
-            </a:r>
-            <a:endParaRPr lang="en-US" dirty="0"/>
+              <a:t>represents a range of text that has been added to a document</a:t>
+            </a:r>
           </a:p>
         </p:txBody>
       </p:sp>
@@ -9802,7 +9618,7 @@
     </p:spTree>
     <p:extLst>
       <p:ext uri="{BB962C8B-B14F-4D97-AF65-F5344CB8AC3E}">
-        <p14:creationId xmlns:p14="http://schemas.microsoft.com/office/powerpoint/2010/main" val="2950705203"/>
+        <p14:creationId xmlns:p14="http://schemas.microsoft.com/office/powerpoint/2010/main" val="30822354"/>
       </p:ext>
     </p:extLst>
   </p:cSld>
@@ -9854,7 +9670,7 @@
         </p:spPr>
         <p:txBody>
           <a:bodyPr>
-            <a:normAutofit/>
+            <a:normAutofit fontScale="92500" lnSpcReduction="20000"/>
           </a:bodyPr>
           <a:lstStyle/>
           <a:p>
@@ -9866,7 +9682,7 @@
             </a:pPr>
             <a:r>
               <a:rPr lang="en-US" b="1" dirty="0" smtClean="0"/>
-              <a:t>Form Content (continued):</a:t>
+              <a:t>Table Content:</a:t>
             </a:r>
           </a:p>
           <a:p>
@@ -9878,7 +9694,7 @@
             </a:pPr>
             <a:r>
               <a:rPr lang="en-US" b="1" dirty="0" smtClean="0"/>
-              <a:t>&lt;meter&gt; </a:t>
+              <a:t>&lt;caption&gt; </a:t>
             </a:r>
             <a:r>
               <a:rPr lang="en-US" dirty="0"/>
@@ -9886,7 +9702,15 @@
             </a:r>
             <a:r>
               <a:rPr lang="en-US" dirty="0" smtClean="0"/>
-              <a:t>represents a scalar value within a known range or fractional value</a:t>
+              <a:t>the title of </a:t>
+            </a:r>
+            <a:r>
+              <a:rPr lang="en-US" dirty="0"/>
+              <a:t>a</a:t>
+            </a:r>
+            <a:r>
+              <a:rPr lang="en-US" dirty="0" smtClean="0"/>
+              <a:t> table</a:t>
             </a:r>
             <a:endParaRPr lang="en-US" dirty="0"/>
           </a:p>
@@ -9899,25 +9723,41 @@
             </a:pPr>
             <a:r>
               <a:rPr lang="en-US" b="1" dirty="0" smtClean="0"/>
+              <a:t>&lt;col&gt; </a:t>
+            </a:r>
+            <a:r>
+              <a:rPr lang="en-US" dirty="0"/>
+              <a:t>- </a:t>
+            </a:r>
+            <a:r>
+              <a:rPr lang="en-US" dirty="0" smtClean="0"/>
+              <a:t>defines a column within a table</a:t>
+            </a:r>
+            <a:endParaRPr lang="en-US" dirty="0"/>
+          </a:p>
+          <a:p>
+            <a:pPr marL="0" indent="0">
+              <a:spcAft>
+                <a:spcPts val="1200"/>
+              </a:spcAft>
+              <a:buNone/>
+            </a:pPr>
+            <a:r>
+              <a:rPr lang="en-US" b="1" dirty="0" smtClean="0"/>
               <a:t>&lt;</a:t>
             </a:r>
             <a:r>
               <a:rPr lang="en-US" b="1" dirty="0" err="1" smtClean="0"/>
-              <a:t>optgroup</a:t>
+              <a:t>colgroup</a:t>
             </a:r>
             <a:r>
               <a:rPr lang="en-US" b="1" dirty="0" smtClean="0"/>
               <a:t>&gt; </a:t>
             </a:r>
             <a:r>
-              <a:rPr lang="en-US" dirty="0"/>
-              <a:t>- </a:t>
-            </a:r>
-            <a:r>
-              <a:rPr lang="en-US" dirty="0" smtClean="0"/>
-              <a:t>used to create a grouping of objects within a &lt;select&gt; element</a:t>
-            </a:r>
-            <a:endParaRPr lang="en-US" dirty="0"/>
+              <a:rPr lang="en-US" dirty="0" smtClean="0"/>
+              <a:t>- defines a group of columns within a table</a:t>
+            </a:r>
           </a:p>
           <a:p>
             <a:pPr marL="0" indent="0">
@@ -9928,33 +9768,12 @@
             </a:pPr>
             <a:r>
               <a:rPr lang="en-US" b="1" dirty="0" smtClean="0"/>
-              <a:t>&lt;option&gt; </a:t>
-            </a:r>
-            <a:r>
-              <a:rPr lang="en-US" dirty="0" smtClean="0"/>
-              <a:t>- used to create a control </a:t>
-            </a:r>
-            <a:r>
-              <a:rPr lang="en-US" dirty="0"/>
-              <a:t>representing an item within a &lt;select&gt;, &lt;</a:t>
-            </a:r>
-            <a:r>
-              <a:rPr lang="en-US" dirty="0" err="1"/>
-              <a:t>optgroup</a:t>
-            </a:r>
-            <a:r>
-              <a:rPr lang="en-US" dirty="0"/>
-              <a:t>&gt;, or &lt;</a:t>
-            </a:r>
-            <a:r>
-              <a:rPr lang="en-US" dirty="0" err="1"/>
-              <a:t>datalist</a:t>
-            </a:r>
-            <a:r>
-              <a:rPr lang="en-US" dirty="0"/>
-              <a:t>&gt; element</a:t>
-            </a:r>
-            <a:endParaRPr lang="en-US" dirty="0" smtClean="0"/>
+              <a:t>&lt;table&gt; - </a:t>
+            </a:r>
+            <a:r>
+              <a:rPr lang="en-US" dirty="0" smtClean="0"/>
+              <a:t>represents data in two or more dimensions</a:t>
+            </a:r>
           </a:p>
           <a:p>
             <a:pPr marL="0" indent="0">
@@ -9965,11 +9784,19 @@
             </a:pPr>
             <a:r>
               <a:rPr lang="en-US" b="1" dirty="0" smtClean="0"/>
-              <a:t>&lt;output&gt; - </a:t>
-            </a:r>
-            <a:r>
-              <a:rPr lang="en-US" dirty="0" smtClean="0"/>
-              <a:t>represents the result of a calculation or user action</a:t>
+              <a:t>&lt;</a:t>
+            </a:r>
+            <a:r>
+              <a:rPr lang="en-US" b="1" dirty="0" err="1" smtClean="0"/>
+              <a:t>tbody</a:t>
+            </a:r>
+            <a:r>
+              <a:rPr lang="en-US" b="1" dirty="0" smtClean="0"/>
+              <a:t>&gt; </a:t>
+            </a:r>
+            <a:r>
+              <a:rPr lang="en-US" dirty="0" smtClean="0"/>
+              <a:t>- groups the body of a table</a:t>
             </a:r>
           </a:p>
           <a:p>
@@ -9981,17 +9808,12 @@
             </a:pPr>
             <a:r>
               <a:rPr lang="en-US" b="1" dirty="0" smtClean="0"/>
-              <a:t>&lt;progress&gt; </a:t>
-            </a:r>
-            <a:r>
-              <a:rPr lang="en-US" dirty="0"/>
-              <a:t>- </a:t>
-            </a:r>
-            <a:r>
-              <a:rPr lang="en-US" dirty="0" smtClean="0"/>
-              <a:t>used to view the completion progress of a task</a:t>
-            </a:r>
-            <a:endParaRPr lang="en-US" dirty="0"/>
+              <a:t>&lt;td&gt; </a:t>
+            </a:r>
+            <a:r>
+              <a:rPr lang="en-US" dirty="0" smtClean="0"/>
+              <a:t>- defines a cell of a table</a:t>
+            </a:r>
           </a:p>
           <a:p>
             <a:pPr marL="0" indent="0">
@@ -10002,17 +9824,20 @@
             </a:pPr>
             <a:r>
               <a:rPr lang="en-US" b="1" dirty="0" smtClean="0"/>
-              <a:t>&lt;select&gt; </a:t>
-            </a:r>
-            <a:r>
-              <a:rPr lang="en-US" dirty="0"/>
-              <a:t>- </a:t>
-            </a:r>
-            <a:r>
-              <a:rPr lang="en-US" dirty="0" smtClean="0"/>
-              <a:t>represents a control that presents a menu of options</a:t>
-            </a:r>
-            <a:endParaRPr lang="en-US" dirty="0"/>
+              <a:t>&lt;</a:t>
+            </a:r>
+            <a:r>
+              <a:rPr lang="en-US" b="1" dirty="0" err="1" smtClean="0"/>
+              <a:t>tfoot</a:t>
+            </a:r>
+            <a:r>
+              <a:rPr lang="en-US" b="1" dirty="0" smtClean="0"/>
+              <a:t>&gt; </a:t>
+            </a:r>
+            <a:r>
+              <a:rPr lang="en-US" dirty="0" smtClean="0"/>
+              <a:t>- defines a set of rows summarizing the columns of the table</a:t>
+            </a:r>
           </a:p>
           <a:p>
             <a:pPr marL="0" indent="0">
@@ -10027,21 +9852,64 @@
             </a:r>
             <a:r>
               <a:rPr lang="en-US" b="1" dirty="0" err="1" smtClean="0"/>
-              <a:t>textarea</a:t>
+              <a:t>th</a:t>
             </a:r>
             <a:r>
               <a:rPr lang="en-US" b="1" dirty="0" smtClean="0"/>
               <a:t>&gt; </a:t>
             </a:r>
             <a:r>
-              <a:rPr lang="en-US" dirty="0"/>
-              <a:t>- </a:t>
-            </a:r>
-            <a:r>
-              <a:rPr lang="en-US" dirty="0" smtClean="0"/>
-              <a:t>represents a multi-line plain-text editing control</a:t>
-            </a:r>
-            <a:endParaRPr lang="en-US" dirty="0"/>
+              <a:rPr lang="en-US" dirty="0" smtClean="0"/>
+              <a:t>- defines a cell that is a header for a group of cells</a:t>
+            </a:r>
+          </a:p>
+          <a:p>
+            <a:pPr marL="0" indent="0">
+              <a:spcAft>
+                <a:spcPts val="1200"/>
+              </a:spcAft>
+              <a:buNone/>
+            </a:pPr>
+            <a:r>
+              <a:rPr lang="en-US" b="1" dirty="0" smtClean="0"/>
+              <a:t>&lt;</a:t>
+            </a:r>
+            <a:r>
+              <a:rPr lang="en-US" b="1" dirty="0" err="1" smtClean="0"/>
+              <a:t>thead</a:t>
+            </a:r>
+            <a:r>
+              <a:rPr lang="en-US" b="1" dirty="0" smtClean="0"/>
+              <a:t>&gt; </a:t>
+            </a:r>
+            <a:r>
+              <a:rPr lang="en-US" dirty="0" smtClean="0"/>
+              <a:t>- defines a set of rows defining the head of the columns of the table</a:t>
+            </a:r>
+          </a:p>
+          <a:p>
+            <a:pPr marL="0" indent="0">
+              <a:spcAft>
+                <a:spcPts val="1200"/>
+              </a:spcAft>
+              <a:buNone/>
+            </a:pPr>
+            <a:r>
+              <a:rPr lang="en-US" b="1" dirty="0" smtClean="0"/>
+              <a:t>&lt;</a:t>
+            </a:r>
+            <a:r>
+              <a:rPr lang="en-US" b="1" dirty="0" err="1" smtClean="0"/>
+              <a:t>tr</a:t>
+            </a:r>
+            <a:r>
+              <a:rPr lang="en-US" b="1" dirty="0" smtClean="0"/>
+              <a:t>&gt; </a:t>
+            </a:r>
+            <a:r>
+              <a:rPr lang="en-US" dirty="0" smtClean="0"/>
+              <a:t>- defines a row of cells in a table</a:t>
+            </a:r>
           </a:p>
         </p:txBody>
       </p:sp>
@@ -10106,7 +9974,7 @@
     </p:spTree>
     <p:extLst>
       <p:ext uri="{BB962C8B-B14F-4D97-AF65-F5344CB8AC3E}">
-        <p14:creationId xmlns:p14="http://schemas.microsoft.com/office/powerpoint/2010/main" val="3682473212"/>
+        <p14:creationId xmlns:p14="http://schemas.microsoft.com/office/powerpoint/2010/main" val="186837205"/>
       </p:ext>
     </p:extLst>
   </p:cSld>
@@ -10152,6 +10020,638 @@
         </p:nvSpPr>
         <p:spPr>
           <a:xfrm>
+            <a:off x="380999" y="1719070"/>
+            <a:ext cx="8686801" cy="4986530"/>
+          </a:xfrm>
+        </p:spPr>
+        <p:txBody>
+          <a:bodyPr>
+            <a:normAutofit lnSpcReduction="10000"/>
+          </a:bodyPr>
+          <a:lstStyle/>
+          <a:p>
+            <a:pPr marL="0" indent="0">
+              <a:spcAft>
+                <a:spcPts val="1200"/>
+              </a:spcAft>
+              <a:buNone/>
+            </a:pPr>
+            <a:r>
+              <a:rPr lang="en-US" b="1" dirty="0" smtClean="0"/>
+              <a:t>Form Content:</a:t>
+            </a:r>
+          </a:p>
+          <a:p>
+            <a:pPr marL="0" indent="0">
+              <a:spcAft>
+                <a:spcPts val="1200"/>
+              </a:spcAft>
+              <a:buNone/>
+            </a:pPr>
+            <a:r>
+              <a:rPr lang="en-US" b="1" dirty="0" smtClean="0"/>
+              <a:t>&lt;button&gt; </a:t>
+            </a:r>
+            <a:r>
+              <a:rPr lang="en-US" dirty="0"/>
+              <a:t>- </a:t>
+            </a:r>
+            <a:r>
+              <a:rPr lang="en-US" dirty="0" smtClean="0"/>
+              <a:t>a clickable button</a:t>
+            </a:r>
+            <a:endParaRPr lang="en-US" dirty="0"/>
+          </a:p>
+          <a:p>
+            <a:pPr marL="0" indent="0">
+              <a:spcAft>
+                <a:spcPts val="1200"/>
+              </a:spcAft>
+              <a:buNone/>
+            </a:pPr>
+            <a:r>
+              <a:rPr lang="en-US" b="1" dirty="0" smtClean="0"/>
+              <a:t>&lt;</a:t>
+            </a:r>
+            <a:r>
+              <a:rPr lang="en-US" b="1" dirty="0" err="1" smtClean="0"/>
+              <a:t>datalist</a:t>
+            </a:r>
+            <a:r>
+              <a:rPr lang="en-US" b="1" dirty="0" smtClean="0"/>
+              <a:t>&gt; </a:t>
+            </a:r>
+            <a:r>
+              <a:rPr lang="en-US" dirty="0"/>
+              <a:t>- </a:t>
+            </a:r>
+            <a:r>
+              <a:rPr lang="en-US" dirty="0" smtClean="0"/>
+              <a:t>contains &lt;option&gt; elements</a:t>
+            </a:r>
+            <a:endParaRPr lang="en-US" dirty="0"/>
+          </a:p>
+          <a:p>
+            <a:pPr marL="0" indent="0">
+              <a:spcAft>
+                <a:spcPts val="1200"/>
+              </a:spcAft>
+              <a:buNone/>
+            </a:pPr>
+            <a:r>
+              <a:rPr lang="en-US" b="1" dirty="0" smtClean="0"/>
+              <a:t>&lt;</a:t>
+            </a:r>
+            <a:r>
+              <a:rPr lang="en-US" b="1" dirty="0" err="1" smtClean="0"/>
+              <a:t>fieldset</a:t>
+            </a:r>
+            <a:r>
+              <a:rPr lang="en-US" b="1" dirty="0" smtClean="0"/>
+              <a:t>&gt; </a:t>
+            </a:r>
+            <a:r>
+              <a:rPr lang="en-US" dirty="0" smtClean="0"/>
+              <a:t>- groups several controls </a:t>
+            </a:r>
+            <a:r>
+              <a:rPr lang="en-US" dirty="0" err="1" smtClean="0"/>
+              <a:t>ans</a:t>
+            </a:r>
+            <a:r>
+              <a:rPr lang="en-US" dirty="0" smtClean="0"/>
+              <a:t> labels within a form</a:t>
+            </a:r>
+          </a:p>
+          <a:p>
+            <a:pPr marL="0" indent="0">
+              <a:spcAft>
+                <a:spcPts val="1200"/>
+              </a:spcAft>
+              <a:buNone/>
+            </a:pPr>
+            <a:r>
+              <a:rPr lang="en-US" b="1" dirty="0" smtClean="0"/>
+              <a:t>&lt;form&gt; - </a:t>
+            </a:r>
+            <a:r>
+              <a:rPr lang="en-US" dirty="0" smtClean="0"/>
+              <a:t>a document section with interactive controls to submit information to the web server</a:t>
+            </a:r>
+          </a:p>
+          <a:p>
+            <a:pPr marL="0" indent="0">
+              <a:spcAft>
+                <a:spcPts val="1200"/>
+              </a:spcAft>
+              <a:buNone/>
+            </a:pPr>
+            <a:r>
+              <a:rPr lang="en-US" b="1" dirty="0" smtClean="0"/>
+              <a:t>&lt;input&gt; </a:t>
+            </a:r>
+            <a:r>
+              <a:rPr lang="en-US" dirty="0"/>
+              <a:t>- </a:t>
+            </a:r>
+            <a:r>
+              <a:rPr lang="en-US" dirty="0" smtClean="0"/>
+              <a:t>used to create interactive controls for web-based forms</a:t>
+            </a:r>
+            <a:endParaRPr lang="en-US" dirty="0"/>
+          </a:p>
+          <a:p>
+            <a:pPr marL="0" indent="0">
+              <a:spcAft>
+                <a:spcPts val="1200"/>
+              </a:spcAft>
+              <a:buNone/>
+            </a:pPr>
+            <a:r>
+              <a:rPr lang="en-US" b="1" dirty="0" smtClean="0"/>
+              <a:t>&lt;</a:t>
+            </a:r>
+            <a:r>
+              <a:rPr lang="en-US" b="1" dirty="0" err="1" smtClean="0"/>
+              <a:t>keygen</a:t>
+            </a:r>
+            <a:r>
+              <a:rPr lang="en-US" b="1" dirty="0" smtClean="0"/>
+              <a:t>&gt; </a:t>
+            </a:r>
+            <a:r>
+              <a:rPr lang="en-US" dirty="0"/>
+              <a:t>- </a:t>
+            </a:r>
+            <a:r>
+              <a:rPr lang="en-US" dirty="0" smtClean="0"/>
+              <a:t>for use with certificate management systems</a:t>
+            </a:r>
+            <a:endParaRPr lang="en-US" dirty="0"/>
+          </a:p>
+          <a:p>
+            <a:pPr marL="0" indent="0">
+              <a:spcAft>
+                <a:spcPts val="1200"/>
+              </a:spcAft>
+              <a:buNone/>
+            </a:pPr>
+            <a:r>
+              <a:rPr lang="en-US" b="1" dirty="0" smtClean="0"/>
+              <a:t>&lt;label&gt; </a:t>
+            </a:r>
+            <a:r>
+              <a:rPr lang="en-US" dirty="0"/>
+              <a:t>- </a:t>
+            </a:r>
+            <a:r>
+              <a:rPr lang="en-US" dirty="0" smtClean="0"/>
+              <a:t>represents a caption for an item in a user interface</a:t>
+            </a:r>
+            <a:endParaRPr lang="en-US" dirty="0"/>
+          </a:p>
+          <a:p>
+            <a:pPr marL="0" indent="0">
+              <a:spcAft>
+                <a:spcPts val="1200"/>
+              </a:spcAft>
+              <a:buNone/>
+            </a:pPr>
+            <a:r>
+              <a:rPr lang="en-US" b="1" dirty="0" smtClean="0"/>
+              <a:t>&lt;legend&gt; </a:t>
+            </a:r>
+            <a:r>
+              <a:rPr lang="en-US" b="1" dirty="0"/>
+              <a:t>- </a:t>
+            </a:r>
+            <a:r>
+              <a:rPr lang="en-US" dirty="0" smtClean="0"/>
+              <a:t>represents a caption for the content of its parent &lt;</a:t>
+            </a:r>
+            <a:r>
+              <a:rPr lang="en-US" dirty="0" err="1" smtClean="0"/>
+              <a:t>fieldset</a:t>
+            </a:r>
+            <a:r>
+              <a:rPr lang="en-US" dirty="0" smtClean="0"/>
+              <a:t>&gt;</a:t>
+            </a:r>
+            <a:endParaRPr lang="en-US" dirty="0"/>
+          </a:p>
+        </p:txBody>
+      </p:sp>
+      <p:sp>
+        <p:nvSpPr>
+          <p:cNvPr id="3" name="Title 2"/>
+          <p:cNvSpPr>
+            <a:spLocks noGrp="1"/>
+          </p:cNvSpPr>
+          <p:nvPr>
+            <p:ph type="title"/>
+          </p:nvPr>
+        </p:nvSpPr>
+        <p:spPr/>
+        <p:txBody>
+          <a:bodyPr/>
+          <a:lstStyle/>
+          <a:p>
+            <a:r>
+              <a:rPr lang="en-US" dirty="0" smtClean="0"/>
+              <a:t>HTML elements </a:t>
+            </a:r>
+            <a:r>
+              <a:rPr lang="en-US" dirty="0"/>
+              <a:t>by </a:t>
+            </a:r>
+            <a:r>
+              <a:rPr lang="en-US" dirty="0" smtClean="0"/>
+              <a:t>Function</a:t>
+            </a:r>
+            <a:r>
+              <a:rPr lang="en-US" dirty="0"/>
+              <a:t/>
+            </a:r>
+            <a:br>
+              <a:rPr lang="en-US" dirty="0"/>
+            </a:br>
+            <a:r>
+              <a:rPr lang="en-US" sz="1400" dirty="0"/>
+              <a:t>(from </a:t>
+            </a:r>
+            <a:r>
+              <a:rPr lang="en-US" sz="1400" dirty="0">
+                <a:hlinkClick r:id="rId3"/>
+              </a:rPr>
+              <a:t>https://</a:t>
+            </a:r>
+            <a:r>
+              <a:rPr lang="en-US" sz="1400" dirty="0" smtClean="0">
+                <a:hlinkClick r:id="rId3"/>
+              </a:rPr>
+              <a:t>developer.mozilla.org/en-US/docs/Web/HTML/Element</a:t>
+            </a:r>
+            <a:r>
+              <a:rPr lang="en-US" sz="1400" dirty="0" smtClean="0"/>
+              <a:t>)</a:t>
+            </a:r>
+            <a:endParaRPr lang="en-US" sz="1400" dirty="0"/>
+          </a:p>
+        </p:txBody>
+      </p:sp>
+    </p:spTree>
+    <p:extLst>
+      <p:ext uri="{BB962C8B-B14F-4D97-AF65-F5344CB8AC3E}">
+        <p14:creationId xmlns:p14="http://schemas.microsoft.com/office/powerpoint/2010/main" val="2950705203"/>
+      </p:ext>
+    </p:extLst>
+  </p:cSld>
+  <p:clrMapOvr>
+    <a:masterClrMapping/>
+  </p:clrMapOvr>
+  <p:timing>
+    <p:tnLst>
+      <p:par>
+        <p:cTn id="1" dur="indefinite" restart="never" nodeType="tmRoot"/>
+      </p:par>
+    </p:tnLst>
+  </p:timing>
+</p:sld>
+</file>
+
+<file path=ppt/slides/slide27.xml><?xml version="1.0" encoding="utf-8"?>
+<p:sld xmlns:a="http://schemas.openxmlformats.org/drawingml/2006/main" xmlns:r="http://schemas.openxmlformats.org/officeDocument/2006/relationships" xmlns:p="http://schemas.openxmlformats.org/presentationml/2006/main">
+  <p:cSld>
+    <p:spTree>
+      <p:nvGrpSpPr>
+        <p:cNvPr id="1" name=""/>
+        <p:cNvGrpSpPr/>
+        <p:nvPr/>
+      </p:nvGrpSpPr>
+      <p:grpSpPr>
+        <a:xfrm>
+          <a:off x="0" y="0"/>
+          <a:ext cx="0" cy="0"/>
+          <a:chOff x="0" y="0"/>
+          <a:chExt cx="0" cy="0"/>
+        </a:xfrm>
+      </p:grpSpPr>
+      <p:sp>
+        <p:nvSpPr>
+          <p:cNvPr id="2" name="Content Placeholder 1"/>
+          <p:cNvSpPr>
+            <a:spLocks noGrp="1"/>
+          </p:cNvSpPr>
+          <p:nvPr>
+            <p:ph idx="1"/>
+          </p:nvPr>
+        </p:nvSpPr>
+        <p:spPr>
+          <a:xfrm>
+            <a:off x="380999" y="1719070"/>
+            <a:ext cx="8686801" cy="4986530"/>
+          </a:xfrm>
+        </p:spPr>
+        <p:txBody>
+          <a:bodyPr>
+            <a:normAutofit/>
+          </a:bodyPr>
+          <a:lstStyle/>
+          <a:p>
+            <a:pPr marL="0" indent="0">
+              <a:spcAft>
+                <a:spcPts val="1200"/>
+              </a:spcAft>
+              <a:buNone/>
+            </a:pPr>
+            <a:r>
+              <a:rPr lang="en-US" b="1" dirty="0" smtClean="0"/>
+              <a:t>Form Content (continued):</a:t>
+            </a:r>
+          </a:p>
+          <a:p>
+            <a:pPr marL="0" indent="0">
+              <a:spcAft>
+                <a:spcPts val="1200"/>
+              </a:spcAft>
+              <a:buNone/>
+            </a:pPr>
+            <a:r>
+              <a:rPr lang="en-US" b="1" dirty="0" smtClean="0"/>
+              <a:t>&lt;meter&gt; </a:t>
+            </a:r>
+            <a:r>
+              <a:rPr lang="en-US" dirty="0"/>
+              <a:t>- </a:t>
+            </a:r>
+            <a:r>
+              <a:rPr lang="en-US" dirty="0" smtClean="0"/>
+              <a:t>represents a scalar value within a known range or fractional value</a:t>
+            </a:r>
+            <a:endParaRPr lang="en-US" dirty="0"/>
+          </a:p>
+          <a:p>
+            <a:pPr marL="0" indent="0">
+              <a:spcAft>
+                <a:spcPts val="1200"/>
+              </a:spcAft>
+              <a:buNone/>
+            </a:pPr>
+            <a:r>
+              <a:rPr lang="en-US" b="1" dirty="0" smtClean="0"/>
+              <a:t>&lt;</a:t>
+            </a:r>
+            <a:r>
+              <a:rPr lang="en-US" b="1" dirty="0" err="1" smtClean="0"/>
+              <a:t>optgroup</a:t>
+            </a:r>
+            <a:r>
+              <a:rPr lang="en-US" b="1" dirty="0" smtClean="0"/>
+              <a:t>&gt; </a:t>
+            </a:r>
+            <a:r>
+              <a:rPr lang="en-US" dirty="0"/>
+              <a:t>- </a:t>
+            </a:r>
+            <a:r>
+              <a:rPr lang="en-US" dirty="0" smtClean="0"/>
+              <a:t>used to create a grouping of objects within a &lt;select&gt; element</a:t>
+            </a:r>
+            <a:endParaRPr lang="en-US" dirty="0"/>
+          </a:p>
+          <a:p>
+            <a:pPr marL="0" indent="0">
+              <a:spcAft>
+                <a:spcPts val="1200"/>
+              </a:spcAft>
+              <a:buNone/>
+            </a:pPr>
+            <a:r>
+              <a:rPr lang="en-US" b="1" dirty="0" smtClean="0"/>
+              <a:t>&lt;option&gt; </a:t>
+            </a:r>
+            <a:r>
+              <a:rPr lang="en-US" dirty="0" smtClean="0"/>
+              <a:t>- used to create a control </a:t>
+            </a:r>
+            <a:r>
+              <a:rPr lang="en-US" dirty="0"/>
+              <a:t>representing an item within a &lt;select&gt;, &lt;</a:t>
+            </a:r>
+            <a:r>
+              <a:rPr lang="en-US" dirty="0" err="1"/>
+              <a:t>optgroup</a:t>
+            </a:r>
+            <a:r>
+              <a:rPr lang="en-US" dirty="0"/>
+              <a:t>&gt;, or &lt;</a:t>
+            </a:r>
+            <a:r>
+              <a:rPr lang="en-US" dirty="0" err="1"/>
+              <a:t>datalist</a:t>
+            </a:r>
+            <a:r>
+              <a:rPr lang="en-US" dirty="0"/>
+              <a:t>&gt; element</a:t>
+            </a:r>
+            <a:endParaRPr lang="en-US" dirty="0" smtClean="0"/>
+          </a:p>
+          <a:p>
+            <a:pPr marL="0" indent="0">
+              <a:spcAft>
+                <a:spcPts val="1200"/>
+              </a:spcAft>
+              <a:buNone/>
+            </a:pPr>
+            <a:r>
+              <a:rPr lang="en-US" b="1" dirty="0" smtClean="0"/>
+              <a:t>&lt;output&gt; - </a:t>
+            </a:r>
+            <a:r>
+              <a:rPr lang="en-US" dirty="0" smtClean="0"/>
+              <a:t>represents the result of a calculation or user action</a:t>
+            </a:r>
+          </a:p>
+          <a:p>
+            <a:pPr marL="0" indent="0">
+              <a:spcAft>
+                <a:spcPts val="1200"/>
+              </a:spcAft>
+              <a:buNone/>
+            </a:pPr>
+            <a:r>
+              <a:rPr lang="en-US" b="1" dirty="0" smtClean="0"/>
+              <a:t>&lt;progress&gt; </a:t>
+            </a:r>
+            <a:r>
+              <a:rPr lang="en-US" dirty="0"/>
+              <a:t>- </a:t>
+            </a:r>
+            <a:r>
+              <a:rPr lang="en-US" dirty="0" smtClean="0"/>
+              <a:t>used to view the completion progress of a task</a:t>
+            </a:r>
+            <a:endParaRPr lang="en-US" dirty="0"/>
+          </a:p>
+          <a:p>
+            <a:pPr marL="0" indent="0">
+              <a:spcAft>
+                <a:spcPts val="1200"/>
+              </a:spcAft>
+              <a:buNone/>
+            </a:pPr>
+            <a:r>
+              <a:rPr lang="en-US" b="1" dirty="0" smtClean="0"/>
+              <a:t>&lt;select&gt; </a:t>
+            </a:r>
+            <a:r>
+              <a:rPr lang="en-US" dirty="0"/>
+              <a:t>- </a:t>
+            </a:r>
+            <a:r>
+              <a:rPr lang="en-US" dirty="0" smtClean="0"/>
+              <a:t>represents a control that presents a menu of options</a:t>
+            </a:r>
+            <a:endParaRPr lang="en-US" dirty="0"/>
+          </a:p>
+          <a:p>
+            <a:pPr marL="0" indent="0">
+              <a:spcAft>
+                <a:spcPts val="1200"/>
+              </a:spcAft>
+              <a:buNone/>
+            </a:pPr>
+            <a:r>
+              <a:rPr lang="en-US" b="1" dirty="0" smtClean="0"/>
+              <a:t>&lt;</a:t>
+            </a:r>
+            <a:r>
+              <a:rPr lang="en-US" b="1" dirty="0" err="1" smtClean="0"/>
+              <a:t>textarea</a:t>
+            </a:r>
+            <a:r>
+              <a:rPr lang="en-US" b="1" dirty="0" smtClean="0"/>
+              <a:t>&gt; </a:t>
+            </a:r>
+            <a:r>
+              <a:rPr lang="en-US" dirty="0"/>
+              <a:t>- </a:t>
+            </a:r>
+            <a:r>
+              <a:rPr lang="en-US" dirty="0" smtClean="0"/>
+              <a:t>represents a multi-line plain-text editing control</a:t>
+            </a:r>
+            <a:endParaRPr lang="en-US" dirty="0"/>
+          </a:p>
+        </p:txBody>
+      </p:sp>
+      <p:sp>
+        <p:nvSpPr>
+          <p:cNvPr id="3" name="Title 2"/>
+          <p:cNvSpPr>
+            <a:spLocks noGrp="1"/>
+          </p:cNvSpPr>
+          <p:nvPr>
+            <p:ph type="title"/>
+          </p:nvPr>
+        </p:nvSpPr>
+        <p:spPr/>
+        <p:txBody>
+          <a:bodyPr/>
+          <a:lstStyle/>
+          <a:p>
+            <a:r>
+              <a:rPr lang="en-US" dirty="0" smtClean="0"/>
+              <a:t>HTML elements </a:t>
+            </a:r>
+            <a:r>
+              <a:rPr lang="en-US" dirty="0"/>
+              <a:t>by </a:t>
+            </a:r>
+            <a:r>
+              <a:rPr lang="en-US" dirty="0" smtClean="0"/>
+              <a:t>Function</a:t>
+            </a:r>
+            <a:r>
+              <a:rPr lang="en-US" dirty="0"/>
+              <a:t/>
+            </a:r>
+            <a:br>
+              <a:rPr lang="en-US" dirty="0"/>
+            </a:br>
+            <a:r>
+              <a:rPr lang="en-US" sz="1400" dirty="0"/>
+              <a:t>(from </a:t>
+            </a:r>
+            <a:r>
+              <a:rPr lang="en-US" sz="1400" dirty="0">
+                <a:hlinkClick r:id="rId3"/>
+              </a:rPr>
+              <a:t>https://</a:t>
+            </a:r>
+            <a:r>
+              <a:rPr lang="en-US" sz="1400" dirty="0" smtClean="0">
+                <a:hlinkClick r:id="rId3"/>
+              </a:rPr>
+              <a:t>developer.mozilla.org/en-US/docs/Web/HTML/Element</a:t>
+            </a:r>
+            <a:r>
+              <a:rPr lang="en-US" sz="1400" dirty="0" smtClean="0"/>
+              <a:t>)</a:t>
+            </a:r>
+            <a:endParaRPr lang="en-US" sz="1400" dirty="0"/>
+          </a:p>
+        </p:txBody>
+      </p:sp>
+    </p:spTree>
+    <p:extLst>
+      <p:ext uri="{BB962C8B-B14F-4D97-AF65-F5344CB8AC3E}">
+        <p14:creationId xmlns:p14="http://schemas.microsoft.com/office/powerpoint/2010/main" val="3682473212"/>
+      </p:ext>
+    </p:extLst>
+  </p:cSld>
+  <p:clrMapOvr>
+    <a:masterClrMapping/>
+  </p:clrMapOvr>
+  <p:timing>
+    <p:tnLst>
+      <p:par>
+        <p:cTn id="1" dur="indefinite" restart="never" nodeType="tmRoot"/>
+      </p:par>
+    </p:tnLst>
+  </p:timing>
+</p:sld>
+</file>
+
+<file path=ppt/slides/slide28.xml><?xml version="1.0" encoding="utf-8"?>
+<p:sld xmlns:a="http://schemas.openxmlformats.org/drawingml/2006/main" xmlns:r="http://schemas.openxmlformats.org/officeDocument/2006/relationships" xmlns:p="http://schemas.openxmlformats.org/presentationml/2006/main">
+  <p:cSld>
+    <p:spTree>
+      <p:nvGrpSpPr>
+        <p:cNvPr id="1" name=""/>
+        <p:cNvGrpSpPr/>
+        <p:nvPr/>
+      </p:nvGrpSpPr>
+      <p:grpSpPr>
+        <a:xfrm>
+          <a:off x="0" y="0"/>
+          <a:ext cx="0" cy="0"/>
+          <a:chOff x="0" y="0"/>
+          <a:chExt cx="0" cy="0"/>
+        </a:xfrm>
+      </p:grpSpPr>
+      <p:sp>
+        <p:nvSpPr>
+          <p:cNvPr id="2" name="Content Placeholder 1"/>
+          <p:cNvSpPr>
+            <a:spLocks noGrp="1"/>
+          </p:cNvSpPr>
+          <p:nvPr>
+            <p:ph idx="1"/>
+          </p:nvPr>
+        </p:nvSpPr>
+        <p:spPr>
+          <a:xfrm>
             <a:off x="380999" y="1676401"/>
             <a:ext cx="8534401" cy="4876800"/>
           </a:xfrm>
@@ -10167,11 +10667,7 @@
             </a:pPr>
             <a:r>
               <a:rPr lang="en-US" sz="2400" dirty="0" smtClean="0"/>
-              <a:t>Character entities are used to display special characters. These may be characters that are not found on a keyboard, or key characters, such as &lt; and </a:t>
-            </a:r>
-            <a:r>
-              <a:rPr lang="en-US" sz="2400" dirty="0" smtClean="0"/>
-              <a:t>/.  </a:t>
+              <a:t>Character entities are used to display special characters. These may be characters that are not found on a keyboard, or key characters, such as &lt; and /.  </a:t>
             </a:r>
           </a:p>
           <a:p>
@@ -10345,7 +10841,6 @@
               <a:rPr lang="en-US" sz="2600" dirty="0" smtClean="0"/>
               <a:t>;	   (non-breaking space)</a:t>
             </a:r>
-            <a:endParaRPr lang="en-US" sz="2600" dirty="0" smtClean="0"/>
           </a:p>
           <a:p>
             <a:pPr marL="45720" indent="0">
@@ -10365,11 +10860,7 @@
             </a:pPr>
             <a:r>
               <a:rPr lang="en-US" sz="1800" dirty="0" smtClean="0"/>
-              <a:t>A </a:t>
-            </a:r>
-            <a:r>
-              <a:rPr lang="en-US" sz="1800" dirty="0" smtClean="0"/>
-              <a:t>complete list of character entities may be found at</a:t>
+              <a:t>A complete list of character entities may be found at</a:t>
             </a:r>
           </a:p>
           <a:p>
@@ -12369,19 +12860,19 @@
   <a:themeElements>
     <a:clrScheme name="CS2800">
       <a:dk1>
-        <a:srgbClr val="000000"/>
+        <a:srgbClr val="002F8E"/>
       </a:dk1>
       <a:lt1>
         <a:srgbClr val="FFFFFF"/>
       </a:lt1>
       <a:dk2>
-        <a:srgbClr val="002060"/>
+        <a:srgbClr val="00236A"/>
       </a:dk2>
       <a:lt2>
         <a:srgbClr val="FFFFFF"/>
       </a:lt2>
       <a:accent1>
-        <a:srgbClr val="D5D5D5"/>
+        <a:srgbClr val="860000"/>
       </a:accent1>
       <a:accent2>
         <a:srgbClr val="6E2C11"/>
@@ -12390,7 +12881,7 @@
         <a:srgbClr val="526DB0"/>
       </a:accent3>
       <a:accent4>
-        <a:srgbClr val="989AAC"/>
+        <a:srgbClr val="D5D5D5"/>
       </a:accent4>
       <a:accent5>
         <a:srgbClr val="DC5924"/>
